--- a/Devoxx 2012 - Hibernate Envers.pptx
+++ b/Devoxx 2012 - Hibernate Envers.pptx
@@ -21,13 +21,13 @@
     <p:sldId id="264" r:id="rId9"/>
     <p:sldId id="265" r:id="rId10"/>
     <p:sldId id="266" r:id="rId11"/>
-    <p:sldId id="279" r:id="rId12"/>
-    <p:sldId id="267" r:id="rId13"/>
-    <p:sldId id="268" r:id="rId14"/>
-    <p:sldId id="269" r:id="rId15"/>
-    <p:sldId id="270" r:id="rId16"/>
-    <p:sldId id="271" r:id="rId17"/>
-    <p:sldId id="272" r:id="rId18"/>
+    <p:sldId id="267" r:id="rId12"/>
+    <p:sldId id="268" r:id="rId13"/>
+    <p:sldId id="269" r:id="rId14"/>
+    <p:sldId id="270" r:id="rId15"/>
+    <p:sldId id="271" r:id="rId16"/>
+    <p:sldId id="272" r:id="rId17"/>
+    <p:sldId id="281" r:id="rId18"/>
     <p:sldId id="273" r:id="rId19"/>
     <p:sldId id="278" r:id="rId20"/>
     <p:sldId id="260" r:id="rId21"/>
@@ -7020,1021 +7020,6 @@
             </a:pPr>
             <a:r>
               <a:rPr lang="en-US" dirty="0" smtClean="0"/>
-              <a:t>Audit a simple entity class</a:t>
-            </a:r>
-          </a:p>
-        </p:txBody>
-      </p:sp>
-      <p:sp>
-        <p:nvSpPr>
-          <p:cNvPr id="10244" name="Rectangle 3"/>
-          <p:cNvSpPr>
-            <a:spLocks noGrp="1" noChangeArrowheads="1"/>
-          </p:cNvSpPr>
-          <p:nvPr>
-            <p:ph type="body" idx="4294967295"/>
-          </p:nvPr>
-        </p:nvSpPr>
-        <p:spPr>
-          <a:xfrm>
-            <a:off x="812800" y="1860550"/>
-            <a:ext cx="15011400" cy="6551613"/>
-          </a:xfrm>
-        </p:spPr>
-        <p:txBody>
-          <a:bodyPr/>
-          <a:lstStyle/>
-          <a:p>
-            <a:pPr marL="533400" indent="-531813">
-              <a:buClrTx/>
-              <a:buNone/>
-              <a:tabLst>
-                <a:tab pos="533400" algn="l"/>
-                <a:tab pos="912813" algn="l"/>
-                <a:tab pos="1827213" algn="l"/>
-                <a:tab pos="2741613" algn="l"/>
-                <a:tab pos="3656013" algn="l"/>
-                <a:tab pos="4570413" algn="l"/>
-                <a:tab pos="5484813" algn="l"/>
-                <a:tab pos="6399213" algn="l"/>
-                <a:tab pos="7313613" algn="l"/>
-                <a:tab pos="8228013" algn="l"/>
-                <a:tab pos="9142413" algn="l"/>
-                <a:tab pos="10056813" algn="l"/>
-                <a:tab pos="10134600" algn="l"/>
-                <a:tab pos="10858500" algn="l"/>
-                <a:tab pos="11582400" algn="l"/>
-                <a:tab pos="12306300" algn="l"/>
-                <a:tab pos="13030200" algn="l"/>
-                <a:tab pos="13754100" algn="l"/>
-                <a:tab pos="14478000" algn="l"/>
-              </a:tabLst>
-            </a:pPr>
-            <a:r>
-              <a:rPr lang="en-US" dirty="0" smtClean="0">
-                <a:solidFill>
-                  <a:schemeClr val="bg1">
-                    <a:lumMod val="50000"/>
-                  </a:schemeClr>
-                </a:solidFill>
-              </a:rPr>
-              <a:t>@Entity</a:t>
-            </a:r>
-          </a:p>
-          <a:p>
-            <a:pPr marL="533400" indent="-531813">
-              <a:buClrTx/>
-              <a:buNone/>
-              <a:tabLst>
-                <a:tab pos="533400" algn="l"/>
-                <a:tab pos="912813" algn="l"/>
-                <a:tab pos="1827213" algn="l"/>
-                <a:tab pos="2741613" algn="l"/>
-                <a:tab pos="3656013" algn="l"/>
-                <a:tab pos="4570413" algn="l"/>
-                <a:tab pos="5484813" algn="l"/>
-                <a:tab pos="6399213" algn="l"/>
-                <a:tab pos="7313613" algn="l"/>
-                <a:tab pos="8228013" algn="l"/>
-                <a:tab pos="9142413" algn="l"/>
-                <a:tab pos="10056813" algn="l"/>
-                <a:tab pos="10134600" algn="l"/>
-                <a:tab pos="10858500" algn="l"/>
-                <a:tab pos="11582400" algn="l"/>
-                <a:tab pos="12306300" algn="l"/>
-                <a:tab pos="13030200" algn="l"/>
-                <a:tab pos="13754100" algn="l"/>
-                <a:tab pos="14478000" algn="l"/>
-              </a:tabLst>
-            </a:pPr>
-            <a:r>
-              <a:rPr lang="en-US" b="1" dirty="0" smtClean="0">
-                <a:solidFill>
-                  <a:srgbClr val="00B050"/>
-                </a:solidFill>
-              </a:rPr>
-              <a:t>@Audited</a:t>
-            </a:r>
-          </a:p>
-          <a:p>
-            <a:pPr marL="533400" indent="-531813">
-              <a:buClrTx/>
-              <a:buNone/>
-              <a:tabLst>
-                <a:tab pos="533400" algn="l"/>
-                <a:tab pos="912813" algn="l"/>
-                <a:tab pos="1827213" algn="l"/>
-                <a:tab pos="2741613" algn="l"/>
-                <a:tab pos="3656013" algn="l"/>
-                <a:tab pos="4570413" algn="l"/>
-                <a:tab pos="5484813" algn="l"/>
-                <a:tab pos="6399213" algn="l"/>
-                <a:tab pos="7313613" algn="l"/>
-                <a:tab pos="8228013" algn="l"/>
-                <a:tab pos="9142413" algn="l"/>
-                <a:tab pos="10056813" algn="l"/>
-                <a:tab pos="10134600" algn="l"/>
-                <a:tab pos="10858500" algn="l"/>
-                <a:tab pos="11582400" algn="l"/>
-                <a:tab pos="12306300" algn="l"/>
-                <a:tab pos="13030200" algn="l"/>
-                <a:tab pos="13754100" algn="l"/>
-                <a:tab pos="14478000" algn="l"/>
-              </a:tabLst>
-            </a:pPr>
-            <a:r>
-              <a:rPr lang="en-US" dirty="0" smtClean="0">
-                <a:solidFill>
-                  <a:srgbClr val="C00000"/>
-                </a:solidFill>
-              </a:rPr>
-              <a:t>public class</a:t>
-            </a:r>
-            <a:r>
-              <a:rPr lang="en-US" dirty="0" smtClean="0"/>
-              <a:t> Person {</a:t>
-            </a:r>
-          </a:p>
-          <a:p>
-            <a:pPr marL="533400" indent="-531813">
-              <a:buClrTx/>
-              <a:buNone/>
-              <a:tabLst>
-                <a:tab pos="533400" algn="l"/>
-                <a:tab pos="912813" algn="l"/>
-                <a:tab pos="1827213" algn="l"/>
-                <a:tab pos="2741613" algn="l"/>
-                <a:tab pos="3656013" algn="l"/>
-                <a:tab pos="4570413" algn="l"/>
-                <a:tab pos="5484813" algn="l"/>
-                <a:tab pos="6399213" algn="l"/>
-                <a:tab pos="7313613" algn="l"/>
-                <a:tab pos="8228013" algn="l"/>
-                <a:tab pos="9142413" algn="l"/>
-                <a:tab pos="10056813" algn="l"/>
-                <a:tab pos="10134600" algn="l"/>
-                <a:tab pos="10858500" algn="l"/>
-                <a:tab pos="11582400" algn="l"/>
-                <a:tab pos="12306300" algn="l"/>
-                <a:tab pos="13030200" algn="l"/>
-                <a:tab pos="13754100" algn="l"/>
-                <a:tab pos="14478000" algn="l"/>
-              </a:tabLst>
-            </a:pPr>
-            <a:r>
-              <a:rPr lang="en-US" dirty="0" smtClean="0"/>
-              <a:t>	</a:t>
-            </a:r>
-            <a:r>
-              <a:rPr lang="en-US" dirty="0" smtClean="0">
-                <a:solidFill>
-                  <a:schemeClr val="bg1">
-                    <a:lumMod val="50000"/>
-                  </a:schemeClr>
-                </a:solidFill>
-              </a:rPr>
-              <a:t>@Id @</a:t>
-            </a:r>
-            <a:r>
-              <a:rPr lang="en-US" dirty="0" err="1" smtClean="0">
-                <a:solidFill>
-                  <a:schemeClr val="bg1">
-                    <a:lumMod val="50000"/>
-                  </a:schemeClr>
-                </a:solidFill>
-              </a:rPr>
-              <a:t>GeneratedValue</a:t>
-            </a:r>
-            <a:endParaRPr lang="en-US" dirty="0" smtClean="0">
-              <a:solidFill>
-                <a:schemeClr val="bg1">
-                  <a:lumMod val="50000"/>
-                </a:schemeClr>
-              </a:solidFill>
-            </a:endParaRPr>
-          </a:p>
-          <a:p>
-            <a:pPr marL="533400" indent="-531813">
-              <a:buClrTx/>
-              <a:buNone/>
-              <a:tabLst>
-                <a:tab pos="533400" algn="l"/>
-                <a:tab pos="912813" algn="l"/>
-                <a:tab pos="1827213" algn="l"/>
-                <a:tab pos="2741613" algn="l"/>
-                <a:tab pos="3656013" algn="l"/>
-                <a:tab pos="4570413" algn="l"/>
-                <a:tab pos="5484813" algn="l"/>
-                <a:tab pos="6399213" algn="l"/>
-                <a:tab pos="7313613" algn="l"/>
-                <a:tab pos="8228013" algn="l"/>
-                <a:tab pos="9142413" algn="l"/>
-                <a:tab pos="10056813" algn="l"/>
-                <a:tab pos="10134600" algn="l"/>
-                <a:tab pos="10858500" algn="l"/>
-                <a:tab pos="11582400" algn="l"/>
-                <a:tab pos="12306300" algn="l"/>
-                <a:tab pos="13030200" algn="l"/>
-                <a:tab pos="13754100" algn="l"/>
-                <a:tab pos="14478000" algn="l"/>
-              </a:tabLst>
-            </a:pPr>
-            <a:r>
-              <a:rPr lang="en-US" dirty="0" smtClean="0"/>
-              <a:t>	</a:t>
-            </a:r>
-            <a:r>
-              <a:rPr lang="en-US" dirty="0" smtClean="0">
-                <a:solidFill>
-                  <a:srgbClr val="C00000"/>
-                </a:solidFill>
-              </a:rPr>
-              <a:t>private</a:t>
-            </a:r>
-            <a:r>
-              <a:rPr lang="en-US" dirty="0" smtClean="0"/>
-              <a:t> </a:t>
-            </a:r>
-            <a:r>
-              <a:rPr lang="en-US" dirty="0" err="1" smtClean="0"/>
-              <a:t>int</a:t>
-            </a:r>
-            <a:r>
-              <a:rPr lang="en-US" dirty="0" smtClean="0"/>
-              <a:t> </a:t>
-            </a:r>
-            <a:r>
-              <a:rPr lang="en-US" dirty="0" smtClean="0">
-                <a:solidFill>
-                  <a:srgbClr val="0070C0"/>
-                </a:solidFill>
-              </a:rPr>
-              <a:t>id</a:t>
-            </a:r>
-            <a:r>
-              <a:rPr lang="en-US" dirty="0" smtClean="0"/>
-              <a:t>;</a:t>
-            </a:r>
-          </a:p>
-          <a:p>
-            <a:pPr marL="533400" indent="-531813">
-              <a:buClrTx/>
-              <a:buNone/>
-              <a:tabLst>
-                <a:tab pos="533400" algn="l"/>
-                <a:tab pos="912813" algn="l"/>
-                <a:tab pos="1827213" algn="l"/>
-                <a:tab pos="2741613" algn="l"/>
-                <a:tab pos="3656013" algn="l"/>
-                <a:tab pos="4570413" algn="l"/>
-                <a:tab pos="5484813" algn="l"/>
-                <a:tab pos="6399213" algn="l"/>
-                <a:tab pos="7313613" algn="l"/>
-                <a:tab pos="8228013" algn="l"/>
-                <a:tab pos="9142413" algn="l"/>
-                <a:tab pos="10056813" algn="l"/>
-                <a:tab pos="10134600" algn="l"/>
-                <a:tab pos="10858500" algn="l"/>
-                <a:tab pos="11582400" algn="l"/>
-                <a:tab pos="12306300" algn="l"/>
-                <a:tab pos="13030200" algn="l"/>
-                <a:tab pos="13754100" algn="l"/>
-                <a:tab pos="14478000" algn="l"/>
-              </a:tabLst>
-            </a:pPr>
-            <a:endParaRPr lang="en-US" dirty="0" smtClean="0"/>
-          </a:p>
-          <a:p>
-            <a:pPr marL="533400" indent="-531813">
-              <a:buClrTx/>
-              <a:buNone/>
-              <a:tabLst>
-                <a:tab pos="533400" algn="l"/>
-                <a:tab pos="912813" algn="l"/>
-                <a:tab pos="1827213" algn="l"/>
-                <a:tab pos="2741613" algn="l"/>
-                <a:tab pos="3656013" algn="l"/>
-                <a:tab pos="4570413" algn="l"/>
-                <a:tab pos="5484813" algn="l"/>
-                <a:tab pos="6399213" algn="l"/>
-                <a:tab pos="7313613" algn="l"/>
-                <a:tab pos="8228013" algn="l"/>
-                <a:tab pos="9142413" algn="l"/>
-                <a:tab pos="10056813" algn="l"/>
-                <a:tab pos="10134600" algn="l"/>
-                <a:tab pos="10858500" algn="l"/>
-                <a:tab pos="11582400" algn="l"/>
-                <a:tab pos="12306300" algn="l"/>
-                <a:tab pos="13030200" algn="l"/>
-                <a:tab pos="13754100" algn="l"/>
-                <a:tab pos="14478000" algn="l"/>
-              </a:tabLst>
-            </a:pPr>
-            <a:r>
-              <a:rPr lang="en-US" dirty="0" smtClean="0"/>
-              <a:t>	</a:t>
-            </a:r>
-            <a:r>
-              <a:rPr lang="en-US" dirty="0" smtClean="0">
-                <a:solidFill>
-                  <a:srgbClr val="C00000"/>
-                </a:solidFill>
-              </a:rPr>
-              <a:t>private</a:t>
-            </a:r>
-            <a:r>
-              <a:rPr lang="en-US" dirty="0" smtClean="0"/>
-              <a:t> String </a:t>
-            </a:r>
-            <a:r>
-              <a:rPr lang="en-US" dirty="0" smtClean="0">
-                <a:solidFill>
-                  <a:srgbClr val="0070C0"/>
-                </a:solidFill>
-              </a:rPr>
-              <a:t>name</a:t>
-            </a:r>
-            <a:r>
-              <a:rPr lang="en-US" dirty="0" smtClean="0"/>
-              <a:t>;</a:t>
-            </a:r>
-          </a:p>
-          <a:p>
-            <a:pPr marL="533400" indent="-531813">
-              <a:buClrTx/>
-              <a:buNone/>
-              <a:tabLst>
-                <a:tab pos="533400" algn="l"/>
-                <a:tab pos="912813" algn="l"/>
-                <a:tab pos="1827213" algn="l"/>
-                <a:tab pos="2741613" algn="l"/>
-                <a:tab pos="3656013" algn="l"/>
-                <a:tab pos="4570413" algn="l"/>
-                <a:tab pos="5484813" algn="l"/>
-                <a:tab pos="6399213" algn="l"/>
-                <a:tab pos="7313613" algn="l"/>
-                <a:tab pos="8228013" algn="l"/>
-                <a:tab pos="9142413" algn="l"/>
-                <a:tab pos="10056813" algn="l"/>
-                <a:tab pos="10134600" algn="l"/>
-                <a:tab pos="10858500" algn="l"/>
-                <a:tab pos="11582400" algn="l"/>
-                <a:tab pos="12306300" algn="l"/>
-                <a:tab pos="13030200" algn="l"/>
-                <a:tab pos="13754100" algn="l"/>
-                <a:tab pos="14478000" algn="l"/>
-              </a:tabLst>
-            </a:pPr>
-            <a:r>
-              <a:rPr lang="en-US" dirty="0" smtClean="0"/>
-              <a:t>	</a:t>
-            </a:r>
-            <a:r>
-              <a:rPr lang="en-US" dirty="0" smtClean="0">
-                <a:solidFill>
-                  <a:srgbClr val="C00000"/>
-                </a:solidFill>
-              </a:rPr>
-              <a:t>private</a:t>
-            </a:r>
-            <a:r>
-              <a:rPr lang="en-US" dirty="0" smtClean="0"/>
-              <a:t> String </a:t>
-            </a:r>
-            <a:r>
-              <a:rPr lang="en-US" dirty="0" smtClean="0">
-                <a:solidFill>
-                  <a:srgbClr val="0070C0"/>
-                </a:solidFill>
-              </a:rPr>
-              <a:t>surname</a:t>
-            </a:r>
-            <a:r>
-              <a:rPr lang="en-US" dirty="0" smtClean="0"/>
-              <a:t>;</a:t>
-            </a:r>
-          </a:p>
-          <a:p>
-            <a:pPr marL="533400" indent="-531813">
-              <a:buClrTx/>
-              <a:buNone/>
-              <a:tabLst>
-                <a:tab pos="533400" algn="l"/>
-                <a:tab pos="912813" algn="l"/>
-                <a:tab pos="1827213" algn="l"/>
-                <a:tab pos="2741613" algn="l"/>
-                <a:tab pos="3656013" algn="l"/>
-                <a:tab pos="4570413" algn="l"/>
-                <a:tab pos="5484813" algn="l"/>
-                <a:tab pos="6399213" algn="l"/>
-                <a:tab pos="7313613" algn="l"/>
-                <a:tab pos="8228013" algn="l"/>
-                <a:tab pos="9142413" algn="l"/>
-                <a:tab pos="10056813" algn="l"/>
-                <a:tab pos="10134600" algn="l"/>
-                <a:tab pos="10858500" algn="l"/>
-                <a:tab pos="11582400" algn="l"/>
-                <a:tab pos="12306300" algn="l"/>
-                <a:tab pos="13030200" algn="l"/>
-                <a:tab pos="13754100" algn="l"/>
-                <a:tab pos="14478000" algn="l"/>
-              </a:tabLst>
-            </a:pPr>
-            <a:endParaRPr lang="en-US" dirty="0" smtClean="0"/>
-          </a:p>
-          <a:p>
-            <a:pPr marL="533400" indent="-531813">
-              <a:buClrTx/>
-              <a:buNone/>
-              <a:tabLst>
-                <a:tab pos="533400" algn="l"/>
-                <a:tab pos="912813" algn="l"/>
-                <a:tab pos="1827213" algn="l"/>
-                <a:tab pos="2741613" algn="l"/>
-                <a:tab pos="3656013" algn="l"/>
-                <a:tab pos="4570413" algn="l"/>
-                <a:tab pos="5484813" algn="l"/>
-                <a:tab pos="6399213" algn="l"/>
-                <a:tab pos="7313613" algn="l"/>
-                <a:tab pos="8228013" algn="l"/>
-                <a:tab pos="9142413" algn="l"/>
-                <a:tab pos="10056813" algn="l"/>
-                <a:tab pos="10134600" algn="l"/>
-                <a:tab pos="10858500" algn="l"/>
-                <a:tab pos="11582400" algn="l"/>
-                <a:tab pos="12306300" algn="l"/>
-                <a:tab pos="13030200" algn="l"/>
-                <a:tab pos="13754100" algn="l"/>
-                <a:tab pos="14478000" algn="l"/>
-              </a:tabLst>
-            </a:pPr>
-            <a:r>
-              <a:rPr lang="en-US" dirty="0" smtClean="0"/>
-              <a:t>	</a:t>
-            </a:r>
-            <a:r>
-              <a:rPr lang="en-US" dirty="0" smtClean="0">
-                <a:solidFill>
-                  <a:schemeClr val="bg1">
-                    <a:lumMod val="50000"/>
-                  </a:schemeClr>
-                </a:solidFill>
-              </a:rPr>
-              <a:t>@</a:t>
-            </a:r>
-            <a:r>
-              <a:rPr lang="en-US" dirty="0" err="1" smtClean="0">
-                <a:solidFill>
-                  <a:schemeClr val="bg1">
-                    <a:lumMod val="50000"/>
-                  </a:schemeClr>
-                </a:solidFill>
-              </a:rPr>
-              <a:t>ManyToOne</a:t>
-            </a:r>
-            <a:endParaRPr lang="en-US" dirty="0" smtClean="0">
-              <a:solidFill>
-                <a:schemeClr val="bg1">
-                  <a:lumMod val="50000"/>
-                </a:schemeClr>
-              </a:solidFill>
-            </a:endParaRPr>
-          </a:p>
-          <a:p>
-            <a:pPr marL="533400" indent="-531813">
-              <a:buClrTx/>
-              <a:buNone/>
-              <a:tabLst>
-                <a:tab pos="533400" algn="l"/>
-                <a:tab pos="912813" algn="l"/>
-                <a:tab pos="1827213" algn="l"/>
-                <a:tab pos="2741613" algn="l"/>
-                <a:tab pos="3656013" algn="l"/>
-                <a:tab pos="4570413" algn="l"/>
-                <a:tab pos="5484813" algn="l"/>
-                <a:tab pos="6399213" algn="l"/>
-                <a:tab pos="7313613" algn="l"/>
-                <a:tab pos="8228013" algn="l"/>
-                <a:tab pos="9142413" algn="l"/>
-                <a:tab pos="10056813" algn="l"/>
-                <a:tab pos="10134600" algn="l"/>
-                <a:tab pos="10858500" algn="l"/>
-                <a:tab pos="11582400" algn="l"/>
-                <a:tab pos="12306300" algn="l"/>
-                <a:tab pos="13030200" algn="l"/>
-                <a:tab pos="13754100" algn="l"/>
-                <a:tab pos="14478000" algn="l"/>
-              </a:tabLst>
-            </a:pPr>
-            <a:r>
-              <a:rPr lang="en-US" dirty="0" smtClean="0"/>
-              <a:t>	</a:t>
-            </a:r>
-            <a:r>
-              <a:rPr lang="en-US" dirty="0" smtClean="0">
-                <a:solidFill>
-                  <a:srgbClr val="C00000"/>
-                </a:solidFill>
-              </a:rPr>
-              <a:t>private</a:t>
-            </a:r>
-            <a:r>
-              <a:rPr lang="en-US" dirty="0" smtClean="0"/>
-              <a:t> Address </a:t>
-            </a:r>
-            <a:r>
-              <a:rPr lang="en-US" dirty="0" err="1" smtClean="0">
-                <a:solidFill>
-                  <a:srgbClr val="0070C0"/>
-                </a:solidFill>
-              </a:rPr>
-              <a:t>address</a:t>
-            </a:r>
-            <a:r>
-              <a:rPr lang="en-US" dirty="0" smtClean="0"/>
-              <a:t>;</a:t>
-            </a:r>
-          </a:p>
-          <a:p>
-            <a:pPr marL="533400" indent="-531813">
-              <a:buClrTx/>
-              <a:buNone/>
-              <a:tabLst>
-                <a:tab pos="533400" algn="l"/>
-                <a:tab pos="912813" algn="l"/>
-                <a:tab pos="1827213" algn="l"/>
-                <a:tab pos="2741613" algn="l"/>
-                <a:tab pos="3656013" algn="l"/>
-                <a:tab pos="4570413" algn="l"/>
-                <a:tab pos="5484813" algn="l"/>
-                <a:tab pos="6399213" algn="l"/>
-                <a:tab pos="7313613" algn="l"/>
-                <a:tab pos="8228013" algn="l"/>
-                <a:tab pos="9142413" algn="l"/>
-                <a:tab pos="10056813" algn="l"/>
-                <a:tab pos="10134600" algn="l"/>
-                <a:tab pos="10858500" algn="l"/>
-                <a:tab pos="11582400" algn="l"/>
-                <a:tab pos="12306300" algn="l"/>
-                <a:tab pos="13030200" algn="l"/>
-                <a:tab pos="13754100" algn="l"/>
-                <a:tab pos="14478000" algn="l"/>
-              </a:tabLst>
-            </a:pPr>
-            <a:endParaRPr lang="en-US" dirty="0" smtClean="0"/>
-          </a:p>
-          <a:p>
-            <a:pPr marL="533400" indent="-531813">
-              <a:buClrTx/>
-              <a:buNone/>
-              <a:tabLst>
-                <a:tab pos="533400" algn="l"/>
-                <a:tab pos="912813" algn="l"/>
-                <a:tab pos="1827213" algn="l"/>
-                <a:tab pos="2741613" algn="l"/>
-                <a:tab pos="3656013" algn="l"/>
-                <a:tab pos="4570413" algn="l"/>
-                <a:tab pos="5484813" algn="l"/>
-                <a:tab pos="6399213" algn="l"/>
-                <a:tab pos="7313613" algn="l"/>
-                <a:tab pos="8228013" algn="l"/>
-                <a:tab pos="9142413" algn="l"/>
-                <a:tab pos="10056813" algn="l"/>
-                <a:tab pos="10134600" algn="l"/>
-                <a:tab pos="10858500" algn="l"/>
-                <a:tab pos="11582400" algn="l"/>
-                <a:tab pos="12306300" algn="l"/>
-                <a:tab pos="13030200" algn="l"/>
-                <a:tab pos="13754100" algn="l"/>
-                <a:tab pos="14478000" algn="l"/>
-              </a:tabLst>
-            </a:pPr>
-            <a:r>
-              <a:rPr lang="en-US" dirty="0" smtClean="0"/>
-              <a:t>	</a:t>
-            </a:r>
-            <a:r>
-              <a:rPr lang="en-US" dirty="0" smtClean="0">
-                <a:solidFill>
-                  <a:schemeClr val="accent1">
-                    <a:lumMod val="75000"/>
-                  </a:schemeClr>
-                </a:solidFill>
-              </a:rPr>
-              <a:t>// getters, setters, constructors, equals and </a:t>
-            </a:r>
-            <a:r>
-              <a:rPr lang="en-US" dirty="0" err="1" smtClean="0">
-                <a:solidFill>
-                  <a:schemeClr val="accent1">
-                    <a:lumMod val="75000"/>
-                  </a:schemeClr>
-                </a:solidFill>
-              </a:rPr>
-              <a:t>hashCode</a:t>
-            </a:r>
-            <a:r>
-              <a:rPr lang="en-US" dirty="0" smtClean="0">
-                <a:solidFill>
-                  <a:schemeClr val="accent1">
-                    <a:lumMod val="75000"/>
-                  </a:schemeClr>
-                </a:solidFill>
-              </a:rPr>
-              <a:t>…</a:t>
-            </a:r>
-          </a:p>
-          <a:p>
-            <a:pPr marL="533400" indent="-531813">
-              <a:buClrTx/>
-              <a:buNone/>
-              <a:tabLst>
-                <a:tab pos="533400" algn="l"/>
-                <a:tab pos="912813" algn="l"/>
-                <a:tab pos="1827213" algn="l"/>
-                <a:tab pos="2741613" algn="l"/>
-                <a:tab pos="3656013" algn="l"/>
-                <a:tab pos="4570413" algn="l"/>
-                <a:tab pos="5484813" algn="l"/>
-                <a:tab pos="6399213" algn="l"/>
-                <a:tab pos="7313613" algn="l"/>
-                <a:tab pos="8228013" algn="l"/>
-                <a:tab pos="9142413" algn="l"/>
-                <a:tab pos="10056813" algn="l"/>
-                <a:tab pos="10134600" algn="l"/>
-                <a:tab pos="10858500" algn="l"/>
-                <a:tab pos="11582400" algn="l"/>
-                <a:tab pos="12306300" algn="l"/>
-                <a:tab pos="13030200" algn="l"/>
-                <a:tab pos="13754100" algn="l"/>
-                <a:tab pos="14478000" algn="l"/>
-              </a:tabLst>
-            </a:pPr>
-            <a:r>
-              <a:rPr lang="en-US" dirty="0" smtClean="0"/>
-              <a:t>}</a:t>
-            </a:r>
-          </a:p>
-        </p:txBody>
-      </p:sp>
-      <p:sp>
-        <p:nvSpPr>
-          <p:cNvPr id="5" name="Notched Right Arrow 4"/>
-          <p:cNvSpPr/>
-          <p:nvPr/>
-        </p:nvSpPr>
-        <p:spPr bwMode="auto">
-          <a:xfrm rot="9043933">
-            <a:off x="2655271" y="1686637"/>
-            <a:ext cx="1368152" cy="648072"/>
-          </a:xfrm>
-          <a:prstGeom prst="notchedRightArrow">
-            <a:avLst/>
-          </a:prstGeom>
-          <a:ln>
-            <a:headEnd type="none" w="med" len="med"/>
-            <a:tailEnd type="none" w="med" len="med"/>
-          </a:ln>
-        </p:spPr>
-        <p:style>
-          <a:lnRef idx="1">
-            <a:schemeClr val="accent2"/>
-          </a:lnRef>
-          <a:fillRef idx="2">
-            <a:schemeClr val="accent2"/>
-          </a:fillRef>
-          <a:effectRef idx="1">
-            <a:schemeClr val="accent2"/>
-          </a:effectRef>
-          <a:fontRef idx="minor">
-            <a:schemeClr val="dk1"/>
-          </a:fontRef>
-        </p:style>
-        <p:txBody>
-          <a:bodyPr vert="horz" wrap="square" lIns="91440" tIns="45720" rIns="91440" bIns="45720" numCol="1" rtlCol="0" anchor="t" anchorCtr="0" compatLnSpc="1">
-            <a:prstTxWarp prst="textNoShape">
-              <a:avLst/>
-            </a:prstTxWarp>
-          </a:bodyPr>
-          <a:lstStyle/>
-          <a:p>
-            <a:pPr marL="0" marR="0" indent="0" algn="ctr" defTabSz="457200" rtl="0" eaLnBrk="1" fontAlgn="base" latinLnBrk="0" hangingPunct="1">
-              <a:lnSpc>
-                <a:spcPct val="100000"/>
-              </a:lnSpc>
-              <a:spcBef>
-                <a:spcPct val="0"/>
-              </a:spcBef>
-              <a:spcAft>
-                <a:spcPct val="0"/>
-              </a:spcAft>
-              <a:buClr>
-                <a:srgbClr val="000000"/>
-              </a:buClr>
-              <a:buSzPct val="100000"/>
-              <a:buFont typeface="Times New Roman" pitchFamily="16" charset="0"/>
-              <a:buNone/>
-              <a:tabLst/>
-            </a:pPr>
-            <a:endParaRPr kumimoji="0" lang="en-US" sz="3200" b="0" i="0" u="none" strike="noStrike" cap="none" normalizeH="0" baseline="0" smtClean="0">
-              <a:ln>
-                <a:noFill/>
-              </a:ln>
-              <a:solidFill>
-                <a:schemeClr val="bg1"/>
-              </a:solidFill>
-              <a:effectLst/>
-              <a:latin typeface="Gill Sans" charset="0"/>
-            </a:endParaRPr>
-          </a:p>
-        </p:txBody>
-      </p:sp>
-    </p:spTree>
-  </p:cSld>
-  <p:clrMapOvr>
-    <a:masterClrMapping/>
-  </p:clrMapOvr>
-  <p:transition xmlns:p14="http://schemas.microsoft.com/office/powerpoint/2010/main"/>
-  <p:timing>
-    <p:tnLst>
-      <p:par>
-        <p:cTn xmlns:p14="http://schemas.microsoft.com/office/powerpoint/2010/main" id="1" dur="indefinite" restart="never" nodeType="tmRoot">
-          <p:childTnLst>
-            <p:seq concurrent="1" nextAc="seek">
-              <p:cTn id="2" dur="indefinite" nodeType="mainSeq">
-                <p:childTnLst>
-                  <p:par>
-                    <p:cTn id="3" fill="hold">
-                      <p:stCondLst>
-                        <p:cond delay="indefinite"/>
-                      </p:stCondLst>
-                      <p:childTnLst>
-                        <p:par>
-                          <p:cTn id="4" fill="hold">
-                            <p:stCondLst>
-                              <p:cond delay="0"/>
-                            </p:stCondLst>
-                            <p:childTnLst>
-                              <p:par>
-                                <p:cTn id="5" presetID="12" presetClass="entr" presetSubtype="4" fill="hold" grpId="0" nodeType="clickEffect">
-                                  <p:stCondLst>
-                                    <p:cond delay="0"/>
-                                  </p:stCondLst>
-                                  <p:childTnLst>
-                                    <p:set>
-                                      <p:cBhvr>
-                                        <p:cTn id="6" dur="1" fill="hold">
-                                          <p:stCondLst>
-                                            <p:cond delay="0"/>
-                                          </p:stCondLst>
-                                        </p:cTn>
-                                        <p:tgtEl>
-                                          <p:spTgt spid="5"/>
-                                        </p:tgtEl>
-                                        <p:attrNameLst>
-                                          <p:attrName>style.visibility</p:attrName>
-                                        </p:attrNameLst>
-                                      </p:cBhvr>
-                                      <p:to>
-                                        <p:strVal val="visible"/>
-                                      </p:to>
-                                    </p:set>
-                                    <p:animEffect transition="in" filter="slide(fromBottom)">
-                                      <p:cBhvr>
-                                        <p:cTn id="7" dur="500"/>
-                                        <p:tgtEl>
-                                          <p:spTgt spid="5"/>
-                                        </p:tgtEl>
-                                      </p:cBhvr>
-                                    </p:animEffect>
-                                  </p:childTnLst>
-                                </p:cTn>
-                              </p:par>
-                              <p:par>
-                                <p:cTn id="8" presetID="12" presetClass="entr" presetSubtype="4" fill="hold" nodeType="withEffect">
-                                  <p:stCondLst>
-                                    <p:cond delay="0"/>
-                                  </p:stCondLst>
-                                  <p:childTnLst>
-                                    <p:set>
-                                      <p:cBhvr>
-                                        <p:cTn id="9" dur="1" fill="hold">
-                                          <p:stCondLst>
-                                            <p:cond delay="0"/>
-                                          </p:stCondLst>
-                                        </p:cTn>
-                                        <p:tgtEl>
-                                          <p:spTgt spid="10244">
-                                            <p:txEl>
-                                              <p:pRg st="1" end="1"/>
-                                            </p:txEl>
-                                          </p:spTgt>
-                                        </p:tgtEl>
-                                        <p:attrNameLst>
-                                          <p:attrName>style.visibility</p:attrName>
-                                        </p:attrNameLst>
-                                      </p:cBhvr>
-                                      <p:to>
-                                        <p:strVal val="visible"/>
-                                      </p:to>
-                                    </p:set>
-                                    <p:animEffect transition="in" filter="slide(fromBottom)">
-                                      <p:cBhvr>
-                                        <p:cTn id="10" dur="500"/>
-                                        <p:tgtEl>
-                                          <p:spTgt spid="10244">
-                                            <p:txEl>
-                                              <p:pRg st="1" end="1"/>
-                                            </p:txEl>
-                                          </p:spTgt>
-                                        </p:tgtEl>
-                                      </p:cBhvr>
-                                    </p:animEffect>
-                                  </p:childTnLst>
-                                </p:cTn>
-                              </p:par>
-                            </p:childTnLst>
-                          </p:cTn>
-                        </p:par>
-                      </p:childTnLst>
-                    </p:cTn>
-                  </p:par>
-                </p:childTnLst>
-              </p:cTn>
-              <p:prevCondLst>
-                <p:cond evt="onPrev" delay="0">
-                  <p:tgtEl>
-                    <p:sldTgt/>
-                  </p:tgtEl>
-                </p:cond>
-              </p:prevCondLst>
-              <p:nextCondLst>
-                <p:cond evt="onNext" delay="0">
-                  <p:tgtEl>
-                    <p:sldTgt/>
-                  </p:tgtEl>
-                </p:cond>
-              </p:nextCondLst>
-            </p:seq>
-          </p:childTnLst>
-        </p:cTn>
-      </p:par>
-    </p:tnLst>
-    <p:bldLst>
-      <p:bldP spid="5" grpId="0" animBg="1"/>
-    </p:bldLst>
-  </p:timing>
-</p:sld>
-</file>
-
-<file path=ppt/slides/slide11.xml><?xml version="1.0" encoding="utf-8"?>
-<p:sld xmlns:a="http://schemas.openxmlformats.org/drawingml/2006/main" xmlns:r="http://schemas.openxmlformats.org/officeDocument/2006/relationships" xmlns:p="http://schemas.openxmlformats.org/presentationml/2006/main">
-  <p:cSld>
-    <p:spTree>
-      <p:nvGrpSpPr>
-        <p:cNvPr id="1" name=""/>
-        <p:cNvGrpSpPr/>
-        <p:nvPr/>
-      </p:nvGrpSpPr>
-      <p:grpSpPr>
-        <a:xfrm>
-          <a:off x="0" y="0"/>
-          <a:ext cx="0" cy="0"/>
-          <a:chOff x="0" y="0"/>
-          <a:chExt cx="0" cy="0"/>
-        </a:xfrm>
-      </p:grpSpPr>
-      <p:sp>
-        <p:nvSpPr>
-          <p:cNvPr id="10242" name="Text Box 1"/>
-          <p:cNvSpPr txBox="1">
-            <a:spLocks noChangeArrowheads="1"/>
-          </p:cNvSpPr>
-          <p:nvPr/>
-        </p:nvSpPr>
-        <p:spPr bwMode="auto">
-          <a:xfrm>
-            <a:off x="15614650" y="8699500"/>
-            <a:ext cx="266700" cy="279400"/>
-          </a:xfrm>
-          <a:prstGeom prst="rect">
-            <a:avLst/>
-          </a:prstGeom>
-          <a:noFill/>
-          <a:ln w="9525">
-            <a:noFill/>
-            <a:round/>
-            <a:headEnd/>
-            <a:tailEnd/>
-          </a:ln>
-        </p:spPr>
-        <p:txBody>
-          <a:bodyPr wrap="none" lIns="90000" tIns="46800" rIns="90000" bIns="46800"/>
-          <a:lstStyle/>
-          <a:p>
-            <a:pPr algn="ctr">
-              <a:buSzPct val="100000"/>
-              <a:tabLst>
-                <a:tab pos="0" algn="l"/>
-                <a:tab pos="914400" algn="l"/>
-                <a:tab pos="1828800" algn="l"/>
-                <a:tab pos="2743200" algn="l"/>
-                <a:tab pos="3657600" algn="l"/>
-                <a:tab pos="4572000" algn="l"/>
-                <a:tab pos="5486400" algn="l"/>
-                <a:tab pos="6400800" algn="l"/>
-                <a:tab pos="7315200" algn="l"/>
-                <a:tab pos="8229600" algn="l"/>
-                <a:tab pos="9144000" algn="l"/>
-                <a:tab pos="10058400" algn="l"/>
-              </a:tabLst>
-            </a:pPr>
-            <a:fld id="{E014567F-7DD3-4926-A887-6CFCA16D00FD}" type="slidenum">
-              <a:rPr lang="en-US" sz="1200">
-                <a:solidFill>
-                  <a:srgbClr val="000000"/>
-                </a:solidFill>
-                <a:ea typeface="Gill Sans"/>
-                <a:cs typeface="Gill Sans"/>
-              </a:rPr>
-              <a:pPr algn="ctr">
-                <a:buSzPct val="100000"/>
-                <a:tabLst>
-                  <a:tab pos="0" algn="l"/>
-                  <a:tab pos="914400" algn="l"/>
-                  <a:tab pos="1828800" algn="l"/>
-                  <a:tab pos="2743200" algn="l"/>
-                  <a:tab pos="3657600" algn="l"/>
-                  <a:tab pos="4572000" algn="l"/>
-                  <a:tab pos="5486400" algn="l"/>
-                  <a:tab pos="6400800" algn="l"/>
-                  <a:tab pos="7315200" algn="l"/>
-                  <a:tab pos="8229600" algn="l"/>
-                  <a:tab pos="9144000" algn="l"/>
-                  <a:tab pos="10058400" algn="l"/>
-                </a:tabLst>
-              </a:pPr>
-              <a:t>11</a:t>
-            </a:fld>
-            <a:endParaRPr lang="en-US" sz="1200">
-              <a:solidFill>
-                <a:srgbClr val="000000"/>
-              </a:solidFill>
-              <a:ea typeface="Gill Sans"/>
-              <a:cs typeface="Gill Sans"/>
-            </a:endParaRPr>
-          </a:p>
-        </p:txBody>
-      </p:sp>
-      <p:sp>
-        <p:nvSpPr>
-          <p:cNvPr id="10243" name="Rectangle 2"/>
-          <p:cNvSpPr>
-            <a:spLocks noGrp="1" noChangeArrowheads="1"/>
-          </p:cNvSpPr>
-          <p:nvPr>
-            <p:ph type="title" idx="4294967295"/>
-          </p:nvPr>
-        </p:nvSpPr>
-        <p:spPr>
-          <a:xfrm>
-            <a:off x="292100" y="76200"/>
-            <a:ext cx="15659100" cy="1498600"/>
-          </a:xfrm>
-        </p:spPr>
-        <p:txBody>
-          <a:bodyPr/>
-          <a:lstStyle/>
-          <a:p>
-            <a:pPr eaLnBrk="1" hangingPunct="1">
-              <a:buClrTx/>
-              <a:buFontTx/>
-              <a:buNone/>
-              <a:tabLst>
-                <a:tab pos="0" algn="l"/>
-                <a:tab pos="914400" algn="l"/>
-                <a:tab pos="1828800" algn="l"/>
-                <a:tab pos="2743200" algn="l"/>
-                <a:tab pos="3657600" algn="l"/>
-                <a:tab pos="4572000" algn="l"/>
-                <a:tab pos="5486400" algn="l"/>
-                <a:tab pos="6400800" algn="l"/>
-                <a:tab pos="7315200" algn="l"/>
-                <a:tab pos="8229600" algn="l"/>
-                <a:tab pos="9144000" algn="l"/>
-                <a:tab pos="10058400" algn="l"/>
-                <a:tab pos="10134600" algn="l"/>
-                <a:tab pos="10858500" algn="l"/>
-                <a:tab pos="11582400" algn="l"/>
-                <a:tab pos="12306300" algn="l"/>
-                <a:tab pos="13030200" algn="l"/>
-                <a:tab pos="13754100" algn="l"/>
-                <a:tab pos="14478000" algn="l"/>
-                <a:tab pos="15201900" algn="l"/>
-              </a:tabLst>
-            </a:pPr>
-            <a:r>
-              <a:rPr lang="en-US" dirty="0" smtClean="0"/>
               <a:t>Some useful </a:t>
             </a:r>
             <a:r>
@@ -8407,7 +7392,7 @@
 </p:sld>
 </file>
 
-<file path=ppt/slides/slide12.xml><?xml version="1.0" encoding="utf-8"?>
+<file path=ppt/slides/slide11.xml><?xml version="1.0" encoding="utf-8"?>
 <p:sld xmlns:a="http://schemas.openxmlformats.org/drawingml/2006/main" xmlns:r="http://schemas.openxmlformats.org/officeDocument/2006/relationships" xmlns:p="http://schemas.openxmlformats.org/presentationml/2006/main">
   <p:cSld>
     <p:spTree>
@@ -8653,7 +7638,13 @@
           <p:cNvGraphicFramePr>
             <a:graphicFrameLocks/>
           </p:cNvGraphicFramePr>
-          <p:nvPr/>
+          <p:nvPr>
+            <p:extLst>
+              <p:ext uri="{D42A27DB-BD31-4B8C-83A1-F6EECF244321}">
+                <p14:modId xmlns:p14="http://schemas.microsoft.com/office/powerpoint/2010/main" val="2061662824"/>
+              </p:ext>
+            </p:extLst>
+          </p:nvPr>
         </p:nvGraphicFramePr>
         <p:xfrm>
           <a:off x="2728194" y="4211960"/>
@@ -8791,7 +7782,11 @@
                       </a:endParaRPr>
                     </a:p>
                   </a:txBody>
-                  <a:tcPr/>
+                  <a:tcPr>
+                    <a:solidFill>
+                      <a:srgbClr val="CCFFCC"/>
+                    </a:solidFill>
+                  </a:tcPr>
                 </a:tc>
                 <a:tc>
                   <a:txBody>
@@ -8888,7 +7883,11 @@
                       </a:endParaRPr>
                     </a:p>
                   </a:txBody>
-                  <a:tcPr/>
+                  <a:tcPr>
+                    <a:solidFill>
+                      <a:srgbClr val="CCFFCC"/>
+                    </a:solidFill>
+                  </a:tcPr>
                 </a:tc>
               </a:tr>
             </a:tbl>
@@ -9855,7 +8854,7 @@
 </p:sld>
 </file>
 
-<file path=ppt/slides/slide13.xml><?xml version="1.0" encoding="utf-8"?>
+<file path=ppt/slides/slide12.xml><?xml version="1.0" encoding="utf-8"?>
 <p:sld xmlns:a="http://schemas.openxmlformats.org/drawingml/2006/main" xmlns:r="http://schemas.openxmlformats.org/officeDocument/2006/relationships" xmlns:p="http://schemas.openxmlformats.org/presentationml/2006/main">
   <p:cSld>
     <p:spTree>
@@ -9942,7 +8941,7 @@
                   <a:tab pos="10058400" algn="l"/>
                 </a:tabLst>
               </a:pPr>
-              <a:t>13</a:t>
+              <a:t>12</a:t>
             </a:fld>
             <a:endParaRPr lang="en-US" sz="1200">
               <a:solidFill>
@@ -10054,37 +9053,6 @@
                   </a:schemeClr>
                 </a:solidFill>
               </a:rPr>
-              <a:t>@Table</a:t>
-            </a:r>
-            <a:r>
-              <a:rPr lang="en-US" dirty="0" smtClean="0"/>
-              <a:t>(name=</a:t>
-            </a:r>
-            <a:r>
-              <a:rPr lang="en-US" dirty="0" smtClean="0">
-                <a:solidFill>
-                  <a:srgbClr val="00B050"/>
-                </a:solidFill>
-              </a:rPr>
-              <a:t>“T_AUDIT_INFO”</a:t>
-            </a:r>
-            <a:r>
-              <a:rPr lang="en-US" dirty="0" smtClean="0"/>
-              <a:t>)</a:t>
-            </a:r>
-          </a:p>
-          <a:p>
-            <a:pPr>
-              <a:buNone/>
-            </a:pPr>
-            <a:r>
-              <a:rPr lang="en-US" dirty="0" smtClean="0">
-                <a:solidFill>
-                  <a:schemeClr val="bg1">
-                    <a:lumMod val="50000"/>
-                  </a:schemeClr>
-                </a:solidFill>
-              </a:rPr>
               <a:t>@</a:t>
             </a:r>
             <a:r>
@@ -10393,7 +9361,7 @@
         </p:nvCxnSpPr>
         <p:spPr bwMode="auto">
           <a:xfrm>
-            <a:off x="639962" y="4932040"/>
+            <a:off x="639962" y="4427984"/>
             <a:ext cx="15193688" cy="0"/>
           </a:xfrm>
           <a:prstGeom prst="line">
@@ -10427,7 +9395,7 @@
         </p:nvSpPr>
         <p:spPr bwMode="auto">
           <a:xfrm rot="10549608" flipH="1">
-            <a:off x="3446748" y="3649070"/>
+            <a:off x="3446748" y="3145014"/>
             <a:ext cx="474368" cy="3082894"/>
           </a:xfrm>
           <a:custGeom>
@@ -10537,7 +9505,7 @@
         </p:nvSpPr>
         <p:spPr bwMode="auto">
           <a:xfrm flipV="1">
-            <a:off x="5813708" y="3131840"/>
+            <a:off x="5813708" y="2699792"/>
             <a:ext cx="370870" cy="2088232"/>
           </a:xfrm>
           <a:custGeom>
@@ -10766,6 +9734,832 @@
       <p:bldP spid="5" grpId="0" animBg="1"/>
       <p:bldP spid="6" grpId="0" animBg="1"/>
     </p:bldLst>
+  </p:timing>
+</p:sld>
+</file>
+
+<file path=ppt/slides/slide13.xml><?xml version="1.0" encoding="utf-8"?>
+<p:sld xmlns:a="http://schemas.openxmlformats.org/drawingml/2006/main" xmlns:r="http://schemas.openxmlformats.org/officeDocument/2006/relationships" xmlns:p="http://schemas.openxmlformats.org/presentationml/2006/main">
+  <p:cSld>
+    <p:spTree>
+      <p:nvGrpSpPr>
+        <p:cNvPr id="1" name=""/>
+        <p:cNvGrpSpPr/>
+        <p:nvPr/>
+      </p:nvGrpSpPr>
+      <p:grpSpPr>
+        <a:xfrm>
+          <a:off x="0" y="0"/>
+          <a:ext cx="0" cy="0"/>
+          <a:chOff x="0" y="0"/>
+          <a:chExt cx="0" cy="0"/>
+        </a:xfrm>
+      </p:grpSpPr>
+      <p:sp>
+        <p:nvSpPr>
+          <p:cNvPr id="2" name="Titre 1"/>
+          <p:cNvSpPr>
+            <a:spLocks noGrp="1"/>
+          </p:cNvSpPr>
+          <p:nvPr>
+            <p:ph type="title"/>
+          </p:nvPr>
+        </p:nvSpPr>
+        <p:spPr/>
+        <p:txBody>
+          <a:bodyPr/>
+          <a:lstStyle/>
+          <a:p>
+            <a:r>
+              <a:rPr lang="fr-FR" dirty="0" err="1" smtClean="0"/>
+              <a:t>Tracking</a:t>
+            </a:r>
+            <a:r>
+              <a:rPr lang="fr-FR" dirty="0" smtClean="0"/>
+              <a:t> </a:t>
+            </a:r>
+            <a:r>
+              <a:rPr lang="fr-FR" dirty="0" err="1" smtClean="0"/>
+              <a:t>modified</a:t>
+            </a:r>
+            <a:r>
+              <a:rPr lang="fr-FR" dirty="0" smtClean="0"/>
+              <a:t> </a:t>
+            </a:r>
+            <a:r>
+              <a:rPr lang="fr-FR" dirty="0" err="1" smtClean="0"/>
+              <a:t>fields</a:t>
+            </a:r>
+            <a:endParaRPr lang="fr-FR" dirty="0"/>
+          </a:p>
+        </p:txBody>
+      </p:sp>
+      <p:sp>
+        <p:nvSpPr>
+          <p:cNvPr id="3" name="Espace réservé du contenu 2"/>
+          <p:cNvSpPr>
+            <a:spLocks noGrp="1"/>
+          </p:cNvSpPr>
+          <p:nvPr>
+            <p:ph idx="1"/>
+          </p:nvPr>
+        </p:nvSpPr>
+        <p:spPr>
+          <a:xfrm>
+            <a:off x="812800" y="1910407"/>
+            <a:ext cx="15009813" cy="6550025"/>
+          </a:xfrm>
+        </p:spPr>
+        <p:txBody>
+          <a:bodyPr/>
+          <a:lstStyle/>
+          <a:p>
+            <a:r>
+              <a:rPr lang="fr-FR" sz="2400" dirty="0">
+                <a:solidFill>
+                  <a:srgbClr val="0070C0"/>
+                </a:solidFill>
+              </a:rPr>
+              <a:t>&lt;</a:t>
+            </a:r>
+            <a:r>
+              <a:rPr lang="fr-FR" sz="2400" dirty="0" err="1">
+                <a:solidFill>
+                  <a:srgbClr val="0070C0"/>
+                </a:solidFill>
+              </a:rPr>
+              <a:t>property</a:t>
+            </a:r>
+            <a:r>
+              <a:rPr lang="fr-FR" sz="2400" dirty="0"/>
+              <a:t> </a:t>
+            </a:r>
+            <a:r>
+              <a:rPr lang="fr-FR" sz="2400" dirty="0" err="1">
+                <a:solidFill>
+                  <a:srgbClr val="C00000"/>
+                </a:solidFill>
+              </a:rPr>
+              <a:t>name</a:t>
+            </a:r>
+            <a:r>
+              <a:rPr lang="fr-FR" sz="2400" dirty="0"/>
+              <a:t>=</a:t>
+            </a:r>
+            <a:r>
+              <a:rPr lang="fr-FR" sz="2400" dirty="0">
+                <a:solidFill>
+                  <a:schemeClr val="accent1">
+                    <a:lumMod val="50000"/>
+                  </a:schemeClr>
+                </a:solidFill>
+              </a:rPr>
+              <a:t>"</a:t>
+            </a:r>
+            <a:r>
+              <a:rPr lang="fr-FR" sz="2400" dirty="0" err="1">
+                <a:solidFill>
+                  <a:schemeClr val="accent1">
+                    <a:lumMod val="50000"/>
+                  </a:schemeClr>
+                </a:solidFill>
+              </a:rPr>
+              <a:t>org.hibernate.envers.global_with_modified_flag</a:t>
+            </a:r>
+            <a:r>
+              <a:rPr lang="fr-FR" sz="2400" dirty="0">
+                <a:solidFill>
+                  <a:schemeClr val="accent1">
+                    <a:lumMod val="50000"/>
+                  </a:schemeClr>
+                </a:solidFill>
+              </a:rPr>
+              <a:t>" </a:t>
+            </a:r>
+            <a:r>
+              <a:rPr lang="fr-FR" sz="2400" dirty="0">
+                <a:solidFill>
+                  <a:srgbClr val="C00000"/>
+                </a:solidFill>
+              </a:rPr>
+              <a:t>value</a:t>
+            </a:r>
+            <a:r>
+              <a:rPr lang="fr-FR" sz="2400" dirty="0"/>
+              <a:t>=</a:t>
+            </a:r>
+            <a:r>
+              <a:rPr lang="fr-FR" sz="2400" dirty="0">
+                <a:solidFill>
+                  <a:schemeClr val="accent1">
+                    <a:lumMod val="50000"/>
+                  </a:schemeClr>
+                </a:solidFill>
+              </a:rPr>
+              <a:t>"</a:t>
+            </a:r>
+            <a:r>
+              <a:rPr lang="fr-FR" sz="2400" dirty="0" err="1">
+                <a:solidFill>
+                  <a:schemeClr val="accent1">
+                    <a:lumMod val="50000"/>
+                  </a:schemeClr>
+                </a:solidFill>
+              </a:rPr>
+              <a:t>true</a:t>
+            </a:r>
+            <a:r>
+              <a:rPr lang="fr-FR" sz="2400" dirty="0">
+                <a:solidFill>
+                  <a:schemeClr val="accent1">
+                    <a:lumMod val="50000"/>
+                  </a:schemeClr>
+                </a:solidFill>
+              </a:rPr>
+              <a:t>"</a:t>
+            </a:r>
+            <a:r>
+              <a:rPr lang="fr-FR" sz="2400" dirty="0">
+                <a:solidFill>
+                  <a:srgbClr val="0070C0"/>
+                </a:solidFill>
+              </a:rPr>
+              <a:t>/&gt;</a:t>
+            </a:r>
+          </a:p>
+        </p:txBody>
+      </p:sp>
+      <p:graphicFrame>
+        <p:nvGraphicFramePr>
+          <p:cNvPr id="4" name="Content Placeholder 3"/>
+          <p:cNvGraphicFramePr>
+            <a:graphicFrameLocks/>
+          </p:cNvGraphicFramePr>
+          <p:nvPr>
+            <p:extLst>
+              <p:ext uri="{D42A27DB-BD31-4B8C-83A1-F6EECF244321}">
+                <p14:modId xmlns:p14="http://schemas.microsoft.com/office/powerpoint/2010/main" val="2748832258"/>
+              </p:ext>
+            </p:extLst>
+          </p:nvPr>
+        </p:nvGraphicFramePr>
+        <p:xfrm>
+          <a:off x="1216026" y="3635896"/>
+          <a:ext cx="12025335" cy="799183"/>
+        </p:xfrm>
+        <a:graphic>
+          <a:graphicData uri="http://schemas.openxmlformats.org/drawingml/2006/table">
+            <a:tbl>
+              <a:tblPr firstRow="1" bandRow="1">
+                <a:effectLst>
+                  <a:outerShdw blurRad="50800" dist="38100" dir="2700000" algn="tl" rotWithShape="0">
+                    <a:prstClr val="black">
+                      <a:alpha val="40000"/>
+                    </a:prstClr>
+                  </a:outerShdw>
+                </a:effectLst>
+                <a:tableStyleId>{93296810-A885-4BE3-A3E7-6D5BEEA58F35}</a:tableStyleId>
+              </a:tblPr>
+              <a:tblGrid>
+                <a:gridCol w="1717905"/>
+                <a:gridCol w="1717905"/>
+                <a:gridCol w="1717905"/>
+                <a:gridCol w="1717905"/>
+                <a:gridCol w="1717905"/>
+                <a:gridCol w="1717905"/>
+                <a:gridCol w="1717905"/>
+              </a:tblGrid>
+              <a:tr h="328577">
+                <a:tc gridSpan="7">
+                  <a:txBody>
+                    <a:bodyPr/>
+                    <a:lstStyle/>
+                    <a:p>
+                      <a:r>
+                        <a:rPr lang="en-US" dirty="0" smtClean="0">
+                          <a:latin typeface="Courier New" pitchFamily="49" charset="0"/>
+                          <a:cs typeface="Courier New" pitchFamily="49" charset="0"/>
+                        </a:rPr>
+                        <a:t>Table T_PERSON_AUD</a:t>
+                      </a:r>
+                      <a:endParaRPr lang="en-US" dirty="0">
+                        <a:latin typeface="Courier New" pitchFamily="49" charset="0"/>
+                        <a:cs typeface="Courier New" pitchFamily="49" charset="0"/>
+                      </a:endParaRPr>
+                    </a:p>
+                  </a:txBody>
+                  <a:tcPr/>
+                </a:tc>
+                <a:tc hMerge="1">
+                  <a:txBody>
+                    <a:bodyPr/>
+                    <a:lstStyle/>
+                    <a:p>
+                      <a:endParaRPr lang="en-US"/>
+                    </a:p>
+                  </a:txBody>
+                  <a:tcPr/>
+                </a:tc>
+                <a:tc hMerge="1">
+                  <a:txBody>
+                    <a:bodyPr/>
+                    <a:lstStyle/>
+                    <a:p>
+                      <a:endParaRPr lang="en-US"/>
+                    </a:p>
+                  </a:txBody>
+                  <a:tcPr/>
+                </a:tc>
+                <a:tc hMerge="1">
+                  <a:txBody>
+                    <a:bodyPr/>
+                    <a:lstStyle/>
+                    <a:p>
+                      <a:endParaRPr lang="fr-FR"/>
+                    </a:p>
+                  </a:txBody>
+                  <a:tcPr/>
+                </a:tc>
+                <a:tc hMerge="1">
+                  <a:txBody>
+                    <a:bodyPr/>
+                    <a:lstStyle/>
+                    <a:p>
+                      <a:endParaRPr lang="en-US"/>
+                    </a:p>
+                  </a:txBody>
+                  <a:tcPr/>
+                </a:tc>
+                <a:tc hMerge="1">
+                  <a:txBody>
+                    <a:bodyPr/>
+                    <a:lstStyle/>
+                    <a:p>
+                      <a:endParaRPr lang="en-US" dirty="0"/>
+                    </a:p>
+                  </a:txBody>
+                  <a:tcPr/>
+                </a:tc>
+                <a:tc hMerge="1">
+                  <a:txBody>
+                    <a:bodyPr/>
+                    <a:lstStyle/>
+                    <a:p>
+                      <a:endParaRPr lang="en-US" dirty="0"/>
+                    </a:p>
+                  </a:txBody>
+                  <a:tcPr/>
+                </a:tc>
+              </a:tr>
+              <a:tr h="433423">
+                <a:tc>
+                  <a:txBody>
+                    <a:bodyPr/>
+                    <a:lstStyle/>
+                    <a:p>
+                      <a:r>
+                        <a:rPr lang="en-US" dirty="0" smtClean="0">
+                          <a:latin typeface="Courier New" pitchFamily="49" charset="0"/>
+                          <a:cs typeface="Courier New" pitchFamily="49" charset="0"/>
+                        </a:rPr>
+                        <a:t>Id</a:t>
+                      </a:r>
+                      <a:endParaRPr lang="en-US" dirty="0">
+                        <a:latin typeface="Courier New" pitchFamily="49" charset="0"/>
+                        <a:cs typeface="Courier New" pitchFamily="49" charset="0"/>
+                      </a:endParaRPr>
+                    </a:p>
+                  </a:txBody>
+                  <a:tcPr/>
+                </a:tc>
+                <a:tc>
+                  <a:txBody>
+                    <a:bodyPr/>
+                    <a:lstStyle/>
+                    <a:p>
+                      <a:r>
+                        <a:rPr lang="en-US" dirty="0" smtClean="0">
+                          <a:latin typeface="Courier New" pitchFamily="49" charset="0"/>
+                          <a:cs typeface="Courier New" pitchFamily="49" charset="0"/>
+                        </a:rPr>
+                        <a:t>REV</a:t>
+                      </a:r>
+                      <a:endParaRPr lang="en-US" dirty="0">
+                        <a:latin typeface="Courier New" pitchFamily="49" charset="0"/>
+                        <a:cs typeface="Courier New" pitchFamily="49" charset="0"/>
+                      </a:endParaRPr>
+                    </a:p>
+                  </a:txBody>
+                  <a:tcPr/>
+                </a:tc>
+                <a:tc>
+                  <a:txBody>
+                    <a:bodyPr/>
+                    <a:lstStyle/>
+                    <a:p>
+                      <a:r>
+                        <a:rPr lang="en-US" dirty="0" smtClean="0">
+                          <a:latin typeface="Courier New" pitchFamily="49" charset="0"/>
+                          <a:cs typeface="Courier New" pitchFamily="49" charset="0"/>
+                        </a:rPr>
+                        <a:t>Name</a:t>
+                      </a:r>
+                      <a:endParaRPr lang="en-US" dirty="0">
+                        <a:latin typeface="Courier New" pitchFamily="49" charset="0"/>
+                        <a:cs typeface="Courier New" pitchFamily="49" charset="0"/>
+                      </a:endParaRPr>
+                    </a:p>
+                  </a:txBody>
+                  <a:tcPr/>
+                </a:tc>
+                <a:tc>
+                  <a:txBody>
+                    <a:bodyPr/>
+                    <a:lstStyle/>
+                    <a:p>
+                      <a:r>
+                        <a:rPr lang="en-US" dirty="0" err="1" smtClean="0">
+                          <a:latin typeface="Courier New" pitchFamily="49" charset="0"/>
+                          <a:cs typeface="Courier New" pitchFamily="49" charset="0"/>
+                        </a:rPr>
+                        <a:t>Name_MOD</a:t>
+                      </a:r>
+                      <a:endParaRPr lang="en-US" dirty="0">
+                        <a:latin typeface="Courier New" pitchFamily="49" charset="0"/>
+                        <a:cs typeface="Courier New" pitchFamily="49" charset="0"/>
+                      </a:endParaRPr>
+                    </a:p>
+                  </a:txBody>
+                  <a:tcPr>
+                    <a:solidFill>
+                      <a:srgbClr val="CCFFCC"/>
+                    </a:solidFill>
+                  </a:tcPr>
+                </a:tc>
+                <a:tc>
+                  <a:txBody>
+                    <a:bodyPr/>
+                    <a:lstStyle/>
+                    <a:p>
+                      <a:r>
+                        <a:rPr lang="en-US" dirty="0" smtClean="0">
+                          <a:latin typeface="Courier New" pitchFamily="49" charset="0"/>
+                          <a:cs typeface="Courier New" pitchFamily="49" charset="0"/>
+                        </a:rPr>
+                        <a:t>Surname</a:t>
+                      </a:r>
+                      <a:endParaRPr lang="en-US" dirty="0">
+                        <a:latin typeface="Courier New" pitchFamily="49" charset="0"/>
+                        <a:cs typeface="Courier New" pitchFamily="49" charset="0"/>
+                      </a:endParaRPr>
+                    </a:p>
+                  </a:txBody>
+                  <a:tcPr/>
+                </a:tc>
+                <a:tc>
+                  <a:txBody>
+                    <a:bodyPr/>
+                    <a:lstStyle/>
+                    <a:p>
+                      <a:pPr marL="0" marR="0" indent="0" algn="l" defTabSz="914400" rtl="0" eaLnBrk="1" fontAlgn="auto" latinLnBrk="0" hangingPunct="1">
+                        <a:lnSpc>
+                          <a:spcPct val="100000"/>
+                        </a:lnSpc>
+                        <a:spcBef>
+                          <a:spcPts val="0"/>
+                        </a:spcBef>
+                        <a:spcAft>
+                          <a:spcPts val="0"/>
+                        </a:spcAft>
+                        <a:buClrTx/>
+                        <a:buSzTx/>
+                        <a:buFontTx/>
+                        <a:buNone/>
+                        <a:tabLst/>
+                        <a:defRPr/>
+                      </a:pPr>
+                      <a:r>
+                        <a:rPr lang="en-US" dirty="0" err="1" smtClean="0">
+                          <a:latin typeface="Courier New" pitchFamily="49" charset="0"/>
+                          <a:cs typeface="Courier New" pitchFamily="49" charset="0"/>
+                        </a:rPr>
+                        <a:t>Surname_MOD</a:t>
+                      </a:r>
+                      <a:endParaRPr lang="en-US" dirty="0">
+                        <a:latin typeface="Courier New" pitchFamily="49" charset="0"/>
+                        <a:cs typeface="Courier New" pitchFamily="49" charset="0"/>
+                      </a:endParaRPr>
+                    </a:p>
+                  </a:txBody>
+                  <a:tcPr>
+                    <a:solidFill>
+                      <a:srgbClr val="CCFFCC"/>
+                    </a:solidFill>
+                  </a:tcPr>
+                </a:tc>
+                <a:tc>
+                  <a:txBody>
+                    <a:bodyPr/>
+                    <a:lstStyle/>
+                    <a:p>
+                      <a:r>
+                        <a:rPr lang="en-US" dirty="0" smtClean="0">
+                          <a:latin typeface="Courier New" pitchFamily="49" charset="0"/>
+                          <a:cs typeface="Courier New" pitchFamily="49" charset="0"/>
+                        </a:rPr>
+                        <a:t>REVTYPE</a:t>
+                      </a:r>
+                      <a:endParaRPr lang="en-US" dirty="0">
+                        <a:latin typeface="Courier New" pitchFamily="49" charset="0"/>
+                        <a:cs typeface="Courier New" pitchFamily="49" charset="0"/>
+                      </a:endParaRPr>
+                    </a:p>
+                  </a:txBody>
+                  <a:tcPr/>
+                </a:tc>
+              </a:tr>
+            </a:tbl>
+          </a:graphicData>
+        </a:graphic>
+      </p:graphicFrame>
+      <p:sp>
+        <p:nvSpPr>
+          <p:cNvPr id="10" name="Flèche vers le haut 9"/>
+          <p:cNvSpPr/>
+          <p:nvPr/>
+        </p:nvSpPr>
+        <p:spPr bwMode="auto">
+          <a:xfrm>
+            <a:off x="6904658" y="4499992"/>
+            <a:ext cx="432048" cy="576064"/>
+          </a:xfrm>
+          <a:prstGeom prst="upArrow">
+            <a:avLst/>
+          </a:prstGeom>
+          <a:ln>
+            <a:headEnd type="none" w="med" len="med"/>
+            <a:tailEnd type="none" w="med" len="med"/>
+          </a:ln>
+        </p:spPr>
+        <p:style>
+          <a:lnRef idx="1">
+            <a:schemeClr val="accent1"/>
+          </a:lnRef>
+          <a:fillRef idx="3">
+            <a:schemeClr val="accent1"/>
+          </a:fillRef>
+          <a:effectRef idx="2">
+            <a:schemeClr val="accent1"/>
+          </a:effectRef>
+          <a:fontRef idx="minor">
+            <a:schemeClr val="lt1"/>
+          </a:fontRef>
+        </p:style>
+        <p:txBody>
+          <a:bodyPr vert="horz" wrap="square" lIns="91440" tIns="45720" rIns="91440" bIns="45720" numCol="1" rtlCol="0" anchor="t" anchorCtr="0" compatLnSpc="1">
+            <a:prstTxWarp prst="textNoShape">
+              <a:avLst/>
+            </a:prstTxWarp>
+          </a:bodyPr>
+          <a:lstStyle/>
+          <a:p>
+            <a:pPr marL="0" marR="0" indent="0" algn="ctr" defTabSz="457200" rtl="0" eaLnBrk="1" fontAlgn="base" latinLnBrk="0" hangingPunct="1">
+              <a:lnSpc>
+                <a:spcPct val="100000"/>
+              </a:lnSpc>
+              <a:spcBef>
+                <a:spcPct val="0"/>
+              </a:spcBef>
+              <a:spcAft>
+                <a:spcPct val="0"/>
+              </a:spcAft>
+              <a:buClr>
+                <a:srgbClr val="000000"/>
+              </a:buClr>
+              <a:buSzPct val="100000"/>
+              <a:buFont typeface="Times New Roman" pitchFamily="16" charset="0"/>
+              <a:buNone/>
+              <a:tabLst/>
+            </a:pPr>
+            <a:endParaRPr kumimoji="0" lang="fr-FR" sz="3200" b="0" i="0" u="none" strike="noStrike" cap="none" normalizeH="0" baseline="0" smtClean="0">
+              <a:ln>
+                <a:noFill/>
+              </a:ln>
+              <a:solidFill>
+                <a:schemeClr val="bg1"/>
+              </a:solidFill>
+              <a:effectLst/>
+              <a:latin typeface="Gill Sans" charset="0"/>
+            </a:endParaRPr>
+          </a:p>
+        </p:txBody>
+      </p:sp>
+      <p:sp>
+        <p:nvSpPr>
+          <p:cNvPr id="11" name="Flèche vers le haut 10"/>
+          <p:cNvSpPr/>
+          <p:nvPr/>
+        </p:nvSpPr>
+        <p:spPr bwMode="auto">
+          <a:xfrm>
+            <a:off x="10361042" y="4499992"/>
+            <a:ext cx="432048" cy="576064"/>
+          </a:xfrm>
+          <a:prstGeom prst="upArrow">
+            <a:avLst/>
+          </a:prstGeom>
+          <a:ln>
+            <a:headEnd type="none" w="med" len="med"/>
+            <a:tailEnd type="none" w="med" len="med"/>
+          </a:ln>
+        </p:spPr>
+        <p:style>
+          <a:lnRef idx="1">
+            <a:schemeClr val="accent1"/>
+          </a:lnRef>
+          <a:fillRef idx="3">
+            <a:schemeClr val="accent1"/>
+          </a:fillRef>
+          <a:effectRef idx="2">
+            <a:schemeClr val="accent1"/>
+          </a:effectRef>
+          <a:fontRef idx="minor">
+            <a:schemeClr val="lt1"/>
+          </a:fontRef>
+        </p:style>
+        <p:txBody>
+          <a:bodyPr vert="horz" wrap="square" lIns="91440" tIns="45720" rIns="91440" bIns="45720" numCol="1" rtlCol="0" anchor="t" anchorCtr="0" compatLnSpc="1">
+            <a:prstTxWarp prst="textNoShape">
+              <a:avLst/>
+            </a:prstTxWarp>
+          </a:bodyPr>
+          <a:lstStyle/>
+          <a:p>
+            <a:pPr marL="0" marR="0" indent="0" algn="ctr" defTabSz="457200" rtl="0" eaLnBrk="1" fontAlgn="base" latinLnBrk="0" hangingPunct="1">
+              <a:lnSpc>
+                <a:spcPct val="100000"/>
+              </a:lnSpc>
+              <a:spcBef>
+                <a:spcPct val="0"/>
+              </a:spcBef>
+              <a:spcAft>
+                <a:spcPct val="0"/>
+              </a:spcAft>
+              <a:buClr>
+                <a:srgbClr val="000000"/>
+              </a:buClr>
+              <a:buSzPct val="100000"/>
+              <a:buFont typeface="Times New Roman" pitchFamily="16" charset="0"/>
+              <a:buNone/>
+              <a:tabLst/>
+            </a:pPr>
+            <a:endParaRPr kumimoji="0" lang="fr-FR" sz="3200" b="0" i="0" u="none" strike="noStrike" cap="none" normalizeH="0" baseline="0" smtClean="0">
+              <a:ln>
+                <a:noFill/>
+              </a:ln>
+              <a:solidFill>
+                <a:schemeClr val="bg1"/>
+              </a:solidFill>
+              <a:effectLst/>
+              <a:latin typeface="Gill Sans" charset="0"/>
+            </a:endParaRPr>
+          </a:p>
+        </p:txBody>
+      </p:sp>
+      <p:sp>
+        <p:nvSpPr>
+          <p:cNvPr id="13" name="ZoneTexte 12"/>
+          <p:cNvSpPr txBox="1"/>
+          <p:nvPr/>
+        </p:nvSpPr>
+        <p:spPr>
+          <a:xfrm>
+            <a:off x="1576066" y="7884368"/>
+            <a:ext cx="5250757" cy="584776"/>
+          </a:xfrm>
+          <a:prstGeom prst="rect">
+            <a:avLst/>
+          </a:prstGeom>
+          <a:noFill/>
+        </p:spPr>
+        <p:txBody>
+          <a:bodyPr wrap="none" rtlCol="0">
+            <a:spAutoFit/>
+          </a:bodyPr>
+          <a:lstStyle/>
+          <a:p>
+            <a:r>
+              <a:rPr lang="fr-FR" dirty="0" err="1" smtClean="0">
+                <a:solidFill>
+                  <a:schemeClr val="tx1"/>
+                </a:solidFill>
+              </a:rPr>
+              <a:t>Still</a:t>
+            </a:r>
+            <a:r>
+              <a:rPr lang="fr-FR" dirty="0" smtClean="0">
+                <a:solidFill>
+                  <a:schemeClr val="tx1"/>
+                </a:solidFill>
+              </a:rPr>
+              <a:t> an </a:t>
+            </a:r>
+            <a:r>
+              <a:rPr lang="fr-FR" dirty="0" err="1" smtClean="0">
+                <a:solidFill>
+                  <a:schemeClr val="tx1"/>
+                </a:solidFill>
+              </a:rPr>
+              <a:t>experimental</a:t>
+            </a:r>
+            <a:r>
+              <a:rPr lang="fr-FR" dirty="0" smtClean="0">
+                <a:solidFill>
+                  <a:schemeClr val="tx1"/>
+                </a:solidFill>
+              </a:rPr>
+              <a:t> </a:t>
+            </a:r>
+            <a:r>
+              <a:rPr lang="fr-FR" dirty="0" err="1" smtClean="0">
+                <a:solidFill>
+                  <a:schemeClr val="tx1"/>
+                </a:solidFill>
+              </a:rPr>
+              <a:t>feature</a:t>
+            </a:r>
+            <a:r>
+              <a:rPr lang="fr-FR" dirty="0" smtClean="0">
+                <a:solidFill>
+                  <a:schemeClr val="tx1"/>
+                </a:solidFill>
+              </a:rPr>
+              <a:t>…</a:t>
+            </a:r>
+            <a:endParaRPr lang="fr-FR" dirty="0">
+              <a:solidFill>
+                <a:schemeClr val="tx1"/>
+              </a:solidFill>
+            </a:endParaRPr>
+          </a:p>
+        </p:txBody>
+      </p:sp>
+      <p:pic>
+        <p:nvPicPr>
+          <p:cNvPr id="14" name="Image 13"/>
+          <p:cNvPicPr>
+            <a:picLocks noChangeAspect="1"/>
+          </p:cNvPicPr>
+          <p:nvPr/>
+        </p:nvPicPr>
+        <p:blipFill>
+          <a:blip r:embed="rId2"/>
+          <a:stretch>
+            <a:fillRect/>
+          </a:stretch>
+        </p:blipFill>
+        <p:spPr>
+          <a:xfrm>
+            <a:off x="927994" y="7884368"/>
+            <a:ext cx="609600" cy="609600"/>
+          </a:xfrm>
+          <a:prstGeom prst="rect">
+            <a:avLst/>
+          </a:prstGeom>
+        </p:spPr>
+      </p:pic>
+    </p:spTree>
+    <p:extLst>
+      <p:ext uri="{BB962C8B-B14F-4D97-AF65-F5344CB8AC3E}">
+        <p14:creationId xmlns:p14="http://schemas.microsoft.com/office/powerpoint/2010/main" val="1239061719"/>
+      </p:ext>
+    </p:extLst>
+  </p:cSld>
+  <p:clrMapOvr>
+    <a:masterClrMapping/>
+  </p:clrMapOvr>
+  <p:timing>
+    <p:tnLst>
+      <p:par>
+        <p:cTn xmlns:p14="http://schemas.microsoft.com/office/powerpoint/2010/main" id="1" dur="indefinite" restart="never" nodeType="tmRoot">
+          <p:childTnLst>
+            <p:seq concurrent="1" nextAc="seek">
+              <p:cTn id="2" dur="indefinite" nodeType="mainSeq">
+                <p:childTnLst>
+                  <p:par>
+                    <p:cTn id="3" fill="hold">
+                      <p:stCondLst>
+                        <p:cond delay="indefinite"/>
+                      </p:stCondLst>
+                      <p:childTnLst>
+                        <p:par>
+                          <p:cTn id="4" fill="hold">
+                            <p:stCondLst>
+                              <p:cond delay="0"/>
+                            </p:stCondLst>
+                            <p:childTnLst>
+                              <p:par>
+                                <p:cTn id="5" presetID="10" presetClass="entr" presetSubtype="0" fill="hold" nodeType="clickEffect">
+                                  <p:stCondLst>
+                                    <p:cond delay="0"/>
+                                  </p:stCondLst>
+                                  <p:childTnLst>
+                                    <p:set>
+                                      <p:cBhvr>
+                                        <p:cTn id="6" dur="1" fill="hold">
+                                          <p:stCondLst>
+                                            <p:cond delay="0"/>
+                                          </p:stCondLst>
+                                        </p:cTn>
+                                        <p:tgtEl>
+                                          <p:spTgt spid="4"/>
+                                        </p:tgtEl>
+                                        <p:attrNameLst>
+                                          <p:attrName>style.visibility</p:attrName>
+                                        </p:attrNameLst>
+                                      </p:cBhvr>
+                                      <p:to>
+                                        <p:strVal val="visible"/>
+                                      </p:to>
+                                    </p:set>
+                                    <p:animEffect transition="in" filter="fade">
+                                      <p:cBhvr>
+                                        <p:cTn id="7" dur="500"/>
+                                        <p:tgtEl>
+                                          <p:spTgt spid="4"/>
+                                        </p:tgtEl>
+                                      </p:cBhvr>
+                                    </p:animEffect>
+                                  </p:childTnLst>
+                                </p:cTn>
+                              </p:par>
+                            </p:childTnLst>
+                          </p:cTn>
+                        </p:par>
+                      </p:childTnLst>
+                    </p:cTn>
+                  </p:par>
+                </p:childTnLst>
+              </p:cTn>
+              <p:prevCondLst>
+                <p:cond evt="onPrev" delay="0">
+                  <p:tgtEl>
+                    <p:sldTgt/>
+                  </p:tgtEl>
+                </p:cond>
+              </p:prevCondLst>
+              <p:nextCondLst>
+                <p:cond evt="onNext" delay="0">
+                  <p:tgtEl>
+                    <p:sldTgt/>
+                  </p:tgtEl>
+                </p:cond>
+              </p:nextCondLst>
+            </p:seq>
+          </p:childTnLst>
+        </p:cTn>
+      </p:par>
+    </p:tnLst>
   </p:timing>
 </p:sld>
 </file>
@@ -15701,12 +15495,696 @@
       </p:grpSpPr>
       <p:sp>
         <p:nvSpPr>
-          <p:cNvPr id="2" name="Titre 1"/>
+          <p:cNvPr id="10242" name="Text Box 1"/>
+          <p:cNvSpPr txBox="1">
+            <a:spLocks noChangeArrowheads="1"/>
+          </p:cNvSpPr>
+          <p:nvPr/>
+        </p:nvSpPr>
+        <p:spPr bwMode="auto">
+          <a:xfrm>
+            <a:off x="15614650" y="8699500"/>
+            <a:ext cx="266700" cy="279400"/>
+          </a:xfrm>
+          <a:prstGeom prst="rect">
+            <a:avLst/>
+          </a:prstGeom>
+          <a:noFill/>
+          <a:ln w="9525">
+            <a:noFill/>
+            <a:round/>
+            <a:headEnd/>
+            <a:tailEnd/>
+          </a:ln>
+        </p:spPr>
+        <p:txBody>
+          <a:bodyPr wrap="none" lIns="90000" tIns="46800" rIns="90000" bIns="46800"/>
+          <a:lstStyle/>
+          <a:p>
+            <a:pPr algn="ctr">
+              <a:buSzPct val="100000"/>
+              <a:tabLst>
+                <a:tab pos="0" algn="l"/>
+                <a:tab pos="914400" algn="l"/>
+                <a:tab pos="1828800" algn="l"/>
+                <a:tab pos="2743200" algn="l"/>
+                <a:tab pos="3657600" algn="l"/>
+                <a:tab pos="4572000" algn="l"/>
+                <a:tab pos="5486400" algn="l"/>
+                <a:tab pos="6400800" algn="l"/>
+                <a:tab pos="7315200" algn="l"/>
+                <a:tab pos="8229600" algn="l"/>
+                <a:tab pos="9144000" algn="l"/>
+                <a:tab pos="10058400" algn="l"/>
+              </a:tabLst>
+            </a:pPr>
+            <a:fld id="{E014567F-7DD3-4926-A887-6CFCA16D00FD}" type="slidenum">
+              <a:rPr lang="en-US" sz="1200">
+                <a:solidFill>
+                  <a:srgbClr val="000000"/>
+                </a:solidFill>
+                <a:ea typeface="Gill Sans"/>
+                <a:cs typeface="Gill Sans"/>
+              </a:rPr>
+              <a:pPr algn="ctr">
+                <a:buSzPct val="100000"/>
+                <a:tabLst>
+                  <a:tab pos="0" algn="l"/>
+                  <a:tab pos="914400" algn="l"/>
+                  <a:tab pos="1828800" algn="l"/>
+                  <a:tab pos="2743200" algn="l"/>
+                  <a:tab pos="3657600" algn="l"/>
+                  <a:tab pos="4572000" algn="l"/>
+                  <a:tab pos="5486400" algn="l"/>
+                  <a:tab pos="6400800" algn="l"/>
+                  <a:tab pos="7315200" algn="l"/>
+                  <a:tab pos="8229600" algn="l"/>
+                  <a:tab pos="9144000" algn="l"/>
+                  <a:tab pos="10058400" algn="l"/>
+                </a:tabLst>
+              </a:pPr>
+              <a:t>7</a:t>
+            </a:fld>
+            <a:endParaRPr lang="en-US" sz="1200">
+              <a:solidFill>
+                <a:srgbClr val="000000"/>
+              </a:solidFill>
+              <a:ea typeface="Gill Sans"/>
+              <a:cs typeface="Gill Sans"/>
+            </a:endParaRPr>
+          </a:p>
+        </p:txBody>
+      </p:sp>
+      <p:sp>
+        <p:nvSpPr>
+          <p:cNvPr id="10243" name="Rectangle 2"/>
+          <p:cNvSpPr>
+            <a:spLocks noGrp="1" noChangeArrowheads="1"/>
+          </p:cNvSpPr>
+          <p:nvPr>
+            <p:ph type="title" idx="4294967295"/>
+          </p:nvPr>
+        </p:nvSpPr>
+        <p:spPr>
+          <a:xfrm>
+            <a:off x="292100" y="76200"/>
+            <a:ext cx="15659100" cy="1498600"/>
+          </a:xfrm>
+        </p:spPr>
+        <p:txBody>
+          <a:bodyPr/>
+          <a:lstStyle/>
+          <a:p>
+            <a:pPr eaLnBrk="1" hangingPunct="1">
+              <a:buClrTx/>
+              <a:buFontTx/>
+              <a:buNone/>
+              <a:tabLst>
+                <a:tab pos="0" algn="l"/>
+                <a:tab pos="914400" algn="l"/>
+                <a:tab pos="1828800" algn="l"/>
+                <a:tab pos="2743200" algn="l"/>
+                <a:tab pos="3657600" algn="l"/>
+                <a:tab pos="4572000" algn="l"/>
+                <a:tab pos="5486400" algn="l"/>
+                <a:tab pos="6400800" algn="l"/>
+                <a:tab pos="7315200" algn="l"/>
+                <a:tab pos="8229600" algn="l"/>
+                <a:tab pos="9144000" algn="l"/>
+                <a:tab pos="10058400" algn="l"/>
+                <a:tab pos="10134600" algn="l"/>
+                <a:tab pos="10858500" algn="l"/>
+                <a:tab pos="11582400" algn="l"/>
+                <a:tab pos="12306300" algn="l"/>
+                <a:tab pos="13030200" algn="l"/>
+                <a:tab pos="13754100" algn="l"/>
+                <a:tab pos="14478000" algn="l"/>
+                <a:tab pos="15201900" algn="l"/>
+              </a:tabLst>
+            </a:pPr>
+            <a:r>
+              <a:rPr lang="en-US" dirty="0" smtClean="0"/>
+              <a:t>Add the </a:t>
+            </a:r>
+            <a:r>
+              <a:rPr lang="en-US" dirty="0" err="1" smtClean="0"/>
+              <a:t>Envers</a:t>
+            </a:r>
+            <a:r>
+              <a:rPr lang="en-US" dirty="0" smtClean="0"/>
+              <a:t> library</a:t>
+            </a:r>
+          </a:p>
+        </p:txBody>
+      </p:sp>
+      <p:sp>
+        <p:nvSpPr>
+          <p:cNvPr id="10244" name="Rectangle 3"/>
+          <p:cNvSpPr>
+            <a:spLocks noGrp="1" noChangeArrowheads="1"/>
+          </p:cNvSpPr>
+          <p:nvPr>
+            <p:ph type="body" idx="4294967295"/>
+          </p:nvPr>
+        </p:nvSpPr>
+        <p:spPr>
+          <a:xfrm>
+            <a:off x="812800" y="1860550"/>
+            <a:ext cx="15011400" cy="6551613"/>
+          </a:xfrm>
+        </p:spPr>
+        <p:txBody>
+          <a:bodyPr/>
+          <a:lstStyle/>
+          <a:p>
+            <a:pPr marL="533400" indent="-531813">
+              <a:buClrTx/>
+              <a:buNone/>
+              <a:tabLst>
+                <a:tab pos="533400" algn="l"/>
+                <a:tab pos="912813" algn="l"/>
+                <a:tab pos="1827213" algn="l"/>
+                <a:tab pos="2741613" algn="l"/>
+                <a:tab pos="3656013" algn="l"/>
+                <a:tab pos="4570413" algn="l"/>
+                <a:tab pos="5484813" algn="l"/>
+                <a:tab pos="6399213" algn="l"/>
+                <a:tab pos="7313613" algn="l"/>
+                <a:tab pos="8228013" algn="l"/>
+                <a:tab pos="9142413" algn="l"/>
+                <a:tab pos="10056813" algn="l"/>
+                <a:tab pos="10134600" algn="l"/>
+                <a:tab pos="10858500" algn="l"/>
+                <a:tab pos="11582400" algn="l"/>
+                <a:tab pos="12306300" algn="l"/>
+                <a:tab pos="13030200" algn="l"/>
+                <a:tab pos="13754100" algn="l"/>
+                <a:tab pos="14478000" algn="l"/>
+              </a:tabLst>
+            </a:pPr>
+            <a:r>
+              <a:rPr lang="en-US" i="1" dirty="0" smtClean="0">
+                <a:solidFill>
+                  <a:srgbClr val="008000"/>
+                </a:solidFill>
+              </a:rPr>
+              <a:t>&lt;!-- Requires:</a:t>
+            </a:r>
+          </a:p>
+          <a:p>
+            <a:pPr marL="533400" indent="-531813">
+              <a:buClrTx/>
+              <a:buNone/>
+              <a:tabLst>
+                <a:tab pos="533400" algn="l"/>
+                <a:tab pos="912813" algn="l"/>
+                <a:tab pos="1827213" algn="l"/>
+                <a:tab pos="2741613" algn="l"/>
+                <a:tab pos="3656013" algn="l"/>
+                <a:tab pos="4570413" algn="l"/>
+                <a:tab pos="5484813" algn="l"/>
+                <a:tab pos="6399213" algn="l"/>
+                <a:tab pos="7313613" algn="l"/>
+                <a:tab pos="8228013" algn="l"/>
+                <a:tab pos="9142413" algn="l"/>
+                <a:tab pos="10056813" algn="l"/>
+                <a:tab pos="10134600" algn="l"/>
+                <a:tab pos="10858500" algn="l"/>
+                <a:tab pos="11582400" algn="l"/>
+                <a:tab pos="12306300" algn="l"/>
+                <a:tab pos="13030200" algn="l"/>
+                <a:tab pos="13754100" algn="l"/>
+                <a:tab pos="14478000" algn="l"/>
+              </a:tabLst>
+            </a:pPr>
+            <a:r>
+              <a:rPr lang="en-US" i="1" dirty="0">
+                <a:solidFill>
+                  <a:srgbClr val="008000"/>
+                </a:solidFill>
+              </a:rPr>
+              <a:t>	</a:t>
+            </a:r>
+            <a:r>
+              <a:rPr lang="en-US" i="1" dirty="0" smtClean="0">
+                <a:solidFill>
+                  <a:srgbClr val="008000"/>
+                </a:solidFill>
+              </a:rPr>
+              <a:t>	* Hibernate 3+</a:t>
+            </a:r>
+          </a:p>
+          <a:p>
+            <a:pPr marL="533400" indent="-531813">
+              <a:buClrTx/>
+              <a:buNone/>
+              <a:tabLst>
+                <a:tab pos="533400" algn="l"/>
+                <a:tab pos="912813" algn="l"/>
+                <a:tab pos="1827213" algn="l"/>
+                <a:tab pos="2741613" algn="l"/>
+                <a:tab pos="3656013" algn="l"/>
+                <a:tab pos="4570413" algn="l"/>
+                <a:tab pos="5484813" algn="l"/>
+                <a:tab pos="6399213" algn="l"/>
+                <a:tab pos="7313613" algn="l"/>
+                <a:tab pos="8228013" algn="l"/>
+                <a:tab pos="9142413" algn="l"/>
+                <a:tab pos="10056813" algn="l"/>
+                <a:tab pos="10134600" algn="l"/>
+                <a:tab pos="10858500" algn="l"/>
+                <a:tab pos="11582400" algn="l"/>
+                <a:tab pos="12306300" algn="l"/>
+                <a:tab pos="13030200" algn="l"/>
+                <a:tab pos="13754100" algn="l"/>
+                <a:tab pos="14478000" algn="l"/>
+              </a:tabLst>
+            </a:pPr>
+            <a:r>
+              <a:rPr lang="en-US" i="1" dirty="0">
+                <a:solidFill>
+                  <a:srgbClr val="008000"/>
+                </a:solidFill>
+              </a:rPr>
+              <a:t>	</a:t>
+            </a:r>
+            <a:r>
+              <a:rPr lang="en-US" i="1" dirty="0" smtClean="0">
+                <a:solidFill>
+                  <a:srgbClr val="008000"/>
+                </a:solidFill>
+              </a:rPr>
+              <a:t>	* Hibernate annotations --&gt;</a:t>
+            </a:r>
+            <a:endParaRPr lang="en-US" i="1" dirty="0" smtClean="0">
+              <a:solidFill>
+                <a:srgbClr val="008000"/>
+              </a:solidFill>
+            </a:endParaRPr>
+          </a:p>
+          <a:p>
+            <a:pPr marL="533400" indent="-531813">
+              <a:buClrTx/>
+              <a:buNone/>
+              <a:tabLst>
+                <a:tab pos="533400" algn="l"/>
+                <a:tab pos="912813" algn="l"/>
+                <a:tab pos="1827213" algn="l"/>
+                <a:tab pos="2741613" algn="l"/>
+                <a:tab pos="3656013" algn="l"/>
+                <a:tab pos="4570413" algn="l"/>
+                <a:tab pos="5484813" algn="l"/>
+                <a:tab pos="6399213" algn="l"/>
+                <a:tab pos="7313613" algn="l"/>
+                <a:tab pos="8228013" algn="l"/>
+                <a:tab pos="9142413" algn="l"/>
+                <a:tab pos="10056813" algn="l"/>
+                <a:tab pos="10134600" algn="l"/>
+                <a:tab pos="10858500" algn="l"/>
+                <a:tab pos="11582400" algn="l"/>
+                <a:tab pos="12306300" algn="l"/>
+                <a:tab pos="13030200" algn="l"/>
+                <a:tab pos="13754100" algn="l"/>
+                <a:tab pos="14478000" algn="l"/>
+              </a:tabLst>
+            </a:pPr>
+            <a:r>
+              <a:rPr lang="en-US" dirty="0" smtClean="0">
+                <a:solidFill>
+                  <a:srgbClr val="0070C0"/>
+                </a:solidFill>
+              </a:rPr>
+              <a:t>&lt;</a:t>
+            </a:r>
+            <a:r>
+              <a:rPr lang="en-US" dirty="0" smtClean="0">
+                <a:solidFill>
+                  <a:srgbClr val="0070C0"/>
+                </a:solidFill>
+              </a:rPr>
+              <a:t>dependency&gt;</a:t>
+            </a:r>
+          </a:p>
+          <a:p>
+            <a:pPr marL="533400" indent="-531813">
+              <a:buClrTx/>
+              <a:buNone/>
+              <a:tabLst>
+                <a:tab pos="533400" algn="l"/>
+                <a:tab pos="912813" algn="l"/>
+                <a:tab pos="1827213" algn="l"/>
+                <a:tab pos="2741613" algn="l"/>
+                <a:tab pos="3656013" algn="l"/>
+                <a:tab pos="4570413" algn="l"/>
+                <a:tab pos="5484813" algn="l"/>
+                <a:tab pos="6399213" algn="l"/>
+                <a:tab pos="7313613" algn="l"/>
+                <a:tab pos="8228013" algn="l"/>
+                <a:tab pos="9142413" algn="l"/>
+                <a:tab pos="10056813" algn="l"/>
+                <a:tab pos="10134600" algn="l"/>
+                <a:tab pos="10858500" algn="l"/>
+                <a:tab pos="11582400" algn="l"/>
+                <a:tab pos="12306300" algn="l"/>
+                <a:tab pos="13030200" algn="l"/>
+                <a:tab pos="13754100" algn="l"/>
+                <a:tab pos="14478000" algn="l"/>
+              </a:tabLst>
+            </a:pPr>
+            <a:r>
+              <a:rPr lang="en-US" dirty="0" smtClean="0">
+                <a:solidFill>
+                  <a:srgbClr val="0070C0"/>
+                </a:solidFill>
+              </a:rPr>
+              <a:t>	&lt;</a:t>
+            </a:r>
+            <a:r>
+              <a:rPr lang="en-US" dirty="0" err="1" smtClean="0">
+                <a:solidFill>
+                  <a:srgbClr val="0070C0"/>
+                </a:solidFill>
+              </a:rPr>
+              <a:t>groupId</a:t>
+            </a:r>
+            <a:r>
+              <a:rPr lang="en-US" dirty="0" smtClean="0">
+                <a:solidFill>
+                  <a:srgbClr val="0070C0"/>
+                </a:solidFill>
+              </a:rPr>
+              <a:t>&gt;</a:t>
+            </a:r>
+            <a:r>
+              <a:rPr lang="en-US" b="1" dirty="0" err="1" smtClean="0"/>
+              <a:t>org.hibernate</a:t>
+            </a:r>
+            <a:r>
+              <a:rPr lang="en-US" dirty="0" smtClean="0">
+                <a:solidFill>
+                  <a:srgbClr val="0070C0"/>
+                </a:solidFill>
+              </a:rPr>
+              <a:t>&lt;/</a:t>
+            </a:r>
+            <a:r>
+              <a:rPr lang="en-US" dirty="0" err="1" smtClean="0">
+                <a:solidFill>
+                  <a:srgbClr val="0070C0"/>
+                </a:solidFill>
+              </a:rPr>
+              <a:t>groupId</a:t>
+            </a:r>
+            <a:r>
+              <a:rPr lang="en-US" dirty="0" smtClean="0">
+                <a:solidFill>
+                  <a:srgbClr val="0070C0"/>
+                </a:solidFill>
+              </a:rPr>
+              <a:t>&gt;</a:t>
+            </a:r>
+          </a:p>
+          <a:p>
+            <a:pPr marL="533400" indent="-531813">
+              <a:buClrTx/>
+              <a:buNone/>
+              <a:tabLst>
+                <a:tab pos="533400" algn="l"/>
+                <a:tab pos="912813" algn="l"/>
+                <a:tab pos="1827213" algn="l"/>
+                <a:tab pos="2741613" algn="l"/>
+                <a:tab pos="3656013" algn="l"/>
+                <a:tab pos="4570413" algn="l"/>
+                <a:tab pos="5484813" algn="l"/>
+                <a:tab pos="6399213" algn="l"/>
+                <a:tab pos="7313613" algn="l"/>
+                <a:tab pos="8228013" algn="l"/>
+                <a:tab pos="9142413" algn="l"/>
+                <a:tab pos="10056813" algn="l"/>
+                <a:tab pos="10134600" algn="l"/>
+                <a:tab pos="10858500" algn="l"/>
+                <a:tab pos="11582400" algn="l"/>
+                <a:tab pos="12306300" algn="l"/>
+                <a:tab pos="13030200" algn="l"/>
+                <a:tab pos="13754100" algn="l"/>
+                <a:tab pos="14478000" algn="l"/>
+              </a:tabLst>
+            </a:pPr>
+            <a:r>
+              <a:rPr lang="en-US" dirty="0" smtClean="0">
+                <a:solidFill>
+                  <a:srgbClr val="0070C0"/>
+                </a:solidFill>
+              </a:rPr>
+              <a:t>	&lt;</a:t>
+            </a:r>
+            <a:r>
+              <a:rPr lang="en-US" dirty="0" err="1" smtClean="0">
+                <a:solidFill>
+                  <a:srgbClr val="0070C0"/>
+                </a:solidFill>
+              </a:rPr>
+              <a:t>artifactId</a:t>
+            </a:r>
+            <a:r>
+              <a:rPr lang="en-US" dirty="0" smtClean="0">
+                <a:solidFill>
+                  <a:srgbClr val="0070C0"/>
+                </a:solidFill>
+              </a:rPr>
+              <a:t>&gt;</a:t>
+            </a:r>
+            <a:r>
+              <a:rPr lang="en-US" b="1" dirty="0" smtClean="0"/>
+              <a:t>hibernate-</a:t>
+            </a:r>
+            <a:r>
+              <a:rPr lang="en-US" b="1" dirty="0" err="1" smtClean="0"/>
+              <a:t>envers</a:t>
+            </a:r>
+            <a:r>
+              <a:rPr lang="en-US" dirty="0" smtClean="0">
+                <a:solidFill>
+                  <a:srgbClr val="0070C0"/>
+                </a:solidFill>
+              </a:rPr>
+              <a:t>&lt;/</a:t>
+            </a:r>
+            <a:r>
+              <a:rPr lang="en-US" dirty="0" err="1" smtClean="0">
+                <a:solidFill>
+                  <a:srgbClr val="0070C0"/>
+                </a:solidFill>
+              </a:rPr>
+              <a:t>artifactId</a:t>
+            </a:r>
+            <a:r>
+              <a:rPr lang="en-US" dirty="0" smtClean="0">
+                <a:solidFill>
+                  <a:srgbClr val="0070C0"/>
+                </a:solidFill>
+              </a:rPr>
+              <a:t>&gt;</a:t>
+            </a:r>
+          </a:p>
+          <a:p>
+            <a:pPr marL="533400" indent="-531813">
+              <a:buClrTx/>
+              <a:buNone/>
+              <a:tabLst>
+                <a:tab pos="533400" algn="l"/>
+                <a:tab pos="912813" algn="l"/>
+                <a:tab pos="1827213" algn="l"/>
+                <a:tab pos="2741613" algn="l"/>
+                <a:tab pos="3656013" algn="l"/>
+                <a:tab pos="4570413" algn="l"/>
+                <a:tab pos="5484813" algn="l"/>
+                <a:tab pos="6399213" algn="l"/>
+                <a:tab pos="7313613" algn="l"/>
+                <a:tab pos="8228013" algn="l"/>
+                <a:tab pos="9142413" algn="l"/>
+                <a:tab pos="10056813" algn="l"/>
+                <a:tab pos="10134600" algn="l"/>
+                <a:tab pos="10858500" algn="l"/>
+                <a:tab pos="11582400" algn="l"/>
+                <a:tab pos="12306300" algn="l"/>
+                <a:tab pos="13030200" algn="l"/>
+                <a:tab pos="13754100" algn="l"/>
+                <a:tab pos="14478000" algn="l"/>
+              </a:tabLst>
+            </a:pPr>
+            <a:r>
+              <a:rPr lang="en-US" dirty="0" smtClean="0">
+                <a:solidFill>
+                  <a:srgbClr val="0070C0"/>
+                </a:solidFill>
+              </a:rPr>
+              <a:t>	&lt;</a:t>
+            </a:r>
+            <a:r>
+              <a:rPr lang="en-US" dirty="0" smtClean="0">
+                <a:solidFill>
+                  <a:srgbClr val="0070C0"/>
+                </a:solidFill>
+              </a:rPr>
+              <a:t>version&gt;</a:t>
+            </a:r>
+            <a:r>
+              <a:rPr lang="en-US" b="1" dirty="0" smtClean="0"/>
+              <a:t>4.1.8.Final</a:t>
+            </a:r>
+            <a:r>
+              <a:rPr lang="en-US" dirty="0" smtClean="0">
+                <a:solidFill>
+                  <a:srgbClr val="0070C0"/>
+                </a:solidFill>
+              </a:rPr>
+              <a:t>&lt;/version&gt;</a:t>
+            </a:r>
+          </a:p>
+          <a:p>
+            <a:pPr marL="533400" indent="-531813">
+              <a:buClrTx/>
+              <a:buNone/>
+              <a:tabLst>
+                <a:tab pos="533400" algn="l"/>
+                <a:tab pos="912813" algn="l"/>
+                <a:tab pos="1827213" algn="l"/>
+                <a:tab pos="2741613" algn="l"/>
+                <a:tab pos="3656013" algn="l"/>
+                <a:tab pos="4570413" algn="l"/>
+                <a:tab pos="5484813" algn="l"/>
+                <a:tab pos="6399213" algn="l"/>
+                <a:tab pos="7313613" algn="l"/>
+                <a:tab pos="8228013" algn="l"/>
+                <a:tab pos="9142413" algn="l"/>
+                <a:tab pos="10056813" algn="l"/>
+                <a:tab pos="10134600" algn="l"/>
+                <a:tab pos="10858500" algn="l"/>
+                <a:tab pos="11582400" algn="l"/>
+                <a:tab pos="12306300" algn="l"/>
+                <a:tab pos="13030200" algn="l"/>
+                <a:tab pos="13754100" algn="l"/>
+                <a:tab pos="14478000" algn="l"/>
+              </a:tabLst>
+            </a:pPr>
+            <a:r>
+              <a:rPr lang="en-US" dirty="0" smtClean="0">
+                <a:solidFill>
+                  <a:srgbClr val="0070C0"/>
+                </a:solidFill>
+              </a:rPr>
+              <a:t>&lt;</a:t>
+            </a:r>
+            <a:r>
+              <a:rPr lang="en-US" dirty="0" smtClean="0">
+                <a:solidFill>
+                  <a:srgbClr val="0070C0"/>
+                </a:solidFill>
+              </a:rPr>
+              <a:t>/dependency</a:t>
+            </a:r>
+            <a:r>
+              <a:rPr lang="en-US" dirty="0" smtClean="0">
+                <a:solidFill>
+                  <a:srgbClr val="0070C0"/>
+                </a:solidFill>
+              </a:rPr>
+              <a:t>&gt;</a:t>
+            </a:r>
+            <a:endParaRPr lang="en-US" dirty="0"/>
+          </a:p>
+          <a:p>
+            <a:pPr marL="533400" indent="-531813">
+              <a:buClrTx/>
+              <a:buNone/>
+              <a:tabLst>
+                <a:tab pos="533400" algn="l"/>
+                <a:tab pos="912813" algn="l"/>
+                <a:tab pos="1827213" algn="l"/>
+                <a:tab pos="2741613" algn="l"/>
+                <a:tab pos="3656013" algn="l"/>
+                <a:tab pos="4570413" algn="l"/>
+                <a:tab pos="5484813" algn="l"/>
+                <a:tab pos="6399213" algn="l"/>
+                <a:tab pos="7313613" algn="l"/>
+                <a:tab pos="8228013" algn="l"/>
+                <a:tab pos="9142413" algn="l"/>
+                <a:tab pos="10056813" algn="l"/>
+                <a:tab pos="10134600" algn="l"/>
+                <a:tab pos="10858500" algn="l"/>
+                <a:tab pos="11582400" algn="l"/>
+                <a:tab pos="12306300" algn="l"/>
+                <a:tab pos="13030200" algn="l"/>
+                <a:tab pos="13754100" algn="l"/>
+                <a:tab pos="14478000" algn="l"/>
+              </a:tabLst>
+            </a:pPr>
+            <a:endParaRPr lang="en-US" dirty="0" smtClean="0"/>
+          </a:p>
+        </p:txBody>
+      </p:sp>
+    </p:spTree>
+  </p:cSld>
+  <p:clrMapOvr>
+    <a:masterClrMapping/>
+  </p:clrMapOvr>
+  <p:transition xmlns:p14="http://schemas.microsoft.com/office/powerpoint/2010/main"/>
+  <p:timing>
+    <p:tnLst>
+      <p:par>
+        <p:cTn xmlns:p14="http://schemas.microsoft.com/office/powerpoint/2010/main" id="1" dur="indefinite" restart="never" nodeType="tmRoot">
+          <p:childTnLst>
+            <p:seq concurrent="1" nextAc="seek">
+              <p:cTn id="2" dur="0" nodeType="mainSeq"/>
+              <p:prevCondLst>
+                <p:cond evt="onPrev" delay="0">
+                  <p:tgtEl>
+                    <p:sldTgt/>
+                  </p:tgtEl>
+                </p:cond>
+              </p:prevCondLst>
+              <p:nextCondLst>
+                <p:cond evt="onNext" delay="0">
+                  <p:tgtEl>
+                    <p:sldTgt/>
+                  </p:tgtEl>
+                </p:cond>
+              </p:nextCondLst>
+            </p:seq>
+          </p:childTnLst>
+        </p:cTn>
+      </p:par>
+    </p:tnLst>
+  </p:timing>
+</p:sld>
+</file>
+
+<file path=ppt/slides/slide8.xml><?xml version="1.0" encoding="utf-8"?>
+<p:sld xmlns:a="http://schemas.openxmlformats.org/drawingml/2006/main" xmlns:r="http://schemas.openxmlformats.org/officeDocument/2006/relationships" xmlns:p="http://schemas.openxmlformats.org/presentationml/2006/main">
+  <p:cSld>
+    <p:spTree>
+      <p:nvGrpSpPr>
+        <p:cNvPr id="1" name=""/>
+        <p:cNvGrpSpPr/>
+        <p:nvPr/>
+      </p:nvGrpSpPr>
+      <p:grpSpPr>
+        <a:xfrm>
+          <a:off x="0" y="0"/>
+          <a:ext cx="0" cy="0"/>
+          <a:chOff x="0" y="0"/>
+          <a:chExt cx="0" cy="0"/>
+        </a:xfrm>
+      </p:grpSpPr>
+      <p:sp>
+        <p:nvSpPr>
+          <p:cNvPr id="4" name="Title 3"/>
           <p:cNvSpPr>
             <a:spLocks noGrp="1"/>
           </p:cNvSpPr>
           <p:nvPr>
-            <p:ph type="title"/>
+            <p:ph type="ctrTitle"/>
           </p:nvPr>
         </p:nvSpPr>
         <p:spPr/>
@@ -15714,22 +16192,23 @@
           <a:bodyPr/>
           <a:lstStyle/>
           <a:p>
-            <a:r>
-              <a:rPr lang="fr-FR" dirty="0" err="1" smtClean="0"/>
-              <a:t>Requirements</a:t>
-            </a:r>
-            <a:endParaRPr lang="fr-FR" dirty="0"/>
+            <a:pPr algn="ctr"/>
+            <a:r>
+              <a:rPr lang="en-US" dirty="0" smtClean="0"/>
+              <a:t>(3) Start the audit</a:t>
+            </a:r>
+            <a:endParaRPr lang="en-US" dirty="0"/>
           </a:p>
         </p:txBody>
       </p:sp>
       <p:sp>
         <p:nvSpPr>
-          <p:cNvPr id="3" name="Espace réservé du contenu 2"/>
+          <p:cNvPr id="5" name="Subtitle 4"/>
           <p:cNvSpPr>
             <a:spLocks noGrp="1"/>
           </p:cNvSpPr>
           <p:nvPr>
-            <p:ph idx="1"/>
+            <p:ph type="subTitle" idx="1"/>
           </p:nvPr>
         </p:nvSpPr>
         <p:spPr/>
@@ -15737,42 +16216,26 @@
           <a:bodyPr/>
           <a:lstStyle/>
           <a:p>
-            <a:r>
-              <a:rPr lang="fr-FR" dirty="0" err="1" smtClean="0"/>
-              <a:t>Hibernate</a:t>
-            </a:r>
-            <a:r>
-              <a:rPr lang="fr-FR" dirty="0" smtClean="0"/>
-              <a:t> 3+</a:t>
-            </a:r>
-          </a:p>
-          <a:p>
-            <a:r>
-              <a:rPr lang="fr-FR" dirty="0" err="1" smtClean="0"/>
-              <a:t>Hibernate</a:t>
-            </a:r>
-            <a:r>
-              <a:rPr lang="fr-FR" dirty="0" smtClean="0"/>
-              <a:t> annotations</a:t>
-            </a:r>
-            <a:endParaRPr lang="fr-FR" dirty="0"/>
+            <a:endParaRPr lang="en-US"/>
           </a:p>
         </p:txBody>
       </p:sp>
     </p:spTree>
-    <p:extLst>
-      <p:ext uri="{BB962C8B-B14F-4D97-AF65-F5344CB8AC3E}">
-        <p14:creationId xmlns:p14="http://schemas.microsoft.com/office/powerpoint/2010/main" val="3614102999"/>
-      </p:ext>
-    </p:extLst>
   </p:cSld>
   <p:clrMapOvr>
     <a:masterClrMapping/>
   </p:clrMapOvr>
+  <p:timing>
+    <p:tnLst>
+      <p:par>
+        <p:cTn xmlns:p14="http://schemas.microsoft.com/office/powerpoint/2010/main" id="1" dur="indefinite" restart="never" nodeType="tmRoot"/>
+      </p:par>
+    </p:tnLst>
+  </p:timing>
 </p:sld>
 </file>
 
-<file path=ppt/slides/slide8.xml><?xml version="1.0" encoding="utf-8"?>
+<file path=ppt/slides/slide9.xml><?xml version="1.0" encoding="utf-8"?>
 <p:sld xmlns:a="http://schemas.openxmlformats.org/drawingml/2006/main" xmlns:r="http://schemas.openxmlformats.org/officeDocument/2006/relationships" xmlns:p="http://schemas.openxmlformats.org/presentationml/2006/main">
   <p:cSld>
     <p:spTree>
@@ -15859,7 +16322,7 @@
                   <a:tab pos="10058400" algn="l"/>
                 </a:tabLst>
               </a:pPr>
-              <a:t>8</a:t>
+              <a:t>9</a:t>
             </a:fld>
             <a:endParaRPr lang="en-US" sz="1200">
               <a:solidFill>
@@ -15920,15 +16383,7 @@
             </a:pPr>
             <a:r>
               <a:rPr lang="en-US" dirty="0" smtClean="0"/>
-              <a:t>Add the </a:t>
-            </a:r>
-            <a:r>
-              <a:rPr lang="en-US" dirty="0" err="1" smtClean="0"/>
-              <a:t>Envers</a:t>
-            </a:r>
-            <a:r>
-              <a:rPr lang="en-US" dirty="0" smtClean="0"/>
-              <a:t> library</a:t>
+              <a:t>Audit a simple entity class</a:t>
             </a:r>
           </a:p>
         </p:txBody>
@@ -15952,6 +16407,238 @@
         <p:txBody>
           <a:bodyPr/>
           <a:lstStyle/>
+          <a:p>
+            <a:pPr marL="533400" indent="-531813">
+              <a:buClrTx/>
+              <a:buNone/>
+              <a:tabLst>
+                <a:tab pos="533400" algn="l"/>
+                <a:tab pos="912813" algn="l"/>
+                <a:tab pos="1827213" algn="l"/>
+                <a:tab pos="2741613" algn="l"/>
+                <a:tab pos="3656013" algn="l"/>
+                <a:tab pos="4570413" algn="l"/>
+                <a:tab pos="5484813" algn="l"/>
+                <a:tab pos="6399213" algn="l"/>
+                <a:tab pos="7313613" algn="l"/>
+                <a:tab pos="8228013" algn="l"/>
+                <a:tab pos="9142413" algn="l"/>
+                <a:tab pos="10056813" algn="l"/>
+                <a:tab pos="10134600" algn="l"/>
+                <a:tab pos="10858500" algn="l"/>
+                <a:tab pos="11582400" algn="l"/>
+                <a:tab pos="12306300" algn="l"/>
+                <a:tab pos="13030200" algn="l"/>
+                <a:tab pos="13754100" algn="l"/>
+                <a:tab pos="14478000" algn="l"/>
+              </a:tabLst>
+            </a:pPr>
+            <a:r>
+              <a:rPr lang="en-US" dirty="0" smtClean="0">
+                <a:solidFill>
+                  <a:schemeClr val="bg1">
+                    <a:lumMod val="50000"/>
+                  </a:schemeClr>
+                </a:solidFill>
+              </a:rPr>
+              <a:t>@Entity</a:t>
+            </a:r>
+          </a:p>
+          <a:p>
+            <a:pPr marL="533400" indent="-531813">
+              <a:buClrTx/>
+              <a:buNone/>
+              <a:tabLst>
+                <a:tab pos="533400" algn="l"/>
+                <a:tab pos="912813" algn="l"/>
+                <a:tab pos="1827213" algn="l"/>
+                <a:tab pos="2741613" algn="l"/>
+                <a:tab pos="3656013" algn="l"/>
+                <a:tab pos="4570413" algn="l"/>
+                <a:tab pos="5484813" algn="l"/>
+                <a:tab pos="6399213" algn="l"/>
+                <a:tab pos="7313613" algn="l"/>
+                <a:tab pos="8228013" algn="l"/>
+                <a:tab pos="9142413" algn="l"/>
+                <a:tab pos="10056813" algn="l"/>
+                <a:tab pos="10134600" algn="l"/>
+                <a:tab pos="10858500" algn="l"/>
+                <a:tab pos="11582400" algn="l"/>
+                <a:tab pos="12306300" algn="l"/>
+                <a:tab pos="13030200" algn="l"/>
+                <a:tab pos="13754100" algn="l"/>
+                <a:tab pos="14478000" algn="l"/>
+              </a:tabLst>
+            </a:pPr>
+            <a:r>
+              <a:rPr lang="en-US" b="1" dirty="0" smtClean="0">
+                <a:solidFill>
+                  <a:srgbClr val="00B050"/>
+                </a:solidFill>
+              </a:rPr>
+              <a:t>@Audited</a:t>
+            </a:r>
+          </a:p>
+          <a:p>
+            <a:pPr marL="533400" indent="-531813">
+              <a:buClrTx/>
+              <a:buNone/>
+              <a:tabLst>
+                <a:tab pos="533400" algn="l"/>
+                <a:tab pos="912813" algn="l"/>
+                <a:tab pos="1827213" algn="l"/>
+                <a:tab pos="2741613" algn="l"/>
+                <a:tab pos="3656013" algn="l"/>
+                <a:tab pos="4570413" algn="l"/>
+                <a:tab pos="5484813" algn="l"/>
+                <a:tab pos="6399213" algn="l"/>
+                <a:tab pos="7313613" algn="l"/>
+                <a:tab pos="8228013" algn="l"/>
+                <a:tab pos="9142413" algn="l"/>
+                <a:tab pos="10056813" algn="l"/>
+                <a:tab pos="10134600" algn="l"/>
+                <a:tab pos="10858500" algn="l"/>
+                <a:tab pos="11582400" algn="l"/>
+                <a:tab pos="12306300" algn="l"/>
+                <a:tab pos="13030200" algn="l"/>
+                <a:tab pos="13754100" algn="l"/>
+                <a:tab pos="14478000" algn="l"/>
+              </a:tabLst>
+            </a:pPr>
+            <a:r>
+              <a:rPr lang="en-US" dirty="0" smtClean="0">
+                <a:solidFill>
+                  <a:srgbClr val="C00000"/>
+                </a:solidFill>
+              </a:rPr>
+              <a:t>public class</a:t>
+            </a:r>
+            <a:r>
+              <a:rPr lang="en-US" dirty="0" smtClean="0"/>
+              <a:t> Person {</a:t>
+            </a:r>
+          </a:p>
+          <a:p>
+            <a:pPr marL="533400" indent="-531813">
+              <a:buClrTx/>
+              <a:buNone/>
+              <a:tabLst>
+                <a:tab pos="533400" algn="l"/>
+                <a:tab pos="912813" algn="l"/>
+                <a:tab pos="1827213" algn="l"/>
+                <a:tab pos="2741613" algn="l"/>
+                <a:tab pos="3656013" algn="l"/>
+                <a:tab pos="4570413" algn="l"/>
+                <a:tab pos="5484813" algn="l"/>
+                <a:tab pos="6399213" algn="l"/>
+                <a:tab pos="7313613" algn="l"/>
+                <a:tab pos="8228013" algn="l"/>
+                <a:tab pos="9142413" algn="l"/>
+                <a:tab pos="10056813" algn="l"/>
+                <a:tab pos="10134600" algn="l"/>
+                <a:tab pos="10858500" algn="l"/>
+                <a:tab pos="11582400" algn="l"/>
+                <a:tab pos="12306300" algn="l"/>
+                <a:tab pos="13030200" algn="l"/>
+                <a:tab pos="13754100" algn="l"/>
+                <a:tab pos="14478000" algn="l"/>
+              </a:tabLst>
+            </a:pPr>
+            <a:r>
+              <a:rPr lang="en-US" dirty="0" smtClean="0"/>
+              <a:t>	</a:t>
+            </a:r>
+            <a:r>
+              <a:rPr lang="en-US" dirty="0" smtClean="0">
+                <a:solidFill>
+                  <a:schemeClr val="bg1">
+                    <a:lumMod val="50000"/>
+                  </a:schemeClr>
+                </a:solidFill>
+              </a:rPr>
+              <a:t>@Id @</a:t>
+            </a:r>
+            <a:r>
+              <a:rPr lang="en-US" dirty="0" err="1" smtClean="0">
+                <a:solidFill>
+                  <a:schemeClr val="bg1">
+                    <a:lumMod val="50000"/>
+                  </a:schemeClr>
+                </a:solidFill>
+              </a:rPr>
+              <a:t>GeneratedValue</a:t>
+            </a:r>
+            <a:endParaRPr lang="en-US" dirty="0" smtClean="0">
+              <a:solidFill>
+                <a:schemeClr val="bg1">
+                  <a:lumMod val="50000"/>
+                </a:schemeClr>
+              </a:solidFill>
+            </a:endParaRPr>
+          </a:p>
+          <a:p>
+            <a:pPr marL="533400" indent="-531813">
+              <a:buClrTx/>
+              <a:buNone/>
+              <a:tabLst>
+                <a:tab pos="533400" algn="l"/>
+                <a:tab pos="912813" algn="l"/>
+                <a:tab pos="1827213" algn="l"/>
+                <a:tab pos="2741613" algn="l"/>
+                <a:tab pos="3656013" algn="l"/>
+                <a:tab pos="4570413" algn="l"/>
+                <a:tab pos="5484813" algn="l"/>
+                <a:tab pos="6399213" algn="l"/>
+                <a:tab pos="7313613" algn="l"/>
+                <a:tab pos="8228013" algn="l"/>
+                <a:tab pos="9142413" algn="l"/>
+                <a:tab pos="10056813" algn="l"/>
+                <a:tab pos="10134600" algn="l"/>
+                <a:tab pos="10858500" algn="l"/>
+                <a:tab pos="11582400" algn="l"/>
+                <a:tab pos="12306300" algn="l"/>
+                <a:tab pos="13030200" algn="l"/>
+                <a:tab pos="13754100" algn="l"/>
+                <a:tab pos="14478000" algn="l"/>
+              </a:tabLst>
+            </a:pPr>
+            <a:r>
+              <a:rPr lang="en-US" dirty="0" smtClean="0"/>
+              <a:t>	</a:t>
+            </a:r>
+            <a:r>
+              <a:rPr lang="en-US" dirty="0" smtClean="0">
+                <a:solidFill>
+                  <a:srgbClr val="C00000"/>
+                </a:solidFill>
+              </a:rPr>
+              <a:t>private</a:t>
+            </a:r>
+            <a:r>
+              <a:rPr lang="en-US" dirty="0" smtClean="0"/>
+              <a:t> </a:t>
+            </a:r>
+            <a:r>
+              <a:rPr lang="en-US" dirty="0" err="1" smtClean="0"/>
+              <a:t>int</a:t>
+            </a:r>
+            <a:r>
+              <a:rPr lang="en-US" dirty="0" smtClean="0"/>
+              <a:t> </a:t>
+            </a:r>
+            <a:r>
+              <a:rPr lang="en-US" dirty="0" smtClean="0">
+                <a:solidFill>
+                  <a:srgbClr val="0070C0"/>
+                </a:solidFill>
+              </a:rPr>
+              <a:t>id</a:t>
+            </a:r>
+            <a:r>
+              <a:rPr lang="en-US" dirty="0" smtClean="0"/>
+              <a:t>;</a:t>
+            </a:r>
+          </a:p>
           <a:p>
             <a:pPr marL="533400" indent="-531813">
               <a:buClrTx/>
@@ -16008,15 +16695,31 @@
             </a:pPr>
             <a:r>
               <a:rPr lang="en-US" dirty="0" smtClean="0"/>
-              <a:t> </a:t>
+              <a:t>	</a:t>
             </a:r>
             <a:r>
               <a:rPr lang="en-US" dirty="0" smtClean="0">
                 <a:solidFill>
+                  <a:srgbClr val="C00000"/>
+                </a:solidFill>
+              </a:rPr>
+              <a:t>private</a:t>
+            </a:r>
+            <a:r>
+              <a:rPr lang="en-US" dirty="0" smtClean="0"/>
+              <a:t> String </a:t>
+            </a:r>
+            <a:r>
+              <a:rPr lang="en-US" dirty="0" smtClean="0">
+                <a:solidFill>
                   <a:srgbClr val="0070C0"/>
                 </a:solidFill>
               </a:rPr>
-              <a:t>&lt;dependency&gt;</a:t>
+              <a:t>name</a:t>
+            </a:r>
+            <a:r>
+              <a:rPr lang="en-US" dirty="0" smtClean="0"/>
+              <a:t>;</a:t>
             </a:r>
           </a:p>
           <a:p>
@@ -16047,59 +16750,31 @@
             </a:pPr>
             <a:r>
               <a:rPr lang="en-US" dirty="0" smtClean="0"/>
-              <a:t>      </a:t>
+              <a:t>	</a:t>
             </a:r>
             <a:r>
               <a:rPr lang="en-US" dirty="0" smtClean="0">
                 <a:solidFill>
+                  <a:srgbClr val="C00000"/>
+                </a:solidFill>
+              </a:rPr>
+              <a:t>private</a:t>
+            </a:r>
+            <a:r>
+              <a:rPr lang="en-US" dirty="0" smtClean="0"/>
+              <a:t> String </a:t>
+            </a:r>
+            <a:r>
+              <a:rPr lang="en-US" dirty="0" smtClean="0">
+                <a:solidFill>
                   <a:srgbClr val="0070C0"/>
                 </a:solidFill>
               </a:rPr>
-              <a:t>&lt;</a:t>
-            </a:r>
-            <a:r>
-              <a:rPr lang="en-US" dirty="0" err="1" smtClean="0">
-                <a:solidFill>
-                  <a:srgbClr val="0070C0"/>
-                </a:solidFill>
-              </a:rPr>
-              <a:t>groupId</a:t>
-            </a:r>
-            <a:r>
-              <a:rPr lang="en-US" dirty="0" smtClean="0">
-                <a:solidFill>
-                  <a:srgbClr val="0070C0"/>
-                </a:solidFill>
-              </a:rPr>
-              <a:t>&gt;</a:t>
-            </a:r>
-            <a:r>
-              <a:rPr lang="en-US" b="1" dirty="0" err="1" smtClean="0"/>
-              <a:t>org.hibernate</a:t>
-            </a:r>
-            <a:r>
-              <a:rPr lang="en-US" dirty="0" smtClean="0">
-                <a:solidFill>
-                  <a:srgbClr val="0070C0"/>
-                </a:solidFill>
-              </a:rPr>
-              <a:t>&lt;/</a:t>
-            </a:r>
-            <a:r>
-              <a:rPr lang="en-US" dirty="0" err="1" smtClean="0">
-                <a:solidFill>
-                  <a:srgbClr val="0070C0"/>
-                </a:solidFill>
-              </a:rPr>
-              <a:t>groupId</a:t>
-            </a:r>
-            <a:r>
-              <a:rPr lang="en-US" dirty="0" smtClean="0">
-                <a:solidFill>
-                  <a:srgbClr val="0070C0"/>
-                </a:solidFill>
-              </a:rPr>
-              <a:t>&gt;</a:t>
+              <a:t>surname</a:t>
+            </a:r>
+            <a:r>
+              <a:rPr lang="en-US" dirty="0" smtClean="0"/>
+              <a:t>;</a:t>
             </a:r>
           </a:p>
           <a:p>
@@ -16128,66 +16803,7 @@
                 <a:tab pos="14478000" algn="l"/>
               </a:tabLst>
             </a:pPr>
-            <a:r>
-              <a:rPr lang="en-US" dirty="0" smtClean="0"/>
-              <a:t>      </a:t>
-            </a:r>
-            <a:r>
-              <a:rPr lang="en-US" dirty="0" smtClean="0">
-                <a:solidFill>
-                  <a:srgbClr val="0070C0"/>
-                </a:solidFill>
-              </a:rPr>
-              <a:t>&lt;</a:t>
-            </a:r>
-            <a:r>
-              <a:rPr lang="en-US" dirty="0" err="1" smtClean="0">
-                <a:solidFill>
-                  <a:srgbClr val="0070C0"/>
-                </a:solidFill>
-              </a:rPr>
-              <a:t>artifactId</a:t>
-            </a:r>
-            <a:r>
-              <a:rPr lang="en-US" dirty="0" smtClean="0">
-                <a:solidFill>
-                  <a:srgbClr val="0070C0"/>
-                </a:solidFill>
-              </a:rPr>
-              <a:t>&gt;</a:t>
-            </a:r>
-            <a:r>
-              <a:rPr lang="en-US" b="1" dirty="0" smtClean="0"/>
-              <a:t>hibernate-</a:t>
-            </a:r>
-            <a:r>
-              <a:rPr lang="en-US" b="1" dirty="0" err="1" smtClean="0"/>
-              <a:t>envers</a:t>
-            </a:r>
-            <a:r>
-              <a:rPr lang="en-US" dirty="0" smtClean="0">
-                <a:solidFill>
-                  <a:srgbClr val="0070C0"/>
-                </a:solidFill>
-              </a:rPr>
-              <a:t>&lt;/</a:t>
-            </a:r>
-            <a:r>
-              <a:rPr lang="en-US" dirty="0" err="1" smtClean="0">
-                <a:solidFill>
-                  <a:srgbClr val="0070C0"/>
-                </a:solidFill>
-              </a:rPr>
-              <a:t>artifactId</a:t>
-            </a:r>
-            <a:r>
-              <a:rPr lang="en-US" dirty="0" smtClean="0">
-                <a:solidFill>
-                  <a:srgbClr val="0070C0"/>
-                </a:solidFill>
-              </a:rPr>
-              <a:t>&gt;</a:t>
-            </a:r>
+            <a:endParaRPr lang="en-US" dirty="0" smtClean="0"/>
           </a:p>
           <a:p>
             <a:pPr marL="533400" indent="-531813">
@@ -16217,28 +16833,35 @@
             </a:pPr>
             <a:r>
               <a:rPr lang="en-US" dirty="0" smtClean="0"/>
-              <a:t>      </a:t>
+              <a:t>	</a:t>
             </a:r>
             <a:r>
               <a:rPr lang="en-US" dirty="0" smtClean="0">
                 <a:solidFill>
-                  <a:srgbClr val="0070C0"/>
-                </a:solidFill>
-              </a:rPr>
-              <a:t>&lt;version&gt;</a:t>
-            </a:r>
-            <a:r>
-              <a:rPr lang="en-US" b="1" dirty="0" smtClean="0"/>
-              <a:t>4.1.8.Final</a:t>
-            </a:r>
-            <a:r>
-              <a:rPr lang="en-US" dirty="0" smtClean="0">
-                <a:solidFill>
-                  <a:srgbClr val="0070C0"/>
-                </a:solidFill>
-              </a:rPr>
-              <a:t>&lt;/version&gt;</a:t>
-            </a:r>
+                  <a:schemeClr val="bg1">
+                    <a:lumMod val="50000"/>
+                  </a:schemeClr>
+                </a:solidFill>
+              </a:rPr>
+              <a:t>@</a:t>
+            </a:r>
+            <a:r>
+              <a:rPr lang="en-US" dirty="0" err="1" smtClean="0">
+                <a:solidFill>
+                  <a:schemeClr val="bg1">
+                    <a:lumMod val="50000"/>
+                  </a:schemeClr>
+                </a:solidFill>
+              </a:rPr>
+              <a:t>ManyToOne</a:t>
+            </a:r>
+            <a:endParaRPr lang="en-US" dirty="0" smtClean="0">
+              <a:solidFill>
+                <a:schemeClr val="bg1">
+                  <a:lumMod val="50000"/>
+                </a:schemeClr>
+              </a:solidFill>
+            </a:endParaRPr>
           </a:p>
           <a:p>
             <a:pPr marL="533400" indent="-531813">
@@ -16267,21 +16890,225 @@
               </a:tabLst>
             </a:pPr>
             <a:r>
+              <a:rPr lang="en-US" dirty="0" smtClean="0"/>
+              <a:t>	</a:t>
+            </a:r>
+            <a:r>
               <a:rPr lang="en-US" dirty="0" smtClean="0">
                 <a:solidFill>
+                  <a:srgbClr val="C00000"/>
+                </a:solidFill>
+              </a:rPr>
+              <a:t>private</a:t>
+            </a:r>
+            <a:r>
+              <a:rPr lang="en-US" dirty="0" smtClean="0"/>
+              <a:t> Address </a:t>
+            </a:r>
+            <a:r>
+              <a:rPr lang="en-US" dirty="0" err="1" smtClean="0">
+                <a:solidFill>
                   <a:srgbClr val="0070C0"/>
                 </a:solidFill>
               </a:rPr>
-              <a:t> &lt;/dependency&gt;</a:t>
+              <a:t>address</a:t>
             </a:r>
             <a:r>
               <a:rPr lang="en-US" dirty="0" smtClean="0"/>
-              <a:t/>
-            </a:r>
-            <a:br>
+              <a:t>;</a:t>
+            </a:r>
+          </a:p>
+          <a:p>
+            <a:pPr marL="533400" indent="-531813">
+              <a:buClrTx/>
+              <a:buNone/>
+              <a:tabLst>
+                <a:tab pos="533400" algn="l"/>
+                <a:tab pos="912813" algn="l"/>
+                <a:tab pos="1827213" algn="l"/>
+                <a:tab pos="2741613" algn="l"/>
+                <a:tab pos="3656013" algn="l"/>
+                <a:tab pos="4570413" algn="l"/>
+                <a:tab pos="5484813" algn="l"/>
+                <a:tab pos="6399213" algn="l"/>
+                <a:tab pos="7313613" algn="l"/>
+                <a:tab pos="8228013" algn="l"/>
+                <a:tab pos="9142413" algn="l"/>
+                <a:tab pos="10056813" algn="l"/>
+                <a:tab pos="10134600" algn="l"/>
+                <a:tab pos="10858500" algn="l"/>
+                <a:tab pos="11582400" algn="l"/>
+                <a:tab pos="12306300" algn="l"/>
+                <a:tab pos="13030200" algn="l"/>
+                <a:tab pos="13754100" algn="l"/>
+                <a:tab pos="14478000" algn="l"/>
+              </a:tabLst>
+            </a:pPr>
+            <a:endParaRPr lang="en-US" dirty="0" smtClean="0"/>
+          </a:p>
+          <a:p>
+            <a:pPr marL="533400" indent="-531813">
+              <a:buClrTx/>
+              <a:buNone/>
+              <a:tabLst>
+                <a:tab pos="533400" algn="l"/>
+                <a:tab pos="912813" algn="l"/>
+                <a:tab pos="1827213" algn="l"/>
+                <a:tab pos="2741613" algn="l"/>
+                <a:tab pos="3656013" algn="l"/>
+                <a:tab pos="4570413" algn="l"/>
+                <a:tab pos="5484813" algn="l"/>
+                <a:tab pos="6399213" algn="l"/>
+                <a:tab pos="7313613" algn="l"/>
+                <a:tab pos="8228013" algn="l"/>
+                <a:tab pos="9142413" algn="l"/>
+                <a:tab pos="10056813" algn="l"/>
+                <a:tab pos="10134600" algn="l"/>
+                <a:tab pos="10858500" algn="l"/>
+                <a:tab pos="11582400" algn="l"/>
+                <a:tab pos="12306300" algn="l"/>
+                <a:tab pos="13030200" algn="l"/>
+                <a:tab pos="13754100" algn="l"/>
+                <a:tab pos="14478000" algn="l"/>
+              </a:tabLst>
+            </a:pPr>
+            <a:r>
               <a:rPr lang="en-US" dirty="0" smtClean="0"/>
-            </a:br>
-            <a:endParaRPr lang="en-US" dirty="0" smtClean="0"/>
+              <a:t>	</a:t>
+            </a:r>
+            <a:r>
+              <a:rPr lang="en-US" dirty="0" smtClean="0">
+                <a:solidFill>
+                  <a:schemeClr val="accent1">
+                    <a:lumMod val="75000"/>
+                  </a:schemeClr>
+                </a:solidFill>
+              </a:rPr>
+              <a:t>// getters, setters, constructors, equals and </a:t>
+            </a:r>
+            <a:r>
+              <a:rPr lang="en-US" dirty="0" err="1" smtClean="0">
+                <a:solidFill>
+                  <a:schemeClr val="accent1">
+                    <a:lumMod val="75000"/>
+                  </a:schemeClr>
+                </a:solidFill>
+              </a:rPr>
+              <a:t>hashCode</a:t>
+            </a:r>
+            <a:r>
+              <a:rPr lang="en-US" dirty="0" smtClean="0">
+                <a:solidFill>
+                  <a:schemeClr val="accent1">
+                    <a:lumMod val="75000"/>
+                  </a:schemeClr>
+                </a:solidFill>
+              </a:rPr>
+              <a:t>…</a:t>
+            </a:r>
+          </a:p>
+          <a:p>
+            <a:pPr marL="533400" indent="-531813">
+              <a:buClrTx/>
+              <a:buNone/>
+              <a:tabLst>
+                <a:tab pos="533400" algn="l"/>
+                <a:tab pos="912813" algn="l"/>
+                <a:tab pos="1827213" algn="l"/>
+                <a:tab pos="2741613" algn="l"/>
+                <a:tab pos="3656013" algn="l"/>
+                <a:tab pos="4570413" algn="l"/>
+                <a:tab pos="5484813" algn="l"/>
+                <a:tab pos="6399213" algn="l"/>
+                <a:tab pos="7313613" algn="l"/>
+                <a:tab pos="8228013" algn="l"/>
+                <a:tab pos="9142413" algn="l"/>
+                <a:tab pos="10056813" algn="l"/>
+                <a:tab pos="10134600" algn="l"/>
+                <a:tab pos="10858500" algn="l"/>
+                <a:tab pos="11582400" algn="l"/>
+                <a:tab pos="12306300" algn="l"/>
+                <a:tab pos="13030200" algn="l"/>
+                <a:tab pos="13754100" algn="l"/>
+                <a:tab pos="14478000" algn="l"/>
+              </a:tabLst>
+            </a:pPr>
+            <a:r>
+              <a:rPr lang="en-US" dirty="0" smtClean="0"/>
+              <a:t>}</a:t>
+            </a:r>
+          </a:p>
+        </p:txBody>
+      </p:sp>
+      <p:sp>
+        <p:nvSpPr>
+          <p:cNvPr id="5" name="Notched Right Arrow 4"/>
+          <p:cNvSpPr/>
+          <p:nvPr/>
+        </p:nvSpPr>
+        <p:spPr bwMode="auto">
+          <a:xfrm rot="9043933">
+            <a:off x="2655271" y="1686637"/>
+            <a:ext cx="1368152" cy="648072"/>
+          </a:xfrm>
+          <a:prstGeom prst="notchedRightArrow">
+            <a:avLst/>
+          </a:prstGeom>
+          <a:ln>
+            <a:headEnd type="none" w="med" len="med"/>
+            <a:tailEnd type="none" w="med" len="med"/>
+          </a:ln>
+        </p:spPr>
+        <p:style>
+          <a:lnRef idx="1">
+            <a:schemeClr val="accent2"/>
+          </a:lnRef>
+          <a:fillRef idx="2">
+            <a:schemeClr val="accent2"/>
+          </a:fillRef>
+          <a:effectRef idx="1">
+            <a:schemeClr val="accent2"/>
+          </a:effectRef>
+          <a:fontRef idx="minor">
+            <a:schemeClr val="dk1"/>
+          </a:fontRef>
+        </p:style>
+        <p:txBody>
+          <a:bodyPr vert="horz" wrap="square" lIns="91440" tIns="45720" rIns="91440" bIns="45720" numCol="1" rtlCol="0" anchor="t" anchorCtr="0" compatLnSpc="1">
+            <a:prstTxWarp prst="textNoShape">
+              <a:avLst/>
+            </a:prstTxWarp>
+          </a:bodyPr>
+          <a:lstStyle/>
+          <a:p>
+            <a:pPr marL="0" marR="0" indent="0" algn="ctr" defTabSz="457200" rtl="0" eaLnBrk="1" fontAlgn="base" latinLnBrk="0" hangingPunct="1">
+              <a:lnSpc>
+                <a:spcPct val="100000"/>
+              </a:lnSpc>
+              <a:spcBef>
+                <a:spcPct val="0"/>
+              </a:spcBef>
+              <a:spcAft>
+                <a:spcPct val="0"/>
+              </a:spcAft>
+              <a:buClr>
+                <a:srgbClr val="000000"/>
+              </a:buClr>
+              <a:buSzPct val="100000"/>
+              <a:buFont typeface="Times New Roman" pitchFamily="16" charset="0"/>
+              <a:buNone/>
+              <a:tabLst/>
+            </a:pPr>
+            <a:endParaRPr kumimoji="0" lang="en-US" sz="3200" b="0" i="0" u="none" strike="noStrike" cap="none" normalizeH="0" baseline="0" smtClean="0">
+              <a:ln>
+                <a:noFill/>
+              </a:ln>
+              <a:solidFill>
+                <a:schemeClr val="bg1"/>
+              </a:solidFill>
+              <a:effectLst/>
+              <a:latin typeface="Gill Sans" charset="0"/>
+            </a:endParaRPr>
           </a:p>
         </p:txBody>
       </p:sp>
@@ -16297,7 +17124,106 @@
         <p:cTn xmlns:p14="http://schemas.microsoft.com/office/powerpoint/2010/main" id="1" dur="indefinite" restart="never" nodeType="tmRoot">
           <p:childTnLst>
             <p:seq concurrent="1" nextAc="seek">
-              <p:cTn id="2" dur="0" nodeType="mainSeq"/>
+              <p:cTn id="2" dur="indefinite" nodeType="mainSeq">
+                <p:childTnLst>
+                  <p:par>
+                    <p:cTn id="3" fill="hold">
+                      <p:stCondLst>
+                        <p:cond delay="indefinite"/>
+                      </p:stCondLst>
+                      <p:childTnLst>
+                        <p:par>
+                          <p:cTn id="4" fill="hold">
+                            <p:stCondLst>
+                              <p:cond delay="0"/>
+                            </p:stCondLst>
+                            <p:childTnLst>
+                              <p:par>
+                                <p:cTn id="5" presetID="12" presetClass="entr" presetSubtype="4" fill="hold" grpId="0" nodeType="clickEffect">
+                                  <p:stCondLst>
+                                    <p:cond delay="0"/>
+                                  </p:stCondLst>
+                                  <p:childTnLst>
+                                    <p:set>
+                                      <p:cBhvr>
+                                        <p:cTn id="6" dur="1" fill="hold">
+                                          <p:stCondLst>
+                                            <p:cond delay="0"/>
+                                          </p:stCondLst>
+                                        </p:cTn>
+                                        <p:tgtEl>
+                                          <p:spTgt spid="5"/>
+                                        </p:tgtEl>
+                                        <p:attrNameLst>
+                                          <p:attrName>style.visibility</p:attrName>
+                                        </p:attrNameLst>
+                                      </p:cBhvr>
+                                      <p:to>
+                                        <p:strVal val="visible"/>
+                                      </p:to>
+                                    </p:set>
+                                    <p:animEffect transition="in" filter="slide(fromBottom)">
+                                      <p:cBhvr>
+                                        <p:cTn id="7" dur="500"/>
+                                        <p:tgtEl>
+                                          <p:spTgt spid="5"/>
+                                        </p:tgtEl>
+                                      </p:cBhvr>
+                                    </p:animEffect>
+                                  </p:childTnLst>
+                                </p:cTn>
+                              </p:par>
+                              <p:par>
+                                <p:cTn id="8" presetID="12" presetClass="entr" presetSubtype="4" fill="hold" nodeType="withEffect">
+                                  <p:stCondLst>
+                                    <p:cond delay="0"/>
+                                  </p:stCondLst>
+                                  <p:childTnLst>
+                                    <p:set>
+                                      <p:cBhvr>
+                                        <p:cTn id="9" dur="1" fill="hold">
+                                          <p:stCondLst>
+                                            <p:cond delay="0"/>
+                                          </p:stCondLst>
+                                        </p:cTn>
+                                        <p:tgtEl>
+                                          <p:spTgt spid="10244">
+                                            <p:txEl>
+                                              <p:pRg st="1" end="1"/>
+                                            </p:txEl>
+                                          </p:spTgt>
+                                        </p:tgtEl>
+                                        <p:attrNameLst>
+                                          <p:attrName>style.visibility</p:attrName>
+                                        </p:attrNameLst>
+                                      </p:cBhvr>
+                                      <p:to>
+                                        <p:strVal val="visible"/>
+                                      </p:to>
+                                    </p:set>
+                                    <p:animEffect transition="in" filter="slide(fromBottom)">
+                                      <p:cBhvr>
+                                        <p:cTn id="10" dur="500"/>
+                                        <p:tgtEl>
+                                          <p:spTgt spid="10244">
+                                            <p:txEl>
+                                              <p:pRg st="1" end="1"/>
+                                            </p:txEl>
+                                          </p:spTgt>
+                                        </p:tgtEl>
+                                      </p:cBhvr>
+                                    </p:animEffect>
+                                  </p:childTnLst>
+                                </p:cTn>
+                              </p:par>
+                            </p:childTnLst>
+                          </p:cTn>
+                        </p:par>
+                      </p:childTnLst>
+                    </p:cTn>
+                  </p:par>
+                </p:childTnLst>
+              </p:cTn>
               <p:prevCondLst>
                 <p:cond evt="onPrev" delay="0">
                   <p:tgtEl>
@@ -16317,81 +17243,9 @@
         </p:cTn>
       </p:par>
     </p:tnLst>
-  </p:timing>
-</p:sld>
-</file>
-
-<file path=ppt/slides/slide9.xml><?xml version="1.0" encoding="utf-8"?>
-<p:sld xmlns:a="http://schemas.openxmlformats.org/drawingml/2006/main" xmlns:r="http://schemas.openxmlformats.org/officeDocument/2006/relationships" xmlns:p="http://schemas.openxmlformats.org/presentationml/2006/main">
-  <p:cSld>
-    <p:spTree>
-      <p:nvGrpSpPr>
-        <p:cNvPr id="1" name=""/>
-        <p:cNvGrpSpPr/>
-        <p:nvPr/>
-      </p:nvGrpSpPr>
-      <p:grpSpPr>
-        <a:xfrm>
-          <a:off x="0" y="0"/>
-          <a:ext cx="0" cy="0"/>
-          <a:chOff x="0" y="0"/>
-          <a:chExt cx="0" cy="0"/>
-        </a:xfrm>
-      </p:grpSpPr>
-      <p:sp>
-        <p:nvSpPr>
-          <p:cNvPr id="4" name="Title 3"/>
-          <p:cNvSpPr>
-            <a:spLocks noGrp="1"/>
-          </p:cNvSpPr>
-          <p:nvPr>
-            <p:ph type="ctrTitle"/>
-          </p:nvPr>
-        </p:nvSpPr>
-        <p:spPr/>
-        <p:txBody>
-          <a:bodyPr/>
-          <a:lstStyle/>
-          <a:p>
-            <a:pPr algn="ctr"/>
-            <a:r>
-              <a:rPr lang="en-US" dirty="0" smtClean="0"/>
-              <a:t>(3) Start the audit</a:t>
-            </a:r>
-            <a:endParaRPr lang="en-US" dirty="0"/>
-          </a:p>
-        </p:txBody>
-      </p:sp>
-      <p:sp>
-        <p:nvSpPr>
-          <p:cNvPr id="5" name="Subtitle 4"/>
-          <p:cNvSpPr>
-            <a:spLocks noGrp="1"/>
-          </p:cNvSpPr>
-          <p:nvPr>
-            <p:ph type="subTitle" idx="1"/>
-          </p:nvPr>
-        </p:nvSpPr>
-        <p:spPr/>
-        <p:txBody>
-          <a:bodyPr/>
-          <a:lstStyle/>
-          <a:p>
-            <a:endParaRPr lang="en-US"/>
-          </a:p>
-        </p:txBody>
-      </p:sp>
-    </p:spTree>
-  </p:cSld>
-  <p:clrMapOvr>
-    <a:masterClrMapping/>
-  </p:clrMapOvr>
-  <p:timing>
-    <p:tnLst>
-      <p:par>
-        <p:cTn xmlns:p14="http://schemas.microsoft.com/office/powerpoint/2010/main" id="1" dur="indefinite" restart="never" nodeType="tmRoot"/>
-      </p:par>
-    </p:tnLst>
+    <p:bldLst>
+      <p:bldP spid="5" grpId="0" animBg="1"/>
+    </p:bldLst>
   </p:timing>
 </p:sld>
 </file>

--- a/Devoxx 2012 - Hibernate Envers.pptx
+++ b/Devoxx 2012 - Hibernate Envers.pptx
@@ -29,9 +29,9 @@
     <p:sldId id="272" r:id="rId17"/>
     <p:sldId id="281" r:id="rId18"/>
     <p:sldId id="273" r:id="rId19"/>
-    <p:sldId id="278" r:id="rId20"/>
-    <p:sldId id="260" r:id="rId21"/>
-    <p:sldId id="280" r:id="rId22"/>
+    <p:sldId id="260" r:id="rId20"/>
+    <p:sldId id="280" r:id="rId21"/>
+    <p:sldId id="282" r:id="rId22"/>
     <p:sldId id="274" r:id="rId23"/>
     <p:sldId id="275" r:id="rId24"/>
     <p:sldId id="262" r:id="rId25"/>
@@ -251,7 +251,7 @@
             <a:fld id="{FF2FFA3A-F1DC-41D9-AA93-6144FB830E20}" type="datetimeFigureOut">
               <a:rPr lang="en-US" smtClean="0"/>
               <a:pPr/>
-              <a:t>11/11/12</a:t>
+              <a:t>13/11/12</a:t>
             </a:fld>
             <a:endParaRPr lang="en-US"/>
           </a:p>
@@ -7202,7 +7202,7 @@
             </a:r>
             <a:r>
               <a:rPr lang="en-US" dirty="0" smtClean="0"/>
-              <a:t> Object </a:t>
+              <a:t> String </a:t>
             </a:r>
             <a:r>
               <a:rPr lang="en-US" dirty="0" smtClean="0">
@@ -9815,12 +9815,12 @@
           <a:lstStyle/>
           <a:p>
             <a:r>
-              <a:rPr lang="fr-FR" sz="2400" dirty="0">
+              <a:rPr lang="fr-FR" sz="2400" dirty="0" smtClean="0">
                 <a:solidFill>
                   <a:srgbClr val="0070C0"/>
                 </a:solidFill>
               </a:rPr>
-              <a:t>&lt;</a:t>
+              <a:t>	&lt;</a:t>
             </a:r>
             <a:r>
               <a:rPr lang="fr-FR" sz="2400" dirty="0" err="1">
@@ -9864,7 +9864,7 @@
                   </a:schemeClr>
                 </a:solidFill>
               </a:rPr>
-              <a:t>org.hibernate.envers.global_with_modified_flag</a:t>
+              <a:t>org.hibernate.envers</a:t>
             </a:r>
             <a:r>
               <a:rPr lang="fr-FR" sz="2400" dirty="0">
@@ -9874,39 +9874,39 @@
                   </a:schemeClr>
                 </a:solidFill>
               </a:rPr>
-              <a:t>" </a:t>
-            </a:r>
-            <a:r>
-              <a:rPr lang="fr-FR" sz="2400" dirty="0">
-                <a:solidFill>
-                  <a:srgbClr val="C00000"/>
-                </a:solidFill>
-              </a:rPr>
-              <a:t>value</a:t>
-            </a:r>
-            <a:r>
-              <a:rPr lang="fr-FR" sz="2400" dirty="0"/>
-              <a:t>=</a:t>
-            </a:r>
-            <a:r>
-              <a:rPr lang="fr-FR" sz="2400" dirty="0">
+              <a:t>.</a:t>
+            </a:r>
+            <a:r>
+              <a:rPr lang="fr-FR" sz="2400" dirty="0" err="1">
                 <a:solidFill>
                   <a:schemeClr val="accent1">
                     <a:lumMod val="50000"/>
                   </a:schemeClr>
                 </a:solidFill>
               </a:rPr>
-              <a:t>"</a:t>
-            </a:r>
-            <a:r>
-              <a:rPr lang="fr-FR" sz="2400" dirty="0" err="1">
+              <a:t>global_with_modified_flag</a:t>
+            </a:r>
+            <a:r>
+              <a:rPr lang="fr-FR" sz="2400" dirty="0">
                 <a:solidFill>
                   <a:schemeClr val="accent1">
                     <a:lumMod val="50000"/>
                   </a:schemeClr>
                 </a:solidFill>
               </a:rPr>
-              <a:t>true</a:t>
+              <a:t>" </a:t>
+            </a:r>
+            <a:r>
+              <a:rPr lang="fr-FR" sz="2400" dirty="0">
+                <a:solidFill>
+                  <a:srgbClr val="C00000"/>
+                </a:solidFill>
+              </a:rPr>
+              <a:t>value</a:t>
+            </a:r>
+            <a:r>
+              <a:rPr lang="fr-FR" sz="2400" dirty="0"/>
+              <a:t>=</a:t>
             </a:r>
             <a:r>
               <a:rPr lang="fr-FR" sz="2400" dirty="0">
@@ -9919,13 +9919,184 @@
               <a:t>"</a:t>
             </a:r>
             <a:r>
-              <a:rPr lang="fr-FR" sz="2400" dirty="0">
+              <a:rPr lang="fr-FR" sz="2400" dirty="0" err="1">
+                <a:solidFill>
+                  <a:schemeClr val="accent1">
+                    <a:lumMod val="50000"/>
+                  </a:schemeClr>
+                </a:solidFill>
+              </a:rPr>
+              <a:t>true</a:t>
+            </a:r>
+            <a:r>
+              <a:rPr lang="fr-FR" sz="2400" dirty="0" smtClean="0">
+                <a:solidFill>
+                  <a:schemeClr val="accent1">
+                    <a:lumMod val="50000"/>
+                  </a:schemeClr>
+                </a:solidFill>
+              </a:rPr>
+              <a:t>"</a:t>
+            </a:r>
+            <a:r>
+              <a:rPr lang="fr-FR" sz="2400" dirty="0" smtClean="0">
                 <a:solidFill>
                   <a:srgbClr val="0070C0"/>
                 </a:solidFill>
               </a:rPr>
               <a:t>/&gt;</a:t>
             </a:r>
+          </a:p>
+          <a:p>
+            <a:endParaRPr lang="fr-FR" sz="2400" dirty="0" smtClean="0">
+              <a:solidFill>
+                <a:srgbClr val="0070C0"/>
+              </a:solidFill>
+            </a:endParaRPr>
+          </a:p>
+          <a:p>
+            <a:r>
+              <a:rPr lang="fr-FR" sz="2400" dirty="0" smtClean="0">
+                <a:solidFill>
+                  <a:schemeClr val="tx1"/>
+                </a:solidFill>
+              </a:rPr>
+              <a:t>Or </a:t>
+            </a:r>
+          </a:p>
+          <a:p>
+            <a:endParaRPr lang="fr-FR" sz="2400" dirty="0" smtClean="0">
+              <a:solidFill>
+                <a:srgbClr val="0070C0"/>
+              </a:solidFill>
+            </a:endParaRPr>
+          </a:p>
+          <a:p>
+            <a:pPr lvl="1"/>
+            <a:r>
+              <a:rPr lang="fr-FR" dirty="0" smtClean="0">
+                <a:solidFill>
+                  <a:schemeClr val="bg1">
+                    <a:lumMod val="50000"/>
+                  </a:schemeClr>
+                </a:solidFill>
+              </a:rPr>
+              <a:t>@</a:t>
+            </a:r>
+            <a:r>
+              <a:rPr lang="fr-FR" dirty="0" err="1" smtClean="0">
+                <a:solidFill>
+                  <a:schemeClr val="bg1">
+                    <a:lumMod val="50000"/>
+                  </a:schemeClr>
+                </a:solidFill>
+              </a:rPr>
+              <a:t>Audited</a:t>
+            </a:r>
+            <a:r>
+              <a:rPr lang="fr-FR" dirty="0" smtClean="0">
+                <a:solidFill>
+                  <a:schemeClr val="tx1"/>
+                </a:solidFill>
+              </a:rPr>
+              <a:t>(</a:t>
+            </a:r>
+            <a:r>
+              <a:rPr lang="fr-FR" dirty="0" err="1" smtClean="0">
+                <a:solidFill>
+                  <a:schemeClr val="tx1"/>
+                </a:solidFill>
+              </a:rPr>
+              <a:t>withModifiedFlag</a:t>
+            </a:r>
+            <a:r>
+              <a:rPr lang="fr-FR" sz="2400" dirty="0" smtClean="0">
+                <a:solidFill>
+                  <a:schemeClr val="tx1"/>
+                </a:solidFill>
+              </a:rPr>
+              <a:t> =</a:t>
+            </a:r>
+            <a:r>
+              <a:rPr lang="fr-FR" sz="2400" dirty="0" smtClean="0">
+                <a:solidFill>
+                  <a:srgbClr val="0070C0"/>
+                </a:solidFill>
+              </a:rPr>
+              <a:t> </a:t>
+            </a:r>
+            <a:r>
+              <a:rPr lang="fr-FR" dirty="0" err="1" smtClean="0">
+                <a:solidFill>
+                  <a:srgbClr val="C00000"/>
+                </a:solidFill>
+              </a:rPr>
+              <a:t>true</a:t>
+            </a:r>
+            <a:r>
+              <a:rPr lang="fr-FR" sz="2400" dirty="0" smtClean="0">
+                <a:solidFill>
+                  <a:schemeClr val="tx1"/>
+                </a:solidFill>
+              </a:rPr>
+              <a:t>)</a:t>
+            </a:r>
+          </a:p>
+          <a:p>
+            <a:pPr lvl="1"/>
+            <a:r>
+              <a:rPr lang="fr-FR" dirty="0" err="1" smtClean="0">
+                <a:solidFill>
+                  <a:srgbClr val="C00000"/>
+                </a:solidFill>
+              </a:rPr>
+              <a:t>private</a:t>
+            </a:r>
+            <a:r>
+              <a:rPr lang="fr-FR" sz="2400" dirty="0" smtClean="0">
+                <a:solidFill>
+                  <a:srgbClr val="0070C0"/>
+                </a:solidFill>
+              </a:rPr>
+              <a:t> </a:t>
+            </a:r>
+            <a:r>
+              <a:rPr lang="fr-FR" sz="2400" dirty="0" smtClean="0">
+                <a:solidFill>
+                  <a:schemeClr val="tx1"/>
+                </a:solidFill>
+              </a:rPr>
+              <a:t>String</a:t>
+            </a:r>
+            <a:r>
+              <a:rPr lang="fr-FR" sz="2400" dirty="0" smtClean="0">
+                <a:solidFill>
+                  <a:srgbClr val="0070C0"/>
+                </a:solidFill>
+              </a:rPr>
+              <a:t> </a:t>
+            </a:r>
+            <a:r>
+              <a:rPr lang="fr-FR" dirty="0" err="1" smtClean="0">
+                <a:solidFill>
+                  <a:srgbClr val="0070C0"/>
+                </a:solidFill>
+              </a:rPr>
+              <a:t>myField</a:t>
+            </a:r>
+            <a:r>
+              <a:rPr lang="fr-FR" sz="2400" dirty="0" smtClean="0">
+                <a:solidFill>
+                  <a:srgbClr val="0070C0"/>
+                </a:solidFill>
+              </a:rPr>
+              <a:t>;</a:t>
+            </a:r>
+            <a:endParaRPr lang="fr-FR" sz="2400" dirty="0">
+              <a:solidFill>
+                <a:srgbClr val="0070C0"/>
+              </a:solidFill>
+            </a:endParaRPr>
           </a:p>
         </p:txBody>
       </p:sp>
@@ -9944,7 +10115,7 @@
           </p:nvPr>
         </p:nvGraphicFramePr>
         <p:xfrm>
-          <a:off x="1216026" y="3635896"/>
+          <a:off x="1216026" y="5796136"/>
           <a:ext cx="12025335" cy="799183"/>
         </p:xfrm>
         <a:graphic>
@@ -10230,7 +10401,7 @@
         </p:nvSpPr>
         <p:spPr bwMode="auto">
           <a:xfrm>
-            <a:off x="6904658" y="4499992"/>
+            <a:off x="6904658" y="6660232"/>
             <a:ext cx="432048" cy="576064"/>
           </a:xfrm>
           <a:prstGeom prst="upArrow">
@@ -10302,7 +10473,7 @@
         </p:nvSpPr>
         <p:spPr bwMode="auto">
           <a:xfrm>
-            <a:off x="10361042" y="4499992"/>
+            <a:off x="10361042" y="6660232"/>
             <a:ext cx="432048" cy="576064"/>
           </a:xfrm>
           <a:prstGeom prst="upArrow">
@@ -10453,7 +10624,7 @@
           <p:nvPr/>
         </p:nvPicPr>
         <p:blipFill>
-          <a:blip r:embed="rId2"/>
+          <a:blip r:embed="rId2" cstate="print"/>
           <a:stretch>
             <a:fillRect/>
           </a:stretch>
@@ -10533,6 +10704,164 @@
                                   </p:childTnLst>
                                 </p:cTn>
                               </p:par>
+                              <p:par>
+                                <p:cTn id="8" presetID="10" presetClass="entr" presetSubtype="0" fill="hold" grpId="0" nodeType="withEffect">
+                                  <p:stCondLst>
+                                    <p:cond delay="0"/>
+                                  </p:stCondLst>
+                                  <p:childTnLst>
+                                    <p:set>
+                                      <p:cBhvr>
+                                        <p:cTn id="9" dur="1" fill="hold">
+                                          <p:stCondLst>
+                                            <p:cond delay="0"/>
+                                          </p:stCondLst>
+                                        </p:cTn>
+                                        <p:tgtEl>
+                                          <p:spTgt spid="10"/>
+                                        </p:tgtEl>
+                                        <p:attrNameLst>
+                                          <p:attrName>style.visibility</p:attrName>
+                                        </p:attrNameLst>
+                                      </p:cBhvr>
+                                      <p:to>
+                                        <p:strVal val="visible"/>
+                                      </p:to>
+                                    </p:set>
+                                    <p:animEffect transition="in" filter="fade">
+                                      <p:cBhvr>
+                                        <p:cTn id="10" dur="500"/>
+                                        <p:tgtEl>
+                                          <p:spTgt spid="10"/>
+                                        </p:tgtEl>
+                                      </p:cBhvr>
+                                    </p:animEffect>
+                                  </p:childTnLst>
+                                </p:cTn>
+                              </p:par>
+                              <p:par>
+                                <p:cTn id="11" presetID="10" presetClass="entr" presetSubtype="0" fill="hold" grpId="0" nodeType="withEffect">
+                                  <p:stCondLst>
+                                    <p:cond delay="0"/>
+                                  </p:stCondLst>
+                                  <p:childTnLst>
+                                    <p:set>
+                                      <p:cBhvr>
+                                        <p:cTn id="12" dur="1" fill="hold">
+                                          <p:stCondLst>
+                                            <p:cond delay="0"/>
+                                          </p:stCondLst>
+                                        </p:cTn>
+                                        <p:tgtEl>
+                                          <p:spTgt spid="11"/>
+                                        </p:tgtEl>
+                                        <p:attrNameLst>
+                                          <p:attrName>style.visibility</p:attrName>
+                                        </p:attrNameLst>
+                                      </p:cBhvr>
+                                      <p:to>
+                                        <p:strVal val="visible"/>
+                                      </p:to>
+                                    </p:set>
+                                    <p:animEffect transition="in" filter="fade">
+                                      <p:cBhvr>
+                                        <p:cTn id="13" dur="500"/>
+                                        <p:tgtEl>
+                                          <p:spTgt spid="11"/>
+                                        </p:tgtEl>
+                                      </p:cBhvr>
+                                    </p:animEffect>
+                                  </p:childTnLst>
+                                </p:cTn>
+                              </p:par>
+                            </p:childTnLst>
+                          </p:cTn>
+                        </p:par>
+                      </p:childTnLst>
+                    </p:cTn>
+                  </p:par>
+                  <p:par>
+                    <p:cTn id="14" fill="hold">
+                      <p:stCondLst>
+                        <p:cond delay="indefinite"/>
+                      </p:stCondLst>
+                      <p:childTnLst>
+                        <p:par>
+                          <p:cTn id="15" fill="hold">
+                            <p:stCondLst>
+                              <p:cond delay="0"/>
+                            </p:stCondLst>
+                            <p:childTnLst>
+                              <p:par>
+                                <p:cTn id="16" presetID="10" presetClass="entr" presetSubtype="0" fill="hold" grpId="0" nodeType="clickEffect">
+                                  <p:stCondLst>
+                                    <p:cond delay="0"/>
+                                  </p:stCondLst>
+                                  <p:childTnLst>
+                                    <p:set>
+                                      <p:cBhvr>
+                                        <p:cTn id="17" dur="1" fill="hold">
+                                          <p:stCondLst>
+                                            <p:cond delay="0"/>
+                                          </p:stCondLst>
+                                        </p:cTn>
+                                        <p:tgtEl>
+                                          <p:spTgt spid="13"/>
+                                        </p:tgtEl>
+                                        <p:attrNameLst>
+                                          <p:attrName>style.visibility</p:attrName>
+                                        </p:attrNameLst>
+                                      </p:cBhvr>
+                                      <p:to>
+                                        <p:strVal val="visible"/>
+                                      </p:to>
+                                    </p:set>
+                                    <p:animEffect transition="in" filter="fade">
+                                      <p:cBhvr>
+                                        <p:cTn id="18" dur="500"/>
+                                        <p:tgtEl>
+                                          <p:spTgt spid="13"/>
+                                        </p:tgtEl>
+                                      </p:cBhvr>
+                                    </p:animEffect>
+                                  </p:childTnLst>
+                                </p:cTn>
+                              </p:par>
+                              <p:par>
+                                <p:cTn id="19" presetID="10" presetClass="entr" presetSubtype="0" fill="hold" nodeType="withEffect">
+                                  <p:stCondLst>
+                                    <p:cond delay="0"/>
+                                  </p:stCondLst>
+                                  <p:childTnLst>
+                                    <p:set>
+                                      <p:cBhvr>
+                                        <p:cTn id="20" dur="1" fill="hold">
+                                          <p:stCondLst>
+                                            <p:cond delay="0"/>
+                                          </p:stCondLst>
+                                        </p:cTn>
+                                        <p:tgtEl>
+                                          <p:spTgt spid="14"/>
+                                        </p:tgtEl>
+                                        <p:attrNameLst>
+                                          <p:attrName>style.visibility</p:attrName>
+                                        </p:attrNameLst>
+                                      </p:cBhvr>
+                                      <p:to>
+                                        <p:strVal val="visible"/>
+                                      </p:to>
+                                    </p:set>
+                                    <p:animEffect transition="in" filter="fade">
+                                      <p:cBhvr>
+                                        <p:cTn id="21" dur="500"/>
+                                        <p:tgtEl>
+                                          <p:spTgt spid="14"/>
+                                        </p:tgtEl>
+                                      </p:cBhvr>
+                                    </p:animEffect>
+                                  </p:childTnLst>
+                                </p:cTn>
+                              </p:par>
                             </p:childTnLst>
                           </p:cTn>
                         </p:par>
@@ -10560,6 +10889,11 @@
         </p:cTn>
       </p:par>
     </p:tnLst>
+    <p:bldLst>
+      <p:bldP spid="10" grpId="0" animBg="1"/>
+      <p:bldP spid="11" grpId="0" animBg="1"/>
+      <p:bldP spid="13" grpId="0"/>
+    </p:bldLst>
   </p:timing>
 </p:sld>
 </file>
@@ -10657,77 +10991,556 @@
       </p:grpSpPr>
       <p:sp>
         <p:nvSpPr>
-          <p:cNvPr id="2" name="Title 1"/>
-          <p:cNvSpPr>
-            <a:spLocks noGrp="1"/>
+          <p:cNvPr id="10242" name="Text Box 1"/>
+          <p:cNvSpPr txBox="1">
+            <a:spLocks noChangeArrowheads="1"/>
           </p:cNvSpPr>
-          <p:nvPr>
-            <p:ph type="title"/>
-          </p:nvPr>
+          <p:nvPr/>
         </p:nvSpPr>
-        <p:spPr/>
+        <p:spPr bwMode="auto">
+          <a:xfrm>
+            <a:off x="15614650" y="8699500"/>
+            <a:ext cx="266700" cy="279400"/>
+          </a:xfrm>
+          <a:prstGeom prst="rect">
+            <a:avLst/>
+          </a:prstGeom>
+          <a:noFill/>
+          <a:ln w="9525">
+            <a:noFill/>
+            <a:round/>
+            <a:headEnd/>
+            <a:tailEnd/>
+          </a:ln>
+        </p:spPr>
         <p:txBody>
-          <a:bodyPr/>
+          <a:bodyPr wrap="none" lIns="90000" tIns="46800" rIns="90000" bIns="46800"/>
           <a:lstStyle/>
           <a:p>
-            <a:endParaRPr lang="en-US"/>
+            <a:pPr algn="ctr">
+              <a:buSzPct val="100000"/>
+              <a:tabLst>
+                <a:tab pos="0" algn="l"/>
+                <a:tab pos="914400" algn="l"/>
+                <a:tab pos="1828800" algn="l"/>
+                <a:tab pos="2743200" algn="l"/>
+                <a:tab pos="3657600" algn="l"/>
+                <a:tab pos="4572000" algn="l"/>
+                <a:tab pos="5486400" algn="l"/>
+                <a:tab pos="6400800" algn="l"/>
+                <a:tab pos="7315200" algn="l"/>
+                <a:tab pos="8229600" algn="l"/>
+                <a:tab pos="9144000" algn="l"/>
+                <a:tab pos="10058400" algn="l"/>
+              </a:tabLst>
+            </a:pPr>
+            <a:fld id="{E014567F-7DD3-4926-A887-6CFCA16D00FD}" type="slidenum">
+              <a:rPr lang="en-US" sz="1200">
+                <a:solidFill>
+                  <a:srgbClr val="000000"/>
+                </a:solidFill>
+                <a:ea typeface="Gill Sans"/>
+                <a:cs typeface="Gill Sans"/>
+              </a:rPr>
+              <a:pPr algn="ctr">
+                <a:buSzPct val="100000"/>
+                <a:tabLst>
+                  <a:tab pos="0" algn="l"/>
+                  <a:tab pos="914400" algn="l"/>
+                  <a:tab pos="1828800" algn="l"/>
+                  <a:tab pos="2743200" algn="l"/>
+                  <a:tab pos="3657600" algn="l"/>
+                  <a:tab pos="4572000" algn="l"/>
+                  <a:tab pos="5486400" algn="l"/>
+                  <a:tab pos="6400800" algn="l"/>
+                  <a:tab pos="7315200" algn="l"/>
+                  <a:tab pos="8229600" algn="l"/>
+                  <a:tab pos="9144000" algn="l"/>
+                  <a:tab pos="10058400" algn="l"/>
+                </a:tabLst>
+              </a:pPr>
+              <a:t>15</a:t>
+            </a:fld>
+            <a:endParaRPr lang="en-US" sz="1200">
+              <a:solidFill>
+                <a:srgbClr val="000000"/>
+              </a:solidFill>
+              <a:ea typeface="Gill Sans"/>
+              <a:cs typeface="Gill Sans"/>
+            </a:endParaRPr>
           </a:p>
         </p:txBody>
       </p:sp>
       <p:sp>
         <p:nvSpPr>
-          <p:cNvPr id="3" name="Content Placeholder 2"/>
+          <p:cNvPr id="10243" name="Rectangle 2"/>
           <p:cNvSpPr>
-            <a:spLocks noGrp="1"/>
+            <a:spLocks noGrp="1" noChangeArrowheads="1"/>
           </p:cNvSpPr>
           <p:nvPr>
-            <p:ph idx="1"/>
+            <p:ph type="title" idx="4294967295"/>
           </p:nvPr>
         </p:nvSpPr>
-        <p:spPr/>
+        <p:spPr>
+          <a:xfrm>
+            <a:off x="292100" y="76200"/>
+            <a:ext cx="15659100" cy="1498600"/>
+          </a:xfrm>
+        </p:spPr>
         <p:txBody>
           <a:bodyPr/>
           <a:lstStyle/>
           <a:p>
+            <a:pPr eaLnBrk="1" hangingPunct="1">
+              <a:buClrTx/>
+              <a:buFontTx/>
+              <a:buNone/>
+              <a:tabLst>
+                <a:tab pos="0" algn="l"/>
+                <a:tab pos="914400" algn="l"/>
+                <a:tab pos="1828800" algn="l"/>
+                <a:tab pos="2743200" algn="l"/>
+                <a:tab pos="3657600" algn="l"/>
+                <a:tab pos="4572000" algn="l"/>
+                <a:tab pos="5486400" algn="l"/>
+                <a:tab pos="6400800" algn="l"/>
+                <a:tab pos="7315200" algn="l"/>
+                <a:tab pos="8229600" algn="l"/>
+                <a:tab pos="9144000" algn="l"/>
+                <a:tab pos="10058400" algn="l"/>
+                <a:tab pos="10134600" algn="l"/>
+                <a:tab pos="10858500" algn="l"/>
+                <a:tab pos="11582400" algn="l"/>
+                <a:tab pos="12306300" algn="l"/>
+                <a:tab pos="13030200" algn="l"/>
+                <a:tab pos="13754100" algn="l"/>
+                <a:tab pos="14478000" algn="l"/>
+                <a:tab pos="15201900" algn="l"/>
+              </a:tabLst>
+            </a:pPr>
+            <a:r>
+              <a:rPr lang="en-US" dirty="0" err="1" smtClean="0"/>
+              <a:t>AuditReader</a:t>
+            </a:r>
+            <a:endParaRPr lang="en-US" dirty="0" smtClean="0"/>
+          </a:p>
+        </p:txBody>
+      </p:sp>
+      <p:sp>
+        <p:nvSpPr>
+          <p:cNvPr id="10244" name="Rectangle 3"/>
+          <p:cNvSpPr>
+            <a:spLocks noGrp="1" noChangeArrowheads="1"/>
+          </p:cNvSpPr>
+          <p:nvPr>
+            <p:ph type="body" idx="4294967295"/>
+          </p:nvPr>
+        </p:nvSpPr>
+        <p:spPr>
+          <a:xfrm>
+            <a:off x="812800" y="1860550"/>
+            <a:ext cx="15011400" cy="6551613"/>
+          </a:xfrm>
+        </p:spPr>
+        <p:txBody>
+          <a:bodyPr/>
+          <a:lstStyle/>
+          <a:p>
+            <a:pPr marL="533400" indent="-531813">
+              <a:buClrTx/>
+              <a:buFontTx/>
+              <a:buNone/>
+              <a:tabLst>
+                <a:tab pos="533400" algn="l"/>
+                <a:tab pos="912813" algn="l"/>
+                <a:tab pos="1827213" algn="l"/>
+                <a:tab pos="2741613" algn="l"/>
+                <a:tab pos="3656013" algn="l"/>
+                <a:tab pos="4570413" algn="l"/>
+                <a:tab pos="5484813" algn="l"/>
+                <a:tab pos="6399213" algn="l"/>
+                <a:tab pos="7313613" algn="l"/>
+                <a:tab pos="8228013" algn="l"/>
+                <a:tab pos="9142413" algn="l"/>
+                <a:tab pos="10056813" algn="l"/>
+                <a:tab pos="10134600" algn="l"/>
+                <a:tab pos="10858500" algn="l"/>
+                <a:tab pos="11582400" algn="l"/>
+                <a:tab pos="12306300" algn="l"/>
+                <a:tab pos="13030200" algn="l"/>
+                <a:tab pos="13754100" algn="l"/>
+                <a:tab pos="14478000" algn="l"/>
+              </a:tabLst>
+            </a:pPr>
+            <a:r>
+              <a:rPr lang="en-US" i="1" dirty="0" smtClean="0">
+                <a:solidFill>
+                  <a:srgbClr val="7030A0"/>
+                </a:solidFill>
+              </a:rPr>
+              <a:t>// Get all the revisions of my current object</a:t>
+            </a:r>
+          </a:p>
+          <a:p>
+            <a:pPr marL="533400" indent="-531813">
+              <a:buClrTx/>
+              <a:buFontTx/>
+              <a:buNone/>
+              <a:tabLst>
+                <a:tab pos="533400" algn="l"/>
+                <a:tab pos="912813" algn="l"/>
+                <a:tab pos="1827213" algn="l"/>
+                <a:tab pos="2741613" algn="l"/>
+                <a:tab pos="3656013" algn="l"/>
+                <a:tab pos="4570413" algn="l"/>
+                <a:tab pos="5484813" algn="l"/>
+                <a:tab pos="6399213" algn="l"/>
+                <a:tab pos="7313613" algn="l"/>
+                <a:tab pos="8228013" algn="l"/>
+                <a:tab pos="9142413" algn="l"/>
+                <a:tab pos="10056813" algn="l"/>
+                <a:tab pos="10134600" algn="l"/>
+                <a:tab pos="10858500" algn="l"/>
+                <a:tab pos="11582400" algn="l"/>
+                <a:tab pos="12306300" algn="l"/>
+                <a:tab pos="13030200" algn="l"/>
+                <a:tab pos="13754100" algn="l"/>
+                <a:tab pos="14478000" algn="l"/>
+              </a:tabLst>
+            </a:pPr>
+            <a:r>
+              <a:rPr lang="en-US" dirty="0" err="1" smtClean="0">
+                <a:solidFill>
+                  <a:srgbClr val="C00000"/>
+                </a:solidFill>
+              </a:rPr>
+              <a:t>int</a:t>
+            </a:r>
             <a:r>
               <a:rPr lang="en-US" dirty="0" smtClean="0"/>
-              <a:t>My 2 friends:</a:t>
-            </a:r>
-          </a:p>
-          <a:p>
+              <a:t> </a:t>
+            </a:r>
+            <a:r>
+              <a:rPr lang="en-US" dirty="0" err="1" smtClean="0"/>
+              <a:t>personId</a:t>
+            </a:r>
+            <a:r>
+              <a:rPr lang="en-US" dirty="0" smtClean="0"/>
+              <a:t> = </a:t>
+            </a:r>
+            <a:r>
+              <a:rPr lang="en-US" dirty="0" err="1" smtClean="0"/>
+              <a:t>somePerson.getId</a:t>
+            </a:r>
+            <a:r>
+              <a:rPr lang="en-US" dirty="0" smtClean="0"/>
+              <a:t>();</a:t>
+            </a:r>
+          </a:p>
+          <a:p>
+            <a:pPr marL="533400" indent="-531813">
+              <a:buClrTx/>
+              <a:buFontTx/>
+              <a:buNone/>
+              <a:tabLst>
+                <a:tab pos="533400" algn="l"/>
+                <a:tab pos="912813" algn="l"/>
+                <a:tab pos="1827213" algn="l"/>
+                <a:tab pos="2741613" algn="l"/>
+                <a:tab pos="3656013" algn="l"/>
+                <a:tab pos="4570413" algn="l"/>
+                <a:tab pos="5484813" algn="l"/>
+                <a:tab pos="6399213" algn="l"/>
+                <a:tab pos="7313613" algn="l"/>
+                <a:tab pos="8228013" algn="l"/>
+                <a:tab pos="9142413" algn="l"/>
+                <a:tab pos="10056813" algn="l"/>
+                <a:tab pos="10134600" algn="l"/>
+                <a:tab pos="10858500" algn="l"/>
+                <a:tab pos="11582400" algn="l"/>
+                <a:tab pos="12306300" algn="l"/>
+                <a:tab pos="13030200" algn="l"/>
+                <a:tab pos="13754100" algn="l"/>
+                <a:tab pos="14478000" algn="l"/>
+              </a:tabLst>
+            </a:pPr>
+            <a:r>
+              <a:rPr lang="en-US" dirty="0" err="1" smtClean="0"/>
+              <a:t>AuditReader</a:t>
+            </a:r>
+            <a:r>
+              <a:rPr lang="en-US" dirty="0" smtClean="0"/>
+              <a:t> </a:t>
+            </a:r>
+            <a:r>
+              <a:rPr lang="en-US" dirty="0" err="1" smtClean="0"/>
+              <a:t>auditReader</a:t>
+            </a:r>
+            <a:r>
+              <a:rPr lang="en-US" dirty="0" smtClean="0"/>
+              <a:t> = </a:t>
+            </a:r>
+            <a:r>
+              <a:rPr lang="en-US" dirty="0" err="1" smtClean="0"/>
+              <a:t>AuditReaderFactory.get</a:t>
+            </a:r>
+            <a:r>
+              <a:rPr lang="en-US" dirty="0" smtClean="0"/>
+              <a:t>(</a:t>
+            </a:r>
+            <a:r>
+              <a:rPr lang="en-US" dirty="0" err="1" smtClean="0"/>
+              <a:t>entityManager</a:t>
+            </a:r>
+            <a:r>
+              <a:rPr lang="en-US" dirty="0" smtClean="0"/>
+              <a:t>);</a:t>
+            </a:r>
+          </a:p>
+          <a:p>
+            <a:pPr marL="533400" indent="-531813">
+              <a:buClrTx/>
+              <a:buFontTx/>
+              <a:buNone/>
+              <a:tabLst>
+                <a:tab pos="533400" algn="l"/>
+                <a:tab pos="912813" algn="l"/>
+                <a:tab pos="1827213" algn="l"/>
+                <a:tab pos="2741613" algn="l"/>
+                <a:tab pos="3656013" algn="l"/>
+                <a:tab pos="4570413" algn="l"/>
+                <a:tab pos="5484813" algn="l"/>
+                <a:tab pos="6399213" algn="l"/>
+                <a:tab pos="7313613" algn="l"/>
+                <a:tab pos="8228013" algn="l"/>
+                <a:tab pos="9142413" algn="l"/>
+                <a:tab pos="10056813" algn="l"/>
+                <a:tab pos="10134600" algn="l"/>
+                <a:tab pos="10858500" algn="l"/>
+                <a:tab pos="11582400" algn="l"/>
+                <a:tab pos="12306300" algn="l"/>
+                <a:tab pos="13030200" algn="l"/>
+                <a:tab pos="13754100" algn="l"/>
+                <a:tab pos="14478000" algn="l"/>
+              </a:tabLst>
+            </a:pPr>
+            <a:r>
+              <a:rPr lang="en-US" dirty="0" smtClean="0"/>
+              <a:t>List&lt;Number&gt; </a:t>
+            </a:r>
+            <a:r>
+              <a:rPr lang="en-US" dirty="0" err="1" smtClean="0"/>
+              <a:t>allRevisions</a:t>
+            </a:r>
+            <a:r>
+              <a:rPr lang="en-US" dirty="0" smtClean="0"/>
+              <a:t> = </a:t>
+            </a:r>
+            <a:r>
+              <a:rPr lang="en-US" dirty="0" err="1" smtClean="0"/>
+              <a:t>auditReader.getRevisions</a:t>
+            </a:r>
+            <a:r>
+              <a:rPr lang="en-US" dirty="0" smtClean="0"/>
+              <a:t>(</a:t>
+            </a:r>
+            <a:r>
+              <a:rPr lang="en-US" dirty="0" err="1" smtClean="0"/>
+              <a:t>Person.</a:t>
+            </a:r>
+            <a:r>
+              <a:rPr lang="en-US" dirty="0" err="1" smtClean="0">
+                <a:solidFill>
+                  <a:srgbClr val="C00000"/>
+                </a:solidFill>
+              </a:rPr>
+              <a:t>class</a:t>
+            </a:r>
+            <a:r>
+              <a:rPr lang="en-US" dirty="0" smtClean="0"/>
+              <a:t>, </a:t>
+            </a:r>
+            <a:r>
+              <a:rPr lang="en-US" dirty="0" err="1" smtClean="0"/>
+              <a:t>personId</a:t>
+            </a:r>
+            <a:r>
+              <a:rPr lang="en-US" dirty="0" smtClean="0"/>
+              <a:t>);</a:t>
+            </a:r>
+          </a:p>
+          <a:p>
+            <a:pPr marL="533400" indent="-531813">
+              <a:buClrTx/>
+              <a:buFontTx/>
+              <a:buNone/>
+              <a:tabLst>
+                <a:tab pos="533400" algn="l"/>
+                <a:tab pos="912813" algn="l"/>
+                <a:tab pos="1827213" algn="l"/>
+                <a:tab pos="2741613" algn="l"/>
+                <a:tab pos="3656013" algn="l"/>
+                <a:tab pos="4570413" algn="l"/>
+                <a:tab pos="5484813" algn="l"/>
+                <a:tab pos="6399213" algn="l"/>
+                <a:tab pos="7313613" algn="l"/>
+                <a:tab pos="8228013" algn="l"/>
+                <a:tab pos="9142413" algn="l"/>
+                <a:tab pos="10056813" algn="l"/>
+                <a:tab pos="10134600" algn="l"/>
+                <a:tab pos="10858500" algn="l"/>
+                <a:tab pos="11582400" algn="l"/>
+                <a:tab pos="12306300" algn="l"/>
+                <a:tab pos="13030200" algn="l"/>
+                <a:tab pos="13754100" algn="l"/>
+                <a:tab pos="14478000" algn="l"/>
+              </a:tabLst>
+            </a:pPr>
             <a:endParaRPr lang="en-US" dirty="0" smtClean="0"/>
           </a:p>
           <a:p>
-            <a:pPr lvl="1">
+            <a:pPr marL="533400" indent="-531813">
+              <a:buClrTx/>
+              <a:buFontTx/>
               <a:buNone/>
+              <a:tabLst>
+                <a:tab pos="533400" algn="l"/>
+                <a:tab pos="912813" algn="l"/>
+                <a:tab pos="1827213" algn="l"/>
+                <a:tab pos="2741613" algn="l"/>
+                <a:tab pos="3656013" algn="l"/>
+                <a:tab pos="4570413" algn="l"/>
+                <a:tab pos="5484813" algn="l"/>
+                <a:tab pos="6399213" algn="l"/>
+                <a:tab pos="7313613" algn="l"/>
+                <a:tab pos="8228013" algn="l"/>
+                <a:tab pos="9142413" algn="l"/>
+                <a:tab pos="10056813" algn="l"/>
+                <a:tab pos="10134600" algn="l"/>
+                <a:tab pos="10858500" algn="l"/>
+                <a:tab pos="11582400" algn="l"/>
+                <a:tab pos="12306300" algn="l"/>
+                <a:tab pos="13030200" algn="l"/>
+                <a:tab pos="13754100" algn="l"/>
+                <a:tab pos="14478000" algn="l"/>
+              </a:tabLst>
             </a:pPr>
             <a:r>
+              <a:rPr lang="en-US" dirty="0" smtClean="0">
+                <a:solidFill>
+                  <a:srgbClr val="C00000"/>
+                </a:solidFill>
+              </a:rPr>
+              <a:t>for</a:t>
+            </a:r>
+            <a:r>
+              <a:rPr lang="en-US" dirty="0" smtClean="0"/>
+              <a:t> (Number n: </a:t>
+            </a:r>
+            <a:r>
+              <a:rPr lang="en-US" dirty="0" err="1" smtClean="0"/>
+              <a:t>allRevisions</a:t>
+            </a:r>
+            <a:r>
+              <a:rPr lang="en-US" dirty="0" smtClean="0"/>
+              <a:t>) {</a:t>
+            </a:r>
+          </a:p>
+          <a:p>
+            <a:pPr marL="533400" indent="-531813">
+              <a:buClrTx/>
+              <a:buFontTx/>
+              <a:buNone/>
+              <a:tabLst>
+                <a:tab pos="533400" algn="l"/>
+                <a:tab pos="912813" algn="l"/>
+                <a:tab pos="1827213" algn="l"/>
+                <a:tab pos="2741613" algn="l"/>
+                <a:tab pos="3656013" algn="l"/>
+                <a:tab pos="4570413" algn="l"/>
+                <a:tab pos="5484813" algn="l"/>
+                <a:tab pos="6399213" algn="l"/>
+                <a:tab pos="7313613" algn="l"/>
+                <a:tab pos="8228013" algn="l"/>
+                <a:tab pos="9142413" algn="l"/>
+                <a:tab pos="10056813" algn="l"/>
+                <a:tab pos="10134600" algn="l"/>
+                <a:tab pos="10858500" algn="l"/>
+                <a:tab pos="11582400" algn="l"/>
+                <a:tab pos="12306300" algn="l"/>
+                <a:tab pos="13030200" algn="l"/>
+                <a:tab pos="13754100" algn="l"/>
+                <a:tab pos="14478000" algn="l"/>
+              </a:tabLst>
+            </a:pPr>
+            <a:r>
+              <a:rPr lang="en-US" dirty="0" smtClean="0"/>
+              <a:t>	Person p = </a:t>
+            </a:r>
+            <a:r>
+              <a:rPr lang="en-US" dirty="0" err="1" smtClean="0"/>
+              <a:t>auditReader.find</a:t>
+            </a:r>
+            <a:r>
+              <a:rPr lang="en-US" dirty="0" smtClean="0"/>
+              <a:t>(</a:t>
+            </a:r>
+            <a:r>
+              <a:rPr lang="en-US" dirty="0" err="1" smtClean="0"/>
+              <a:t>Person.</a:t>
+            </a:r>
+            <a:r>
               <a:rPr lang="en-US" dirty="0" err="1" smtClean="0">
-                <a:latin typeface="Courier New" pitchFamily="49" charset="0"/>
-                <a:cs typeface="Courier New" pitchFamily="49" charset="0"/>
-              </a:rPr>
-              <a:t>org.hibernate.envers.AuditReader</a:t>
-            </a:r>
-            <a:endParaRPr lang="en-US" dirty="0" smtClean="0">
-              <a:latin typeface="Courier New" pitchFamily="49" charset="0"/>
-              <a:cs typeface="Courier New" pitchFamily="49" charset="0"/>
-            </a:endParaRPr>
-          </a:p>
-          <a:p>
-            <a:pPr lvl="1">
+                <a:solidFill>
+                  <a:srgbClr val="C00000"/>
+                </a:solidFill>
+              </a:rPr>
+              <a:t>class</a:t>
+            </a:r>
+            <a:r>
+              <a:rPr lang="en-US" dirty="0" smtClean="0"/>
+              <a:t>, </a:t>
+            </a:r>
+            <a:r>
+              <a:rPr lang="en-US" dirty="0" err="1" smtClean="0"/>
+              <a:t>personId</a:t>
+            </a:r>
+            <a:r>
+              <a:rPr lang="en-US" dirty="0" smtClean="0"/>
+              <a:t>, n);</a:t>
+            </a:r>
+          </a:p>
+          <a:p>
+            <a:pPr marL="533400" indent="-531813">
+              <a:buClrTx/>
+              <a:buFontTx/>
               <a:buNone/>
+              <a:tabLst>
+                <a:tab pos="533400" algn="l"/>
+                <a:tab pos="912813" algn="l"/>
+                <a:tab pos="1827213" algn="l"/>
+                <a:tab pos="2741613" algn="l"/>
+                <a:tab pos="3656013" algn="l"/>
+                <a:tab pos="4570413" algn="l"/>
+                <a:tab pos="5484813" algn="l"/>
+                <a:tab pos="6399213" algn="l"/>
+                <a:tab pos="7313613" algn="l"/>
+                <a:tab pos="8228013" algn="l"/>
+                <a:tab pos="9142413" algn="l"/>
+                <a:tab pos="10056813" algn="l"/>
+                <a:tab pos="10134600" algn="l"/>
+                <a:tab pos="10858500" algn="l"/>
+                <a:tab pos="11582400" algn="l"/>
+                <a:tab pos="12306300" algn="l"/>
+                <a:tab pos="13030200" algn="l"/>
+                <a:tab pos="13754100" algn="l"/>
+                <a:tab pos="14478000" algn="l"/>
+              </a:tabLst>
             </a:pPr>
             <a:r>
-              <a:rPr lang="en-US" dirty="0" err="1" smtClean="0">
-                <a:latin typeface="Courier New" pitchFamily="49" charset="0"/>
-                <a:cs typeface="Courier New" pitchFamily="49" charset="0"/>
-              </a:rPr>
-              <a:t>org.hibernate.envers.query.AuditQuery</a:t>
-            </a:r>
-            <a:endParaRPr lang="en-US" dirty="0">
-              <a:latin typeface="Courier New" pitchFamily="49" charset="0"/>
-              <a:cs typeface="Courier New" pitchFamily="49" charset="0"/>
-            </a:endParaRPr>
+              <a:rPr lang="en-US" dirty="0" smtClean="0"/>
+              <a:t>}</a:t>
+            </a:r>
           </a:p>
         </p:txBody>
       </p:sp>
@@ -10736,10 +11549,31 @@
   <p:clrMapOvr>
     <a:masterClrMapping/>
   </p:clrMapOvr>
+  <p:transition xmlns:p14="http://schemas.microsoft.com/office/powerpoint/2010/main"/>
   <p:timing>
     <p:tnLst>
       <p:par>
-        <p:cTn xmlns:p14="http://schemas.microsoft.com/office/powerpoint/2010/main" id="1" dur="indefinite" restart="never" nodeType="tmRoot"/>
+        <p:cTn xmlns:p14="http://schemas.microsoft.com/office/powerpoint/2010/main" id="1" dur="indefinite" restart="never" nodeType="tmRoot">
+          <p:childTnLst>
+            <p:seq concurrent="1" nextAc="seek">
+              <p:cTn id="2" dur="0" nodeType="mainSeq"/>
+              <p:prevCondLst>
+                <p:cond evt="onPrev" delay="0">
+                  <p:tgtEl>
+                    <p:sldTgt/>
+                  </p:tgtEl>
+                </p:cond>
+              </p:prevCondLst>
+              <p:nextCondLst>
+                <p:cond evt="onNext" delay="0">
+                  <p:tgtEl>
+                    <p:sldTgt/>
+                  </p:tgtEl>
+                </p:cond>
+              </p:nextCondLst>
+            </p:seq>
+          </p:childTnLst>
+        </p:cTn>
       </p:par>
     </p:tnLst>
   </p:timing>
@@ -10894,7 +11728,7 @@
             </a:pPr>
             <a:r>
               <a:rPr lang="en-US" dirty="0" err="1" smtClean="0"/>
-              <a:t>AuditReader</a:t>
+              <a:t>AuditQuery</a:t>
             </a:r>
             <a:endParaRPr lang="en-US" dirty="0" smtClean="0"/>
           </a:p>
@@ -10947,8 +11781,20 @@
               </a:tabLst>
             </a:pPr>
             <a:r>
+              <a:rPr lang="en-US" dirty="0" err="1" smtClean="0"/>
+              <a:t>AuditQuery</a:t>
+            </a:r>
+            <a:r>
               <a:rPr lang="en-US" dirty="0" smtClean="0"/>
-              <a:t>// Get all the revisions of my current object</a:t>
+              <a:t> query = </a:t>
+            </a:r>
+            <a:r>
+              <a:rPr lang="en-US" dirty="0" err="1" smtClean="0"/>
+              <a:t>auditReader.createQuery</a:t>
+            </a:r>
+            <a:r>
+              <a:rPr lang="en-US" dirty="0" smtClean="0"/>
+              <a:t>()</a:t>
             </a:r>
           </a:p>
           <a:p>
@@ -10979,32 +11825,32 @@
               </a:tabLst>
             </a:pPr>
             <a:r>
+              <a:rPr lang="en-US" dirty="0" smtClean="0"/>
+              <a:t>		.</a:t>
+            </a:r>
+            <a:r>
+              <a:rPr lang="en-US" dirty="0" err="1" smtClean="0"/>
+              <a:t>forEntitiesAtRevision(Person.</a:t>
+            </a:r>
+            <a:r>
               <a:rPr lang="en-US" dirty="0" err="1" smtClean="0">
                 <a:solidFill>
                   <a:srgbClr val="C00000"/>
                 </a:solidFill>
               </a:rPr>
-              <a:t>int</a:t>
+              <a:t>class</a:t>
             </a:r>
             <a:r>
               <a:rPr lang="en-US" dirty="0" smtClean="0"/>
-              <a:t> </a:t>
+              <a:t>, </a:t>
             </a:r>
             <a:r>
               <a:rPr lang="en-US" dirty="0" err="1" smtClean="0"/>
-              <a:t>personId</a:t>
+              <a:t>oneRevision</a:t>
             </a:r>
             <a:r>
               <a:rPr lang="en-US" dirty="0" smtClean="0"/>
-              <a:t> = </a:t>
-            </a:r>
-            <a:r>
-              <a:rPr lang="en-US" dirty="0" err="1" smtClean="0"/>
-              <a:t>somePerson.getId</a:t>
-            </a:r>
-            <a:r>
-              <a:rPr lang="en-US" dirty="0" smtClean="0"/>
-              <a:t>();</a:t>
+              <a:t>);</a:t>
             </a:r>
           </a:p>
           <a:p>
@@ -11034,102 +11880,11 @@
                 <a:tab pos="14478000" algn="l"/>
               </a:tabLst>
             </a:pPr>
-            <a:r>
-              <a:rPr lang="en-US" dirty="0" err="1" smtClean="0"/>
-              <a:t>AuditReader</a:t>
-            </a:r>
-            <a:r>
-              <a:rPr lang="en-US" dirty="0" smtClean="0"/>
-              <a:t> reader = </a:t>
-            </a:r>
-            <a:r>
-              <a:rPr lang="en-US" dirty="0" err="1" smtClean="0"/>
-              <a:t>AuditReaderFactory.get</a:t>
-            </a:r>
-            <a:r>
-              <a:rPr lang="en-US" dirty="0" smtClean="0"/>
-              <a:t>(</a:t>
-            </a:r>
-            <a:r>
-              <a:rPr lang="en-US" dirty="0" err="1" smtClean="0"/>
-              <a:t>entityManager</a:t>
-            </a:r>
-            <a:r>
-              <a:rPr lang="en-US" dirty="0" smtClean="0"/>
-              <a:t>);</a:t>
-            </a:r>
-          </a:p>
-          <a:p>
-            <a:pPr marL="533400" indent="-531813">
-              <a:buClrTx/>
-              <a:buFontTx/>
-              <a:buNone/>
-              <a:tabLst>
-                <a:tab pos="533400" algn="l"/>
-                <a:tab pos="912813" algn="l"/>
-                <a:tab pos="1827213" algn="l"/>
-                <a:tab pos="2741613" algn="l"/>
-                <a:tab pos="3656013" algn="l"/>
-                <a:tab pos="4570413" algn="l"/>
-                <a:tab pos="5484813" algn="l"/>
-                <a:tab pos="6399213" algn="l"/>
-                <a:tab pos="7313613" algn="l"/>
-                <a:tab pos="8228013" algn="l"/>
-                <a:tab pos="9142413" algn="l"/>
-                <a:tab pos="10056813" algn="l"/>
-                <a:tab pos="10134600" algn="l"/>
-                <a:tab pos="10858500" algn="l"/>
-                <a:tab pos="11582400" algn="l"/>
-                <a:tab pos="12306300" algn="l"/>
-                <a:tab pos="13030200" algn="l"/>
-                <a:tab pos="13754100" algn="l"/>
-                <a:tab pos="14478000" algn="l"/>
-              </a:tabLst>
-            </a:pPr>
-            <a:r>
-              <a:rPr lang="en-US" dirty="0" smtClean="0"/>
-              <a:t>List&lt;Number&gt; </a:t>
-            </a:r>
-            <a:r>
-              <a:rPr lang="en-US" dirty="0" err="1" smtClean="0"/>
-              <a:t>allRevisions</a:t>
-            </a:r>
-            <a:r>
-              <a:rPr lang="en-US" dirty="0" smtClean="0"/>
-              <a:t> = </a:t>
-            </a:r>
-            <a:r>
-              <a:rPr lang="en-US" dirty="0" err="1" smtClean="0"/>
-              <a:t>reader.getRevisions</a:t>
-            </a:r>
-            <a:r>
-              <a:rPr lang="en-US" dirty="0" smtClean="0"/>
-              <a:t>(</a:t>
-            </a:r>
-            <a:r>
-              <a:rPr lang="en-US" dirty="0" err="1" smtClean="0"/>
-              <a:t>Person.</a:t>
-            </a:r>
-            <a:r>
-              <a:rPr lang="en-US" dirty="0" err="1" smtClean="0">
-                <a:solidFill>
-                  <a:srgbClr val="C00000"/>
-                </a:solidFill>
-              </a:rPr>
-              <a:t>class</a:t>
-            </a:r>
-            <a:r>
-              <a:rPr lang="en-US" dirty="0" smtClean="0"/>
-              <a:t>, </a:t>
-            </a:r>
-            <a:r>
-              <a:rPr lang="en-US" dirty="0" err="1" smtClean="0"/>
-              <a:t>personId</a:t>
-            </a:r>
-            <a:r>
-              <a:rPr lang="en-US" dirty="0" smtClean="0"/>
-              <a:t>);</a:t>
-            </a:r>
+            <a:endParaRPr lang="en-US" dirty="0" smtClean="0">
+              <a:solidFill>
+                <a:schemeClr val="bg2"/>
+              </a:solidFill>
+            </a:endParaRPr>
           </a:p>
           <a:p>
             <a:pPr marL="533400" indent="-531813">
@@ -11188,24 +11943,16 @@
               </a:tabLst>
             </a:pPr>
             <a:r>
-              <a:rPr lang="en-US" dirty="0" smtClean="0">
-                <a:solidFill>
-                  <a:srgbClr val="C00000"/>
-                </a:solidFill>
-              </a:rPr>
-              <a:t>for</a:t>
-            </a:r>
-            <a:r>
               <a:rPr lang="en-US" dirty="0" smtClean="0"/>
-              <a:t> (Number n: </a:t>
+              <a:t>List&lt;Person&gt; persons = </a:t>
             </a:r>
             <a:r>
               <a:rPr lang="en-US" dirty="0" err="1" smtClean="0"/>
-              <a:t>allRevisions</a:t>
+              <a:t>auditReader.createQuery</a:t>
             </a:r>
             <a:r>
               <a:rPr lang="en-US" dirty="0" smtClean="0"/>
-              <a:t>) {</a:t>
+              <a:t>()	// Search for persons object</a:t>
             </a:r>
           </a:p>
           <a:p>
@@ -11237,11 +11984,11 @@
             </a:pPr>
             <a:r>
               <a:rPr lang="en-US" dirty="0" smtClean="0"/>
-              <a:t>	Person p = </a:t>
+              <a:t>		.</a:t>
             </a:r>
             <a:r>
               <a:rPr lang="en-US" dirty="0" err="1" smtClean="0"/>
-              <a:t>reader.find</a:t>
+              <a:t>forEntitiesAtRevision</a:t>
             </a:r>
             <a:r>
               <a:rPr lang="en-US" dirty="0" smtClean="0"/>
@@ -11249,27 +11996,11 @@
             </a:r>
             <a:r>
               <a:rPr lang="en-US" dirty="0" err="1" smtClean="0"/>
-              <a:t>Person.</a:t>
-            </a:r>
-            <a:r>
-              <a:rPr lang="en-US" dirty="0" err="1" smtClean="0">
-                <a:solidFill>
-                  <a:srgbClr val="C00000"/>
-                </a:solidFill>
-              </a:rPr>
-              <a:t>class</a:t>
+              <a:t>Person.class</a:t>
             </a:r>
             <a:r>
               <a:rPr lang="en-US" dirty="0" smtClean="0"/>
-              <a:t>, </a:t>
-            </a:r>
-            <a:r>
-              <a:rPr lang="en-US" dirty="0" err="1" smtClean="0"/>
-              <a:t>personId</a:t>
-            </a:r>
-            <a:r>
-              <a:rPr lang="en-US" dirty="0" smtClean="0"/>
-              <a:t>, n);</a:t>
+              <a:t>, 42)		// at revision #42 </a:t>
             </a:r>
           </a:p>
           <a:p>
@@ -11301,12 +12032,241 @@
             </a:pPr>
             <a:r>
               <a:rPr lang="en-US" dirty="0" smtClean="0"/>
-              <a:t>}</a:t>
+              <a:t>		.</a:t>
+            </a:r>
+            <a:r>
+              <a:rPr lang="en-US" dirty="0" err="1" smtClean="0"/>
+              <a:t>addOrder</a:t>
+            </a:r>
+            <a:r>
+              <a:rPr lang="en-US" dirty="0" smtClean="0"/>
+              <a:t>(</a:t>
+            </a:r>
+            <a:r>
+              <a:rPr lang="en-US" dirty="0" err="1" smtClean="0"/>
+              <a:t>AuditEntity.property</a:t>
+            </a:r>
+            <a:r>
+              <a:rPr lang="en-US" dirty="0" smtClean="0"/>
+              <a:t>(</a:t>
+            </a:r>
+            <a:r>
+              <a:rPr lang="en-US" dirty="0" smtClean="0">
+                <a:solidFill>
+                  <a:srgbClr val="00B050"/>
+                </a:solidFill>
+              </a:rPr>
+              <a:t>“surname”</a:t>
+            </a:r>
+            <a:r>
+              <a:rPr lang="en-US" dirty="0" smtClean="0"/>
+              <a:t>).</a:t>
+            </a:r>
+            <a:r>
+              <a:rPr lang="en-US" dirty="0" err="1" smtClean="0"/>
+              <a:t>desc</a:t>
+            </a:r>
+            <a:r>
+              <a:rPr lang="en-US" dirty="0" smtClean="0"/>
+              <a:t>())	// Sort alphabetically</a:t>
+            </a:r>
+          </a:p>
+          <a:p>
+            <a:pPr marL="533400" indent="-531813">
+              <a:buClrTx/>
+              <a:buFontTx/>
+              <a:buNone/>
+              <a:tabLst>
+                <a:tab pos="533400" algn="l"/>
+                <a:tab pos="912813" algn="l"/>
+                <a:tab pos="1827213" algn="l"/>
+                <a:tab pos="2741613" algn="l"/>
+                <a:tab pos="3656013" algn="l"/>
+                <a:tab pos="4570413" algn="l"/>
+                <a:tab pos="5484813" algn="l"/>
+                <a:tab pos="6399213" algn="l"/>
+                <a:tab pos="7313613" algn="l"/>
+                <a:tab pos="8228013" algn="l"/>
+                <a:tab pos="9142413" algn="l"/>
+                <a:tab pos="10056813" algn="l"/>
+                <a:tab pos="10134600" algn="l"/>
+                <a:tab pos="10858500" algn="l"/>
+                <a:tab pos="11582400" algn="l"/>
+                <a:tab pos="12306300" algn="l"/>
+                <a:tab pos="13030200" algn="l"/>
+                <a:tab pos="13754100" algn="l"/>
+                <a:tab pos="14478000" algn="l"/>
+              </a:tabLst>
+            </a:pPr>
+            <a:r>
+              <a:rPr lang="en-US" dirty="0" smtClean="0"/>
+              <a:t>		.add(</a:t>
+            </a:r>
+            <a:r>
+              <a:rPr lang="en-US" dirty="0" err="1" smtClean="0"/>
+              <a:t>AuditEntity.relatedId</a:t>
+            </a:r>
+            <a:r>
+              <a:rPr lang="en-US" dirty="0" smtClean="0"/>
+              <a:t>(</a:t>
+            </a:r>
+            <a:r>
+              <a:rPr lang="en-US" dirty="0" smtClean="0">
+                <a:solidFill>
+                  <a:srgbClr val="00B050"/>
+                </a:solidFill>
+              </a:rPr>
+              <a:t>“address”</a:t>
+            </a:r>
+            <a:r>
+              <a:rPr lang="en-US" dirty="0" smtClean="0"/>
+              <a:t>).</a:t>
+            </a:r>
+            <a:r>
+              <a:rPr lang="en-US" dirty="0" err="1" smtClean="0"/>
+              <a:t>eq</a:t>
+            </a:r>
+            <a:r>
+              <a:rPr lang="en-US" dirty="0" smtClean="0"/>
+              <a:t>(</a:t>
+            </a:r>
+            <a:r>
+              <a:rPr lang="en-US" dirty="0" err="1" smtClean="0"/>
+              <a:t>theAddressId</a:t>
+            </a:r>
+            <a:r>
+              <a:rPr lang="en-US" dirty="0" smtClean="0"/>
+              <a:t>))	// with given address</a:t>
+            </a:r>
+          </a:p>
+          <a:p>
+            <a:pPr marL="533400" indent="-531813">
+              <a:buClrTx/>
+              <a:buFontTx/>
+              <a:buNone/>
+              <a:tabLst>
+                <a:tab pos="533400" algn="l"/>
+                <a:tab pos="912813" algn="l"/>
+                <a:tab pos="1827213" algn="l"/>
+                <a:tab pos="2741613" algn="l"/>
+                <a:tab pos="3656013" algn="l"/>
+                <a:tab pos="4570413" algn="l"/>
+                <a:tab pos="5484813" algn="l"/>
+                <a:tab pos="6399213" algn="l"/>
+                <a:tab pos="7313613" algn="l"/>
+                <a:tab pos="8228013" algn="l"/>
+                <a:tab pos="9142413" algn="l"/>
+                <a:tab pos="10056813" algn="l"/>
+                <a:tab pos="10134600" algn="l"/>
+                <a:tab pos="10858500" algn="l"/>
+                <a:tab pos="11582400" algn="l"/>
+                <a:tab pos="12306300" algn="l"/>
+                <a:tab pos="13030200" algn="l"/>
+                <a:tab pos="13754100" algn="l"/>
+                <a:tab pos="14478000" algn="l"/>
+              </a:tabLst>
+            </a:pPr>
+            <a:r>
+              <a:rPr lang="en-US" dirty="0" smtClean="0"/>
+              <a:t>		.</a:t>
+            </a:r>
+            <a:r>
+              <a:rPr lang="en-US" dirty="0" err="1" smtClean="0"/>
+              <a:t>setFirstResult</a:t>
+            </a:r>
+            <a:r>
+              <a:rPr lang="en-US" dirty="0" smtClean="0"/>
+              <a:t>(4)						// </a:t>
+            </a:r>
+          </a:p>
+          <a:p>
+            <a:pPr marL="533400" indent="-531813">
+              <a:buClrTx/>
+              <a:buFontTx/>
+              <a:buNone/>
+              <a:tabLst>
+                <a:tab pos="533400" algn="l"/>
+                <a:tab pos="912813" algn="l"/>
+                <a:tab pos="1827213" algn="l"/>
+                <a:tab pos="2741613" algn="l"/>
+                <a:tab pos="3656013" algn="l"/>
+                <a:tab pos="4570413" algn="l"/>
+                <a:tab pos="5484813" algn="l"/>
+                <a:tab pos="6399213" algn="l"/>
+                <a:tab pos="7313613" algn="l"/>
+                <a:tab pos="8228013" algn="l"/>
+                <a:tab pos="9142413" algn="l"/>
+                <a:tab pos="10056813" algn="l"/>
+                <a:tab pos="10134600" algn="l"/>
+                <a:tab pos="10858500" algn="l"/>
+                <a:tab pos="11582400" algn="l"/>
+                <a:tab pos="12306300" algn="l"/>
+                <a:tab pos="13030200" algn="l"/>
+                <a:tab pos="13754100" algn="l"/>
+                <a:tab pos="14478000" algn="l"/>
+              </a:tabLst>
+            </a:pPr>
+            <a:r>
+              <a:rPr lang="en-US" dirty="0" smtClean="0"/>
+              <a:t>		.</a:t>
+            </a:r>
+            <a:r>
+              <a:rPr lang="en-US" dirty="0" err="1" smtClean="0"/>
+              <a:t>setMaxResults</a:t>
+            </a:r>
+            <a:r>
+              <a:rPr lang="en-US" dirty="0" smtClean="0"/>
+              <a:t>(2)</a:t>
+            </a:r>
+          </a:p>
+          <a:p>
+            <a:pPr marL="533400" indent="-531813">
+              <a:buClrTx/>
+              <a:buFontTx/>
+              <a:buNone/>
+              <a:tabLst>
+                <a:tab pos="533400" algn="l"/>
+                <a:tab pos="912813" algn="l"/>
+                <a:tab pos="1827213" algn="l"/>
+                <a:tab pos="2741613" algn="l"/>
+                <a:tab pos="3656013" algn="l"/>
+                <a:tab pos="4570413" algn="l"/>
+                <a:tab pos="5484813" algn="l"/>
+                <a:tab pos="6399213" algn="l"/>
+                <a:tab pos="7313613" algn="l"/>
+                <a:tab pos="8228013" algn="l"/>
+                <a:tab pos="9142413" algn="l"/>
+                <a:tab pos="10056813" algn="l"/>
+                <a:tab pos="10134600" algn="l"/>
+                <a:tab pos="10858500" algn="l"/>
+                <a:tab pos="11582400" algn="l"/>
+                <a:tab pos="12306300" algn="l"/>
+                <a:tab pos="13030200" algn="l"/>
+                <a:tab pos="13754100" algn="l"/>
+                <a:tab pos="14478000" algn="l"/>
+              </a:tabLst>
+            </a:pPr>
+            <a:r>
+              <a:rPr lang="en-US" dirty="0" smtClean="0"/>
+              <a:t>		.</a:t>
+            </a:r>
+            <a:r>
+              <a:rPr lang="en-US" dirty="0" err="1" smtClean="0"/>
+              <a:t>getResultList</a:t>
+            </a:r>
+            <a:r>
+              <a:rPr lang="en-US" dirty="0" smtClean="0"/>
+              <a:t>();</a:t>
             </a:r>
           </a:p>
         </p:txBody>
       </p:sp>
     </p:spTree>
+    <p:extLst>
+      <p:ext uri="{BB962C8B-B14F-4D97-AF65-F5344CB8AC3E}">
+        <p14:creationId xmlns:p14="http://schemas.microsoft.com/office/powerpoint/2010/main" val="2069585500"/>
+      </p:ext>
+    </p:extLst>
   </p:cSld>
   <p:clrMapOvr>
     <a:masterClrMapping/>
@@ -11361,294 +12321,82 @@
       </p:grpSpPr>
       <p:sp>
         <p:nvSpPr>
-          <p:cNvPr id="10242" name="Text Box 1"/>
-          <p:cNvSpPr txBox="1">
-            <a:spLocks noChangeArrowheads="1"/>
+          <p:cNvPr id="2" name="Title 1"/>
+          <p:cNvSpPr>
+            <a:spLocks noGrp="1"/>
           </p:cNvSpPr>
-          <p:nvPr/>
+          <p:nvPr>
+            <p:ph type="title"/>
+          </p:nvPr>
         </p:nvSpPr>
-        <p:spPr bwMode="auto">
-          <a:xfrm>
-            <a:off x="15614650" y="8699500"/>
-            <a:ext cx="266700" cy="279400"/>
-          </a:xfrm>
-          <a:prstGeom prst="rect">
-            <a:avLst/>
-          </a:prstGeom>
-          <a:noFill/>
-          <a:ln w="9525">
-            <a:noFill/>
-            <a:round/>
-            <a:headEnd/>
-            <a:tailEnd/>
-          </a:ln>
-        </p:spPr>
+        <p:spPr/>
         <p:txBody>
-          <a:bodyPr wrap="none" lIns="90000" tIns="46800" rIns="90000" bIns="46800"/>
+          <a:bodyPr/>
           <a:lstStyle/>
           <a:p>
-            <a:pPr algn="ctr">
-              <a:buSzPct val="100000"/>
-              <a:tabLst>
-                <a:tab pos="0" algn="l"/>
-                <a:tab pos="914400" algn="l"/>
-                <a:tab pos="1828800" algn="l"/>
-                <a:tab pos="2743200" algn="l"/>
-                <a:tab pos="3657600" algn="l"/>
-                <a:tab pos="4572000" algn="l"/>
-                <a:tab pos="5486400" algn="l"/>
-                <a:tab pos="6400800" algn="l"/>
-                <a:tab pos="7315200" algn="l"/>
-                <a:tab pos="8229600" algn="l"/>
-                <a:tab pos="9144000" algn="l"/>
-                <a:tab pos="10058400" algn="l"/>
-              </a:tabLst>
-            </a:pPr>
-            <a:fld id="{E014567F-7DD3-4926-A887-6CFCA16D00FD}" type="slidenum">
-              <a:rPr lang="en-US" sz="1200">
-                <a:solidFill>
-                  <a:srgbClr val="000000"/>
-                </a:solidFill>
-                <a:ea typeface="Gill Sans"/>
-                <a:cs typeface="Gill Sans"/>
-              </a:rPr>
-              <a:pPr algn="ctr">
-                <a:buSzPct val="100000"/>
-                <a:tabLst>
-                  <a:tab pos="0" algn="l"/>
-                  <a:tab pos="914400" algn="l"/>
-                  <a:tab pos="1828800" algn="l"/>
-                  <a:tab pos="2743200" algn="l"/>
-                  <a:tab pos="3657600" algn="l"/>
-                  <a:tab pos="4572000" algn="l"/>
-                  <a:tab pos="5486400" algn="l"/>
-                  <a:tab pos="6400800" algn="l"/>
-                  <a:tab pos="7315200" algn="l"/>
-                  <a:tab pos="8229600" algn="l"/>
-                  <a:tab pos="9144000" algn="l"/>
-                  <a:tab pos="10058400" algn="l"/>
-                </a:tabLst>
-              </a:pPr>
-              <a:t>17</a:t>
-            </a:fld>
-            <a:endParaRPr lang="en-US" sz="1200">
-              <a:solidFill>
-                <a:srgbClr val="000000"/>
-              </a:solidFill>
-              <a:ea typeface="Gill Sans"/>
-              <a:cs typeface="Gill Sans"/>
-            </a:endParaRPr>
+            <a:r>
+              <a:rPr lang="en-US" dirty="0" err="1" smtClean="0"/>
+              <a:t>AuditQuery</a:t>
+            </a:r>
+            <a:r>
+              <a:rPr lang="en-US" dirty="0" smtClean="0"/>
+              <a:t> (2)</a:t>
+            </a:r>
+            <a:endParaRPr lang="en-US" dirty="0"/>
           </a:p>
         </p:txBody>
       </p:sp>
       <p:sp>
         <p:nvSpPr>
-          <p:cNvPr id="10243" name="Rectangle 2"/>
+          <p:cNvPr id="3" name="Content Placeholder 2"/>
           <p:cNvSpPr>
-            <a:spLocks noGrp="1" noChangeArrowheads="1"/>
+            <a:spLocks noGrp="1"/>
           </p:cNvSpPr>
           <p:nvPr>
-            <p:ph type="title" idx="4294967295"/>
+            <p:ph idx="1"/>
           </p:nvPr>
         </p:nvSpPr>
-        <p:spPr>
-          <a:xfrm>
-            <a:off x="292100" y="76200"/>
-            <a:ext cx="15659100" cy="1498600"/>
-          </a:xfrm>
-        </p:spPr>
+        <p:spPr/>
         <p:txBody>
           <a:bodyPr/>
           <a:lstStyle/>
           <a:p>
-            <a:pPr eaLnBrk="1" hangingPunct="1">
-              <a:buClrTx/>
-              <a:buFontTx/>
-              <a:buNone/>
-              <a:tabLst>
-                <a:tab pos="0" algn="l"/>
-                <a:tab pos="914400" algn="l"/>
-                <a:tab pos="1828800" algn="l"/>
-                <a:tab pos="2743200" algn="l"/>
-                <a:tab pos="3657600" algn="l"/>
-                <a:tab pos="4572000" algn="l"/>
-                <a:tab pos="5486400" algn="l"/>
-                <a:tab pos="6400800" algn="l"/>
-                <a:tab pos="7315200" algn="l"/>
-                <a:tab pos="8229600" algn="l"/>
-                <a:tab pos="9144000" algn="l"/>
-                <a:tab pos="10058400" algn="l"/>
-                <a:tab pos="10134600" algn="l"/>
-                <a:tab pos="10858500" algn="l"/>
-                <a:tab pos="11582400" algn="l"/>
-                <a:tab pos="12306300" algn="l"/>
-                <a:tab pos="13030200" algn="l"/>
-                <a:tab pos="13754100" algn="l"/>
-                <a:tab pos="14478000" algn="l"/>
-                <a:tab pos="15201900" algn="l"/>
-              </a:tabLst>
-            </a:pPr>
+            <a:endParaRPr lang="en-US" smtClean="0"/>
+          </a:p>
+          <a:p>
+            <a:r>
+              <a:rPr lang="en-US" smtClean="0"/>
+              <a:t>AuditQuery</a:t>
+            </a:r>
+            <a:r>
+              <a:rPr lang="en-US" dirty="0" smtClean="0"/>
+              <a:t> query = </a:t>
+            </a:r>
             <a:r>
               <a:rPr lang="en-US" dirty="0" err="1" smtClean="0"/>
-              <a:t>AuditReader</a:t>
+              <a:t>getAuditReader</a:t>
             </a:r>
             <a:r>
               <a:rPr lang="en-US" dirty="0" smtClean="0"/>
-              <a:t> - 2</a:t>
-            </a:r>
-            <a:endParaRPr lang="en-US" dirty="0" smtClean="0"/>
-          </a:p>
-        </p:txBody>
-      </p:sp>
-      <p:sp>
-        <p:nvSpPr>
-          <p:cNvPr id="10244" name="Rectangle 3"/>
-          <p:cNvSpPr>
-            <a:spLocks noGrp="1" noChangeArrowheads="1"/>
-          </p:cNvSpPr>
-          <p:nvPr>
-            <p:ph type="body" idx="4294967295"/>
-          </p:nvPr>
-        </p:nvSpPr>
-        <p:spPr>
-          <a:xfrm>
-            <a:off x="812800" y="1860550"/>
-            <a:ext cx="15011400" cy="6551613"/>
-          </a:xfrm>
-        </p:spPr>
-        <p:txBody>
-          <a:bodyPr/>
-          <a:lstStyle/>
-          <a:p>
-            <a:pPr marL="533400" indent="-531813">
-              <a:buClrTx/>
-              <a:buFontTx/>
-              <a:buNone/>
-              <a:tabLst>
-                <a:tab pos="533400" algn="l"/>
-                <a:tab pos="912813" algn="l"/>
-                <a:tab pos="1827213" algn="l"/>
-                <a:tab pos="2741613" algn="l"/>
-                <a:tab pos="3656013" algn="l"/>
-                <a:tab pos="4570413" algn="l"/>
-                <a:tab pos="5484813" algn="l"/>
-                <a:tab pos="6399213" algn="l"/>
-                <a:tab pos="7313613" algn="l"/>
-                <a:tab pos="8228013" algn="l"/>
-                <a:tab pos="9142413" algn="l"/>
-                <a:tab pos="10056813" algn="l"/>
-                <a:tab pos="10134600" algn="l"/>
-                <a:tab pos="10858500" algn="l"/>
-                <a:tab pos="11582400" algn="l"/>
-                <a:tab pos="12306300" algn="l"/>
-                <a:tab pos="13030200" algn="l"/>
-                <a:tab pos="13754100" algn="l"/>
-                <a:tab pos="14478000" algn="l"/>
-              </a:tabLst>
-            </a:pPr>
-            <a:r>
-              <a:rPr lang="en-US" dirty="0" smtClean="0">
-                <a:solidFill>
-                  <a:schemeClr val="bg2"/>
-                </a:solidFill>
-              </a:rPr>
-              <a:t>// Get all the revisions of my current object</a:t>
-            </a:r>
-          </a:p>
-          <a:p>
-            <a:pPr marL="533400" indent="-531813">
-              <a:buClrTx/>
-              <a:buFontTx/>
-              <a:buNone/>
-              <a:tabLst>
-                <a:tab pos="533400" algn="l"/>
-                <a:tab pos="912813" algn="l"/>
-                <a:tab pos="1827213" algn="l"/>
-                <a:tab pos="2741613" algn="l"/>
-                <a:tab pos="3656013" algn="l"/>
-                <a:tab pos="4570413" algn="l"/>
-                <a:tab pos="5484813" algn="l"/>
-                <a:tab pos="6399213" algn="l"/>
-                <a:tab pos="7313613" algn="l"/>
-                <a:tab pos="8228013" algn="l"/>
-                <a:tab pos="9142413" algn="l"/>
-                <a:tab pos="10056813" algn="l"/>
-                <a:tab pos="10134600" algn="l"/>
-                <a:tab pos="10858500" algn="l"/>
-                <a:tab pos="11582400" algn="l"/>
-                <a:tab pos="12306300" algn="l"/>
-                <a:tab pos="13030200" algn="l"/>
-                <a:tab pos="13754100" algn="l"/>
-                <a:tab pos="14478000" algn="l"/>
-              </a:tabLst>
-            </a:pPr>
-            <a:r>
-              <a:rPr lang="en-US" dirty="0" err="1" smtClean="0">
-                <a:solidFill>
-                  <a:srgbClr val="C00000"/>
-                </a:solidFill>
-              </a:rPr>
-              <a:t>int</a:t>
+              <a:t>().</a:t>
+            </a:r>
+            <a:r>
+              <a:rPr lang="en-US" dirty="0" err="1" smtClean="0"/>
+              <a:t>createQuery</a:t>
             </a:r>
             <a:r>
               <a:rPr lang="en-US" dirty="0" smtClean="0"/>
-              <a:t> </a:t>
+              <a:t>()</a:t>
+            </a:r>
+          </a:p>
+          <a:p>
+            <a:r>
+              <a:rPr lang="en-US" dirty="0" smtClean="0"/>
+              <a:t>			.</a:t>
             </a:r>
             <a:r>
               <a:rPr lang="en-US" dirty="0" err="1" smtClean="0"/>
-              <a:t>personId</a:t>
-            </a:r>
-            <a:r>
-              <a:rPr lang="en-US" dirty="0" smtClean="0"/>
-              <a:t> = </a:t>
-            </a:r>
-            <a:r>
-              <a:rPr lang="en-US" dirty="0" err="1" smtClean="0"/>
-              <a:t>somePerson.getId</a:t>
-            </a:r>
-            <a:r>
-              <a:rPr lang="en-US" dirty="0" smtClean="0"/>
-              <a:t>();</a:t>
-            </a:r>
-          </a:p>
-          <a:p>
-            <a:pPr marL="533400" indent="-531813">
-              <a:buClrTx/>
-              <a:buFontTx/>
-              <a:buNone/>
-              <a:tabLst>
-                <a:tab pos="533400" algn="l"/>
-                <a:tab pos="912813" algn="l"/>
-                <a:tab pos="1827213" algn="l"/>
-                <a:tab pos="2741613" algn="l"/>
-                <a:tab pos="3656013" algn="l"/>
-                <a:tab pos="4570413" algn="l"/>
-                <a:tab pos="5484813" algn="l"/>
-                <a:tab pos="6399213" algn="l"/>
-                <a:tab pos="7313613" algn="l"/>
-                <a:tab pos="8228013" algn="l"/>
-                <a:tab pos="9142413" algn="l"/>
-                <a:tab pos="10056813" algn="l"/>
-                <a:tab pos="10134600" algn="l"/>
-                <a:tab pos="10858500" algn="l"/>
-                <a:tab pos="11582400" algn="l"/>
-                <a:tab pos="12306300" algn="l"/>
-                <a:tab pos="13030200" algn="l"/>
-                <a:tab pos="13754100" algn="l"/>
-                <a:tab pos="14478000" algn="l"/>
-              </a:tabLst>
-            </a:pPr>
-            <a:r>
-              <a:rPr lang="en-US" dirty="0" err="1" smtClean="0"/>
-              <a:t>AuditReader</a:t>
-            </a:r>
-            <a:r>
-              <a:rPr lang="en-US" dirty="0" smtClean="0"/>
-              <a:t> reader = </a:t>
-            </a:r>
-            <a:r>
-              <a:rPr lang="en-US" dirty="0" err="1" smtClean="0"/>
-              <a:t>AuditReaderFactory.get</a:t>
+              <a:t>forEntitiesAtRevision</a:t>
             </a:r>
             <a:r>
               <a:rPr lang="en-US" dirty="0" smtClean="0"/>
@@ -11656,71 +12404,7 @@
             </a:r>
             <a:r>
               <a:rPr lang="en-US" dirty="0" err="1" smtClean="0"/>
-              <a:t>entityManager</a:t>
-            </a:r>
-            <a:r>
-              <a:rPr lang="en-US" dirty="0" smtClean="0"/>
-              <a:t>);</a:t>
-            </a:r>
-          </a:p>
-          <a:p>
-            <a:pPr marL="533400" indent="-531813">
-              <a:buClrTx/>
-              <a:buFontTx/>
-              <a:buNone/>
-              <a:tabLst>
-                <a:tab pos="533400" algn="l"/>
-                <a:tab pos="912813" algn="l"/>
-                <a:tab pos="1827213" algn="l"/>
-                <a:tab pos="2741613" algn="l"/>
-                <a:tab pos="3656013" algn="l"/>
-                <a:tab pos="4570413" algn="l"/>
-                <a:tab pos="5484813" algn="l"/>
-                <a:tab pos="6399213" algn="l"/>
-                <a:tab pos="7313613" algn="l"/>
-                <a:tab pos="8228013" algn="l"/>
-                <a:tab pos="9142413" algn="l"/>
-                <a:tab pos="10056813" algn="l"/>
-                <a:tab pos="10134600" algn="l"/>
-                <a:tab pos="10858500" algn="l"/>
-                <a:tab pos="11582400" algn="l"/>
-                <a:tab pos="12306300" algn="l"/>
-                <a:tab pos="13030200" algn="l"/>
-                <a:tab pos="13754100" algn="l"/>
-                <a:tab pos="14478000" algn="l"/>
-              </a:tabLst>
-            </a:pPr>
-            <a:r>
-              <a:rPr lang="en-US" dirty="0" smtClean="0"/>
-              <a:t>List&lt;Number&gt; </a:t>
-            </a:r>
-            <a:r>
-              <a:rPr lang="en-US" dirty="0" err="1" smtClean="0"/>
-              <a:t>allRevisions</a:t>
-            </a:r>
-            <a:r>
-              <a:rPr lang="en-US" dirty="0" smtClean="0"/>
-              <a:t> = </a:t>
-            </a:r>
-            <a:r>
-              <a:rPr lang="en-US" dirty="0" err="1" smtClean="0"/>
-              <a:t>reader.getRevisions</a:t>
-            </a:r>
-            <a:r>
-              <a:rPr lang="en-US" dirty="0" smtClean="0"/>
-              <a:t>(</a:t>
-            </a:r>
-            <a:r>
-              <a:rPr lang="en-US" dirty="0" err="1" smtClean="0"/>
-              <a:t>Person.</a:t>
-            </a:r>
-            <a:r>
-              <a:rPr lang="en-US" dirty="0" err="1" smtClean="0">
-                <a:solidFill>
-                  <a:srgbClr val="C00000"/>
-                </a:solidFill>
-              </a:rPr>
-              <a:t>class</a:t>
+              <a:t>MyEntity.class</a:t>
             </a:r>
             <a:r>
               <a:rPr lang="en-US" dirty="0" smtClean="0"/>
@@ -11728,223 +12412,69 @@
             </a:r>
             <a:r>
               <a:rPr lang="en-US" dirty="0" err="1" smtClean="0"/>
-              <a:t>personId</a:t>
+              <a:t>revisionNumber</a:t>
             </a:r>
             <a:r>
               <a:rPr lang="en-US" dirty="0" smtClean="0"/>
-              <a:t>);</a:t>
-            </a:r>
-          </a:p>
-          <a:p>
-            <a:pPr marL="533400" indent="-531813">
-              <a:buClrTx/>
-              <a:buFontTx/>
-              <a:buNone/>
-              <a:tabLst>
-                <a:tab pos="533400" algn="l"/>
-                <a:tab pos="912813" algn="l"/>
-                <a:tab pos="1827213" algn="l"/>
-                <a:tab pos="2741613" algn="l"/>
-                <a:tab pos="3656013" algn="l"/>
-                <a:tab pos="4570413" algn="l"/>
-                <a:tab pos="5484813" algn="l"/>
-                <a:tab pos="6399213" algn="l"/>
-                <a:tab pos="7313613" algn="l"/>
-                <a:tab pos="8228013" algn="l"/>
-                <a:tab pos="9142413" algn="l"/>
-                <a:tab pos="10056813" algn="l"/>
-                <a:tab pos="10134600" algn="l"/>
-                <a:tab pos="10858500" algn="l"/>
-                <a:tab pos="11582400" algn="l"/>
-                <a:tab pos="12306300" algn="l"/>
-                <a:tab pos="13030200" algn="l"/>
-                <a:tab pos="13754100" algn="l"/>
-                <a:tab pos="14478000" algn="l"/>
-              </a:tabLst>
-            </a:pPr>
-            <a:endParaRPr lang="en-US" dirty="0" smtClean="0"/>
-          </a:p>
-          <a:p>
-            <a:pPr marL="533400" indent="-531813">
-              <a:buClrTx/>
-              <a:buFontTx/>
-              <a:buNone/>
-              <a:tabLst>
-                <a:tab pos="533400" algn="l"/>
-                <a:tab pos="912813" algn="l"/>
-                <a:tab pos="1827213" algn="l"/>
-                <a:tab pos="2741613" algn="l"/>
-                <a:tab pos="3656013" algn="l"/>
-                <a:tab pos="4570413" algn="l"/>
-                <a:tab pos="5484813" algn="l"/>
-                <a:tab pos="6399213" algn="l"/>
-                <a:tab pos="7313613" algn="l"/>
-                <a:tab pos="8228013" algn="l"/>
-                <a:tab pos="9142413" algn="l"/>
-                <a:tab pos="10056813" algn="l"/>
-                <a:tab pos="10134600" algn="l"/>
-                <a:tab pos="10858500" algn="l"/>
-                <a:tab pos="11582400" algn="l"/>
-                <a:tab pos="12306300" algn="l"/>
-                <a:tab pos="13030200" algn="l"/>
-                <a:tab pos="13754100" algn="l"/>
-                <a:tab pos="14478000" algn="l"/>
-              </a:tabLst>
-            </a:pPr>
-            <a:r>
-              <a:rPr lang="en-US" dirty="0" smtClean="0">
-                <a:solidFill>
-                  <a:srgbClr val="C00000"/>
-                </a:solidFill>
-              </a:rPr>
-              <a:t>for</a:t>
-            </a:r>
+              <a:t>)</a:t>
+            </a:r>
+          </a:p>
+          <a:p>
             <a:r>
               <a:rPr lang="en-US" dirty="0" smtClean="0"/>
-              <a:t> (Number n: </a:t>
+              <a:t>			.add(</a:t>
             </a:r>
             <a:r>
               <a:rPr lang="en-US" dirty="0" err="1" smtClean="0"/>
-              <a:t>allRevisions</a:t>
+              <a:t>AuditEntity.property</a:t>
             </a:r>
             <a:r>
               <a:rPr lang="en-US" dirty="0" smtClean="0"/>
-              <a:t>) {</a:t>
-            </a:r>
-          </a:p>
-          <a:p>
-            <a:pPr marL="533400" indent="-531813">
-              <a:buClrTx/>
-              <a:buFontTx/>
-              <a:buNone/>
-              <a:tabLst>
-                <a:tab pos="533400" algn="l"/>
-                <a:tab pos="912813" algn="l"/>
-                <a:tab pos="1827213" algn="l"/>
-                <a:tab pos="2741613" algn="l"/>
-                <a:tab pos="3656013" algn="l"/>
-                <a:tab pos="4570413" algn="l"/>
-                <a:tab pos="5484813" algn="l"/>
-                <a:tab pos="6399213" algn="l"/>
-                <a:tab pos="7313613" algn="l"/>
-                <a:tab pos="8228013" algn="l"/>
-                <a:tab pos="9142413" algn="l"/>
-                <a:tab pos="10056813" algn="l"/>
-                <a:tab pos="10134600" algn="l"/>
-                <a:tab pos="10858500" algn="l"/>
-                <a:tab pos="11582400" algn="l"/>
-                <a:tab pos="12306300" algn="l"/>
-                <a:tab pos="13030200" algn="l"/>
-                <a:tab pos="13754100" algn="l"/>
-                <a:tab pos="14478000" algn="l"/>
-              </a:tabLst>
-            </a:pPr>
+              <a:t>("prop1").</a:t>
+            </a:r>
+            <a:r>
+              <a:rPr lang="en-US" dirty="0" err="1" smtClean="0"/>
+              <a:t>hasChanged</a:t>
+            </a:r>
             <a:r>
               <a:rPr lang="en-US" dirty="0" smtClean="0"/>
-              <a:t>	Person p = </a:t>
+              <a:t>())</a:t>
+            </a:r>
+          </a:p>
+          <a:p>
+            <a:r>
+              <a:rPr lang="en-US" dirty="0" smtClean="0"/>
+              <a:t>			.add(</a:t>
             </a:r>
             <a:r>
               <a:rPr lang="en-US" dirty="0" err="1" smtClean="0"/>
-              <a:t>reader.find</a:t>
+              <a:t>AuditEntity.property</a:t>
             </a:r>
             <a:r>
               <a:rPr lang="en-US" dirty="0" smtClean="0"/>
-              <a:t>(</a:t>
+              <a:t>("prop2").</a:t>
             </a:r>
             <a:r>
               <a:rPr lang="en-US" dirty="0" err="1" smtClean="0"/>
-              <a:t>Person.</a:t>
-            </a:r>
-            <a:r>
-              <a:rPr lang="en-US" dirty="0" err="1" smtClean="0">
-                <a:solidFill>
-                  <a:srgbClr val="C00000"/>
-                </a:solidFill>
-              </a:rPr>
-              <a:t>class</a:t>
+              <a:t>hasNotChanged</a:t>
             </a:r>
             <a:r>
               <a:rPr lang="en-US" dirty="0" smtClean="0"/>
-              <a:t>, </a:t>
-            </a:r>
-            <a:r>
-              <a:rPr lang="en-US" dirty="0" err="1" smtClean="0"/>
-              <a:t>personId</a:t>
-            </a:r>
-            <a:r>
-              <a:rPr lang="en-US" dirty="0" smtClean="0"/>
-              <a:t>, n);</a:t>
-            </a:r>
-          </a:p>
-          <a:p>
-            <a:pPr marL="533400" indent="-531813">
-              <a:buClrTx/>
-              <a:buFontTx/>
-              <a:buNone/>
-              <a:tabLst>
-                <a:tab pos="533400" algn="l"/>
-                <a:tab pos="912813" algn="l"/>
-                <a:tab pos="1827213" algn="l"/>
-                <a:tab pos="2741613" algn="l"/>
-                <a:tab pos="3656013" algn="l"/>
-                <a:tab pos="4570413" algn="l"/>
-                <a:tab pos="5484813" algn="l"/>
-                <a:tab pos="6399213" algn="l"/>
-                <a:tab pos="7313613" algn="l"/>
-                <a:tab pos="8228013" algn="l"/>
-                <a:tab pos="9142413" algn="l"/>
-                <a:tab pos="10056813" algn="l"/>
-                <a:tab pos="10134600" algn="l"/>
-                <a:tab pos="10858500" algn="l"/>
-                <a:tab pos="11582400" algn="l"/>
-                <a:tab pos="12306300" algn="l"/>
-                <a:tab pos="13030200" algn="l"/>
-                <a:tab pos="13754100" algn="l"/>
-                <a:tab pos="14478000" algn="l"/>
-              </a:tabLst>
-            </a:pPr>
-            <a:r>
-              <a:rPr lang="en-US" dirty="0" smtClean="0"/>
-              <a:t>}</a:t>
-            </a:r>
+              <a:t>());</a:t>
+            </a:r>
+            <a:endParaRPr lang="en-US" dirty="0"/>
           </a:p>
         </p:txBody>
       </p:sp>
     </p:spTree>
-    <p:extLst>
-      <p:ext uri="{BB962C8B-B14F-4D97-AF65-F5344CB8AC3E}">
-        <p14:creationId xmlns:p14="http://schemas.microsoft.com/office/powerpoint/2010/main" val="2069585500"/>
-      </p:ext>
-    </p:extLst>
   </p:cSld>
   <p:clrMapOvr>
     <a:masterClrMapping/>
   </p:clrMapOvr>
-  <p:transition xmlns:p14="http://schemas.microsoft.com/office/powerpoint/2010/main"/>
   <p:timing>
     <p:tnLst>
       <p:par>
-        <p:cTn xmlns:p14="http://schemas.microsoft.com/office/powerpoint/2010/main" id="1" dur="indefinite" restart="never" nodeType="tmRoot">
-          <p:childTnLst>
-            <p:seq concurrent="1" nextAc="seek">
-              <p:cTn id="2" dur="0" nodeType="mainSeq"/>
-              <p:prevCondLst>
-                <p:cond evt="onPrev" delay="0">
-                  <p:tgtEl>
-                    <p:sldTgt/>
-                  </p:tgtEl>
-                </p:cond>
-              </p:prevCondLst>
-              <p:nextCondLst>
-                <p:cond evt="onNext" delay="0">
-                  <p:tgtEl>
-                    <p:sldTgt/>
-                  </p:tgtEl>
-                </p:cond>
-              </p:nextCondLst>
-            </p:seq>
-          </p:childTnLst>
-        </p:cTn>
+        <p:cTn xmlns:p14="http://schemas.microsoft.com/office/powerpoint/2010/main" id="1" dur="indefinite" restart="never" nodeType="tmRoot"/>
       </p:par>
     </p:tnLst>
   </p:timing>
@@ -12988,6 +13518,13 @@
   <p:clrMapOvr>
     <a:masterClrMapping/>
   </p:clrMapOvr>
+  <p:timing>
+    <p:tnLst>
+      <p:par>
+        <p:cTn xmlns:p14="http://schemas.microsoft.com/office/powerpoint/2010/main" id="1" dur="indefinite" restart="never" nodeType="tmRoot"/>
+      </p:par>
+    </p:tnLst>
+  </p:timing>
 </p:sld>
 </file>
 
@@ -14170,9 +14707,14 @@
   <p:clrMapOvr>
     <a:masterClrMapping/>
   </p:clrMapOvr>
-  <p:transition xmlns:p14="http://schemas.microsoft.com/office/powerpoint/2010/main">
-    <p:dissolve/>
-  </p:transition>
+  <mc:AlternateContent xmlns:mc="http://schemas.openxmlformats.org/markup-compatibility/2006">
+    <mc:Choice xmlns:p14="http://schemas.microsoft.com/office/powerpoint/2010/main" Requires="p14">
+      <p:transition p14:dur="0"/>
+    </mc:Choice>
+    <mc:Fallback>
+      <p:transition xmlns:p14="http://schemas.microsoft.com/office/powerpoint/2010/main"/>
+    </mc:Fallback>
+  </mc:AlternateContent>
   <p:timing>
     <p:tnLst>
       <p:par>
@@ -15265,48 +15807,54 @@
             <a:pPr>
               <a:buNone/>
             </a:pPr>
-            <a:r>
-              <a:rPr lang="en-US" dirty="0" smtClean="0">
-                <a:solidFill>
-                  <a:srgbClr val="0070C0"/>
-                </a:solidFill>
-              </a:rPr>
-              <a:t>		</a:t>
-            </a:r>
-            <a:r>
-              <a:rPr lang="en-US" u="sng" dirty="0" smtClean="0">
-                <a:solidFill>
-                  <a:srgbClr val="0070C0"/>
-                </a:solidFill>
-              </a:rPr>
-              <a:t>http://www.jboss.org/envers</a:t>
-            </a:r>
+            <a:endParaRPr lang="en-US" dirty="0" smtClean="0"/>
           </a:p>
           <a:p>
             <a:pPr>
               <a:buNone/>
             </a:pPr>
             <a:r>
-              <a:rPr lang="en-US" dirty="0" smtClean="0"/>
+              <a:rPr lang="en-US" sz="3200" dirty="0" smtClean="0">
+                <a:solidFill>
+                  <a:srgbClr val="0070C0"/>
+                </a:solidFill>
+              </a:rPr>
               <a:t>		</a:t>
             </a:r>
             <a:r>
-              <a:rPr lang="en-US" u="sng" dirty="0" smtClean="0">
+              <a:rPr lang="en-US" sz="3200" u="sng" dirty="0" smtClean="0">
                 <a:solidFill>
                   <a:srgbClr val="0070C0"/>
                 </a:solidFill>
               </a:rPr>
+              <a:t>http://www.jboss.org/envers</a:t>
+            </a:r>
+          </a:p>
+          <a:p>
+            <a:pPr>
+              <a:buNone/>
+            </a:pPr>
+            <a:r>
+              <a:rPr lang="en-US" sz="3200" dirty="0" smtClean="0"/>
+              <a:t>		</a:t>
+            </a:r>
+            <a:r>
+              <a:rPr lang="en-US" sz="3200" u="sng" dirty="0" smtClean="0">
+                <a:solidFill>
+                  <a:srgbClr val="0070C0"/>
+                </a:solidFill>
+              </a:rPr>
               <a:t>http://docs.jboss.org/envers/docs/</a:t>
             </a:r>
             <a:r>
-              <a:rPr lang="en-US" u="sng" dirty="0" err="1" smtClean="0">
+              <a:rPr lang="en-US" sz="3200" u="sng" dirty="0" err="1" smtClean="0">
                 <a:solidFill>
                   <a:srgbClr val="0070C0"/>
                 </a:solidFill>
               </a:rPr>
               <a:t>index.html</a:t>
             </a:r>
-            <a:endParaRPr lang="en-US" u="sng" dirty="0" smtClean="0">
+            <a:endParaRPr lang="en-US" sz="3200" u="sng" dirty="0" smtClean="0">
               <a:solidFill>
                 <a:srgbClr val="0070C0"/>
               </a:solidFill>
@@ -15317,23 +15865,31 @@
               <a:buNone/>
             </a:pPr>
             <a:r>
-              <a:rPr lang="en-US" u="sng" dirty="0">
+              <a:rPr lang="en-US" sz="3200" dirty="0">
                 <a:solidFill>
                   <a:srgbClr val="0070C0"/>
                 </a:solidFill>
               </a:rPr>
-              <a:t>		http://</a:t>
-            </a:r>
-            <a:r>
-              <a:rPr lang="en-US" u="sng" dirty="0" err="1">
+              <a:t>		</a:t>
+            </a:r>
+            <a:r>
+              <a:rPr lang="en-US" sz="3200" u="sng" dirty="0">
                 <a:solidFill>
                   <a:srgbClr val="0070C0"/>
                 </a:solidFill>
               </a:rPr>
+              <a:t>http://</a:t>
+            </a:r>
+            <a:r>
+              <a:rPr lang="en-US" sz="3200" u="sng" dirty="0" err="1">
+                <a:solidFill>
+                  <a:srgbClr val="0070C0"/>
+                </a:solidFill>
+              </a:rPr>
               <a:t>docs.jboss.org</a:t>
             </a:r>
             <a:r>
-              <a:rPr lang="en-US" u="sng" dirty="0">
+              <a:rPr lang="en-US" sz="3200" u="sng" dirty="0">
                 <a:solidFill>
                   <a:srgbClr val="0070C0"/>
                 </a:solidFill>
@@ -15341,7 +15897,7 @@
               <a:t>/hibernate/</a:t>
             </a:r>
             <a:r>
-              <a:rPr lang="en-US" u="sng" dirty="0" err="1">
+              <a:rPr lang="en-US" sz="3200" u="sng" dirty="0" err="1">
                 <a:solidFill>
                   <a:srgbClr val="0070C0"/>
                 </a:solidFill>
@@ -15349,7 +15905,7 @@
               <a:t>orm</a:t>
             </a:r>
             <a:r>
-              <a:rPr lang="en-US" u="sng" dirty="0">
+              <a:rPr lang="en-US" sz="3200" u="sng" dirty="0">
                 <a:solidFill>
                   <a:srgbClr val="0070C0"/>
                 </a:solidFill>
@@ -15357,7 +15913,7 @@
               <a:t>/4.1/</a:t>
             </a:r>
             <a:r>
-              <a:rPr lang="en-US" u="sng" dirty="0" err="1">
+              <a:rPr lang="en-US" sz="3200" u="sng" dirty="0" err="1">
                 <a:solidFill>
                   <a:srgbClr val="0070C0"/>
                 </a:solidFill>
@@ -15365,14 +15921,14 @@
               <a:t>devguide</a:t>
             </a:r>
             <a:r>
-              <a:rPr lang="en-US" u="sng" dirty="0">
+              <a:rPr lang="en-US" sz="3200" u="sng" dirty="0">
                 <a:solidFill>
                   <a:srgbClr val="0070C0"/>
                 </a:solidFill>
               </a:rPr>
               <a:t>/en-US/html/ch15.html</a:t>
             </a:r>
-            <a:endParaRPr lang="en-US" u="sng" dirty="0" smtClean="0">
+            <a:endParaRPr lang="en-US" sz="3200" u="sng" dirty="0" smtClean="0">
               <a:solidFill>
                 <a:srgbClr val="0070C0"/>
               </a:solidFill>
@@ -15683,7 +16239,7 @@
               </a:tabLst>
             </a:pPr>
             <a:r>
-              <a:rPr lang="en-US" i="1" dirty="0" smtClean="0">
+              <a:rPr lang="en-US" sz="2800" i="1" dirty="0" smtClean="0">
                 <a:solidFill>
                   <a:srgbClr val="008000"/>
                 </a:solidFill>
@@ -15718,7 +16274,7 @@
               </a:tabLst>
             </a:pPr>
             <a:r>
-              <a:rPr lang="en-US" i="1" dirty="0">
+              <a:rPr lang="en-US" sz="2800" i="1" dirty="0">
                 <a:solidFill>
                   <a:srgbClr val="008000"/>
                 </a:solidFill>
@@ -15726,7 +16282,7 @@
               <a:t>	</a:t>
             </a:r>
             <a:r>
-              <a:rPr lang="en-US" i="1" dirty="0" smtClean="0">
+              <a:rPr lang="en-US" sz="2800" i="1" dirty="0" smtClean="0">
                 <a:solidFill>
                   <a:srgbClr val="008000"/>
                 </a:solidFill>
@@ -15761,7 +16317,7 @@
               </a:tabLst>
             </a:pPr>
             <a:r>
-              <a:rPr lang="en-US" i="1" dirty="0">
+              <a:rPr lang="en-US" sz="2800" i="1" dirty="0">
                 <a:solidFill>
                   <a:srgbClr val="008000"/>
                 </a:solidFill>
@@ -15769,18 +16325,13 @@
               <a:t>	</a:t>
             </a:r>
             <a:r>
-              <a:rPr lang="en-US" i="1" dirty="0" smtClean="0">
+              <a:rPr lang="en-US" sz="2800" i="1" dirty="0" smtClean="0">
                 <a:solidFill>
                   <a:srgbClr val="008000"/>
                 </a:solidFill>
               </a:rPr>
               <a:t>	* Hibernate annotations --&gt;</a:t>
             </a:r>
-            <a:endParaRPr lang="en-US" i="1" dirty="0" smtClean="0">
-              <a:solidFill>
-                <a:srgbClr val="008000"/>
-              </a:solidFill>
-            </a:endParaRPr>
           </a:p>
           <a:p>
             <a:pPr marL="533400" indent="-531813">
@@ -15809,20 +16360,12 @@
               </a:tabLst>
             </a:pPr>
             <a:r>
-              <a:rPr lang="en-US" dirty="0" smtClean="0">
+              <a:rPr lang="en-US" sz="2800" dirty="0" smtClean="0">
                 <a:solidFill>
                   <a:srgbClr val="0070C0"/>
                 </a:solidFill>
               </a:rPr>
-              <a:t>&lt;</a:t>
-            </a:r>
-            <a:r>
-              <a:rPr lang="en-US" dirty="0" smtClean="0">
-                <a:solidFill>
-                  <a:srgbClr val="0070C0"/>
-                </a:solidFill>
-              </a:rPr>
-              <a:t>dependency&gt;</a:t>
+              <a:t>&lt;dependency&gt;</a:t>
             </a:r>
           </a:p>
           <a:p>
@@ -15852,7 +16395,7 @@
               </a:tabLst>
             </a:pPr>
             <a:r>
-              <a:rPr lang="en-US" dirty="0" smtClean="0">
+              <a:rPr lang="en-US" sz="2800" dirty="0" smtClean="0">
                 <a:solidFill>
                   <a:srgbClr val="0070C0"/>
                 </a:solidFill>
@@ -15860,7 +16403,7 @@
               <a:t>	&lt;</a:t>
             </a:r>
             <a:r>
-              <a:rPr lang="en-US" dirty="0" err="1" smtClean="0">
+              <a:rPr lang="en-US" sz="2800" dirty="0" err="1" smtClean="0">
                 <a:solidFill>
                   <a:srgbClr val="0070C0"/>
                 </a:solidFill>
@@ -15868,7 +16411,7 @@
               <a:t>groupId</a:t>
             </a:r>
             <a:r>
-              <a:rPr lang="en-US" dirty="0" smtClean="0">
+              <a:rPr lang="en-US" sz="2800" dirty="0" smtClean="0">
                 <a:solidFill>
                   <a:srgbClr val="0070C0"/>
                 </a:solidFill>
@@ -15876,11 +16419,11 @@
               <a:t>&gt;</a:t>
             </a:r>
             <a:r>
-              <a:rPr lang="en-US" b="1" dirty="0" err="1" smtClean="0"/>
+              <a:rPr lang="en-US" sz="2800" b="1" dirty="0" err="1" smtClean="0"/>
               <a:t>org.hibernate</a:t>
             </a:r>
             <a:r>
-              <a:rPr lang="en-US" dirty="0" smtClean="0">
+              <a:rPr lang="en-US" sz="2800" dirty="0" smtClean="0">
                 <a:solidFill>
                   <a:srgbClr val="0070C0"/>
                 </a:solidFill>
@@ -15888,7 +16431,7 @@
               <a:t>&lt;/</a:t>
             </a:r>
             <a:r>
-              <a:rPr lang="en-US" dirty="0" err="1" smtClean="0">
+              <a:rPr lang="en-US" sz="2800" dirty="0" err="1" smtClean="0">
                 <a:solidFill>
                   <a:srgbClr val="0070C0"/>
                 </a:solidFill>
@@ -15896,7 +16439,7 @@
               <a:t>groupId</a:t>
             </a:r>
             <a:r>
-              <a:rPr lang="en-US" dirty="0" smtClean="0">
+              <a:rPr lang="en-US" sz="2800" dirty="0" smtClean="0">
                 <a:solidFill>
                   <a:srgbClr val="0070C0"/>
                 </a:solidFill>
@@ -15931,7 +16474,7 @@
               </a:tabLst>
             </a:pPr>
             <a:r>
-              <a:rPr lang="en-US" dirty="0" smtClean="0">
+              <a:rPr lang="en-US" sz="2800" dirty="0" smtClean="0">
                 <a:solidFill>
                   <a:srgbClr val="0070C0"/>
                 </a:solidFill>
@@ -15939,7 +16482,7 @@
               <a:t>	&lt;</a:t>
             </a:r>
             <a:r>
-              <a:rPr lang="en-US" dirty="0" err="1" smtClean="0">
+              <a:rPr lang="en-US" sz="2800" dirty="0" err="1" smtClean="0">
                 <a:solidFill>
                   <a:srgbClr val="0070C0"/>
                 </a:solidFill>
@@ -15947,7 +16490,7 @@
               <a:t>artifactId</a:t>
             </a:r>
             <a:r>
-              <a:rPr lang="en-US" dirty="0" smtClean="0">
+              <a:rPr lang="en-US" sz="2800" dirty="0" smtClean="0">
                 <a:solidFill>
                   <a:srgbClr val="0070C0"/>
                 </a:solidFill>
@@ -15955,15 +16498,15 @@
               <a:t>&gt;</a:t>
             </a:r>
             <a:r>
-              <a:rPr lang="en-US" b="1" dirty="0" smtClean="0"/>
+              <a:rPr lang="en-US" sz="2800" b="1" dirty="0" smtClean="0"/>
               <a:t>hibernate-</a:t>
             </a:r>
             <a:r>
-              <a:rPr lang="en-US" b="1" dirty="0" err="1" smtClean="0"/>
+              <a:rPr lang="en-US" sz="2800" b="1" dirty="0" err="1" smtClean="0"/>
               <a:t>envers</a:t>
             </a:r>
             <a:r>
-              <a:rPr lang="en-US" dirty="0" smtClean="0">
+              <a:rPr lang="en-US" sz="2800" dirty="0" smtClean="0">
                 <a:solidFill>
                   <a:srgbClr val="0070C0"/>
                 </a:solidFill>
@@ -15971,7 +16514,7 @@
               <a:t>&lt;/</a:t>
             </a:r>
             <a:r>
-              <a:rPr lang="en-US" dirty="0" err="1" smtClean="0">
+              <a:rPr lang="en-US" sz="2800" dirty="0" err="1" smtClean="0">
                 <a:solidFill>
                   <a:srgbClr val="0070C0"/>
                 </a:solidFill>
@@ -15979,7 +16522,7 @@
               <a:t>artifactId</a:t>
             </a:r>
             <a:r>
-              <a:rPr lang="en-US" dirty="0" smtClean="0">
+              <a:rPr lang="en-US" sz="2800" dirty="0" smtClean="0">
                 <a:solidFill>
                   <a:srgbClr val="0070C0"/>
                 </a:solidFill>
@@ -16014,27 +16557,19 @@
               </a:tabLst>
             </a:pPr>
             <a:r>
-              <a:rPr lang="en-US" dirty="0" smtClean="0">
+              <a:rPr lang="en-US" sz="2800" dirty="0" smtClean="0">
                 <a:solidFill>
                   <a:srgbClr val="0070C0"/>
                 </a:solidFill>
               </a:rPr>
-              <a:t>	&lt;</a:t>
-            </a:r>
-            <a:r>
-              <a:rPr lang="en-US" dirty="0" smtClean="0">
-                <a:solidFill>
-                  <a:srgbClr val="0070C0"/>
-                </a:solidFill>
-              </a:rPr>
-              <a:t>version&gt;</a:t>
-            </a:r>
-            <a:r>
-              <a:rPr lang="en-US" b="1" dirty="0" smtClean="0"/>
+              <a:t>	&lt;version&gt;</a:t>
+            </a:r>
+            <a:r>
+              <a:rPr lang="en-US" sz="2800" b="1" dirty="0" smtClean="0"/>
               <a:t>4.1.8.Final</a:t>
             </a:r>
             <a:r>
-              <a:rPr lang="en-US" dirty="0" smtClean="0">
+              <a:rPr lang="en-US" sz="2800" dirty="0" smtClean="0">
                 <a:solidFill>
                   <a:srgbClr val="0070C0"/>
                 </a:solidFill>
@@ -16069,30 +16604,14 @@
               </a:tabLst>
             </a:pPr>
             <a:r>
-              <a:rPr lang="en-US" dirty="0" smtClean="0">
+              <a:rPr lang="en-US" sz="2800" dirty="0" smtClean="0">
                 <a:solidFill>
                   <a:srgbClr val="0070C0"/>
                 </a:solidFill>
               </a:rPr>
-              <a:t>&lt;</a:t>
-            </a:r>
-            <a:r>
-              <a:rPr lang="en-US" dirty="0" smtClean="0">
-                <a:solidFill>
-                  <a:srgbClr val="0070C0"/>
-                </a:solidFill>
-              </a:rPr>
-              <a:t>/dependency</a:t>
-            </a:r>
-            <a:r>
-              <a:rPr lang="en-US" dirty="0" smtClean="0">
-                <a:solidFill>
-                  <a:srgbClr val="0070C0"/>
-                </a:solidFill>
-              </a:rPr>
-              <a:t>&gt;</a:t>
-            </a:r>
-            <a:endParaRPr lang="en-US" dirty="0"/>
+              <a:t>&lt;/dependency&gt;</a:t>
+            </a:r>
+            <a:endParaRPr lang="en-US" sz="2800" dirty="0"/>
           </a:p>
           <a:p>
             <a:pPr marL="533400" indent="-531813">

--- a/Devoxx 2012 - Hibernate Envers.pptx
+++ b/Devoxx 2012 - Hibernate Envers.pptx
@@ -9,10 +9,10 @@
     <p:sldMasterId id="2147483654" r:id="rId5"/>
   </p:sldMasterIdLst>
   <p:notesMasterIdLst>
-    <p:notesMasterId r:id="rId28"/>
+    <p:notesMasterId r:id="rId30"/>
   </p:notesMasterIdLst>
   <p:handoutMasterIdLst>
-    <p:handoutMasterId r:id="rId29"/>
+    <p:handoutMasterId r:id="rId31"/>
   </p:handoutMasterIdLst>
   <p:sldIdLst>
     <p:sldId id="256" r:id="rId6"/>
@@ -31,12 +31,14 @@
     <p:sldId id="273" r:id="rId19"/>
     <p:sldId id="260" r:id="rId20"/>
     <p:sldId id="280" r:id="rId21"/>
-    <p:sldId id="282" r:id="rId22"/>
-    <p:sldId id="274" r:id="rId23"/>
-    <p:sldId id="275" r:id="rId24"/>
-    <p:sldId id="262" r:id="rId25"/>
-    <p:sldId id="277" r:id="rId26"/>
-    <p:sldId id="276" r:id="rId27"/>
+    <p:sldId id="284" r:id="rId22"/>
+    <p:sldId id="283" r:id="rId23"/>
+    <p:sldId id="282" r:id="rId24"/>
+    <p:sldId id="274" r:id="rId25"/>
+    <p:sldId id="275" r:id="rId26"/>
+    <p:sldId id="262" r:id="rId27"/>
+    <p:sldId id="277" r:id="rId28"/>
+    <p:sldId id="276" r:id="rId29"/>
   </p:sldIdLst>
   <p:sldSz cx="16257588" cy="9144000"/>
   <p:notesSz cx="6858000" cy="9144000"/>
@@ -251,7 +253,7 @@
             <a:fld id="{FF2FFA3A-F1DC-41D9-AA93-6144FB830E20}" type="datetimeFigureOut">
               <a:rPr lang="en-US" smtClean="0"/>
               <a:pPr/>
-              <a:t>13/11/12</a:t>
+              <a:t>14/11/12</a:t>
             </a:fld>
             <a:endParaRPr lang="en-US"/>
           </a:p>
@@ -699,6 +701,200 @@
       </p:grpSpPr>
       <p:sp>
         <p:nvSpPr>
+          <p:cNvPr id="17410" name="Rectangle 1"/>
+          <p:cNvSpPr txBox="1">
+            <a:spLocks noGrp="1" noRot="1" noChangeAspect="1" noChangeArrowheads="1" noTextEdit="1"/>
+          </p:cNvSpPr>
+          <p:nvPr>
+            <p:ph type="sldImg"/>
+          </p:nvPr>
+        </p:nvSpPr>
+        <p:spPr>
+          <a:xfrm>
+            <a:off x="0" y="695325"/>
+            <a:ext cx="1588" cy="1588"/>
+          </a:xfrm>
+          <a:solidFill>
+            <a:srgbClr val="FFFFFF"/>
+          </a:solidFill>
+          <a:ln>
+            <a:solidFill>
+              <a:srgbClr val="000000"/>
+            </a:solidFill>
+            <a:miter lim="800000"/>
+          </a:ln>
+        </p:spPr>
+      </p:sp>
+      <p:sp>
+        <p:nvSpPr>
+          <p:cNvPr id="17411" name="Rectangle 2"/>
+          <p:cNvSpPr txBox="1">
+            <a:spLocks noGrp="1" noChangeArrowheads="1"/>
+          </p:cNvSpPr>
+          <p:nvPr>
+            <p:ph type="body" idx="1"/>
+          </p:nvPr>
+        </p:nvSpPr>
+        <p:spPr>
+          <a:xfrm>
+            <a:off x="685800" y="4343400"/>
+            <a:ext cx="5486400" cy="4114800"/>
+          </a:xfrm>
+          <a:noFill/>
+          <a:ln/>
+        </p:spPr>
+        <p:txBody>
+          <a:bodyPr wrap="none" anchor="ctr"/>
+          <a:lstStyle/>
+          <a:p>
+            <a:r>
+              <a:rPr lang="nl-BE" dirty="0" smtClean="0">
+                <a:latin typeface="Times New Roman" pitchFamily="18" charset="0"/>
+              </a:rPr>
+              <a:t>False = not only the revision</a:t>
+            </a:r>
+          </a:p>
+          <a:p>
+            <a:r>
+              <a:rPr lang="nl-BE" dirty="0" smtClean="0">
+                <a:latin typeface="Times New Roman" pitchFamily="18" charset="0"/>
+              </a:rPr>
+              <a:t>True =</a:t>
+            </a:r>
+            <a:r>
+              <a:rPr lang="nl-BE" baseline="0" dirty="0" smtClean="0">
+                <a:latin typeface="Times New Roman" pitchFamily="18" charset="0"/>
+              </a:rPr>
+              <a:t> include deleted elements</a:t>
+            </a:r>
+            <a:endParaRPr lang="nl-BE" dirty="0" smtClean="0">
+              <a:latin typeface="Times New Roman" pitchFamily="18" charset="0"/>
+            </a:endParaRPr>
+          </a:p>
+        </p:txBody>
+      </p:sp>
+    </p:spTree>
+  </p:cSld>
+  <p:clrMapOvr>
+    <a:masterClrMapping/>
+  </p:clrMapOvr>
+</p:notes>
+</file>
+
+<file path=ppt/notesSlides/notesSlide11.xml><?xml version="1.0" encoding="utf-8"?>
+<p:notes xmlns:a="http://schemas.openxmlformats.org/drawingml/2006/main" xmlns:r="http://schemas.openxmlformats.org/officeDocument/2006/relationships" xmlns:p="http://schemas.openxmlformats.org/presentationml/2006/main">
+  <p:cSld>
+    <p:bg>
+      <p:bgPr>
+        <a:solidFill>
+          <a:srgbClr val="FFFFFF"/>
+        </a:solidFill>
+        <a:effectLst/>
+      </p:bgPr>
+    </p:bg>
+    <p:spTree>
+      <p:nvGrpSpPr>
+        <p:cNvPr id="1" name=""/>
+        <p:cNvGrpSpPr/>
+        <p:nvPr/>
+      </p:nvGrpSpPr>
+      <p:grpSpPr>
+        <a:xfrm>
+          <a:off x="0" y="0"/>
+          <a:ext cx="0" cy="0"/>
+          <a:chOff x="0" y="0"/>
+          <a:chExt cx="0" cy="0"/>
+        </a:xfrm>
+      </p:grpSpPr>
+      <p:sp>
+        <p:nvSpPr>
+          <p:cNvPr id="17410" name="Rectangle 1"/>
+          <p:cNvSpPr txBox="1">
+            <a:spLocks noGrp="1" noRot="1" noChangeAspect="1" noChangeArrowheads="1" noTextEdit="1"/>
+          </p:cNvSpPr>
+          <p:nvPr>
+            <p:ph type="sldImg"/>
+          </p:nvPr>
+        </p:nvSpPr>
+        <p:spPr>
+          <a:xfrm>
+            <a:off x="0" y="695325"/>
+            <a:ext cx="1588" cy="1588"/>
+          </a:xfrm>
+          <a:solidFill>
+            <a:srgbClr val="FFFFFF"/>
+          </a:solidFill>
+          <a:ln>
+            <a:solidFill>
+              <a:srgbClr val="000000"/>
+            </a:solidFill>
+            <a:miter lim="800000"/>
+          </a:ln>
+        </p:spPr>
+      </p:sp>
+      <p:sp>
+        <p:nvSpPr>
+          <p:cNvPr id="17411" name="Rectangle 2"/>
+          <p:cNvSpPr txBox="1">
+            <a:spLocks noGrp="1" noChangeArrowheads="1"/>
+          </p:cNvSpPr>
+          <p:nvPr>
+            <p:ph type="body" idx="1"/>
+          </p:nvPr>
+        </p:nvSpPr>
+        <p:spPr>
+          <a:xfrm>
+            <a:off x="685800" y="4343400"/>
+            <a:ext cx="5486400" cy="4114800"/>
+          </a:xfrm>
+          <a:noFill/>
+          <a:ln/>
+        </p:spPr>
+        <p:txBody>
+          <a:bodyPr wrap="none" anchor="ctr"/>
+          <a:lstStyle/>
+          <a:p>
+            <a:endParaRPr lang="nl-BE" smtClean="0">
+              <a:latin typeface="Times New Roman" pitchFamily="18" charset="0"/>
+            </a:endParaRPr>
+          </a:p>
+        </p:txBody>
+      </p:sp>
+    </p:spTree>
+  </p:cSld>
+  <p:clrMapOvr>
+    <a:masterClrMapping/>
+  </p:clrMapOvr>
+</p:notes>
+</file>
+
+<file path=ppt/notesSlides/notesSlide12.xml><?xml version="1.0" encoding="utf-8"?>
+<p:notes xmlns:a="http://schemas.openxmlformats.org/drawingml/2006/main" xmlns:r="http://schemas.openxmlformats.org/officeDocument/2006/relationships" xmlns:p="http://schemas.openxmlformats.org/presentationml/2006/main">
+  <p:cSld>
+    <p:bg>
+      <p:bgPr>
+        <a:solidFill>
+          <a:srgbClr val="FFFFFF"/>
+        </a:solidFill>
+        <a:effectLst/>
+      </p:bgPr>
+    </p:bg>
+    <p:spTree>
+      <p:nvGrpSpPr>
+        <p:cNvPr id="1" name=""/>
+        <p:cNvGrpSpPr/>
+        <p:nvPr/>
+      </p:nvGrpSpPr>
+      <p:grpSpPr>
+        <a:xfrm>
+          <a:off x="0" y="0"/>
+          <a:ext cx="0" cy="0"/>
+          <a:chOff x="0" y="0"/>
+          <a:chExt cx="0" cy="0"/>
+        </a:xfrm>
+      </p:grpSpPr>
+      <p:sp>
+        <p:nvSpPr>
           <p:cNvPr id="19458" name="Rectangle 1"/>
           <p:cNvSpPr txBox="1">
             <a:spLocks noGrp="1" noRot="1" noChangeAspect="1" noChangeArrowheads="1" noTextEdit="1"/>
@@ -759,7 +955,7 @@
 </p:notes>
 </file>
 
-<file path=ppt/notesSlides/notesSlide11.xml><?xml version="1.0" encoding="utf-8"?>
+<file path=ppt/notesSlides/notesSlide13.xml><?xml version="1.0" encoding="utf-8"?>
 <p:notes xmlns:a="http://schemas.openxmlformats.org/drawingml/2006/main" xmlns:r="http://schemas.openxmlformats.org/officeDocument/2006/relationships" xmlns:p="http://schemas.openxmlformats.org/presentationml/2006/main">
   <p:cSld>
     <p:bg>
@@ -6861,7 +7057,14 @@
   <p:clrMapOvr>
     <a:masterClrMapping/>
   </p:clrMapOvr>
-  <p:transition xmlns:p14="http://schemas.microsoft.com/office/powerpoint/2010/main"/>
+  <mc:AlternateContent xmlns:mc="http://schemas.openxmlformats.org/markup-compatibility/2006">
+    <mc:Choice xmlns:p14="http://schemas.microsoft.com/office/powerpoint/2010/main" Requires="p14">
+      <p:transition p14:dur="0"/>
+    </mc:Choice>
+    <mc:Fallback>
+      <p:transition xmlns:p14="http://schemas.microsoft.com/office/powerpoint/2010/main"/>
+    </mc:Fallback>
+  </mc:AlternateContent>
   <p:timing>
     <p:tnLst>
       <p:par>
@@ -7361,7 +7564,9 @@
   <p:clrMapOvr>
     <a:masterClrMapping/>
   </p:clrMapOvr>
-  <p:transition xmlns:p14="http://schemas.microsoft.com/office/powerpoint/2010/main"/>
+  <p:transition xmlns:p14="http://schemas.microsoft.com/office/powerpoint/2010/main" spd="slow">
+    <p:push dir="u"/>
+  </p:transition>
   <p:timing>
     <p:tnLst>
       <p:par>
@@ -7438,11 +7643,17 @@
           <p:cNvGraphicFramePr>
             <a:graphicFrameLocks/>
           </p:cNvGraphicFramePr>
-          <p:nvPr/>
+          <p:nvPr>
+            <p:extLst>
+              <p:ext uri="{D42A27DB-BD31-4B8C-83A1-F6EECF244321}">
+                <p14:modId xmlns:p14="http://schemas.microsoft.com/office/powerpoint/2010/main" val="1724229279"/>
+              </p:ext>
+            </p:extLst>
+          </p:nvPr>
         </p:nvGraphicFramePr>
         <p:xfrm>
           <a:off x="2656186" y="2699792"/>
-          <a:ext cx="6552728" cy="741680"/>
+          <a:ext cx="5544616" cy="741680"/>
         </p:xfrm>
         <a:graphic>
           <a:graphicData uri="http://schemas.openxmlformats.org/drawingml/2006/table">
@@ -7458,14 +7669,13 @@
                 <a:tableStyleId>{93296810-A885-4BE3-A3E7-6D5BEEA58F35}</a:tableStyleId>
               </a:tblPr>
               <a:tblGrid>
-                <a:gridCol w="720080"/>
-                <a:gridCol w="864096"/>
+                <a:gridCol w="1440160"/>
+                <a:gridCol w="1008112"/>
                 <a:gridCol w="1368152"/>
-                <a:gridCol w="1656184"/>
-                <a:gridCol w="1944216"/>
+                <a:gridCol w="1728192"/>
               </a:tblGrid>
               <a:tr h="370840">
-                <a:tc gridSpan="5">
+                <a:tc gridSpan="4">
                   <a:txBody>
                     <a:bodyPr/>
                     <a:lstStyle/>
@@ -7511,16 +7721,6 @@
                     <a:lstStyle/>
                     <a:p>
                       <a:endParaRPr lang="en-US"/>
-                    </a:p>
-                  </a:txBody>
-                  <a:tcPr/>
-                </a:tc>
-                <a:tc hMerge="1">
-                  <a:txBody>
-                    <a:bodyPr/>
-                    <a:lstStyle/>
-                    <a:p>
-                      <a:endParaRPr lang="en-US" dirty="0"/>
                     </a:p>
                   </a:txBody>
                   <a:tcPr/>
@@ -7597,7 +7797,7 @@
                           <a:latin typeface="Courier New" pitchFamily="49" charset="0"/>
                           <a:cs typeface="Courier New" pitchFamily="49" charset="0"/>
                         </a:rPr>
-                        <a:t>comments</a:t>
+                        <a:t>Comments</a:t>
                       </a:r>
                       <a:endParaRPr lang="en-US" dirty="0">
                         <a:latin typeface="Courier New" pitchFamily="49" charset="0"/>
@@ -7605,27 +7805,13 @@
                       </a:endParaRPr>
                     </a:p>
                   </a:txBody>
-                  <a:tcPr/>
-                </a:tc>
-                <a:tc>
-                  <a:txBody>
-                    <a:bodyPr/>
-                    <a:lstStyle/>
-                    <a:p>
-                      <a:r>
-                        <a:rPr lang="en-US" dirty="0" err="1" smtClean="0">
-                          <a:latin typeface="Courier New" pitchFamily="49" charset="0"/>
-                          <a:cs typeface="Courier New" pitchFamily="49" charset="0"/>
-                        </a:rPr>
-                        <a:t>Address_Id</a:t>
-                      </a:r>
-                      <a:endParaRPr lang="en-US" dirty="0">
-                        <a:latin typeface="Courier New" pitchFamily="49" charset="0"/>
-                        <a:cs typeface="Courier New" pitchFamily="49" charset="0"/>
-                      </a:endParaRPr>
-                    </a:p>
-                  </a:txBody>
-                  <a:tcPr/>
+                  <a:tcPr>
+                    <a:solidFill>
+                      <a:schemeClr val="bg1">
+                        <a:lumMod val="85000"/>
+                      </a:schemeClr>
+                    </a:solidFill>
+                  </a:tcPr>
                 </a:tc>
               </a:tr>
             </a:tbl>
@@ -7641,14 +7827,14 @@
           <p:nvPr>
             <p:extLst>
               <p:ext uri="{D42A27DB-BD31-4B8C-83A1-F6EECF244321}">
-                <p14:modId xmlns:p14="http://schemas.microsoft.com/office/powerpoint/2010/main" val="2061662824"/>
+                <p14:modId xmlns:p14="http://schemas.microsoft.com/office/powerpoint/2010/main" val="2914907558"/>
               </p:ext>
             </p:extLst>
           </p:nvPr>
         </p:nvGraphicFramePr>
         <p:xfrm>
           <a:off x="2728194" y="4211960"/>
-          <a:ext cx="7848872" cy="799183"/>
+          <a:ext cx="6236666" cy="799183"/>
         </p:xfrm>
         <a:graphic>
           <a:graphicData uri="http://schemas.openxmlformats.org/drawingml/2006/table">
@@ -7668,11 +7854,10 @@
                 <a:gridCol w="1270000"/>
                 <a:gridCol w="1060400"/>
                 <a:gridCol w="1296144"/>
-                <a:gridCol w="1612206"/>
                 <a:gridCol w="1340122"/>
               </a:tblGrid>
               <a:tr h="328577">
-                <a:tc gridSpan="6">
+                <a:tc gridSpan="5">
                   <a:txBody>
                     <a:bodyPr/>
                     <a:lstStyle/>
@@ -7718,16 +7903,6 @@
                     <a:lstStyle/>
                     <a:p>
                       <a:endParaRPr lang="en-US"/>
-                    </a:p>
-                  </a:txBody>
-                  <a:tcPr/>
-                </a:tc>
-                <a:tc hMerge="1">
-                  <a:txBody>
-                    <a:bodyPr/>
-                    <a:lstStyle/>
-                    <a:p>
-                      <a:endParaRPr lang="en-US" dirty="0"/>
                     </a:p>
                   </a:txBody>
                   <a:tcPr/>
@@ -7819,43 +7994,6 @@
                           <a:cs typeface="Courier New" pitchFamily="49" charset="0"/>
                         </a:rPr>
                         <a:t>Surname</a:t>
-                      </a:r>
-                      <a:endParaRPr lang="en-US" dirty="0">
-                        <a:latin typeface="Courier New" pitchFamily="49" charset="0"/>
-                        <a:cs typeface="Courier New" pitchFamily="49" charset="0"/>
-                      </a:endParaRPr>
-                    </a:p>
-                  </a:txBody>
-                  <a:tcPr/>
-                </a:tc>
-                <a:tc>
-                  <a:txBody>
-                    <a:bodyPr/>
-                    <a:lstStyle/>
-                    <a:p>
-                      <a:pPr marL="0" marR="0" indent="0" algn="l" defTabSz="914400" rtl="0" eaLnBrk="1" fontAlgn="auto" latinLnBrk="0" hangingPunct="1">
-                        <a:lnSpc>
-                          <a:spcPct val="100000"/>
-                        </a:lnSpc>
-                        <a:spcBef>
-                          <a:spcPts val="0"/>
-                        </a:spcBef>
-                        <a:spcAft>
-                          <a:spcPts val="0"/>
-                        </a:spcAft>
-                        <a:buClrTx/>
-                        <a:buSzTx/>
-                        <a:buFontTx/>
-                        <a:buNone/>
-                        <a:tabLst/>
-                        <a:defRPr/>
-                      </a:pPr>
-                      <a:r>
-                        <a:rPr lang="en-US" dirty="0" err="1" smtClean="0">
-                          <a:latin typeface="Courier New" pitchFamily="49" charset="0"/>
-                          <a:cs typeface="Courier New" pitchFamily="49" charset="0"/>
-                        </a:rPr>
-                        <a:t>Address_Id</a:t>
                       </a:r>
                       <a:endParaRPr lang="en-US" dirty="0">
                         <a:latin typeface="Courier New" pitchFamily="49" charset="0"/>
@@ -8207,10 +8345,16 @@
           <p:cNvGraphicFramePr>
             <a:graphicFrameLocks noGrp="1"/>
           </p:cNvGraphicFramePr>
-          <p:nvPr/>
+          <p:nvPr>
+            <p:extLst>
+              <p:ext uri="{D42A27DB-BD31-4B8C-83A1-F6EECF244321}">
+                <p14:modId xmlns:p14="http://schemas.microsoft.com/office/powerpoint/2010/main" val="3359917787"/>
+              </p:ext>
+            </p:extLst>
+          </p:nvPr>
         </p:nvGraphicFramePr>
         <p:xfrm>
-          <a:off x="10090250" y="2535560"/>
+          <a:off x="10217770" y="4184640"/>
           <a:ext cx="1295400" cy="1107440"/>
         </p:xfrm>
         <a:graphic>
@@ -8368,7 +8512,7 @@
         </p:nvSpPr>
         <p:spPr>
           <a:xfrm>
-            <a:off x="9205194" y="4516760"/>
+            <a:off x="7604522" y="4516760"/>
             <a:ext cx="1227856" cy="533400"/>
           </a:xfrm>
           <a:prstGeom prst="ellipse">
@@ -8418,14 +8562,15 @@
         <p:nvCxnSpPr>
           <p:cNvPr id="13" name="Straight Arrow Connector 12"/>
           <p:cNvCxnSpPr>
-            <a:stCxn id="12" idx="0"/>
+            <a:stCxn id="12" idx="6"/>
+            <a:endCxn id="11" idx="1"/>
           </p:cNvCxnSpPr>
           <p:nvPr/>
         </p:nvCxnSpPr>
         <p:spPr>
           <a:xfrm flipV="1">
-            <a:off x="9819122" y="3635896"/>
-            <a:ext cx="541920" cy="880864"/>
+            <a:off x="8832378" y="4738360"/>
+            <a:ext cx="1385392" cy="45100"/>
           </a:xfrm>
           <a:prstGeom prst="straightConnector1">
             <a:avLst/>
@@ -8464,6 +8609,9 @@
   <p:clrMapOvr>
     <a:masterClrMapping/>
   </p:clrMapOvr>
+  <p:transition xmlns:p14="http://schemas.microsoft.com/office/powerpoint/2010/main" spd="slow">
+    <p:push dir="u"/>
+  </p:transition>
   <p:timing>
     <p:tnLst>
       <p:par>
@@ -9183,6 +9331,26 @@
             <a:pPr>
               <a:buNone/>
             </a:pPr>
+            <a:endParaRPr lang="en-US" dirty="0">
+              <a:solidFill>
+                <a:srgbClr val="C00000"/>
+              </a:solidFill>
+            </a:endParaRPr>
+          </a:p>
+          <a:p>
+            <a:pPr>
+              <a:buNone/>
+            </a:pPr>
+            <a:endParaRPr lang="en-US" dirty="0" smtClean="0">
+              <a:solidFill>
+                <a:srgbClr val="C00000"/>
+              </a:solidFill>
+            </a:endParaRPr>
+          </a:p>
+          <a:p>
+            <a:pPr>
+              <a:buNone/>
+            </a:pPr>
             <a:r>
               <a:rPr lang="en-US" dirty="0" smtClean="0">
                 <a:solidFill>
@@ -9361,7 +9529,7 @@
         </p:nvCxnSpPr>
         <p:spPr bwMode="auto">
           <a:xfrm>
-            <a:off x="639962" y="4427984"/>
+            <a:off x="639962" y="5004048"/>
             <a:ext cx="15193688" cy="0"/>
           </a:xfrm>
           <a:prstGeom prst="line">
@@ -9395,8 +9563,8 @@
         </p:nvSpPr>
         <p:spPr bwMode="auto">
           <a:xfrm rot="10549608" flipH="1">
-            <a:off x="3446748" y="3145014"/>
-            <a:ext cx="474368" cy="3082894"/>
+            <a:off x="3483243" y="3213067"/>
+            <a:ext cx="397311" cy="3949939"/>
           </a:xfrm>
           <a:custGeom>
             <a:avLst/>
@@ -9505,8 +9673,8 @@
         </p:nvSpPr>
         <p:spPr bwMode="auto">
           <a:xfrm flipV="1">
-            <a:off x="5813708" y="2699792"/>
-            <a:ext cx="370870" cy="2088232"/>
+            <a:off x="5680522" y="2699792"/>
+            <a:ext cx="504056" cy="2952328"/>
           </a:xfrm>
           <a:custGeom>
             <a:avLst/>
@@ -9612,7 +9780,9 @@
   <p:clrMapOvr>
     <a:masterClrMapping/>
   </p:clrMapOvr>
-  <p:transition xmlns:p14="http://schemas.microsoft.com/office/powerpoint/2010/main"/>
+  <p:transition xmlns:p14="http://schemas.microsoft.com/office/powerpoint/2010/main" spd="slow">
+    <p:push dir="u"/>
+  </p:transition>
   <p:timing>
     <p:tnLst>
       <p:par>
@@ -10649,6 +10819,9 @@
   <p:clrMapOvr>
     <a:masterClrMapping/>
   </p:clrMapOvr>
+  <p:transition xmlns:p14="http://schemas.microsoft.com/office/powerpoint/2010/main" spd="slow">
+    <p:push dir="u"/>
+  </p:transition>
   <p:timing>
     <p:tnLst>
       <p:par>
@@ -10962,6 +11135,9 @@
   <p:clrMapOvr>
     <a:masterClrMapping/>
   </p:clrMapOvr>
+  <p:transition xmlns:p14="http://schemas.microsoft.com/office/powerpoint/2010/main" spd="slow">
+    <p:push dir="u"/>
+  </p:transition>
   <p:timing>
     <p:tnLst>
       <p:par>
@@ -11507,7 +11683,11 @@
             </a:r>
             <a:r>
               <a:rPr lang="en-US" dirty="0" smtClean="0"/>
-              <a:t>, n);</a:t>
+              <a:t>, n)</a:t>
+            </a:r>
+            <a:r>
+              <a:rPr lang="en-US" dirty="0" smtClean="0"/>
+              <a:t>;</a:t>
             </a:r>
           </a:p>
           <a:p>
@@ -11538,9 +11718,264 @@
               </a:tabLst>
             </a:pPr>
             <a:r>
+              <a:rPr lang="en-US" dirty="0"/>
+              <a:t> </a:t>
+            </a:r>
+            <a:r>
+              <a:rPr lang="en-US" dirty="0" smtClean="0"/>
+              <a:t>  </a:t>
+            </a:r>
+            <a:r>
+              <a:rPr lang="da-DK" dirty="0" err="1"/>
+              <a:t>System.out.printf</a:t>
+            </a:r>
+            <a:r>
+              <a:rPr lang="da-DK" dirty="0"/>
+              <a:t>(</a:t>
+            </a:r>
+            <a:r>
+              <a:rPr lang="da-DK" dirty="0">
+                <a:solidFill>
+                  <a:srgbClr val="008000"/>
+                </a:solidFill>
+              </a:rPr>
+              <a:t>"\t[Rev #%1$s] &gt; %2$s\n"</a:t>
+            </a:r>
+            <a:r>
+              <a:rPr lang="da-DK" dirty="0"/>
+              <a:t>, n, p);</a:t>
+            </a:r>
+            <a:endParaRPr lang="en-US" dirty="0" smtClean="0"/>
+          </a:p>
+          <a:p>
+            <a:pPr marL="533400" indent="-531813">
+              <a:buClrTx/>
+              <a:buFontTx/>
+              <a:buNone/>
+              <a:tabLst>
+                <a:tab pos="533400" algn="l"/>
+                <a:tab pos="912813" algn="l"/>
+                <a:tab pos="1827213" algn="l"/>
+                <a:tab pos="2741613" algn="l"/>
+                <a:tab pos="3656013" algn="l"/>
+                <a:tab pos="4570413" algn="l"/>
+                <a:tab pos="5484813" algn="l"/>
+                <a:tab pos="6399213" algn="l"/>
+                <a:tab pos="7313613" algn="l"/>
+                <a:tab pos="8228013" algn="l"/>
+                <a:tab pos="9142413" algn="l"/>
+                <a:tab pos="10056813" algn="l"/>
+                <a:tab pos="10134600" algn="l"/>
+                <a:tab pos="10858500" algn="l"/>
+                <a:tab pos="11582400" algn="l"/>
+                <a:tab pos="12306300" algn="l"/>
+                <a:tab pos="13030200" algn="l"/>
+                <a:tab pos="13754100" algn="l"/>
+                <a:tab pos="14478000" algn="l"/>
+              </a:tabLst>
+            </a:pPr>
+            <a:r>
               <a:rPr lang="en-US" dirty="0" smtClean="0"/>
               <a:t>}</a:t>
             </a:r>
+          </a:p>
+          <a:p>
+            <a:pPr marL="533400" indent="-531813">
+              <a:buClrTx/>
+              <a:buFontTx/>
+              <a:buNone/>
+              <a:tabLst>
+                <a:tab pos="533400" algn="l"/>
+                <a:tab pos="912813" algn="l"/>
+                <a:tab pos="1827213" algn="l"/>
+                <a:tab pos="2741613" algn="l"/>
+                <a:tab pos="3656013" algn="l"/>
+                <a:tab pos="4570413" algn="l"/>
+                <a:tab pos="5484813" algn="l"/>
+                <a:tab pos="6399213" algn="l"/>
+                <a:tab pos="7313613" algn="l"/>
+                <a:tab pos="8228013" algn="l"/>
+                <a:tab pos="9142413" algn="l"/>
+                <a:tab pos="10056813" algn="l"/>
+                <a:tab pos="10134600" algn="l"/>
+                <a:tab pos="10858500" algn="l"/>
+                <a:tab pos="11582400" algn="l"/>
+                <a:tab pos="12306300" algn="l"/>
+                <a:tab pos="13030200" algn="l"/>
+                <a:tab pos="13754100" algn="l"/>
+                <a:tab pos="14478000" algn="l"/>
+              </a:tabLst>
+            </a:pPr>
+            <a:endParaRPr lang="en-US" dirty="0"/>
+          </a:p>
+          <a:p>
+            <a:pPr marL="533400" indent="-531813">
+              <a:buClrTx/>
+              <a:buFontTx/>
+              <a:buNone/>
+              <a:tabLst>
+                <a:tab pos="533400" algn="l"/>
+                <a:tab pos="912813" algn="l"/>
+                <a:tab pos="1827213" algn="l"/>
+                <a:tab pos="2741613" algn="l"/>
+                <a:tab pos="3656013" algn="l"/>
+                <a:tab pos="4570413" algn="l"/>
+                <a:tab pos="5484813" algn="l"/>
+                <a:tab pos="6399213" algn="l"/>
+                <a:tab pos="7313613" algn="l"/>
+                <a:tab pos="8228013" algn="l"/>
+                <a:tab pos="9142413" algn="l"/>
+                <a:tab pos="10056813" algn="l"/>
+                <a:tab pos="10134600" algn="l"/>
+                <a:tab pos="10858500" algn="l"/>
+                <a:tab pos="11582400" algn="l"/>
+                <a:tab pos="12306300" algn="l"/>
+                <a:tab pos="13030200" algn="l"/>
+                <a:tab pos="13754100" algn="l"/>
+                <a:tab pos="14478000" algn="l"/>
+              </a:tabLst>
+            </a:pPr>
+            <a:r>
+              <a:rPr lang="en-US" i="1" dirty="0">
+                <a:solidFill>
+                  <a:srgbClr val="0000FF"/>
+                </a:solidFill>
+              </a:rPr>
+              <a:t>	[Rev #1] &gt; Person { id=10, name='</a:t>
+            </a:r>
+            <a:r>
+              <a:rPr lang="en-US" i="1" dirty="0" err="1">
+                <a:solidFill>
+                  <a:srgbClr val="0000FF"/>
+                </a:solidFill>
+              </a:rPr>
+              <a:t>Romain</a:t>
+            </a:r>
+            <a:r>
+              <a:rPr lang="en-US" i="1" dirty="0">
+                <a:solidFill>
+                  <a:srgbClr val="0000FF"/>
+                </a:solidFill>
+              </a:rPr>
+              <a:t>', surname='', comments=''}</a:t>
+            </a:r>
+          </a:p>
+          <a:p>
+            <a:pPr marL="533400" indent="-531813">
+              <a:buClrTx/>
+              <a:buFontTx/>
+              <a:buNone/>
+              <a:tabLst>
+                <a:tab pos="533400" algn="l"/>
+                <a:tab pos="912813" algn="l"/>
+                <a:tab pos="1827213" algn="l"/>
+                <a:tab pos="2741613" algn="l"/>
+                <a:tab pos="3656013" algn="l"/>
+                <a:tab pos="4570413" algn="l"/>
+                <a:tab pos="5484813" algn="l"/>
+                <a:tab pos="6399213" algn="l"/>
+                <a:tab pos="7313613" algn="l"/>
+                <a:tab pos="8228013" algn="l"/>
+                <a:tab pos="9142413" algn="l"/>
+                <a:tab pos="10056813" algn="l"/>
+                <a:tab pos="10134600" algn="l"/>
+                <a:tab pos="10858500" algn="l"/>
+                <a:tab pos="11582400" algn="l"/>
+                <a:tab pos="12306300" algn="l"/>
+                <a:tab pos="13030200" algn="l"/>
+                <a:tab pos="13754100" algn="l"/>
+                <a:tab pos="14478000" algn="l"/>
+              </a:tabLst>
+            </a:pPr>
+            <a:r>
+              <a:rPr lang="en-US" i="1" dirty="0">
+                <a:solidFill>
+                  <a:srgbClr val="0000FF"/>
+                </a:solidFill>
+              </a:rPr>
+              <a:t>	[Rev #3] &gt; Person { id=10, name='</a:t>
+            </a:r>
+            <a:r>
+              <a:rPr lang="en-US" i="1" dirty="0" err="1">
+                <a:solidFill>
+                  <a:srgbClr val="0000FF"/>
+                </a:solidFill>
+              </a:rPr>
+              <a:t>Romain</a:t>
+            </a:r>
+            <a:r>
+              <a:rPr lang="en-US" i="1" dirty="0">
+                <a:solidFill>
+                  <a:srgbClr val="0000FF"/>
+                </a:solidFill>
+              </a:rPr>
+              <a:t>', surname='Linsolas', comments=''}</a:t>
+            </a:r>
+          </a:p>
+          <a:p>
+            <a:pPr marL="533400" indent="-531813">
+              <a:buClrTx/>
+              <a:buFontTx/>
+              <a:buNone/>
+              <a:tabLst>
+                <a:tab pos="533400" algn="l"/>
+                <a:tab pos="912813" algn="l"/>
+                <a:tab pos="1827213" algn="l"/>
+                <a:tab pos="2741613" algn="l"/>
+                <a:tab pos="3656013" algn="l"/>
+                <a:tab pos="4570413" algn="l"/>
+                <a:tab pos="5484813" algn="l"/>
+                <a:tab pos="6399213" algn="l"/>
+                <a:tab pos="7313613" algn="l"/>
+                <a:tab pos="8228013" algn="l"/>
+                <a:tab pos="9142413" algn="l"/>
+                <a:tab pos="10056813" algn="l"/>
+                <a:tab pos="10134600" algn="l"/>
+                <a:tab pos="10858500" algn="l"/>
+                <a:tab pos="11582400" algn="l"/>
+                <a:tab pos="12306300" algn="l"/>
+                <a:tab pos="13030200" algn="l"/>
+                <a:tab pos="13754100" algn="l"/>
+                <a:tab pos="14478000" algn="l"/>
+              </a:tabLst>
+            </a:pPr>
+            <a:r>
+              <a:rPr lang="en-US" i="1" dirty="0">
+                <a:solidFill>
+                  <a:srgbClr val="0000FF"/>
+                </a:solidFill>
+              </a:rPr>
+              <a:t>	[Rev #4] &gt; null</a:t>
+            </a:r>
+          </a:p>
+          <a:p>
+            <a:pPr marL="533400" indent="-531813">
+              <a:buClrTx/>
+              <a:buFontTx/>
+              <a:buNone/>
+              <a:tabLst>
+                <a:tab pos="533400" algn="l"/>
+                <a:tab pos="912813" algn="l"/>
+                <a:tab pos="1827213" algn="l"/>
+                <a:tab pos="2741613" algn="l"/>
+                <a:tab pos="3656013" algn="l"/>
+                <a:tab pos="4570413" algn="l"/>
+                <a:tab pos="5484813" algn="l"/>
+                <a:tab pos="6399213" algn="l"/>
+                <a:tab pos="7313613" algn="l"/>
+                <a:tab pos="8228013" algn="l"/>
+                <a:tab pos="9142413" algn="l"/>
+                <a:tab pos="10056813" algn="l"/>
+                <a:tab pos="10134600" algn="l"/>
+                <a:tab pos="10858500" algn="l"/>
+                <a:tab pos="11582400" algn="l"/>
+                <a:tab pos="12306300" algn="l"/>
+                <a:tab pos="13030200" algn="l"/>
+                <a:tab pos="13754100" algn="l"/>
+                <a:tab pos="14478000" algn="l"/>
+              </a:tabLst>
+            </a:pPr>
+            <a:endParaRPr lang="en-US" dirty="0" smtClean="0"/>
           </a:p>
         </p:txBody>
       </p:sp>
@@ -11549,14 +11984,166 @@
   <p:clrMapOvr>
     <a:masterClrMapping/>
   </p:clrMapOvr>
-  <p:transition xmlns:p14="http://schemas.microsoft.com/office/powerpoint/2010/main"/>
+  <p:transition xmlns:p14="http://schemas.microsoft.com/office/powerpoint/2010/main" spd="slow">
+    <p:push dir="u"/>
+  </p:transition>
   <p:timing>
     <p:tnLst>
       <p:par>
         <p:cTn xmlns:p14="http://schemas.microsoft.com/office/powerpoint/2010/main" id="1" dur="indefinite" restart="never" nodeType="tmRoot">
           <p:childTnLst>
             <p:seq concurrent="1" nextAc="seek">
-              <p:cTn id="2" dur="0" nodeType="mainSeq"/>
+              <p:cTn id="2" dur="indefinite" nodeType="mainSeq">
+                <p:childTnLst>
+                  <p:par>
+                    <p:cTn id="3" fill="hold">
+                      <p:stCondLst>
+                        <p:cond delay="indefinite"/>
+                      </p:stCondLst>
+                      <p:childTnLst>
+                        <p:par>
+                          <p:cTn id="4" fill="hold">
+                            <p:stCondLst>
+                              <p:cond delay="0"/>
+                            </p:stCondLst>
+                            <p:childTnLst>
+                              <p:par>
+                                <p:cTn id="5" presetID="10" presetClass="entr" presetSubtype="0" fill="hold" nodeType="clickEffect">
+                                  <p:stCondLst>
+                                    <p:cond delay="0"/>
+                                  </p:stCondLst>
+                                  <p:childTnLst>
+                                    <p:set>
+                                      <p:cBhvr>
+                                        <p:cTn id="6" dur="1" fill="hold">
+                                          <p:stCondLst>
+                                            <p:cond delay="0"/>
+                                          </p:stCondLst>
+                                        </p:cTn>
+                                        <p:tgtEl>
+                                          <p:spTgt spid="10244">
+                                            <p:txEl>
+                                              <p:pRg st="10" end="10"/>
+                                            </p:txEl>
+                                          </p:spTgt>
+                                        </p:tgtEl>
+                                        <p:attrNameLst>
+                                          <p:attrName>style.visibility</p:attrName>
+                                        </p:attrNameLst>
+                                      </p:cBhvr>
+                                      <p:to>
+                                        <p:strVal val="visible"/>
+                                      </p:to>
+                                    </p:set>
+                                    <p:animEffect transition="in" filter="fade">
+                                      <p:cBhvr>
+                                        <p:cTn id="7" dur="500"/>
+                                        <p:tgtEl>
+                                          <p:spTgt spid="10244">
+                                            <p:txEl>
+                                              <p:pRg st="10" end="10"/>
+                                            </p:txEl>
+                                          </p:spTgt>
+                                        </p:tgtEl>
+                                      </p:cBhvr>
+                                    </p:animEffect>
+                                  </p:childTnLst>
+                                </p:cTn>
+                              </p:par>
+                              <p:par>
+                                <p:cTn id="8" presetID="10" presetClass="entr" presetSubtype="0" fill="hold" nodeType="withEffect">
+                                  <p:stCondLst>
+                                    <p:cond delay="0"/>
+                                  </p:stCondLst>
+                                  <p:childTnLst>
+                                    <p:set>
+                                      <p:cBhvr>
+                                        <p:cTn id="9" dur="1" fill="hold">
+                                          <p:stCondLst>
+                                            <p:cond delay="0"/>
+                                          </p:stCondLst>
+                                        </p:cTn>
+                                        <p:tgtEl>
+                                          <p:spTgt spid="10244">
+                                            <p:txEl>
+                                              <p:pRg st="11" end="11"/>
+                                            </p:txEl>
+                                          </p:spTgt>
+                                        </p:tgtEl>
+                                        <p:attrNameLst>
+                                          <p:attrName>style.visibility</p:attrName>
+                                        </p:attrNameLst>
+                                      </p:cBhvr>
+                                      <p:to>
+                                        <p:strVal val="visible"/>
+                                      </p:to>
+                                    </p:set>
+                                    <p:animEffect transition="in" filter="fade">
+                                      <p:cBhvr>
+                                        <p:cTn id="10" dur="500"/>
+                                        <p:tgtEl>
+                                          <p:spTgt spid="10244">
+                                            <p:txEl>
+                                              <p:pRg st="11" end="11"/>
+                                            </p:txEl>
+                                          </p:spTgt>
+                                        </p:tgtEl>
+                                      </p:cBhvr>
+                                    </p:animEffect>
+                                  </p:childTnLst>
+                                </p:cTn>
+                              </p:par>
+                              <p:par>
+                                <p:cTn id="11" presetID="10" presetClass="entr" presetSubtype="0" fill="hold" nodeType="withEffect">
+                                  <p:stCondLst>
+                                    <p:cond delay="0"/>
+                                  </p:stCondLst>
+                                  <p:childTnLst>
+                                    <p:set>
+                                      <p:cBhvr>
+                                        <p:cTn id="12" dur="1" fill="hold">
+                                          <p:stCondLst>
+                                            <p:cond delay="0"/>
+                                          </p:stCondLst>
+                                        </p:cTn>
+                                        <p:tgtEl>
+                                          <p:spTgt spid="10244">
+                                            <p:txEl>
+                                              <p:pRg st="12" end="12"/>
+                                            </p:txEl>
+                                          </p:spTgt>
+                                        </p:tgtEl>
+                                        <p:attrNameLst>
+                                          <p:attrName>style.visibility</p:attrName>
+                                        </p:attrNameLst>
+                                      </p:cBhvr>
+                                      <p:to>
+                                        <p:strVal val="visible"/>
+                                      </p:to>
+                                    </p:set>
+                                    <p:animEffect transition="in" filter="fade">
+                                      <p:cBhvr>
+                                        <p:cTn id="13" dur="500"/>
+                                        <p:tgtEl>
+                                          <p:spTgt spid="10244">
+                                            <p:txEl>
+                                              <p:pRg st="12" end="12"/>
+                                            </p:txEl>
+                                          </p:spTgt>
+                                        </p:tgtEl>
+                                      </p:cBhvr>
+                                    </p:animEffect>
+                                  </p:childTnLst>
+                                </p:cTn>
+                              </p:par>
+                            </p:childTnLst>
+                          </p:cTn>
+                        </p:par>
+                      </p:childTnLst>
+                    </p:cTn>
+                  </p:par>
+                </p:childTnLst>
+              </p:cTn>
               <p:prevCondLst>
                 <p:cond evt="onPrev" delay="0">
                   <p:tgtEl>
@@ -11730,6 +12317,10 @@
               <a:rPr lang="en-US" dirty="0" err="1" smtClean="0"/>
               <a:t>AuditQuery</a:t>
             </a:r>
+            <a:r>
+              <a:rPr lang="en-US" dirty="0" smtClean="0"/>
+              <a:t> - 1</a:t>
+            </a:r>
             <a:endParaRPr lang="en-US" dirty="0" smtClean="0"/>
           </a:p>
         </p:txBody>
@@ -11753,139 +12344,6 @@
         <p:txBody>
           <a:bodyPr/>
           <a:lstStyle/>
-          <a:p>
-            <a:pPr marL="533400" indent="-531813">
-              <a:buClrTx/>
-              <a:buFontTx/>
-              <a:buNone/>
-              <a:tabLst>
-                <a:tab pos="533400" algn="l"/>
-                <a:tab pos="912813" algn="l"/>
-                <a:tab pos="1827213" algn="l"/>
-                <a:tab pos="2741613" algn="l"/>
-                <a:tab pos="3656013" algn="l"/>
-                <a:tab pos="4570413" algn="l"/>
-                <a:tab pos="5484813" algn="l"/>
-                <a:tab pos="6399213" algn="l"/>
-                <a:tab pos="7313613" algn="l"/>
-                <a:tab pos="8228013" algn="l"/>
-                <a:tab pos="9142413" algn="l"/>
-                <a:tab pos="10056813" algn="l"/>
-                <a:tab pos="10134600" algn="l"/>
-                <a:tab pos="10858500" algn="l"/>
-                <a:tab pos="11582400" algn="l"/>
-                <a:tab pos="12306300" algn="l"/>
-                <a:tab pos="13030200" algn="l"/>
-                <a:tab pos="13754100" algn="l"/>
-                <a:tab pos="14478000" algn="l"/>
-              </a:tabLst>
-            </a:pPr>
-            <a:r>
-              <a:rPr lang="en-US" dirty="0" err="1" smtClean="0"/>
-              <a:t>AuditQuery</a:t>
-            </a:r>
-            <a:r>
-              <a:rPr lang="en-US" dirty="0" smtClean="0"/>
-              <a:t> query = </a:t>
-            </a:r>
-            <a:r>
-              <a:rPr lang="en-US" dirty="0" err="1" smtClean="0"/>
-              <a:t>auditReader.createQuery</a:t>
-            </a:r>
-            <a:r>
-              <a:rPr lang="en-US" dirty="0" smtClean="0"/>
-              <a:t>()</a:t>
-            </a:r>
-          </a:p>
-          <a:p>
-            <a:pPr marL="533400" indent="-531813">
-              <a:buClrTx/>
-              <a:buFontTx/>
-              <a:buNone/>
-              <a:tabLst>
-                <a:tab pos="533400" algn="l"/>
-                <a:tab pos="912813" algn="l"/>
-                <a:tab pos="1827213" algn="l"/>
-                <a:tab pos="2741613" algn="l"/>
-                <a:tab pos="3656013" algn="l"/>
-                <a:tab pos="4570413" algn="l"/>
-                <a:tab pos="5484813" algn="l"/>
-                <a:tab pos="6399213" algn="l"/>
-                <a:tab pos="7313613" algn="l"/>
-                <a:tab pos="8228013" algn="l"/>
-                <a:tab pos="9142413" algn="l"/>
-                <a:tab pos="10056813" algn="l"/>
-                <a:tab pos="10134600" algn="l"/>
-                <a:tab pos="10858500" algn="l"/>
-                <a:tab pos="11582400" algn="l"/>
-                <a:tab pos="12306300" algn="l"/>
-                <a:tab pos="13030200" algn="l"/>
-                <a:tab pos="13754100" algn="l"/>
-                <a:tab pos="14478000" algn="l"/>
-              </a:tabLst>
-            </a:pPr>
-            <a:r>
-              <a:rPr lang="en-US" dirty="0" smtClean="0"/>
-              <a:t>		.</a:t>
-            </a:r>
-            <a:r>
-              <a:rPr lang="en-US" dirty="0" err="1" smtClean="0"/>
-              <a:t>forEntitiesAtRevision(Person.</a:t>
-            </a:r>
-            <a:r>
-              <a:rPr lang="en-US" dirty="0" err="1" smtClean="0">
-                <a:solidFill>
-                  <a:srgbClr val="C00000"/>
-                </a:solidFill>
-              </a:rPr>
-              <a:t>class</a:t>
-            </a:r>
-            <a:r>
-              <a:rPr lang="en-US" dirty="0" smtClean="0"/>
-              <a:t>, </a:t>
-            </a:r>
-            <a:r>
-              <a:rPr lang="en-US" dirty="0" err="1" smtClean="0"/>
-              <a:t>oneRevision</a:t>
-            </a:r>
-            <a:r>
-              <a:rPr lang="en-US" dirty="0" smtClean="0"/>
-              <a:t>);</a:t>
-            </a:r>
-          </a:p>
-          <a:p>
-            <a:pPr marL="533400" indent="-531813">
-              <a:buClrTx/>
-              <a:buFontTx/>
-              <a:buNone/>
-              <a:tabLst>
-                <a:tab pos="533400" algn="l"/>
-                <a:tab pos="912813" algn="l"/>
-                <a:tab pos="1827213" algn="l"/>
-                <a:tab pos="2741613" algn="l"/>
-                <a:tab pos="3656013" algn="l"/>
-                <a:tab pos="4570413" algn="l"/>
-                <a:tab pos="5484813" algn="l"/>
-                <a:tab pos="6399213" algn="l"/>
-                <a:tab pos="7313613" algn="l"/>
-                <a:tab pos="8228013" algn="l"/>
-                <a:tab pos="9142413" algn="l"/>
-                <a:tab pos="10056813" algn="l"/>
-                <a:tab pos="10134600" algn="l"/>
-                <a:tab pos="10858500" algn="l"/>
-                <a:tab pos="11582400" algn="l"/>
-                <a:tab pos="12306300" algn="l"/>
-                <a:tab pos="13030200" algn="l"/>
-                <a:tab pos="13754100" algn="l"/>
-                <a:tab pos="14478000" algn="l"/>
-              </a:tabLst>
-            </a:pPr>
-            <a:endParaRPr lang="en-US" dirty="0" smtClean="0">
-              <a:solidFill>
-                <a:schemeClr val="bg2"/>
-              </a:solidFill>
-            </a:endParaRPr>
-          </a:p>
           <a:p>
             <a:pPr marL="533400" indent="-531813">
               <a:buClrTx/>
@@ -11943,8 +12401,16 @@
               </a:tabLst>
             </a:pPr>
             <a:r>
+              <a:rPr lang="en-US" dirty="0" err="1" smtClean="0"/>
+              <a:t>AuditQuery</a:t>
+            </a:r>
+            <a:r>
               <a:rPr lang="en-US" dirty="0" smtClean="0"/>
-              <a:t>List&lt;Person&gt; persons = </a:t>
+              <a:t> query1 </a:t>
+            </a:r>
+            <a:r>
+              <a:rPr lang="en-US" dirty="0" smtClean="0"/>
+              <a:t>= </a:t>
             </a:r>
             <a:r>
               <a:rPr lang="en-US" dirty="0" err="1" smtClean="0"/>
@@ -11952,7 +12418,7 @@
             </a:r>
             <a:r>
               <a:rPr lang="en-US" dirty="0" smtClean="0"/>
-              <a:t>()	// Search for persons object</a:t>
+              <a:t>()</a:t>
             </a:r>
           </a:p>
           <a:p>
@@ -11987,7 +12453,7 @@
               <a:t>		.</a:t>
             </a:r>
             <a:r>
-              <a:rPr lang="en-US" dirty="0" err="1" smtClean="0"/>
+              <a:rPr lang="en-US" b="1" dirty="0" err="1" smtClean="0"/>
               <a:t>forEntitiesAtRevision</a:t>
             </a:r>
             <a:r>
@@ -11996,11 +12462,23 @@
             </a:r>
             <a:r>
               <a:rPr lang="en-US" dirty="0" err="1" smtClean="0"/>
-              <a:t>Person.class</a:t>
+              <a:t>Person.</a:t>
+            </a:r>
+            <a:r>
+              <a:rPr lang="en-US" dirty="0" err="1" smtClean="0">
+                <a:solidFill>
+                  <a:srgbClr val="C00000"/>
+                </a:solidFill>
+              </a:rPr>
+              <a:t>class</a:t>
             </a:r>
             <a:r>
               <a:rPr lang="en-US" dirty="0" smtClean="0"/>
-              <a:t>, 42)		// at revision #42 </a:t>
+              <a:t>, </a:t>
+            </a:r>
+            <a:r>
+              <a:rPr lang="en-US" dirty="0" smtClean="0"/>
+              <a:t>42);</a:t>
             </a:r>
           </a:p>
           <a:p>
@@ -12032,43 +12510,7 @@
             </a:pPr>
             <a:r>
               <a:rPr lang="en-US" dirty="0" smtClean="0"/>
-              <a:t>		.</a:t>
-            </a:r>
-            <a:r>
-              <a:rPr lang="en-US" dirty="0" err="1" smtClean="0"/>
-              <a:t>addOrder</a:t>
-            </a:r>
-            <a:r>
-              <a:rPr lang="en-US" dirty="0" smtClean="0"/>
-              <a:t>(</a:t>
-            </a:r>
-            <a:r>
-              <a:rPr lang="en-US" dirty="0" err="1" smtClean="0"/>
-              <a:t>AuditEntity.property</a:t>
-            </a:r>
-            <a:r>
-              <a:rPr lang="en-US" dirty="0" smtClean="0"/>
-              <a:t>(</a:t>
-            </a:r>
-            <a:r>
-              <a:rPr lang="en-US" dirty="0" smtClean="0">
-                <a:solidFill>
-                  <a:srgbClr val="00B050"/>
-                </a:solidFill>
-              </a:rPr>
-              <a:t>“surname”</a:t>
-            </a:r>
-            <a:r>
-              <a:rPr lang="en-US" dirty="0" smtClean="0"/>
-              <a:t>).</a:t>
-            </a:r>
-            <a:r>
-              <a:rPr lang="en-US" dirty="0" err="1" smtClean="0"/>
-              <a:t>desc</a:t>
-            </a:r>
-            <a:r>
-              <a:rPr lang="en-US" dirty="0" smtClean="0"/>
-              <a:t>())	// Sort alphabetically</a:t>
+              <a:t>List&lt;Person&gt; persons = query1.getResultList();</a:t>
             </a:r>
           </a:p>
           <a:p>
@@ -12098,46 +12540,7 @@
                 <a:tab pos="14478000" algn="l"/>
               </a:tabLst>
             </a:pPr>
-            <a:r>
-              <a:rPr lang="en-US" dirty="0" smtClean="0"/>
-              <a:t>		.add(</a:t>
-            </a:r>
-            <a:r>
-              <a:rPr lang="en-US" dirty="0" err="1" smtClean="0"/>
-              <a:t>AuditEntity.relatedId</a:t>
-            </a:r>
-            <a:r>
-              <a:rPr lang="en-US" dirty="0" smtClean="0"/>
-              <a:t>(</a:t>
-            </a:r>
-            <a:r>
-              <a:rPr lang="en-US" dirty="0" smtClean="0">
-                <a:solidFill>
-                  <a:srgbClr val="00B050"/>
-                </a:solidFill>
-              </a:rPr>
-              <a:t>“address”</a:t>
-            </a:r>
-            <a:r>
-              <a:rPr lang="en-US" dirty="0" smtClean="0"/>
-              <a:t>).</a:t>
-            </a:r>
-            <a:r>
-              <a:rPr lang="en-US" dirty="0" err="1" smtClean="0"/>
-              <a:t>eq</a:t>
-            </a:r>
-            <a:r>
-              <a:rPr lang="en-US" dirty="0" smtClean="0"/>
-              <a:t>(</a:t>
-            </a:r>
-            <a:r>
-              <a:rPr lang="en-US" dirty="0" err="1" smtClean="0"/>
-              <a:t>theAddressId</a:t>
-            </a:r>
-            <a:r>
-              <a:rPr lang="en-US" dirty="0" smtClean="0"/>
-              <a:t>))	// with given address</a:t>
-            </a:r>
+            <a:endParaRPr lang="en-US" dirty="0" smtClean="0"/>
           </a:p>
           <a:p>
             <a:pPr marL="533400" indent="-531813">
@@ -12166,18 +12569,7 @@
                 <a:tab pos="14478000" algn="l"/>
               </a:tabLst>
             </a:pPr>
-            <a:r>
-              <a:rPr lang="en-US" dirty="0" smtClean="0"/>
-              <a:t>		.</a:t>
-            </a:r>
-            <a:r>
-              <a:rPr lang="en-US" dirty="0" err="1" smtClean="0"/>
-              <a:t>setFirstResult</a:t>
-            </a:r>
-            <a:r>
-              <a:rPr lang="en-US" dirty="0" smtClean="0"/>
-              <a:t>(4)						// </a:t>
-            </a:r>
+            <a:endParaRPr lang="en-US" dirty="0" smtClean="0"/>
           </a:p>
           <a:p>
             <a:pPr marL="533400" indent="-531813">
@@ -12207,16 +12599,20 @@
               </a:tabLst>
             </a:pPr>
             <a:r>
-              <a:rPr lang="en-US" dirty="0" smtClean="0"/>
-              <a:t>		.</a:t>
-            </a:r>
-            <a:r>
-              <a:rPr lang="en-US" dirty="0" err="1" smtClean="0"/>
-              <a:t>setMaxResults</a:t>
-            </a:r>
-            <a:r>
-              <a:rPr lang="en-US" dirty="0" smtClean="0"/>
-              <a:t>(2)</a:t>
+              <a:rPr lang="en-US" i="1" dirty="0" smtClean="0">
+                <a:solidFill>
+                  <a:srgbClr val="0000FF"/>
+                </a:solidFill>
+              </a:rPr>
+              <a:t>	Person </a:t>
+            </a:r>
+            <a:r>
+              <a:rPr lang="en-US" i="1" dirty="0">
+                <a:solidFill>
+                  <a:srgbClr val="0000FF"/>
+                </a:solidFill>
+              </a:rPr>
+              <a:t>{ id=11, name='Chuck', surname='Norris', comments=''}</a:t>
             </a:r>
           </a:p>
           <a:p>
@@ -12247,17 +12643,66 @@
               </a:tabLst>
             </a:pPr>
             <a:r>
-              <a:rPr lang="en-US" dirty="0" smtClean="0"/>
-              <a:t>		.</a:t>
-            </a:r>
-            <a:r>
-              <a:rPr lang="en-US" dirty="0" err="1" smtClean="0"/>
-              <a:t>getResultList</a:t>
-            </a:r>
-            <a:r>
-              <a:rPr lang="en-US" dirty="0" smtClean="0"/>
-              <a:t>();</a:t>
-            </a:r>
+              <a:rPr lang="en-US" i="1" dirty="0" smtClean="0">
+                <a:solidFill>
+                  <a:srgbClr val="0000FF"/>
+                </a:solidFill>
+              </a:rPr>
+              <a:t>	Person </a:t>
+            </a:r>
+            <a:r>
+              <a:rPr lang="en-US" i="1" dirty="0">
+                <a:solidFill>
+                  <a:srgbClr val="0000FF"/>
+                </a:solidFill>
+              </a:rPr>
+              <a:t>{ id=10, name='</a:t>
+            </a:r>
+            <a:r>
+              <a:rPr lang="en-US" i="1" dirty="0" err="1">
+                <a:solidFill>
+                  <a:srgbClr val="0000FF"/>
+                </a:solidFill>
+              </a:rPr>
+              <a:t>Romain</a:t>
+            </a:r>
+            <a:r>
+              <a:rPr lang="en-US" i="1" dirty="0">
+                <a:solidFill>
+                  <a:srgbClr val="0000FF"/>
+                </a:solidFill>
+              </a:rPr>
+              <a:t>', surname='Linsolas', comments=''}</a:t>
+            </a:r>
+          </a:p>
+          <a:p>
+            <a:pPr marL="533400" indent="-531813">
+              <a:buClrTx/>
+              <a:buFontTx/>
+              <a:buNone/>
+              <a:tabLst>
+                <a:tab pos="533400" algn="l"/>
+                <a:tab pos="912813" algn="l"/>
+                <a:tab pos="1827213" algn="l"/>
+                <a:tab pos="2741613" algn="l"/>
+                <a:tab pos="3656013" algn="l"/>
+                <a:tab pos="4570413" algn="l"/>
+                <a:tab pos="5484813" algn="l"/>
+                <a:tab pos="6399213" algn="l"/>
+                <a:tab pos="7313613" algn="l"/>
+                <a:tab pos="8228013" algn="l"/>
+                <a:tab pos="9142413" algn="l"/>
+                <a:tab pos="10056813" algn="l"/>
+                <a:tab pos="10134600" algn="l"/>
+                <a:tab pos="10858500" algn="l"/>
+                <a:tab pos="11582400" algn="l"/>
+                <a:tab pos="12306300" algn="l"/>
+                <a:tab pos="13030200" algn="l"/>
+                <a:tab pos="13754100" algn="l"/>
+                <a:tab pos="14478000" algn="l"/>
+              </a:tabLst>
+            </a:pPr>
+            <a:endParaRPr lang="en-US" dirty="0"/>
           </a:p>
         </p:txBody>
       </p:sp>
@@ -12271,14 +12716,123 @@
   <p:clrMapOvr>
     <a:masterClrMapping/>
   </p:clrMapOvr>
-  <p:transition xmlns:p14="http://schemas.microsoft.com/office/powerpoint/2010/main"/>
+  <p:transition xmlns:p14="http://schemas.microsoft.com/office/powerpoint/2010/main" spd="slow">
+    <p:push dir="u"/>
+  </p:transition>
   <p:timing>
     <p:tnLst>
       <p:par>
         <p:cTn xmlns:p14="http://schemas.microsoft.com/office/powerpoint/2010/main" id="1" dur="indefinite" restart="never" nodeType="tmRoot">
           <p:childTnLst>
             <p:seq concurrent="1" nextAc="seek">
-              <p:cTn id="2" dur="0" nodeType="mainSeq"/>
+              <p:cTn id="2" dur="indefinite" nodeType="mainSeq">
+                <p:childTnLst>
+                  <p:par>
+                    <p:cTn id="3" fill="hold">
+                      <p:stCondLst>
+                        <p:cond delay="indefinite"/>
+                      </p:stCondLst>
+                      <p:childTnLst>
+                        <p:par>
+                          <p:cTn id="4" fill="hold">
+                            <p:stCondLst>
+                              <p:cond delay="0"/>
+                            </p:stCondLst>
+                            <p:childTnLst>
+                              <p:par>
+                                <p:cTn id="5" presetID="10" presetClass="entr" presetSubtype="0" fill="hold" nodeType="clickEffect">
+                                  <p:stCondLst>
+                                    <p:cond delay="0"/>
+                                  </p:stCondLst>
+                                  <p:childTnLst>
+                                    <p:set>
+                                      <p:cBhvr>
+                                        <p:cTn id="6" dur="1" fill="hold">
+                                          <p:stCondLst>
+                                            <p:cond delay="0"/>
+                                          </p:stCondLst>
+                                        </p:cTn>
+                                        <p:tgtEl>
+                                          <p:spTgt spid="10244">
+                                            <p:txEl>
+                                              <p:pRg st="6" end="6"/>
+                                            </p:txEl>
+                                          </p:spTgt>
+                                        </p:tgtEl>
+                                        <p:attrNameLst>
+                                          <p:attrName>style.visibility</p:attrName>
+                                        </p:attrNameLst>
+                                      </p:cBhvr>
+                                      <p:to>
+                                        <p:strVal val="visible"/>
+                                      </p:to>
+                                    </p:set>
+                                    <p:animEffect transition="in" filter="fade">
+                                      <p:cBhvr>
+                                        <p:cTn id="7" dur="500"/>
+                                        <p:tgtEl>
+                                          <p:spTgt spid="10244">
+                                            <p:txEl>
+                                              <p:pRg st="6" end="6"/>
+                                            </p:txEl>
+                                          </p:spTgt>
+                                        </p:tgtEl>
+                                      </p:cBhvr>
+                                    </p:animEffect>
+                                  </p:childTnLst>
+                                </p:cTn>
+                              </p:par>
+                              <p:par>
+                                <p:cTn id="8" presetID="10" presetClass="entr" presetSubtype="0" fill="hold" nodeType="withEffect">
+                                  <p:stCondLst>
+                                    <p:cond delay="0"/>
+                                  </p:stCondLst>
+                                  <p:childTnLst>
+                                    <p:set>
+                                      <p:cBhvr>
+                                        <p:cTn id="9" dur="1" fill="hold">
+                                          <p:stCondLst>
+                                            <p:cond delay="0"/>
+                                          </p:stCondLst>
+                                        </p:cTn>
+                                        <p:tgtEl>
+                                          <p:spTgt spid="10244">
+                                            <p:txEl>
+                                              <p:pRg st="7" end="7"/>
+                                            </p:txEl>
+                                          </p:spTgt>
+                                        </p:tgtEl>
+                                        <p:attrNameLst>
+                                          <p:attrName>style.visibility</p:attrName>
+                                        </p:attrNameLst>
+                                      </p:cBhvr>
+                                      <p:to>
+                                        <p:strVal val="visible"/>
+                                      </p:to>
+                                    </p:set>
+                                    <p:animEffect transition="in" filter="fade">
+                                      <p:cBhvr>
+                                        <p:cTn id="10" dur="500"/>
+                                        <p:tgtEl>
+                                          <p:spTgt spid="10244">
+                                            <p:txEl>
+                                              <p:pRg st="7" end="7"/>
+                                            </p:txEl>
+                                          </p:spTgt>
+                                        </p:tgtEl>
+                                      </p:cBhvr>
+                                    </p:animEffect>
+                                  </p:childTnLst>
+                                </p:cTn>
+                              </p:par>
+                            </p:childTnLst>
+                          </p:cTn>
+                        </p:par>
+                      </p:childTnLst>
+                    </p:cTn>
+                  </p:par>
+                </p:childTnLst>
+              </p:cTn>
               <p:prevCondLst>
                 <p:cond evt="onPrev" delay="0">
                   <p:tgtEl>
@@ -12321,6 +12875,1624 @@
       </p:grpSpPr>
       <p:sp>
         <p:nvSpPr>
+          <p:cNvPr id="10242" name="Text Box 1"/>
+          <p:cNvSpPr txBox="1">
+            <a:spLocks noChangeArrowheads="1"/>
+          </p:cNvSpPr>
+          <p:nvPr/>
+        </p:nvSpPr>
+        <p:spPr bwMode="auto">
+          <a:xfrm>
+            <a:off x="15614650" y="8699500"/>
+            <a:ext cx="266700" cy="279400"/>
+          </a:xfrm>
+          <a:prstGeom prst="rect">
+            <a:avLst/>
+          </a:prstGeom>
+          <a:noFill/>
+          <a:ln w="9525">
+            <a:noFill/>
+            <a:round/>
+            <a:headEnd/>
+            <a:tailEnd/>
+          </a:ln>
+        </p:spPr>
+        <p:txBody>
+          <a:bodyPr wrap="none" lIns="90000" tIns="46800" rIns="90000" bIns="46800"/>
+          <a:lstStyle/>
+          <a:p>
+            <a:pPr algn="ctr">
+              <a:buSzPct val="100000"/>
+              <a:tabLst>
+                <a:tab pos="0" algn="l"/>
+                <a:tab pos="914400" algn="l"/>
+                <a:tab pos="1828800" algn="l"/>
+                <a:tab pos="2743200" algn="l"/>
+                <a:tab pos="3657600" algn="l"/>
+                <a:tab pos="4572000" algn="l"/>
+                <a:tab pos="5486400" algn="l"/>
+                <a:tab pos="6400800" algn="l"/>
+                <a:tab pos="7315200" algn="l"/>
+                <a:tab pos="8229600" algn="l"/>
+                <a:tab pos="9144000" algn="l"/>
+                <a:tab pos="10058400" algn="l"/>
+              </a:tabLst>
+            </a:pPr>
+            <a:fld id="{E014567F-7DD3-4926-A887-6CFCA16D00FD}" type="slidenum">
+              <a:rPr lang="en-US" sz="1200">
+                <a:solidFill>
+                  <a:srgbClr val="000000"/>
+                </a:solidFill>
+                <a:ea typeface="Gill Sans"/>
+                <a:cs typeface="Gill Sans"/>
+              </a:rPr>
+              <a:pPr algn="ctr">
+                <a:buSzPct val="100000"/>
+                <a:tabLst>
+                  <a:tab pos="0" algn="l"/>
+                  <a:tab pos="914400" algn="l"/>
+                  <a:tab pos="1828800" algn="l"/>
+                  <a:tab pos="2743200" algn="l"/>
+                  <a:tab pos="3657600" algn="l"/>
+                  <a:tab pos="4572000" algn="l"/>
+                  <a:tab pos="5486400" algn="l"/>
+                  <a:tab pos="6400800" algn="l"/>
+                  <a:tab pos="7315200" algn="l"/>
+                  <a:tab pos="8229600" algn="l"/>
+                  <a:tab pos="9144000" algn="l"/>
+                  <a:tab pos="10058400" algn="l"/>
+                </a:tabLst>
+              </a:pPr>
+              <a:t>17</a:t>
+            </a:fld>
+            <a:endParaRPr lang="en-US" sz="1200">
+              <a:solidFill>
+                <a:srgbClr val="000000"/>
+              </a:solidFill>
+              <a:ea typeface="Gill Sans"/>
+              <a:cs typeface="Gill Sans"/>
+            </a:endParaRPr>
+          </a:p>
+        </p:txBody>
+      </p:sp>
+      <p:sp>
+        <p:nvSpPr>
+          <p:cNvPr id="10243" name="Rectangle 2"/>
+          <p:cNvSpPr>
+            <a:spLocks noGrp="1" noChangeArrowheads="1"/>
+          </p:cNvSpPr>
+          <p:nvPr>
+            <p:ph type="title" idx="4294967295"/>
+          </p:nvPr>
+        </p:nvSpPr>
+        <p:spPr>
+          <a:xfrm>
+            <a:off x="292100" y="76200"/>
+            <a:ext cx="15659100" cy="1498600"/>
+          </a:xfrm>
+        </p:spPr>
+        <p:txBody>
+          <a:bodyPr/>
+          <a:lstStyle/>
+          <a:p>
+            <a:pPr eaLnBrk="1" hangingPunct="1">
+              <a:buClrTx/>
+              <a:buFontTx/>
+              <a:buNone/>
+              <a:tabLst>
+                <a:tab pos="0" algn="l"/>
+                <a:tab pos="914400" algn="l"/>
+                <a:tab pos="1828800" algn="l"/>
+                <a:tab pos="2743200" algn="l"/>
+                <a:tab pos="3657600" algn="l"/>
+                <a:tab pos="4572000" algn="l"/>
+                <a:tab pos="5486400" algn="l"/>
+                <a:tab pos="6400800" algn="l"/>
+                <a:tab pos="7315200" algn="l"/>
+                <a:tab pos="8229600" algn="l"/>
+                <a:tab pos="9144000" algn="l"/>
+                <a:tab pos="10058400" algn="l"/>
+                <a:tab pos="10134600" algn="l"/>
+                <a:tab pos="10858500" algn="l"/>
+                <a:tab pos="11582400" algn="l"/>
+                <a:tab pos="12306300" algn="l"/>
+                <a:tab pos="13030200" algn="l"/>
+                <a:tab pos="13754100" algn="l"/>
+                <a:tab pos="14478000" algn="l"/>
+                <a:tab pos="15201900" algn="l"/>
+              </a:tabLst>
+            </a:pPr>
+            <a:r>
+              <a:rPr lang="en-US" dirty="0" err="1" smtClean="0"/>
+              <a:t>AuditQuery</a:t>
+            </a:r>
+            <a:r>
+              <a:rPr lang="en-US" dirty="0" smtClean="0"/>
+              <a:t> - 2</a:t>
+            </a:r>
+            <a:endParaRPr lang="en-US" dirty="0" smtClean="0"/>
+          </a:p>
+        </p:txBody>
+      </p:sp>
+      <p:sp>
+        <p:nvSpPr>
+          <p:cNvPr id="10244" name="Rectangle 3"/>
+          <p:cNvSpPr>
+            <a:spLocks noGrp="1" noChangeArrowheads="1"/>
+          </p:cNvSpPr>
+          <p:nvPr>
+            <p:ph type="body" idx="4294967295"/>
+          </p:nvPr>
+        </p:nvSpPr>
+        <p:spPr>
+          <a:xfrm>
+            <a:off x="812800" y="1860550"/>
+            <a:ext cx="15011400" cy="6551613"/>
+          </a:xfrm>
+        </p:spPr>
+        <p:txBody>
+          <a:bodyPr/>
+          <a:lstStyle/>
+          <a:p>
+            <a:pPr marL="533400" indent="-531813">
+              <a:buClrTx/>
+              <a:buFontTx/>
+              <a:buNone/>
+              <a:tabLst>
+                <a:tab pos="533400" algn="l"/>
+                <a:tab pos="912813" algn="l"/>
+                <a:tab pos="1827213" algn="l"/>
+                <a:tab pos="2741613" algn="l"/>
+                <a:tab pos="3656013" algn="l"/>
+                <a:tab pos="4570413" algn="l"/>
+                <a:tab pos="5484813" algn="l"/>
+                <a:tab pos="6399213" algn="l"/>
+                <a:tab pos="7313613" algn="l"/>
+                <a:tab pos="8228013" algn="l"/>
+                <a:tab pos="9142413" algn="l"/>
+                <a:tab pos="10056813" algn="l"/>
+                <a:tab pos="10134600" algn="l"/>
+                <a:tab pos="10858500" algn="l"/>
+                <a:tab pos="11582400" algn="l"/>
+                <a:tab pos="12306300" algn="l"/>
+                <a:tab pos="13030200" algn="l"/>
+                <a:tab pos="13754100" algn="l"/>
+                <a:tab pos="14478000" algn="l"/>
+              </a:tabLst>
+            </a:pPr>
+            <a:endParaRPr lang="en-US" dirty="0" smtClean="0"/>
+          </a:p>
+          <a:p>
+            <a:pPr marL="533400" indent="-531813">
+              <a:buClrTx/>
+              <a:buFontTx/>
+              <a:buNone/>
+              <a:tabLst>
+                <a:tab pos="533400" algn="l"/>
+                <a:tab pos="912813" algn="l"/>
+                <a:tab pos="1827213" algn="l"/>
+                <a:tab pos="2741613" algn="l"/>
+                <a:tab pos="3656013" algn="l"/>
+                <a:tab pos="4570413" algn="l"/>
+                <a:tab pos="5484813" algn="l"/>
+                <a:tab pos="6399213" algn="l"/>
+                <a:tab pos="7313613" algn="l"/>
+                <a:tab pos="8228013" algn="l"/>
+                <a:tab pos="9142413" algn="l"/>
+                <a:tab pos="10056813" algn="l"/>
+                <a:tab pos="10134600" algn="l"/>
+                <a:tab pos="10858500" algn="l"/>
+                <a:tab pos="11582400" algn="l"/>
+                <a:tab pos="12306300" algn="l"/>
+                <a:tab pos="13030200" algn="l"/>
+                <a:tab pos="13754100" algn="l"/>
+                <a:tab pos="14478000" algn="l"/>
+              </a:tabLst>
+            </a:pPr>
+            <a:r>
+              <a:rPr lang="en-US" dirty="0" err="1" smtClean="0"/>
+              <a:t>AuditQuery</a:t>
+            </a:r>
+            <a:r>
+              <a:rPr lang="en-US" dirty="0" smtClean="0"/>
+              <a:t> query2 = </a:t>
+            </a:r>
+            <a:r>
+              <a:rPr lang="en-US" dirty="0" err="1" smtClean="0"/>
+              <a:t>auditReader.createQuery</a:t>
+            </a:r>
+            <a:r>
+              <a:rPr lang="en-US" dirty="0" smtClean="0"/>
+              <a:t>()</a:t>
+            </a:r>
+          </a:p>
+          <a:p>
+            <a:pPr marL="533400" indent="-531813">
+              <a:buClrTx/>
+              <a:buFontTx/>
+              <a:buNone/>
+              <a:tabLst>
+                <a:tab pos="533400" algn="l"/>
+                <a:tab pos="912813" algn="l"/>
+                <a:tab pos="1827213" algn="l"/>
+                <a:tab pos="2741613" algn="l"/>
+                <a:tab pos="3656013" algn="l"/>
+                <a:tab pos="4570413" algn="l"/>
+                <a:tab pos="5484813" algn="l"/>
+                <a:tab pos="6399213" algn="l"/>
+                <a:tab pos="7313613" algn="l"/>
+                <a:tab pos="8228013" algn="l"/>
+                <a:tab pos="9142413" algn="l"/>
+                <a:tab pos="10056813" algn="l"/>
+                <a:tab pos="10134600" algn="l"/>
+                <a:tab pos="10858500" algn="l"/>
+                <a:tab pos="11582400" algn="l"/>
+                <a:tab pos="12306300" algn="l"/>
+                <a:tab pos="13030200" algn="l"/>
+                <a:tab pos="13754100" algn="l"/>
+                <a:tab pos="14478000" algn="l"/>
+              </a:tabLst>
+            </a:pPr>
+            <a:r>
+              <a:rPr lang="en-US" dirty="0"/>
+              <a:t>	</a:t>
+            </a:r>
+            <a:r>
+              <a:rPr lang="en-US" dirty="0" smtClean="0"/>
+              <a:t>	.</a:t>
+            </a:r>
+            <a:r>
+              <a:rPr lang="en-US" dirty="0" err="1" smtClean="0"/>
+              <a:t>forRevisionsOfEntity</a:t>
+            </a:r>
+            <a:r>
+              <a:rPr lang="en-US" dirty="0" smtClean="0"/>
+              <a:t>(</a:t>
+            </a:r>
+            <a:r>
+              <a:rPr lang="en-US" dirty="0" err="1">
+                <a:solidFill>
+                  <a:schemeClr val="tx1"/>
+                </a:solidFill>
+              </a:rPr>
+              <a:t>Person.</a:t>
+            </a:r>
+            <a:r>
+              <a:rPr lang="en-US" dirty="0" err="1">
+                <a:solidFill>
+                  <a:srgbClr val="C00000"/>
+                </a:solidFill>
+              </a:rPr>
+              <a:t>class</a:t>
+            </a:r>
+            <a:r>
+              <a:rPr lang="en-US" dirty="0" smtClean="0"/>
+              <a:t>, </a:t>
+            </a:r>
+            <a:r>
+              <a:rPr lang="en-US" dirty="0">
+                <a:solidFill>
+                  <a:srgbClr val="C00000"/>
+                </a:solidFill>
+              </a:rPr>
+              <a:t>false</a:t>
+            </a:r>
+            <a:r>
+              <a:rPr lang="en-US" dirty="0" smtClean="0"/>
+              <a:t>, </a:t>
+            </a:r>
+            <a:r>
+              <a:rPr lang="en-US" dirty="0">
+                <a:solidFill>
+                  <a:srgbClr val="C00000"/>
+                </a:solidFill>
+              </a:rPr>
+              <a:t>true</a:t>
+            </a:r>
+            <a:r>
+              <a:rPr lang="en-US" dirty="0" smtClean="0"/>
+              <a:t>);</a:t>
+            </a:r>
+          </a:p>
+          <a:p>
+            <a:pPr marL="533400" indent="-531813">
+              <a:buClrTx/>
+              <a:buFontTx/>
+              <a:buNone/>
+              <a:tabLst>
+                <a:tab pos="533400" algn="l"/>
+                <a:tab pos="912813" algn="l"/>
+                <a:tab pos="1827213" algn="l"/>
+                <a:tab pos="2741613" algn="l"/>
+                <a:tab pos="3656013" algn="l"/>
+                <a:tab pos="4570413" algn="l"/>
+                <a:tab pos="5484813" algn="l"/>
+                <a:tab pos="6399213" algn="l"/>
+                <a:tab pos="7313613" algn="l"/>
+                <a:tab pos="8228013" algn="l"/>
+                <a:tab pos="9142413" algn="l"/>
+                <a:tab pos="10056813" algn="l"/>
+                <a:tab pos="10134600" algn="l"/>
+                <a:tab pos="10858500" algn="l"/>
+                <a:tab pos="11582400" algn="l"/>
+                <a:tab pos="12306300" algn="l"/>
+                <a:tab pos="13030200" algn="l"/>
+                <a:tab pos="13754100" algn="l"/>
+                <a:tab pos="14478000" algn="l"/>
+              </a:tabLst>
+            </a:pPr>
+            <a:r>
+              <a:rPr lang="en-US" dirty="0" smtClean="0"/>
+              <a:t>List&lt;</a:t>
+            </a:r>
+            <a:r>
+              <a:rPr lang="en-US" b="1" dirty="0" smtClean="0"/>
+              <a:t>Object[]</a:t>
+            </a:r>
+            <a:r>
+              <a:rPr lang="en-US" dirty="0" smtClean="0"/>
+              <a:t>&gt; revisions = q</a:t>
+            </a:r>
+            <a:r>
+              <a:rPr lang="en-US" dirty="0" smtClean="0"/>
+              <a:t>uery2.getResultList();</a:t>
+            </a:r>
+          </a:p>
+          <a:p>
+            <a:pPr marL="533400" indent="-531813">
+              <a:buClrTx/>
+              <a:buFontTx/>
+              <a:buNone/>
+              <a:tabLst>
+                <a:tab pos="533400" algn="l"/>
+                <a:tab pos="912813" algn="l"/>
+                <a:tab pos="1827213" algn="l"/>
+                <a:tab pos="2741613" algn="l"/>
+                <a:tab pos="3656013" algn="l"/>
+                <a:tab pos="4570413" algn="l"/>
+                <a:tab pos="5484813" algn="l"/>
+                <a:tab pos="6399213" algn="l"/>
+                <a:tab pos="7313613" algn="l"/>
+                <a:tab pos="8228013" algn="l"/>
+                <a:tab pos="9142413" algn="l"/>
+                <a:tab pos="10056813" algn="l"/>
+                <a:tab pos="10134600" algn="l"/>
+                <a:tab pos="10858500" algn="l"/>
+                <a:tab pos="11582400" algn="l"/>
+                <a:tab pos="12306300" algn="l"/>
+                <a:tab pos="13030200" algn="l"/>
+                <a:tab pos="13754100" algn="l"/>
+                <a:tab pos="14478000" algn="l"/>
+              </a:tabLst>
+            </a:pPr>
+            <a:endParaRPr lang="en-US" dirty="0"/>
+          </a:p>
+          <a:p>
+            <a:pPr marL="533400" indent="-531813">
+              <a:buClrTx/>
+              <a:buFontTx/>
+              <a:buNone/>
+              <a:tabLst>
+                <a:tab pos="533400" algn="l"/>
+                <a:tab pos="912813" algn="l"/>
+                <a:tab pos="1827213" algn="l"/>
+                <a:tab pos="2741613" algn="l"/>
+                <a:tab pos="3656013" algn="l"/>
+                <a:tab pos="4570413" algn="l"/>
+                <a:tab pos="5484813" algn="l"/>
+                <a:tab pos="6399213" algn="l"/>
+                <a:tab pos="7313613" algn="l"/>
+                <a:tab pos="8228013" algn="l"/>
+                <a:tab pos="9142413" algn="l"/>
+                <a:tab pos="10056813" algn="l"/>
+                <a:tab pos="10134600" algn="l"/>
+                <a:tab pos="10858500" algn="l"/>
+                <a:tab pos="11582400" algn="l"/>
+                <a:tab pos="12306300" algn="l"/>
+                <a:tab pos="13030200" algn="l"/>
+                <a:tab pos="13754100" algn="l"/>
+                <a:tab pos="14478000" algn="l"/>
+              </a:tabLst>
+            </a:pPr>
+            <a:endParaRPr lang="en-US" dirty="0" smtClean="0"/>
+          </a:p>
+          <a:p>
+            <a:pPr marL="533400" indent="-531813">
+              <a:buClrTx/>
+              <a:buFontTx/>
+              <a:buNone/>
+              <a:tabLst>
+                <a:tab pos="533400" algn="l"/>
+                <a:tab pos="912813" algn="l"/>
+                <a:tab pos="1827213" algn="l"/>
+                <a:tab pos="2741613" algn="l"/>
+                <a:tab pos="3656013" algn="l"/>
+                <a:tab pos="4570413" algn="l"/>
+                <a:tab pos="5484813" algn="l"/>
+                <a:tab pos="6399213" algn="l"/>
+                <a:tab pos="7313613" algn="l"/>
+                <a:tab pos="8228013" algn="l"/>
+                <a:tab pos="9142413" algn="l"/>
+                <a:tab pos="10056813" algn="l"/>
+                <a:tab pos="10134600" algn="l"/>
+                <a:tab pos="10858500" algn="l"/>
+                <a:tab pos="11582400" algn="l"/>
+                <a:tab pos="12306300" algn="l"/>
+                <a:tab pos="13030200" algn="l"/>
+                <a:tab pos="13754100" algn="l"/>
+                <a:tab pos="14478000" algn="l"/>
+              </a:tabLst>
+            </a:pPr>
+            <a:endParaRPr lang="en-US" dirty="0" smtClean="0"/>
+          </a:p>
+          <a:p>
+            <a:pPr marL="533400" indent="-531813">
+              <a:buClrTx/>
+              <a:buFontTx/>
+              <a:buNone/>
+              <a:tabLst>
+                <a:tab pos="533400" algn="l"/>
+                <a:tab pos="912813" algn="l"/>
+                <a:tab pos="1827213" algn="l"/>
+                <a:tab pos="2741613" algn="l"/>
+                <a:tab pos="3656013" algn="l"/>
+                <a:tab pos="4570413" algn="l"/>
+                <a:tab pos="5484813" algn="l"/>
+                <a:tab pos="6399213" algn="l"/>
+                <a:tab pos="7313613" algn="l"/>
+                <a:tab pos="8228013" algn="l"/>
+                <a:tab pos="9142413" algn="l"/>
+                <a:tab pos="10056813" algn="l"/>
+                <a:tab pos="10134600" algn="l"/>
+                <a:tab pos="10858500" algn="l"/>
+                <a:tab pos="11582400" algn="l"/>
+                <a:tab pos="12306300" algn="l"/>
+                <a:tab pos="13030200" algn="l"/>
+                <a:tab pos="13754100" algn="l"/>
+                <a:tab pos="14478000" algn="l"/>
+              </a:tabLst>
+            </a:pPr>
+            <a:endParaRPr lang="en-US" dirty="0"/>
+          </a:p>
+          <a:p>
+            <a:pPr marL="533400" indent="-531813">
+              <a:buClrTx/>
+              <a:buFontTx/>
+              <a:buNone/>
+              <a:tabLst>
+                <a:tab pos="533400" algn="l"/>
+                <a:tab pos="912813" algn="l"/>
+                <a:tab pos="1827213" algn="l"/>
+                <a:tab pos="2741613" algn="l"/>
+                <a:tab pos="3656013" algn="l"/>
+                <a:tab pos="4570413" algn="l"/>
+                <a:tab pos="5484813" algn="l"/>
+                <a:tab pos="6399213" algn="l"/>
+                <a:tab pos="7313613" algn="l"/>
+                <a:tab pos="8228013" algn="l"/>
+                <a:tab pos="9142413" algn="l"/>
+                <a:tab pos="10056813" algn="l"/>
+                <a:tab pos="10134600" algn="l"/>
+                <a:tab pos="10858500" algn="l"/>
+                <a:tab pos="11582400" algn="l"/>
+                <a:tab pos="12306300" algn="l"/>
+                <a:tab pos="13030200" algn="l"/>
+                <a:tab pos="13754100" algn="l"/>
+                <a:tab pos="14478000" algn="l"/>
+              </a:tabLst>
+            </a:pPr>
+            <a:endParaRPr lang="en-US" dirty="0" smtClean="0"/>
+          </a:p>
+        </p:txBody>
+      </p:sp>
+      <p:graphicFrame>
+        <p:nvGraphicFramePr>
+          <p:cNvPr id="6" name="Tableau 5"/>
+          <p:cNvGraphicFramePr>
+            <a:graphicFrameLocks noGrp="1"/>
+          </p:cNvGraphicFramePr>
+          <p:nvPr>
+            <p:extLst>
+              <p:ext uri="{D42A27DB-BD31-4B8C-83A1-F6EECF244321}">
+                <p14:modId xmlns:p14="http://schemas.microsoft.com/office/powerpoint/2010/main" val="3948311558"/>
+              </p:ext>
+            </p:extLst>
+          </p:nvPr>
+        </p:nvGraphicFramePr>
+        <p:xfrm>
+          <a:off x="639962" y="4788024"/>
+          <a:ext cx="14689632" cy="2956560"/>
+        </p:xfrm>
+        <a:graphic>
+          <a:graphicData uri="http://schemas.openxmlformats.org/drawingml/2006/table">
+            <a:tbl>
+              <a:tblPr firstRow="1" bandRow="1">
+                <a:tableStyleId>{10A1B5D5-9B99-4C35-A422-299274C87663}</a:tableStyleId>
+              </a:tblPr>
+              <a:tblGrid>
+                <a:gridCol w="6048673"/>
+                <a:gridCol w="7200800"/>
+                <a:gridCol w="1440159"/>
+              </a:tblGrid>
+              <a:tr h="370840">
+                <a:tc>
+                  <a:txBody>
+                    <a:bodyPr/>
+                    <a:lstStyle/>
+                    <a:p>
+                      <a:r>
+                        <a:rPr lang="fr-FR" sz="2000" dirty="0" smtClean="0"/>
+                        <a:t>Person</a:t>
+                      </a:r>
+                      <a:endParaRPr lang="fr-FR" sz="2000" dirty="0"/>
+                    </a:p>
+                  </a:txBody>
+                  <a:tcPr/>
+                </a:tc>
+                <a:tc>
+                  <a:txBody>
+                    <a:bodyPr/>
+                    <a:lstStyle/>
+                    <a:p>
+                      <a:r>
+                        <a:rPr lang="fr-FR" sz="2000" dirty="0" err="1" smtClean="0"/>
+                        <a:t>EntityRevision</a:t>
+                      </a:r>
+                      <a:endParaRPr lang="fr-FR" sz="2000" dirty="0"/>
+                    </a:p>
+                  </a:txBody>
+                  <a:tcPr/>
+                </a:tc>
+                <a:tc>
+                  <a:txBody>
+                    <a:bodyPr/>
+                    <a:lstStyle/>
+                    <a:p>
+                      <a:r>
+                        <a:rPr lang="fr-FR" sz="2000" dirty="0" smtClean="0"/>
+                        <a:t>REVTYPE</a:t>
+                      </a:r>
+                      <a:endParaRPr lang="fr-FR" sz="2000" dirty="0"/>
+                    </a:p>
+                  </a:txBody>
+                  <a:tcPr/>
+                </a:tc>
+              </a:tr>
+              <a:tr h="370840">
+                <a:tc>
+                  <a:txBody>
+                    <a:bodyPr/>
+                    <a:lstStyle/>
+                    <a:p>
+                      <a:r>
+                        <a:rPr lang="en-US" dirty="0" smtClean="0"/>
+                        <a:t>{ id=10, name='</a:t>
+                      </a:r>
+                      <a:r>
+                        <a:rPr lang="en-US" dirty="0" err="1" smtClean="0"/>
+                        <a:t>Romain</a:t>
+                      </a:r>
+                      <a:r>
+                        <a:rPr lang="en-US" dirty="0" smtClean="0"/>
+                        <a:t>', surname='', comments='' } </a:t>
+                      </a:r>
+                      <a:endParaRPr lang="fr-FR" dirty="0"/>
+                    </a:p>
+                  </a:txBody>
+                  <a:tcPr/>
+                </a:tc>
+                <a:tc>
+                  <a:txBody>
+                    <a:bodyPr/>
+                    <a:lstStyle/>
+                    <a:p>
+                      <a:r>
+                        <a:rPr lang="en-US" dirty="0" smtClean="0"/>
+                        <a:t>{id=1, timestamp=1352936106653, username='</a:t>
+                      </a:r>
+                      <a:r>
+                        <a:rPr lang="en-US" dirty="0" err="1" smtClean="0"/>
+                        <a:t>Devoxx</a:t>
+                      </a:r>
+                      <a:r>
+                        <a:rPr lang="en-US" dirty="0" smtClean="0"/>
+                        <a:t>'} </a:t>
+                      </a:r>
+                      <a:endParaRPr lang="fr-FR" dirty="0"/>
+                    </a:p>
+                  </a:txBody>
+                  <a:tcPr/>
+                </a:tc>
+                <a:tc>
+                  <a:txBody>
+                    <a:bodyPr/>
+                    <a:lstStyle/>
+                    <a:p>
+                      <a:r>
+                        <a:rPr lang="fr-FR" dirty="0" smtClean="0"/>
+                        <a:t>ADD</a:t>
+                      </a:r>
+                      <a:endParaRPr lang="fr-FR" dirty="0"/>
+                    </a:p>
+                  </a:txBody>
+                  <a:tcPr/>
+                </a:tc>
+              </a:tr>
+              <a:tr h="370840">
+                <a:tc>
+                  <a:txBody>
+                    <a:bodyPr/>
+                    <a:lstStyle/>
+                    <a:p>
+                      <a:r>
+                        <a:rPr lang="en-US" dirty="0" smtClean="0"/>
+                        <a:t>{ id=11, name='Chuck', surname='Norris', comments='' }</a:t>
+                      </a:r>
+                      <a:endParaRPr lang="fr-FR" dirty="0"/>
+                    </a:p>
+                  </a:txBody>
+                  <a:tcPr/>
+                </a:tc>
+                <a:tc>
+                  <a:txBody>
+                    <a:bodyPr/>
+                    <a:lstStyle/>
+                    <a:p>
+                      <a:r>
+                        <a:rPr lang="en-US" dirty="0" smtClean="0"/>
+                        <a:t>{id=2, timestamp=1352936106669, username='</a:t>
+                      </a:r>
+                      <a:r>
+                        <a:rPr lang="en-US" dirty="0" err="1" smtClean="0"/>
+                        <a:t>Devoxx</a:t>
+                      </a:r>
+                      <a:r>
+                        <a:rPr lang="en-US" dirty="0" smtClean="0"/>
+                        <a:t>'} </a:t>
+                      </a:r>
+                      <a:endParaRPr lang="fr-FR" dirty="0"/>
+                    </a:p>
+                  </a:txBody>
+                  <a:tcPr/>
+                </a:tc>
+                <a:tc>
+                  <a:txBody>
+                    <a:bodyPr/>
+                    <a:lstStyle/>
+                    <a:p>
+                      <a:r>
+                        <a:rPr lang="fr-FR" dirty="0" smtClean="0"/>
+                        <a:t>ADD</a:t>
+                      </a:r>
+                      <a:endParaRPr lang="fr-FR" dirty="0"/>
+                    </a:p>
+                  </a:txBody>
+                  <a:tcPr/>
+                </a:tc>
+              </a:tr>
+              <a:tr h="370840">
+                <a:tc>
+                  <a:txBody>
+                    <a:bodyPr/>
+                    <a:lstStyle/>
+                    <a:p>
+                      <a:r>
+                        <a:rPr lang="en-US" dirty="0" smtClean="0"/>
+                        <a:t>{ id=10, name='</a:t>
+                      </a:r>
+                      <a:r>
+                        <a:rPr lang="en-US" dirty="0" err="1" smtClean="0"/>
+                        <a:t>Romain</a:t>
+                      </a:r>
+                      <a:r>
+                        <a:rPr lang="en-US" dirty="0" smtClean="0"/>
+                        <a:t>', surname='Linsolas', comments='' } </a:t>
+                      </a:r>
+                      <a:endParaRPr lang="fr-FR" dirty="0"/>
+                    </a:p>
+                  </a:txBody>
+                  <a:tcPr/>
+                </a:tc>
+                <a:tc>
+                  <a:txBody>
+                    <a:bodyPr/>
+                    <a:lstStyle/>
+                    <a:p>
+                      <a:r>
+                        <a:rPr lang="en-US" dirty="0" smtClean="0"/>
+                        <a:t>{id=3, timestamp=1352936106687, username='</a:t>
+                      </a:r>
+                      <a:r>
+                        <a:rPr lang="en-US" dirty="0" err="1" smtClean="0"/>
+                        <a:t>Devoxx</a:t>
+                      </a:r>
+                      <a:r>
+                        <a:rPr lang="en-US" dirty="0" smtClean="0"/>
+                        <a:t>'} </a:t>
+                      </a:r>
+                      <a:endParaRPr lang="fr-FR" dirty="0"/>
+                    </a:p>
+                  </a:txBody>
+                  <a:tcPr/>
+                </a:tc>
+                <a:tc>
+                  <a:txBody>
+                    <a:bodyPr/>
+                    <a:lstStyle/>
+                    <a:p>
+                      <a:r>
+                        <a:rPr lang="fr-FR" dirty="0" smtClean="0"/>
+                        <a:t>MOD</a:t>
+                      </a:r>
+                      <a:endParaRPr lang="fr-FR" dirty="0"/>
+                    </a:p>
+                  </a:txBody>
+                  <a:tcPr/>
+                </a:tc>
+              </a:tr>
+              <a:tr h="370840">
+                <a:tc>
+                  <a:txBody>
+                    <a:bodyPr/>
+                    <a:lstStyle/>
+                    <a:p>
+                      <a:r>
+                        <a:rPr lang="en-US" dirty="0" smtClean="0"/>
+                        <a:t>{ id=10, name='null', surname='', comments='' }</a:t>
+                      </a:r>
+                      <a:endParaRPr lang="fr-FR" dirty="0"/>
+                    </a:p>
+                  </a:txBody>
+                  <a:tcPr/>
+                </a:tc>
+                <a:tc>
+                  <a:txBody>
+                    <a:bodyPr/>
+                    <a:lstStyle/>
+                    <a:p>
+                      <a:r>
+                        <a:rPr lang="en-US" dirty="0" smtClean="0"/>
+                        <a:t>{id=4, timestamp=1352936106734, username='</a:t>
+                      </a:r>
+                      <a:r>
+                        <a:rPr lang="en-US" dirty="0" err="1" smtClean="0"/>
+                        <a:t>Devoxx</a:t>
+                      </a:r>
+                      <a:r>
+                        <a:rPr lang="en-US" dirty="0" smtClean="0"/>
+                        <a:t>'} </a:t>
+                      </a:r>
+                      <a:endParaRPr lang="fr-FR" dirty="0"/>
+                    </a:p>
+                  </a:txBody>
+                  <a:tcPr/>
+                </a:tc>
+                <a:tc>
+                  <a:txBody>
+                    <a:bodyPr/>
+                    <a:lstStyle/>
+                    <a:p>
+                      <a:r>
+                        <a:rPr lang="fr-FR" dirty="0" smtClean="0"/>
+                        <a:t>DEL</a:t>
+                      </a:r>
+                      <a:endParaRPr lang="fr-FR" dirty="0"/>
+                    </a:p>
+                  </a:txBody>
+                  <a:tcPr/>
+                </a:tc>
+              </a:tr>
+            </a:tbl>
+          </a:graphicData>
+        </a:graphic>
+      </p:graphicFrame>
+    </p:spTree>
+    <p:extLst>
+      <p:ext uri="{BB962C8B-B14F-4D97-AF65-F5344CB8AC3E}">
+        <p14:creationId xmlns:p14="http://schemas.microsoft.com/office/powerpoint/2010/main" val="3364592249"/>
+      </p:ext>
+    </p:extLst>
+  </p:cSld>
+  <p:clrMapOvr>
+    <a:masterClrMapping/>
+  </p:clrMapOvr>
+  <p:transition xmlns:p14="http://schemas.microsoft.com/office/powerpoint/2010/main" spd="slow">
+    <p:push dir="u"/>
+  </p:transition>
+  <p:timing>
+    <p:tnLst>
+      <p:par>
+        <p:cTn xmlns:p14="http://schemas.microsoft.com/office/powerpoint/2010/main" id="1" dur="indefinite" restart="never" nodeType="tmRoot">
+          <p:childTnLst>
+            <p:seq concurrent="1" nextAc="seek">
+              <p:cTn id="2" dur="indefinite" nodeType="mainSeq">
+                <p:childTnLst>
+                  <p:par>
+                    <p:cTn id="3" fill="hold">
+                      <p:stCondLst>
+                        <p:cond delay="indefinite"/>
+                      </p:stCondLst>
+                      <p:childTnLst>
+                        <p:par>
+                          <p:cTn id="4" fill="hold">
+                            <p:stCondLst>
+                              <p:cond delay="0"/>
+                            </p:stCondLst>
+                            <p:childTnLst>
+                              <p:par>
+                                <p:cTn id="5" presetID="10" presetClass="entr" presetSubtype="0" fill="hold" nodeType="clickEffect">
+                                  <p:stCondLst>
+                                    <p:cond delay="0"/>
+                                  </p:stCondLst>
+                                  <p:childTnLst>
+                                    <p:set>
+                                      <p:cBhvr>
+                                        <p:cTn id="6" dur="1" fill="hold">
+                                          <p:stCondLst>
+                                            <p:cond delay="0"/>
+                                          </p:stCondLst>
+                                        </p:cTn>
+                                        <p:tgtEl>
+                                          <p:spTgt spid="6"/>
+                                        </p:tgtEl>
+                                        <p:attrNameLst>
+                                          <p:attrName>style.visibility</p:attrName>
+                                        </p:attrNameLst>
+                                      </p:cBhvr>
+                                      <p:to>
+                                        <p:strVal val="visible"/>
+                                      </p:to>
+                                    </p:set>
+                                    <p:animEffect transition="in" filter="fade">
+                                      <p:cBhvr>
+                                        <p:cTn id="7" dur="500"/>
+                                        <p:tgtEl>
+                                          <p:spTgt spid="6"/>
+                                        </p:tgtEl>
+                                      </p:cBhvr>
+                                    </p:animEffect>
+                                  </p:childTnLst>
+                                </p:cTn>
+                              </p:par>
+                            </p:childTnLst>
+                          </p:cTn>
+                        </p:par>
+                      </p:childTnLst>
+                    </p:cTn>
+                  </p:par>
+                </p:childTnLst>
+              </p:cTn>
+              <p:prevCondLst>
+                <p:cond evt="onPrev" delay="0">
+                  <p:tgtEl>
+                    <p:sldTgt/>
+                  </p:tgtEl>
+                </p:cond>
+              </p:prevCondLst>
+              <p:nextCondLst>
+                <p:cond evt="onNext" delay="0">
+                  <p:tgtEl>
+                    <p:sldTgt/>
+                  </p:tgtEl>
+                </p:cond>
+              </p:nextCondLst>
+            </p:seq>
+          </p:childTnLst>
+        </p:cTn>
+      </p:par>
+    </p:tnLst>
+  </p:timing>
+</p:sld>
+</file>
+
+<file path=ppt/slides/slide18.xml><?xml version="1.0" encoding="utf-8"?>
+<p:sld xmlns:a="http://schemas.openxmlformats.org/drawingml/2006/main" xmlns:r="http://schemas.openxmlformats.org/officeDocument/2006/relationships" xmlns:p="http://schemas.openxmlformats.org/presentationml/2006/main">
+  <p:cSld>
+    <p:spTree>
+      <p:nvGrpSpPr>
+        <p:cNvPr id="1" name=""/>
+        <p:cNvGrpSpPr/>
+        <p:nvPr/>
+      </p:nvGrpSpPr>
+      <p:grpSpPr>
+        <a:xfrm>
+          <a:off x="0" y="0"/>
+          <a:ext cx="0" cy="0"/>
+          <a:chOff x="0" y="0"/>
+          <a:chExt cx="0" cy="0"/>
+        </a:xfrm>
+      </p:grpSpPr>
+      <p:sp>
+        <p:nvSpPr>
+          <p:cNvPr id="10242" name="Text Box 1"/>
+          <p:cNvSpPr txBox="1">
+            <a:spLocks noChangeArrowheads="1"/>
+          </p:cNvSpPr>
+          <p:nvPr/>
+        </p:nvSpPr>
+        <p:spPr bwMode="auto">
+          <a:xfrm>
+            <a:off x="15614650" y="8699500"/>
+            <a:ext cx="266700" cy="279400"/>
+          </a:xfrm>
+          <a:prstGeom prst="rect">
+            <a:avLst/>
+          </a:prstGeom>
+          <a:noFill/>
+          <a:ln w="9525">
+            <a:noFill/>
+            <a:round/>
+            <a:headEnd/>
+            <a:tailEnd/>
+          </a:ln>
+        </p:spPr>
+        <p:txBody>
+          <a:bodyPr wrap="none" lIns="90000" tIns="46800" rIns="90000" bIns="46800"/>
+          <a:lstStyle/>
+          <a:p>
+            <a:pPr algn="ctr">
+              <a:buSzPct val="100000"/>
+              <a:tabLst>
+                <a:tab pos="0" algn="l"/>
+                <a:tab pos="914400" algn="l"/>
+                <a:tab pos="1828800" algn="l"/>
+                <a:tab pos="2743200" algn="l"/>
+                <a:tab pos="3657600" algn="l"/>
+                <a:tab pos="4572000" algn="l"/>
+                <a:tab pos="5486400" algn="l"/>
+                <a:tab pos="6400800" algn="l"/>
+                <a:tab pos="7315200" algn="l"/>
+                <a:tab pos="8229600" algn="l"/>
+                <a:tab pos="9144000" algn="l"/>
+                <a:tab pos="10058400" algn="l"/>
+              </a:tabLst>
+            </a:pPr>
+            <a:fld id="{E014567F-7DD3-4926-A887-6CFCA16D00FD}" type="slidenum">
+              <a:rPr lang="en-US" sz="1200">
+                <a:solidFill>
+                  <a:srgbClr val="000000"/>
+                </a:solidFill>
+                <a:ea typeface="Gill Sans"/>
+                <a:cs typeface="Gill Sans"/>
+              </a:rPr>
+              <a:pPr algn="ctr">
+                <a:buSzPct val="100000"/>
+                <a:tabLst>
+                  <a:tab pos="0" algn="l"/>
+                  <a:tab pos="914400" algn="l"/>
+                  <a:tab pos="1828800" algn="l"/>
+                  <a:tab pos="2743200" algn="l"/>
+                  <a:tab pos="3657600" algn="l"/>
+                  <a:tab pos="4572000" algn="l"/>
+                  <a:tab pos="5486400" algn="l"/>
+                  <a:tab pos="6400800" algn="l"/>
+                  <a:tab pos="7315200" algn="l"/>
+                  <a:tab pos="8229600" algn="l"/>
+                  <a:tab pos="9144000" algn="l"/>
+                  <a:tab pos="10058400" algn="l"/>
+                </a:tabLst>
+              </a:pPr>
+              <a:t>18</a:t>
+            </a:fld>
+            <a:endParaRPr lang="en-US" sz="1200">
+              <a:solidFill>
+                <a:srgbClr val="000000"/>
+              </a:solidFill>
+              <a:ea typeface="Gill Sans"/>
+              <a:cs typeface="Gill Sans"/>
+            </a:endParaRPr>
+          </a:p>
+        </p:txBody>
+      </p:sp>
+      <p:sp>
+        <p:nvSpPr>
+          <p:cNvPr id="10243" name="Rectangle 2"/>
+          <p:cNvSpPr>
+            <a:spLocks noGrp="1" noChangeArrowheads="1"/>
+          </p:cNvSpPr>
+          <p:nvPr>
+            <p:ph type="title" idx="4294967295"/>
+          </p:nvPr>
+        </p:nvSpPr>
+        <p:spPr>
+          <a:xfrm>
+            <a:off x="292100" y="76200"/>
+            <a:ext cx="15659100" cy="1498600"/>
+          </a:xfrm>
+        </p:spPr>
+        <p:txBody>
+          <a:bodyPr/>
+          <a:lstStyle/>
+          <a:p>
+            <a:pPr eaLnBrk="1" hangingPunct="1">
+              <a:buClrTx/>
+              <a:buFontTx/>
+              <a:buNone/>
+              <a:tabLst>
+                <a:tab pos="0" algn="l"/>
+                <a:tab pos="914400" algn="l"/>
+                <a:tab pos="1828800" algn="l"/>
+                <a:tab pos="2743200" algn="l"/>
+                <a:tab pos="3657600" algn="l"/>
+                <a:tab pos="4572000" algn="l"/>
+                <a:tab pos="5486400" algn="l"/>
+                <a:tab pos="6400800" algn="l"/>
+                <a:tab pos="7315200" algn="l"/>
+                <a:tab pos="8229600" algn="l"/>
+                <a:tab pos="9144000" algn="l"/>
+                <a:tab pos="10058400" algn="l"/>
+                <a:tab pos="10134600" algn="l"/>
+                <a:tab pos="10858500" algn="l"/>
+                <a:tab pos="11582400" algn="l"/>
+                <a:tab pos="12306300" algn="l"/>
+                <a:tab pos="13030200" algn="l"/>
+                <a:tab pos="13754100" algn="l"/>
+                <a:tab pos="14478000" algn="l"/>
+                <a:tab pos="15201900" algn="l"/>
+              </a:tabLst>
+            </a:pPr>
+            <a:r>
+              <a:rPr lang="en-US" dirty="0" err="1" smtClean="0"/>
+              <a:t>AuditQuery</a:t>
+            </a:r>
+            <a:r>
+              <a:rPr lang="en-US" dirty="0" smtClean="0"/>
+              <a:t> - 3</a:t>
+            </a:r>
+            <a:endParaRPr lang="en-US" dirty="0" smtClean="0"/>
+          </a:p>
+        </p:txBody>
+      </p:sp>
+      <p:sp>
+        <p:nvSpPr>
+          <p:cNvPr id="10244" name="Rectangle 3"/>
+          <p:cNvSpPr>
+            <a:spLocks noGrp="1" noChangeArrowheads="1"/>
+          </p:cNvSpPr>
+          <p:nvPr>
+            <p:ph type="body" idx="4294967295"/>
+          </p:nvPr>
+        </p:nvSpPr>
+        <p:spPr>
+          <a:xfrm>
+            <a:off x="812800" y="1860550"/>
+            <a:ext cx="15011400" cy="6551613"/>
+          </a:xfrm>
+        </p:spPr>
+        <p:txBody>
+          <a:bodyPr/>
+          <a:lstStyle/>
+          <a:p>
+            <a:pPr marL="533400" indent="-531813">
+              <a:buClrTx/>
+              <a:buFontTx/>
+              <a:buNone/>
+              <a:tabLst>
+                <a:tab pos="533400" algn="l"/>
+                <a:tab pos="912813" algn="l"/>
+                <a:tab pos="1827213" algn="l"/>
+                <a:tab pos="2741613" algn="l"/>
+                <a:tab pos="3656013" algn="l"/>
+                <a:tab pos="4570413" algn="l"/>
+                <a:tab pos="5484813" algn="l"/>
+                <a:tab pos="6399213" algn="l"/>
+                <a:tab pos="7313613" algn="l"/>
+                <a:tab pos="8228013" algn="l"/>
+                <a:tab pos="9142413" algn="l"/>
+                <a:tab pos="10056813" algn="l"/>
+                <a:tab pos="10134600" algn="l"/>
+                <a:tab pos="10858500" algn="l"/>
+                <a:tab pos="11582400" algn="l"/>
+                <a:tab pos="12306300" algn="l"/>
+                <a:tab pos="13030200" algn="l"/>
+                <a:tab pos="13754100" algn="l"/>
+                <a:tab pos="14478000" algn="l"/>
+              </a:tabLst>
+            </a:pPr>
+            <a:endParaRPr lang="en-US" dirty="0" smtClean="0">
+              <a:solidFill>
+                <a:schemeClr val="bg2"/>
+              </a:solidFill>
+            </a:endParaRPr>
+          </a:p>
+          <a:p>
+            <a:pPr marL="533400" indent="-531813">
+              <a:buClrTx/>
+              <a:buFontTx/>
+              <a:buNone/>
+              <a:tabLst>
+                <a:tab pos="533400" algn="l"/>
+                <a:tab pos="912813" algn="l"/>
+                <a:tab pos="1827213" algn="l"/>
+                <a:tab pos="2741613" algn="l"/>
+                <a:tab pos="3656013" algn="l"/>
+                <a:tab pos="4570413" algn="l"/>
+                <a:tab pos="5484813" algn="l"/>
+                <a:tab pos="6399213" algn="l"/>
+                <a:tab pos="7313613" algn="l"/>
+                <a:tab pos="8228013" algn="l"/>
+                <a:tab pos="9142413" algn="l"/>
+                <a:tab pos="10056813" algn="l"/>
+                <a:tab pos="10134600" algn="l"/>
+                <a:tab pos="10858500" algn="l"/>
+                <a:tab pos="11582400" algn="l"/>
+                <a:tab pos="12306300" algn="l"/>
+                <a:tab pos="13030200" algn="l"/>
+                <a:tab pos="13754100" algn="l"/>
+                <a:tab pos="14478000" algn="l"/>
+              </a:tabLst>
+            </a:pPr>
+            <a:endParaRPr lang="en-US" dirty="0" smtClean="0"/>
+          </a:p>
+          <a:p>
+            <a:pPr marL="533400" indent="-531813">
+              <a:buClrTx/>
+              <a:buFontTx/>
+              <a:buNone/>
+              <a:tabLst>
+                <a:tab pos="533400" algn="l"/>
+                <a:tab pos="912813" algn="l"/>
+                <a:tab pos="1827213" algn="l"/>
+                <a:tab pos="2741613" algn="l"/>
+                <a:tab pos="3656013" algn="l"/>
+                <a:tab pos="4570413" algn="l"/>
+                <a:tab pos="5484813" algn="l"/>
+                <a:tab pos="6399213" algn="l"/>
+                <a:tab pos="7313613" algn="l"/>
+                <a:tab pos="8228013" algn="l"/>
+                <a:tab pos="9142413" algn="l"/>
+                <a:tab pos="10056813" algn="l"/>
+                <a:tab pos="10134600" algn="l"/>
+                <a:tab pos="10858500" algn="l"/>
+                <a:tab pos="11582400" algn="l"/>
+                <a:tab pos="12306300" algn="l"/>
+                <a:tab pos="13030200" algn="l"/>
+                <a:tab pos="13754100" algn="l"/>
+                <a:tab pos="14478000" algn="l"/>
+              </a:tabLst>
+            </a:pPr>
+            <a:r>
+              <a:rPr lang="en-US" dirty="0" smtClean="0"/>
+              <a:t>List&lt;Person&gt; persons = </a:t>
+            </a:r>
+            <a:r>
+              <a:rPr lang="en-US" dirty="0" err="1" smtClean="0"/>
+              <a:t>auditReader.createQuery</a:t>
+            </a:r>
+            <a:r>
+              <a:rPr lang="en-US" dirty="0" smtClean="0"/>
+              <a:t>(</a:t>
+            </a:r>
+            <a:r>
+              <a:rPr lang="en-US" dirty="0" smtClean="0"/>
+              <a:t>)</a:t>
+            </a:r>
+            <a:endParaRPr lang="en-US" dirty="0" smtClean="0"/>
+          </a:p>
+          <a:p>
+            <a:pPr marL="533400" indent="-531813">
+              <a:buClrTx/>
+              <a:buFontTx/>
+              <a:buNone/>
+              <a:tabLst>
+                <a:tab pos="533400" algn="l"/>
+                <a:tab pos="912813" algn="l"/>
+                <a:tab pos="1827213" algn="l"/>
+                <a:tab pos="2741613" algn="l"/>
+                <a:tab pos="3656013" algn="l"/>
+                <a:tab pos="4570413" algn="l"/>
+                <a:tab pos="5484813" algn="l"/>
+                <a:tab pos="6399213" algn="l"/>
+                <a:tab pos="7313613" algn="l"/>
+                <a:tab pos="8228013" algn="l"/>
+                <a:tab pos="9142413" algn="l"/>
+                <a:tab pos="10056813" algn="l"/>
+                <a:tab pos="10134600" algn="l"/>
+                <a:tab pos="10858500" algn="l"/>
+                <a:tab pos="11582400" algn="l"/>
+                <a:tab pos="12306300" algn="l"/>
+                <a:tab pos="13030200" algn="l"/>
+                <a:tab pos="13754100" algn="l"/>
+                <a:tab pos="14478000" algn="l"/>
+              </a:tabLst>
+            </a:pPr>
+            <a:r>
+              <a:rPr lang="en-US" dirty="0" smtClean="0"/>
+              <a:t>		</a:t>
+            </a:r>
+            <a:r>
+              <a:rPr lang="en-US" dirty="0" smtClean="0"/>
+              <a:t>	.</a:t>
+            </a:r>
+            <a:r>
+              <a:rPr lang="en-US" dirty="0" err="1" smtClean="0"/>
+              <a:t>forEntitiesAtRevision</a:t>
+            </a:r>
+            <a:r>
+              <a:rPr lang="en-US" dirty="0" smtClean="0"/>
+              <a:t>(</a:t>
+            </a:r>
+            <a:r>
+              <a:rPr lang="en-US" dirty="0" err="1" smtClean="0"/>
+              <a:t>Person.</a:t>
+            </a:r>
+            <a:r>
+              <a:rPr lang="en-US" dirty="0" err="1">
+                <a:solidFill>
+                  <a:srgbClr val="C00000"/>
+                </a:solidFill>
+              </a:rPr>
+              <a:t>class</a:t>
+            </a:r>
+            <a:r>
+              <a:rPr lang="en-US" dirty="0" smtClean="0"/>
+              <a:t>, 42</a:t>
+            </a:r>
+            <a:r>
+              <a:rPr lang="en-US" dirty="0" smtClean="0"/>
+              <a:t>)</a:t>
+            </a:r>
+            <a:endParaRPr lang="en-US" dirty="0" smtClean="0"/>
+          </a:p>
+          <a:p>
+            <a:pPr marL="533400" indent="-531813">
+              <a:buClrTx/>
+              <a:buFontTx/>
+              <a:buNone/>
+              <a:tabLst>
+                <a:tab pos="533400" algn="l"/>
+                <a:tab pos="912813" algn="l"/>
+                <a:tab pos="1827213" algn="l"/>
+                <a:tab pos="2741613" algn="l"/>
+                <a:tab pos="3656013" algn="l"/>
+                <a:tab pos="4570413" algn="l"/>
+                <a:tab pos="5484813" algn="l"/>
+                <a:tab pos="6399213" algn="l"/>
+                <a:tab pos="7313613" algn="l"/>
+                <a:tab pos="8228013" algn="l"/>
+                <a:tab pos="9142413" algn="l"/>
+                <a:tab pos="10056813" algn="l"/>
+                <a:tab pos="10134600" algn="l"/>
+                <a:tab pos="10858500" algn="l"/>
+                <a:tab pos="11582400" algn="l"/>
+                <a:tab pos="12306300" algn="l"/>
+                <a:tab pos="13030200" algn="l"/>
+                <a:tab pos="13754100" algn="l"/>
+                <a:tab pos="14478000" algn="l"/>
+              </a:tabLst>
+            </a:pPr>
+            <a:r>
+              <a:rPr lang="en-US" dirty="0" smtClean="0"/>
+              <a:t>		</a:t>
+            </a:r>
+            <a:r>
+              <a:rPr lang="en-US" dirty="0" smtClean="0"/>
+              <a:t>	.</a:t>
+            </a:r>
+            <a:r>
+              <a:rPr lang="en-US" dirty="0" err="1" smtClean="0"/>
+              <a:t>addOrder</a:t>
+            </a:r>
+            <a:r>
+              <a:rPr lang="en-US" dirty="0" smtClean="0"/>
+              <a:t>(</a:t>
+            </a:r>
+            <a:r>
+              <a:rPr lang="en-US" dirty="0" err="1" smtClean="0"/>
+              <a:t>AuditEntity.property</a:t>
+            </a:r>
+            <a:r>
+              <a:rPr lang="en-US" dirty="0" smtClean="0"/>
+              <a:t>(</a:t>
+            </a:r>
+            <a:r>
+              <a:rPr lang="en-US" dirty="0" smtClean="0">
+                <a:solidFill>
+                  <a:srgbClr val="00B050"/>
+                </a:solidFill>
+              </a:rPr>
+              <a:t>“surname”</a:t>
+            </a:r>
+            <a:r>
+              <a:rPr lang="en-US" dirty="0" smtClean="0"/>
+              <a:t>).</a:t>
+            </a:r>
+            <a:r>
+              <a:rPr lang="en-US" dirty="0" err="1" smtClean="0"/>
+              <a:t>desc</a:t>
+            </a:r>
+            <a:r>
+              <a:rPr lang="en-US" dirty="0" smtClean="0"/>
+              <a:t>()</a:t>
+            </a:r>
+            <a:r>
+              <a:rPr lang="en-US" dirty="0" smtClean="0"/>
+              <a:t>)</a:t>
+            </a:r>
+            <a:endParaRPr lang="en-US" dirty="0" smtClean="0"/>
+          </a:p>
+          <a:p>
+            <a:pPr marL="533400" indent="-531813">
+              <a:buClrTx/>
+              <a:buFontTx/>
+              <a:buNone/>
+              <a:tabLst>
+                <a:tab pos="533400" algn="l"/>
+                <a:tab pos="912813" algn="l"/>
+                <a:tab pos="1827213" algn="l"/>
+                <a:tab pos="2741613" algn="l"/>
+                <a:tab pos="3656013" algn="l"/>
+                <a:tab pos="4570413" algn="l"/>
+                <a:tab pos="5484813" algn="l"/>
+                <a:tab pos="6399213" algn="l"/>
+                <a:tab pos="7313613" algn="l"/>
+                <a:tab pos="8228013" algn="l"/>
+                <a:tab pos="9142413" algn="l"/>
+                <a:tab pos="10056813" algn="l"/>
+                <a:tab pos="10134600" algn="l"/>
+                <a:tab pos="10858500" algn="l"/>
+                <a:tab pos="11582400" algn="l"/>
+                <a:tab pos="12306300" algn="l"/>
+                <a:tab pos="13030200" algn="l"/>
+                <a:tab pos="13754100" algn="l"/>
+                <a:tab pos="14478000" algn="l"/>
+              </a:tabLst>
+            </a:pPr>
+            <a:r>
+              <a:rPr lang="en-US" dirty="0" smtClean="0"/>
+              <a:t>		</a:t>
+            </a:r>
+            <a:r>
+              <a:rPr lang="en-US" dirty="0" smtClean="0"/>
+              <a:t>	.</a:t>
+            </a:r>
+            <a:r>
+              <a:rPr lang="en-US" dirty="0" smtClean="0"/>
+              <a:t>add(</a:t>
+            </a:r>
+            <a:r>
+              <a:rPr lang="en-US" dirty="0" err="1" smtClean="0"/>
+              <a:t>AuditEntity.relatedId</a:t>
+            </a:r>
+            <a:r>
+              <a:rPr lang="en-US" dirty="0" smtClean="0"/>
+              <a:t>(</a:t>
+            </a:r>
+            <a:r>
+              <a:rPr lang="en-US" dirty="0" smtClean="0">
+                <a:solidFill>
+                  <a:srgbClr val="00B050"/>
+                </a:solidFill>
+              </a:rPr>
+              <a:t>“address”</a:t>
+            </a:r>
+            <a:r>
+              <a:rPr lang="en-US" dirty="0" smtClean="0"/>
+              <a:t>).</a:t>
+            </a:r>
+            <a:r>
+              <a:rPr lang="en-US" dirty="0" err="1" smtClean="0"/>
+              <a:t>eq</a:t>
+            </a:r>
+            <a:r>
+              <a:rPr lang="en-US" dirty="0" smtClean="0"/>
+              <a:t>(</a:t>
+            </a:r>
+            <a:r>
+              <a:rPr lang="en-US" dirty="0" err="1" smtClean="0"/>
+              <a:t>theAddressId</a:t>
+            </a:r>
+            <a:r>
+              <a:rPr lang="en-US" dirty="0" smtClean="0"/>
+              <a:t>)</a:t>
+            </a:r>
+            <a:r>
+              <a:rPr lang="en-US" dirty="0" smtClean="0"/>
+              <a:t>)</a:t>
+            </a:r>
+            <a:endParaRPr lang="en-US" dirty="0" smtClean="0"/>
+          </a:p>
+          <a:p>
+            <a:pPr marL="533400" indent="-531813">
+              <a:buClrTx/>
+              <a:buFontTx/>
+              <a:buNone/>
+              <a:tabLst>
+                <a:tab pos="533400" algn="l"/>
+                <a:tab pos="912813" algn="l"/>
+                <a:tab pos="1827213" algn="l"/>
+                <a:tab pos="2741613" algn="l"/>
+                <a:tab pos="3656013" algn="l"/>
+                <a:tab pos="4570413" algn="l"/>
+                <a:tab pos="5484813" algn="l"/>
+                <a:tab pos="6399213" algn="l"/>
+                <a:tab pos="7313613" algn="l"/>
+                <a:tab pos="8228013" algn="l"/>
+                <a:tab pos="9142413" algn="l"/>
+                <a:tab pos="10056813" algn="l"/>
+                <a:tab pos="10134600" algn="l"/>
+                <a:tab pos="10858500" algn="l"/>
+                <a:tab pos="11582400" algn="l"/>
+                <a:tab pos="12306300" algn="l"/>
+                <a:tab pos="13030200" algn="l"/>
+                <a:tab pos="13754100" algn="l"/>
+                <a:tab pos="14478000" algn="l"/>
+              </a:tabLst>
+            </a:pPr>
+            <a:r>
+              <a:rPr lang="en-US" dirty="0" smtClean="0"/>
+              <a:t>		</a:t>
+            </a:r>
+            <a:r>
+              <a:rPr lang="en-US" dirty="0" smtClean="0"/>
+              <a:t>	.</a:t>
+            </a:r>
+            <a:r>
+              <a:rPr lang="en-US" dirty="0" err="1" smtClean="0"/>
+              <a:t>setFirstResult</a:t>
+            </a:r>
+            <a:r>
+              <a:rPr lang="en-US" dirty="0" smtClean="0"/>
+              <a:t>(4</a:t>
+            </a:r>
+            <a:r>
+              <a:rPr lang="en-US" dirty="0" smtClean="0"/>
+              <a:t>)</a:t>
+            </a:r>
+            <a:endParaRPr lang="en-US" dirty="0" smtClean="0"/>
+          </a:p>
+          <a:p>
+            <a:pPr marL="533400" indent="-531813">
+              <a:buClrTx/>
+              <a:buFontTx/>
+              <a:buNone/>
+              <a:tabLst>
+                <a:tab pos="533400" algn="l"/>
+                <a:tab pos="912813" algn="l"/>
+                <a:tab pos="1827213" algn="l"/>
+                <a:tab pos="2741613" algn="l"/>
+                <a:tab pos="3656013" algn="l"/>
+                <a:tab pos="4570413" algn="l"/>
+                <a:tab pos="5484813" algn="l"/>
+                <a:tab pos="6399213" algn="l"/>
+                <a:tab pos="7313613" algn="l"/>
+                <a:tab pos="8228013" algn="l"/>
+                <a:tab pos="9142413" algn="l"/>
+                <a:tab pos="10056813" algn="l"/>
+                <a:tab pos="10134600" algn="l"/>
+                <a:tab pos="10858500" algn="l"/>
+                <a:tab pos="11582400" algn="l"/>
+                <a:tab pos="12306300" algn="l"/>
+                <a:tab pos="13030200" algn="l"/>
+                <a:tab pos="13754100" algn="l"/>
+                <a:tab pos="14478000" algn="l"/>
+              </a:tabLst>
+            </a:pPr>
+            <a:r>
+              <a:rPr lang="en-US" dirty="0" smtClean="0"/>
+              <a:t>		</a:t>
+            </a:r>
+            <a:r>
+              <a:rPr lang="en-US" dirty="0" smtClean="0"/>
+              <a:t>	.</a:t>
+            </a:r>
+            <a:r>
+              <a:rPr lang="en-US" dirty="0" err="1" smtClean="0"/>
+              <a:t>setMaxResults</a:t>
+            </a:r>
+            <a:r>
+              <a:rPr lang="en-US" dirty="0" smtClean="0"/>
+              <a:t>(2)</a:t>
+            </a:r>
+          </a:p>
+          <a:p>
+            <a:pPr marL="533400" indent="-531813">
+              <a:buClrTx/>
+              <a:buFontTx/>
+              <a:buNone/>
+              <a:tabLst>
+                <a:tab pos="533400" algn="l"/>
+                <a:tab pos="912813" algn="l"/>
+                <a:tab pos="1827213" algn="l"/>
+                <a:tab pos="2741613" algn="l"/>
+                <a:tab pos="3656013" algn="l"/>
+                <a:tab pos="4570413" algn="l"/>
+                <a:tab pos="5484813" algn="l"/>
+                <a:tab pos="6399213" algn="l"/>
+                <a:tab pos="7313613" algn="l"/>
+                <a:tab pos="8228013" algn="l"/>
+                <a:tab pos="9142413" algn="l"/>
+                <a:tab pos="10056813" algn="l"/>
+                <a:tab pos="10134600" algn="l"/>
+                <a:tab pos="10858500" algn="l"/>
+                <a:tab pos="11582400" algn="l"/>
+                <a:tab pos="12306300" algn="l"/>
+                <a:tab pos="13030200" algn="l"/>
+                <a:tab pos="13754100" algn="l"/>
+                <a:tab pos="14478000" algn="l"/>
+              </a:tabLst>
+            </a:pPr>
+            <a:r>
+              <a:rPr lang="en-US" dirty="0" smtClean="0"/>
+              <a:t>		</a:t>
+            </a:r>
+            <a:r>
+              <a:rPr lang="en-US" dirty="0" smtClean="0"/>
+              <a:t>	.</a:t>
+            </a:r>
+            <a:r>
+              <a:rPr lang="en-US" dirty="0" err="1" smtClean="0"/>
+              <a:t>getResultList</a:t>
+            </a:r>
+            <a:r>
+              <a:rPr lang="en-US" dirty="0" smtClean="0"/>
+              <a:t>();</a:t>
+            </a:r>
+          </a:p>
+        </p:txBody>
+      </p:sp>
+    </p:spTree>
+    <p:extLst>
+      <p:ext uri="{BB962C8B-B14F-4D97-AF65-F5344CB8AC3E}">
+        <p14:creationId xmlns:p14="http://schemas.microsoft.com/office/powerpoint/2010/main" val="4217965040"/>
+      </p:ext>
+    </p:extLst>
+  </p:cSld>
+  <p:clrMapOvr>
+    <a:masterClrMapping/>
+  </p:clrMapOvr>
+  <p:transition xmlns:p14="http://schemas.microsoft.com/office/powerpoint/2010/main" spd="slow">
+    <p:push dir="u"/>
+  </p:transition>
+  <p:timing>
+    <p:tnLst>
+      <p:par>
+        <p:cTn xmlns:p14="http://schemas.microsoft.com/office/powerpoint/2010/main" id="1" dur="indefinite" restart="never" nodeType="tmRoot">
+          <p:childTnLst>
+            <p:seq concurrent="1" nextAc="seek">
+              <p:cTn id="2" dur="0" nodeType="mainSeq"/>
+              <p:prevCondLst>
+                <p:cond evt="onPrev" delay="0">
+                  <p:tgtEl>
+                    <p:sldTgt/>
+                  </p:tgtEl>
+                </p:cond>
+              </p:prevCondLst>
+              <p:nextCondLst>
+                <p:cond evt="onNext" delay="0">
+                  <p:tgtEl>
+                    <p:sldTgt/>
+                  </p:tgtEl>
+                </p:cond>
+              </p:nextCondLst>
+            </p:seq>
+          </p:childTnLst>
+        </p:cTn>
+      </p:par>
+    </p:tnLst>
+  </p:timing>
+</p:sld>
+</file>
+
+<file path=ppt/slides/slide19.xml><?xml version="1.0" encoding="utf-8"?>
+<p:sld xmlns:a="http://schemas.openxmlformats.org/drawingml/2006/main" xmlns:r="http://schemas.openxmlformats.org/officeDocument/2006/relationships" xmlns:p="http://schemas.openxmlformats.org/presentationml/2006/main">
+  <p:cSld>
+    <p:spTree>
+      <p:nvGrpSpPr>
+        <p:cNvPr id="1" name=""/>
+        <p:cNvGrpSpPr/>
+        <p:nvPr/>
+      </p:nvGrpSpPr>
+      <p:grpSpPr>
+        <a:xfrm>
+          <a:off x="0" y="0"/>
+          <a:ext cx="0" cy="0"/>
+          <a:chOff x="0" y="0"/>
+          <a:chExt cx="0" cy="0"/>
+        </a:xfrm>
+      </p:grpSpPr>
+      <p:sp>
+        <p:nvSpPr>
           <p:cNvPr id="2" name="Title 1"/>
           <p:cNvSpPr>
             <a:spLocks noGrp="1"/>
@@ -12340,7 +14512,11 @@
             </a:r>
             <a:r>
               <a:rPr lang="en-US" dirty="0" smtClean="0"/>
-              <a:t> (2)</a:t>
+              <a:t> </a:t>
+            </a:r>
+            <a:r>
+              <a:rPr lang="en-US" dirty="0" smtClean="0"/>
+              <a:t>- 4</a:t>
             </a:r>
             <a:endParaRPr lang="en-US" dirty="0"/>
           </a:p>
@@ -12361,20 +14537,31 @@
           <a:bodyPr/>
           <a:lstStyle/>
           <a:p>
-            <a:endParaRPr lang="en-US" smtClean="0"/>
-          </a:p>
-          <a:p>
-            <a:r>
-              <a:rPr lang="en-US" smtClean="0"/>
+            <a:endParaRPr lang="en-US" dirty="0" smtClean="0"/>
+          </a:p>
+          <a:p>
+            <a:endParaRPr lang="en-US" dirty="0" smtClean="0"/>
+          </a:p>
+          <a:p>
+            <a:r>
+              <a:rPr lang="en-US" dirty="0" err="1" smtClean="0"/>
               <a:t>AuditQuery</a:t>
             </a:r>
             <a:r>
               <a:rPr lang="en-US" dirty="0" smtClean="0"/>
-              <a:t> query = </a:t>
+              <a:t> </a:t>
+            </a:r>
+            <a:r>
+              <a:rPr lang="en-US" dirty="0" smtClean="0"/>
+              <a:t>query = </a:t>
+            </a:r>
+            <a:r>
+              <a:rPr lang="en-US" dirty="0" err="1"/>
+              <a:t>a</a:t>
             </a:r>
             <a:r>
               <a:rPr lang="en-US" dirty="0" err="1" smtClean="0"/>
-              <a:t>getAuditReader</a:t>
+              <a:t>uditReader</a:t>
             </a:r>
             <a:r>
               <a:rPr lang="en-US" dirty="0" smtClean="0"/>
@@ -12404,20 +14591,25 @@
             </a:r>
             <a:r>
               <a:rPr lang="en-US" dirty="0" err="1" smtClean="0"/>
-              <a:t>MyEntity.class</a:t>
+              <a:t>Person.</a:t>
+            </a:r>
+            <a:r>
+              <a:rPr lang="en-US" dirty="0" err="1">
+                <a:solidFill>
+                  <a:srgbClr val="C00000"/>
+                </a:solidFill>
+              </a:rPr>
+              <a:t>class</a:t>
             </a:r>
             <a:r>
               <a:rPr lang="en-US" dirty="0" smtClean="0"/>
               <a:t>, </a:t>
             </a:r>
             <a:r>
-              <a:rPr lang="en-US" dirty="0" err="1" smtClean="0"/>
-              <a:t>revisionNumber</a:t>
-            </a:r>
-            <a:r>
               <a:rPr lang="en-US" dirty="0" smtClean="0"/>
-              <a:t>)</a:t>
-            </a:r>
+              <a:t>42)</a:t>
+            </a:r>
+            <a:endParaRPr lang="en-US" dirty="0" smtClean="0"/>
           </a:p>
           <a:p>
             <a:r>
@@ -12430,10 +14622,22 @@
             </a:r>
             <a:r>
               <a:rPr lang="en-US" dirty="0" smtClean="0"/>
-              <a:t>("prop1").</a:t>
-            </a:r>
-            <a:r>
-              <a:rPr lang="en-US" dirty="0" err="1" smtClean="0"/>
+              <a:t>(</a:t>
+            </a:r>
+            <a:r>
+              <a:rPr lang="en-US" dirty="0" smtClean="0">
+                <a:solidFill>
+                  <a:srgbClr val="008000"/>
+                </a:solidFill>
+              </a:rPr>
+              <a:t>"surname"</a:t>
+            </a:r>
+            <a:r>
+              <a:rPr lang="en-US" dirty="0" smtClean="0"/>
+              <a:t>).</a:t>
+            </a:r>
+            <a:r>
+              <a:rPr lang="en-US" b="1" dirty="0" err="1" smtClean="0"/>
               <a:t>hasChanged</a:t>
             </a:r>
             <a:r>
@@ -12452,10 +14656,22 @@
             </a:r>
             <a:r>
               <a:rPr lang="en-US" dirty="0" smtClean="0"/>
-              <a:t>("prop2").</a:t>
-            </a:r>
-            <a:r>
-              <a:rPr lang="en-US" dirty="0" err="1" smtClean="0"/>
+              <a:t>(</a:t>
+            </a:r>
+            <a:r>
+              <a:rPr lang="en-US" dirty="0" smtClean="0">
+                <a:solidFill>
+                  <a:srgbClr val="008000"/>
+                </a:solidFill>
+              </a:rPr>
+              <a:t>"name"</a:t>
+            </a:r>
+            <a:r>
+              <a:rPr lang="en-US" dirty="0" smtClean="0"/>
+              <a:t>).</a:t>
+            </a:r>
+            <a:r>
+              <a:rPr lang="en-US" b="1" dirty="0" err="1" smtClean="0"/>
               <a:t>hasNotChanged</a:t>
             </a:r>
             <a:r>
@@ -12471,6 +14687,9 @@
   <p:clrMapOvr>
     <a:masterClrMapping/>
   </p:clrMapOvr>
+  <p:transition xmlns:p14="http://schemas.microsoft.com/office/powerpoint/2010/main" spd="slow">
+    <p:push dir="u"/>
+  </p:transition>
   <p:timing>
     <p:tnLst>
       <p:par>
@@ -12481,7 +14700,452 @@
 </p:sld>
 </file>
 
-<file path=ppt/slides/slide18.xml><?xml version="1.0" encoding="utf-8"?>
+<file path=ppt/slides/slide2.xml><?xml version="1.0" encoding="utf-8"?>
+<p:sld xmlns:a="http://schemas.openxmlformats.org/drawingml/2006/main" xmlns:r="http://schemas.openxmlformats.org/officeDocument/2006/relationships" xmlns:p="http://schemas.openxmlformats.org/presentationml/2006/main">
+  <p:cSld>
+    <p:spTree>
+      <p:nvGrpSpPr>
+        <p:cNvPr id="1" name=""/>
+        <p:cNvGrpSpPr/>
+        <p:nvPr/>
+      </p:nvGrpSpPr>
+      <p:grpSpPr>
+        <a:xfrm>
+          <a:off x="0" y="0"/>
+          <a:ext cx="0" cy="0"/>
+          <a:chOff x="0" y="0"/>
+          <a:chExt cx="0" cy="0"/>
+        </a:xfrm>
+      </p:grpSpPr>
+      <p:sp>
+        <p:nvSpPr>
+          <p:cNvPr id="7170" name="Text Box 1"/>
+          <p:cNvSpPr txBox="1">
+            <a:spLocks noChangeArrowheads="1"/>
+          </p:cNvSpPr>
+          <p:nvPr/>
+        </p:nvSpPr>
+        <p:spPr bwMode="auto">
+          <a:xfrm>
+            <a:off x="1079500" y="150813"/>
+            <a:ext cx="10261600" cy="3086100"/>
+          </a:xfrm>
+          <a:prstGeom prst="rect">
+            <a:avLst/>
+          </a:prstGeom>
+          <a:noFill/>
+          <a:ln w="9525">
+            <a:noFill/>
+            <a:round/>
+            <a:headEnd/>
+            <a:tailEnd/>
+          </a:ln>
+        </p:spPr>
+        <p:txBody>
+          <a:bodyPr lIns="50760" tIns="50760" rIns="50760" bIns="50760" anchor="b"/>
+          <a:lstStyle/>
+          <a:p>
+            <a:pPr algn="ctr">
+              <a:buSzPct val="100000"/>
+              <a:tabLst>
+                <a:tab pos="0" algn="l"/>
+                <a:tab pos="914400" algn="l"/>
+                <a:tab pos="1828800" algn="l"/>
+                <a:tab pos="2743200" algn="l"/>
+                <a:tab pos="3657600" algn="l"/>
+                <a:tab pos="4572000" algn="l"/>
+                <a:tab pos="5486400" algn="l"/>
+                <a:tab pos="6400800" algn="l"/>
+                <a:tab pos="7315200" algn="l"/>
+                <a:tab pos="8229600" algn="l"/>
+                <a:tab pos="9144000" algn="l"/>
+                <a:tab pos="10058400" algn="l"/>
+                <a:tab pos="10134600" algn="l"/>
+              </a:tabLst>
+            </a:pPr>
+            <a:r>
+              <a:rPr lang="en-US" sz="4800" b="1" dirty="0" smtClean="0">
+                <a:solidFill>
+                  <a:srgbClr val="1A1718"/>
+                </a:solidFill>
+              </a:rPr>
+              <a:t>Easy Entity Auditing</a:t>
+            </a:r>
+          </a:p>
+          <a:p>
+            <a:pPr algn="ctr">
+              <a:buSzPct val="100000"/>
+              <a:tabLst>
+                <a:tab pos="0" algn="l"/>
+                <a:tab pos="914400" algn="l"/>
+                <a:tab pos="1828800" algn="l"/>
+                <a:tab pos="2743200" algn="l"/>
+                <a:tab pos="3657600" algn="l"/>
+                <a:tab pos="4572000" algn="l"/>
+                <a:tab pos="5486400" algn="l"/>
+                <a:tab pos="6400800" algn="l"/>
+                <a:tab pos="7315200" algn="l"/>
+                <a:tab pos="8229600" algn="l"/>
+                <a:tab pos="9144000" algn="l"/>
+                <a:tab pos="10058400" algn="l"/>
+                <a:tab pos="10134600" algn="l"/>
+              </a:tabLst>
+            </a:pPr>
+            <a:r>
+              <a:rPr lang="en-US" sz="4800" b="1" dirty="0" smtClean="0">
+                <a:solidFill>
+                  <a:srgbClr val="1A1718"/>
+                </a:solidFill>
+              </a:rPr>
+              <a:t>With Hibernate </a:t>
+            </a:r>
+            <a:r>
+              <a:rPr lang="en-US" sz="4800" b="1" dirty="0" err="1" smtClean="0">
+                <a:solidFill>
+                  <a:srgbClr val="1A1718"/>
+                </a:solidFill>
+              </a:rPr>
+              <a:t>Envers</a:t>
+            </a:r>
+            <a:endParaRPr lang="en-US" sz="4800" b="1" dirty="0">
+              <a:solidFill>
+                <a:srgbClr val="1A1718"/>
+              </a:solidFill>
+            </a:endParaRPr>
+          </a:p>
+        </p:txBody>
+      </p:sp>
+      <p:sp>
+        <p:nvSpPr>
+          <p:cNvPr id="7171" name="Text Box 2"/>
+          <p:cNvSpPr txBox="1">
+            <a:spLocks noChangeArrowheads="1"/>
+          </p:cNvSpPr>
+          <p:nvPr/>
+        </p:nvSpPr>
+        <p:spPr bwMode="auto">
+          <a:xfrm>
+            <a:off x="127000" y="5969000"/>
+            <a:ext cx="12687300" cy="2895600"/>
+          </a:xfrm>
+          <a:prstGeom prst="rect">
+            <a:avLst/>
+          </a:prstGeom>
+          <a:noFill/>
+          <a:ln w="9525">
+            <a:noFill/>
+            <a:round/>
+            <a:headEnd/>
+            <a:tailEnd/>
+          </a:ln>
+        </p:spPr>
+        <p:txBody>
+          <a:bodyPr lIns="50760" tIns="50760" rIns="50760" bIns="50760"/>
+          <a:lstStyle/>
+          <a:p>
+            <a:pPr algn="ctr">
+              <a:buSzPct val="100000"/>
+              <a:tabLst>
+                <a:tab pos="0" algn="l"/>
+                <a:tab pos="569913" algn="l"/>
+                <a:tab pos="1484313" algn="l"/>
+                <a:tab pos="2398713" algn="l"/>
+                <a:tab pos="3313113" algn="l"/>
+                <a:tab pos="4227513" algn="l"/>
+                <a:tab pos="5141913" algn="l"/>
+                <a:tab pos="6056313" algn="l"/>
+                <a:tab pos="6970713" algn="l"/>
+                <a:tab pos="7885113" algn="l"/>
+                <a:tab pos="8799513" algn="l"/>
+                <a:tab pos="9713913" algn="l"/>
+                <a:tab pos="10134600" algn="l"/>
+                <a:tab pos="10858500" algn="l"/>
+                <a:tab pos="11582400" algn="l"/>
+                <a:tab pos="12306300" algn="l"/>
+              </a:tabLst>
+            </a:pPr>
+            <a:r>
+              <a:rPr lang="en-US" sz="4100" b="1" dirty="0" smtClean="0">
+                <a:solidFill>
+                  <a:srgbClr val="1A1718"/>
+                </a:solidFill>
+              </a:rPr>
+              <a:t>Romain Linsolas</a:t>
+            </a:r>
+            <a:endParaRPr lang="en-US" sz="4100" b="1" dirty="0">
+              <a:solidFill>
+                <a:srgbClr val="1A1718"/>
+              </a:solidFill>
+            </a:endParaRPr>
+          </a:p>
+          <a:p>
+            <a:pPr algn="ctr">
+              <a:buSzPct val="100000"/>
+              <a:tabLst>
+                <a:tab pos="0" algn="l"/>
+                <a:tab pos="569913" algn="l"/>
+                <a:tab pos="1484313" algn="l"/>
+                <a:tab pos="2398713" algn="l"/>
+                <a:tab pos="3313113" algn="l"/>
+                <a:tab pos="4227513" algn="l"/>
+                <a:tab pos="5141913" algn="l"/>
+                <a:tab pos="6056313" algn="l"/>
+                <a:tab pos="6970713" algn="l"/>
+                <a:tab pos="7885113" algn="l"/>
+                <a:tab pos="8799513" algn="l"/>
+                <a:tab pos="9713913" algn="l"/>
+                <a:tab pos="10134600" algn="l"/>
+                <a:tab pos="10858500" algn="l"/>
+                <a:tab pos="11582400" algn="l"/>
+                <a:tab pos="12306300" algn="l"/>
+              </a:tabLst>
+            </a:pPr>
+            <a:r>
+              <a:rPr lang="en-US" sz="3000" b="1" dirty="0" smtClean="0">
+                <a:solidFill>
+                  <a:srgbClr val="1A1718"/>
+                </a:solidFill>
+              </a:rPr>
+              <a:t>Java &amp; Web Developer</a:t>
+            </a:r>
+            <a:endParaRPr lang="en-US" sz="3000" b="1" dirty="0">
+              <a:solidFill>
+                <a:srgbClr val="1A1718"/>
+              </a:solidFill>
+            </a:endParaRPr>
+          </a:p>
+          <a:p>
+            <a:pPr algn="ctr">
+              <a:buSzPct val="100000"/>
+              <a:tabLst>
+                <a:tab pos="0" algn="l"/>
+                <a:tab pos="569913" algn="l"/>
+                <a:tab pos="1484313" algn="l"/>
+                <a:tab pos="2398713" algn="l"/>
+                <a:tab pos="3313113" algn="l"/>
+                <a:tab pos="4227513" algn="l"/>
+                <a:tab pos="5141913" algn="l"/>
+                <a:tab pos="6056313" algn="l"/>
+                <a:tab pos="6970713" algn="l"/>
+                <a:tab pos="7885113" algn="l"/>
+                <a:tab pos="8799513" algn="l"/>
+                <a:tab pos="9713913" algn="l"/>
+                <a:tab pos="10134600" algn="l"/>
+                <a:tab pos="10858500" algn="l"/>
+                <a:tab pos="11582400" algn="l"/>
+                <a:tab pos="12306300" algn="l"/>
+              </a:tabLst>
+            </a:pPr>
+            <a:r>
+              <a:rPr lang="en-US" sz="3000" b="1" dirty="0" err="1" smtClean="0">
+                <a:solidFill>
+                  <a:srgbClr val="1A1718"/>
+                </a:solidFill>
+              </a:rPr>
+              <a:t>Société</a:t>
+            </a:r>
+            <a:r>
+              <a:rPr lang="en-US" sz="3000" b="1" dirty="0" smtClean="0">
+                <a:solidFill>
+                  <a:srgbClr val="1A1718"/>
+                </a:solidFill>
+              </a:rPr>
+              <a:t> </a:t>
+            </a:r>
+            <a:r>
+              <a:rPr lang="en-US" sz="3000" b="1" dirty="0" err="1" smtClean="0">
+                <a:solidFill>
+                  <a:srgbClr val="1A1718"/>
+                </a:solidFill>
+              </a:rPr>
+              <a:t>Générale</a:t>
+            </a:r>
+            <a:endParaRPr lang="en-US" sz="3000" b="1" dirty="0">
+              <a:solidFill>
+                <a:srgbClr val="1A1718"/>
+              </a:solidFill>
+            </a:endParaRPr>
+          </a:p>
+          <a:p>
+            <a:pPr algn="ctr">
+              <a:buSzPct val="100000"/>
+              <a:tabLst>
+                <a:tab pos="0" algn="l"/>
+                <a:tab pos="569913" algn="l"/>
+                <a:tab pos="1484313" algn="l"/>
+                <a:tab pos="2398713" algn="l"/>
+                <a:tab pos="3313113" algn="l"/>
+                <a:tab pos="4227513" algn="l"/>
+                <a:tab pos="5141913" algn="l"/>
+                <a:tab pos="6056313" algn="l"/>
+                <a:tab pos="6970713" algn="l"/>
+                <a:tab pos="7885113" algn="l"/>
+                <a:tab pos="8799513" algn="l"/>
+                <a:tab pos="9713913" algn="l"/>
+                <a:tab pos="10134600" algn="l"/>
+                <a:tab pos="10858500" algn="l"/>
+                <a:tab pos="11582400" algn="l"/>
+                <a:tab pos="12306300" algn="l"/>
+              </a:tabLst>
+            </a:pPr>
+            <a:r>
+              <a:rPr lang="en-US" sz="4000" b="1" dirty="0" smtClean="0">
+                <a:solidFill>
+                  <a:srgbClr val="1A1718"/>
+                </a:solidFill>
+              </a:rPr>
+              <a:t>@</a:t>
+            </a:r>
+            <a:r>
+              <a:rPr lang="en-US" sz="4000" b="1" dirty="0" err="1" smtClean="0">
+                <a:solidFill>
+                  <a:srgbClr val="1A1718"/>
+                </a:solidFill>
+              </a:rPr>
+              <a:t>romaintaz</a:t>
+            </a:r>
+            <a:endParaRPr lang="en-US" sz="4000" b="1" dirty="0">
+              <a:solidFill>
+                <a:srgbClr val="1A1718"/>
+              </a:solidFill>
+            </a:endParaRPr>
+          </a:p>
+        </p:txBody>
+      </p:sp>
+      <p:sp>
+        <p:nvSpPr>
+          <p:cNvPr id="10243" name="Rectangle 3"/>
+          <p:cNvSpPr>
+            <a:spLocks noChangeArrowheads="1"/>
+          </p:cNvSpPr>
+          <p:nvPr/>
+        </p:nvSpPr>
+        <p:spPr bwMode="auto">
+          <a:xfrm>
+            <a:off x="3759200" y="3454400"/>
+            <a:ext cx="5422900" cy="2222500"/>
+          </a:xfrm>
+          <a:prstGeom prst="rect">
+            <a:avLst/>
+          </a:prstGeom>
+          <a:solidFill>
+            <a:srgbClr val="FFFFFF">
+              <a:alpha val="50000"/>
+            </a:srgbClr>
+          </a:solidFill>
+          <a:ln w="25560">
+            <a:solidFill>
+              <a:srgbClr val="000000"/>
+            </a:solidFill>
+            <a:miter lim="800000"/>
+            <a:headEnd/>
+            <a:tailEnd/>
+          </a:ln>
+          <a:effectLst/>
+        </p:spPr>
+        <p:txBody>
+          <a:bodyPr lIns="0" tIns="0" rIns="0" bIns="0" anchor="ctr"/>
+          <a:lstStyle/>
+          <a:p>
+            <a:pPr algn="ctr">
+              <a:buSzPct val="100000"/>
+              <a:tabLst>
+                <a:tab pos="0" algn="l"/>
+                <a:tab pos="914400" algn="l"/>
+                <a:tab pos="1828800" algn="l"/>
+                <a:tab pos="2743200" algn="l"/>
+                <a:tab pos="3657600" algn="l"/>
+                <a:tab pos="4572000" algn="l"/>
+                <a:tab pos="5486400" algn="l"/>
+                <a:tab pos="6400800" algn="l"/>
+                <a:tab pos="7315200" algn="l"/>
+                <a:tab pos="8229600" algn="l"/>
+                <a:tab pos="9144000" algn="l"/>
+                <a:tab pos="10058400" algn="l"/>
+              </a:tabLst>
+              <a:defRPr/>
+            </a:pPr>
+            <a:endParaRPr lang="en-US" sz="3600" dirty="0">
+              <a:solidFill>
+                <a:srgbClr val="060306"/>
+              </a:solidFill>
+              <a:effectLst>
+                <a:outerShdw blurRad="38100" dist="38100" dir="2700000" algn="tl">
+                  <a:srgbClr val="C0C0C0"/>
+                </a:outerShdw>
+              </a:effectLst>
+              <a:latin typeface="Gill Sans" charset="0"/>
+              <a:ea typeface="Gill Sans" charset="0"/>
+              <a:cs typeface="Gill Sans" charset="0"/>
+            </a:endParaRPr>
+          </a:p>
+        </p:txBody>
+      </p:sp>
+      <p:pic>
+        <p:nvPicPr>
+          <p:cNvPr id="24578" name="Picture 2" descr="http://www.societegenerale.fr/images/eimm_logo.png"/>
+          <p:cNvPicPr>
+            <a:picLocks noChangeAspect="1" noChangeArrowheads="1"/>
+          </p:cNvPicPr>
+          <p:nvPr/>
+        </p:nvPicPr>
+        <p:blipFill>
+          <a:blip r:embed="rId3" cstate="print"/>
+          <a:srcRect/>
+          <a:stretch>
+            <a:fillRect/>
+          </a:stretch>
+        </p:blipFill>
+        <p:spPr bwMode="auto">
+          <a:xfrm>
+            <a:off x="4240362" y="3849768"/>
+            <a:ext cx="4392488" cy="1442312"/>
+          </a:xfrm>
+          <a:prstGeom prst="rect">
+            <a:avLst/>
+          </a:prstGeom>
+          <a:noFill/>
+        </p:spPr>
+      </p:pic>
+    </p:spTree>
+  </p:cSld>
+  <p:clrMapOvr>
+    <a:masterClrMapping/>
+  </p:clrMapOvr>
+  <p:transition xmlns:p14="http://schemas.microsoft.com/office/powerpoint/2010/main" spd="slow">
+    <p:push dir="u"/>
+  </p:transition>
+  <p:timing>
+    <p:tnLst>
+      <p:par>
+        <p:cTn xmlns:p14="http://schemas.microsoft.com/office/powerpoint/2010/main" id="1" dur="indefinite" restart="never" nodeType="tmRoot">
+          <p:childTnLst>
+            <p:seq concurrent="1" nextAc="seek">
+              <p:cTn id="2" dur="0" nodeType="mainSeq"/>
+              <p:prevCondLst>
+                <p:cond evt="onPrev" delay="0">
+                  <p:tgtEl>
+                    <p:sldTgt/>
+                  </p:tgtEl>
+                </p:cond>
+              </p:prevCondLst>
+              <p:nextCondLst>
+                <p:cond evt="onNext" delay="0">
+                  <p:tgtEl>
+                    <p:sldTgt/>
+                  </p:tgtEl>
+                </p:cond>
+              </p:nextCondLst>
+            </p:seq>
+          </p:childTnLst>
+        </p:cTn>
+      </p:par>
+    </p:tnLst>
+  </p:timing>
+</p:sld>
+</file>
+
+<file path=ppt/slides/slide20.xml><?xml version="1.0" encoding="utf-8"?>
 <p:sld xmlns:a="http://schemas.openxmlformats.org/drawingml/2006/main" xmlns:r="http://schemas.openxmlformats.org/officeDocument/2006/relationships" xmlns:p="http://schemas.openxmlformats.org/presentationml/2006/main">
   <p:cSld>
     <p:spTree>
@@ -12681,6 +15345,9 @@
   <p:clrMapOvr>
     <a:masterClrMapping/>
   </p:clrMapOvr>
+  <p:transition xmlns:p14="http://schemas.microsoft.com/office/powerpoint/2010/main" spd="slow">
+    <p:push dir="u"/>
+  </p:transition>
   <p:timing>
     <p:tnLst>
       <p:par>
@@ -12691,7 +15358,7 @@
 </p:sld>
 </file>
 
-<file path=ppt/slides/slide19.xml><?xml version="1.0" encoding="utf-8"?>
+<file path=ppt/slides/slide21.xml><?xml version="1.0" encoding="utf-8"?>
 <p:sld xmlns:a="http://schemas.openxmlformats.org/drawingml/2006/main" xmlns:r="http://schemas.openxmlformats.org/officeDocument/2006/relationships" xmlns:p="http://schemas.openxmlformats.org/presentationml/2006/main">
   <p:cSld>
     <p:spTree>
@@ -12786,7 +15453,32 @@
           <a:p>
             <a:r>
               <a:rPr lang="en-US" dirty="0" smtClean="0"/>
-              <a:t>Ready-to-use audit query tool</a:t>
+              <a:t>Ready-to-use audit query </a:t>
+            </a:r>
+            <a:r>
+              <a:rPr lang="en-US" dirty="0" smtClean="0"/>
+              <a:t>tool</a:t>
+            </a:r>
+          </a:p>
+          <a:p>
+            <a:r>
+              <a:rPr lang="en-US" dirty="0" smtClean="0"/>
+              <a:t>Fully integrated in Hibernate</a:t>
+            </a:r>
+            <a:endParaRPr lang="en-US" dirty="0" smtClean="0"/>
+          </a:p>
+          <a:p>
+            <a:r>
+              <a:rPr lang="en-US" dirty="0" smtClean="0"/>
+              <a:t>No </a:t>
+            </a:r>
+            <a:r>
+              <a:rPr lang="en-US" dirty="0" smtClean="0"/>
+              <a:t>similar project (</a:t>
+            </a:r>
+            <a:r>
+              <a:rPr lang="en-US" dirty="0" smtClean="0"/>
+              <a:t>?)</a:t>
             </a:r>
             <a:endParaRPr lang="en-US" dirty="0"/>
           </a:p>
@@ -12904,6 +15596,9 @@
   <p:clrMapOvr>
     <a:masterClrMapping/>
   </p:clrMapOvr>
+  <p:transition xmlns:p14="http://schemas.microsoft.com/office/powerpoint/2010/main" spd="slow">
+    <p:push dir="u"/>
+  </p:transition>
   <p:timing>
     <p:tnLst>
       <p:par>
@@ -12914,450 +15609,7 @@
 </p:sld>
 </file>
 
-<file path=ppt/slides/slide2.xml><?xml version="1.0" encoding="utf-8"?>
-<p:sld xmlns:a="http://schemas.openxmlformats.org/drawingml/2006/main" xmlns:r="http://schemas.openxmlformats.org/officeDocument/2006/relationships" xmlns:p="http://schemas.openxmlformats.org/presentationml/2006/main">
-  <p:cSld>
-    <p:spTree>
-      <p:nvGrpSpPr>
-        <p:cNvPr id="1" name=""/>
-        <p:cNvGrpSpPr/>
-        <p:nvPr/>
-      </p:nvGrpSpPr>
-      <p:grpSpPr>
-        <a:xfrm>
-          <a:off x="0" y="0"/>
-          <a:ext cx="0" cy="0"/>
-          <a:chOff x="0" y="0"/>
-          <a:chExt cx="0" cy="0"/>
-        </a:xfrm>
-      </p:grpSpPr>
-      <p:sp>
-        <p:nvSpPr>
-          <p:cNvPr id="7170" name="Text Box 1"/>
-          <p:cNvSpPr txBox="1">
-            <a:spLocks noChangeArrowheads="1"/>
-          </p:cNvSpPr>
-          <p:nvPr/>
-        </p:nvSpPr>
-        <p:spPr bwMode="auto">
-          <a:xfrm>
-            <a:off x="1079500" y="150813"/>
-            <a:ext cx="10261600" cy="3086100"/>
-          </a:xfrm>
-          <a:prstGeom prst="rect">
-            <a:avLst/>
-          </a:prstGeom>
-          <a:noFill/>
-          <a:ln w="9525">
-            <a:noFill/>
-            <a:round/>
-            <a:headEnd/>
-            <a:tailEnd/>
-          </a:ln>
-        </p:spPr>
-        <p:txBody>
-          <a:bodyPr lIns="50760" tIns="50760" rIns="50760" bIns="50760" anchor="b"/>
-          <a:lstStyle/>
-          <a:p>
-            <a:pPr algn="ctr">
-              <a:buSzPct val="100000"/>
-              <a:tabLst>
-                <a:tab pos="0" algn="l"/>
-                <a:tab pos="914400" algn="l"/>
-                <a:tab pos="1828800" algn="l"/>
-                <a:tab pos="2743200" algn="l"/>
-                <a:tab pos="3657600" algn="l"/>
-                <a:tab pos="4572000" algn="l"/>
-                <a:tab pos="5486400" algn="l"/>
-                <a:tab pos="6400800" algn="l"/>
-                <a:tab pos="7315200" algn="l"/>
-                <a:tab pos="8229600" algn="l"/>
-                <a:tab pos="9144000" algn="l"/>
-                <a:tab pos="10058400" algn="l"/>
-                <a:tab pos="10134600" algn="l"/>
-              </a:tabLst>
-            </a:pPr>
-            <a:r>
-              <a:rPr lang="en-US" sz="4800" b="1" dirty="0" smtClean="0">
-                <a:solidFill>
-                  <a:srgbClr val="1A1718"/>
-                </a:solidFill>
-              </a:rPr>
-              <a:t>Easy Entity Auditing</a:t>
-            </a:r>
-          </a:p>
-          <a:p>
-            <a:pPr algn="ctr">
-              <a:buSzPct val="100000"/>
-              <a:tabLst>
-                <a:tab pos="0" algn="l"/>
-                <a:tab pos="914400" algn="l"/>
-                <a:tab pos="1828800" algn="l"/>
-                <a:tab pos="2743200" algn="l"/>
-                <a:tab pos="3657600" algn="l"/>
-                <a:tab pos="4572000" algn="l"/>
-                <a:tab pos="5486400" algn="l"/>
-                <a:tab pos="6400800" algn="l"/>
-                <a:tab pos="7315200" algn="l"/>
-                <a:tab pos="8229600" algn="l"/>
-                <a:tab pos="9144000" algn="l"/>
-                <a:tab pos="10058400" algn="l"/>
-                <a:tab pos="10134600" algn="l"/>
-              </a:tabLst>
-            </a:pPr>
-            <a:r>
-              <a:rPr lang="en-US" sz="4800" b="1" dirty="0" smtClean="0">
-                <a:solidFill>
-                  <a:srgbClr val="1A1718"/>
-                </a:solidFill>
-              </a:rPr>
-              <a:t>With Hibernate </a:t>
-            </a:r>
-            <a:r>
-              <a:rPr lang="en-US" sz="4800" b="1" dirty="0" err="1" smtClean="0">
-                <a:solidFill>
-                  <a:srgbClr val="1A1718"/>
-                </a:solidFill>
-              </a:rPr>
-              <a:t>Envers</a:t>
-            </a:r>
-            <a:endParaRPr lang="en-US" sz="4800" b="1" dirty="0">
-              <a:solidFill>
-                <a:srgbClr val="1A1718"/>
-              </a:solidFill>
-            </a:endParaRPr>
-          </a:p>
-        </p:txBody>
-      </p:sp>
-      <p:sp>
-        <p:nvSpPr>
-          <p:cNvPr id="7171" name="Text Box 2"/>
-          <p:cNvSpPr txBox="1">
-            <a:spLocks noChangeArrowheads="1"/>
-          </p:cNvSpPr>
-          <p:nvPr/>
-        </p:nvSpPr>
-        <p:spPr bwMode="auto">
-          <a:xfrm>
-            <a:off x="127000" y="5969000"/>
-            <a:ext cx="12687300" cy="2895600"/>
-          </a:xfrm>
-          <a:prstGeom prst="rect">
-            <a:avLst/>
-          </a:prstGeom>
-          <a:noFill/>
-          <a:ln w="9525">
-            <a:noFill/>
-            <a:round/>
-            <a:headEnd/>
-            <a:tailEnd/>
-          </a:ln>
-        </p:spPr>
-        <p:txBody>
-          <a:bodyPr lIns="50760" tIns="50760" rIns="50760" bIns="50760"/>
-          <a:lstStyle/>
-          <a:p>
-            <a:pPr algn="ctr">
-              <a:buSzPct val="100000"/>
-              <a:tabLst>
-                <a:tab pos="0" algn="l"/>
-                <a:tab pos="569913" algn="l"/>
-                <a:tab pos="1484313" algn="l"/>
-                <a:tab pos="2398713" algn="l"/>
-                <a:tab pos="3313113" algn="l"/>
-                <a:tab pos="4227513" algn="l"/>
-                <a:tab pos="5141913" algn="l"/>
-                <a:tab pos="6056313" algn="l"/>
-                <a:tab pos="6970713" algn="l"/>
-                <a:tab pos="7885113" algn="l"/>
-                <a:tab pos="8799513" algn="l"/>
-                <a:tab pos="9713913" algn="l"/>
-                <a:tab pos="10134600" algn="l"/>
-                <a:tab pos="10858500" algn="l"/>
-                <a:tab pos="11582400" algn="l"/>
-                <a:tab pos="12306300" algn="l"/>
-              </a:tabLst>
-            </a:pPr>
-            <a:r>
-              <a:rPr lang="en-US" sz="4100" b="1" dirty="0" smtClean="0">
-                <a:solidFill>
-                  <a:srgbClr val="1A1718"/>
-                </a:solidFill>
-              </a:rPr>
-              <a:t>Romain Linsolas</a:t>
-            </a:r>
-            <a:endParaRPr lang="en-US" sz="4100" b="1" dirty="0">
-              <a:solidFill>
-                <a:srgbClr val="1A1718"/>
-              </a:solidFill>
-            </a:endParaRPr>
-          </a:p>
-          <a:p>
-            <a:pPr algn="ctr">
-              <a:buSzPct val="100000"/>
-              <a:tabLst>
-                <a:tab pos="0" algn="l"/>
-                <a:tab pos="569913" algn="l"/>
-                <a:tab pos="1484313" algn="l"/>
-                <a:tab pos="2398713" algn="l"/>
-                <a:tab pos="3313113" algn="l"/>
-                <a:tab pos="4227513" algn="l"/>
-                <a:tab pos="5141913" algn="l"/>
-                <a:tab pos="6056313" algn="l"/>
-                <a:tab pos="6970713" algn="l"/>
-                <a:tab pos="7885113" algn="l"/>
-                <a:tab pos="8799513" algn="l"/>
-                <a:tab pos="9713913" algn="l"/>
-                <a:tab pos="10134600" algn="l"/>
-                <a:tab pos="10858500" algn="l"/>
-                <a:tab pos="11582400" algn="l"/>
-                <a:tab pos="12306300" algn="l"/>
-              </a:tabLst>
-            </a:pPr>
-            <a:r>
-              <a:rPr lang="en-US" sz="3000" b="1" dirty="0" smtClean="0">
-                <a:solidFill>
-                  <a:srgbClr val="1A1718"/>
-                </a:solidFill>
-              </a:rPr>
-              <a:t>Java &amp; Web Developer</a:t>
-            </a:r>
-            <a:endParaRPr lang="en-US" sz="3000" b="1" dirty="0">
-              <a:solidFill>
-                <a:srgbClr val="1A1718"/>
-              </a:solidFill>
-            </a:endParaRPr>
-          </a:p>
-          <a:p>
-            <a:pPr algn="ctr">
-              <a:buSzPct val="100000"/>
-              <a:tabLst>
-                <a:tab pos="0" algn="l"/>
-                <a:tab pos="569913" algn="l"/>
-                <a:tab pos="1484313" algn="l"/>
-                <a:tab pos="2398713" algn="l"/>
-                <a:tab pos="3313113" algn="l"/>
-                <a:tab pos="4227513" algn="l"/>
-                <a:tab pos="5141913" algn="l"/>
-                <a:tab pos="6056313" algn="l"/>
-                <a:tab pos="6970713" algn="l"/>
-                <a:tab pos="7885113" algn="l"/>
-                <a:tab pos="8799513" algn="l"/>
-                <a:tab pos="9713913" algn="l"/>
-                <a:tab pos="10134600" algn="l"/>
-                <a:tab pos="10858500" algn="l"/>
-                <a:tab pos="11582400" algn="l"/>
-                <a:tab pos="12306300" algn="l"/>
-              </a:tabLst>
-            </a:pPr>
-            <a:r>
-              <a:rPr lang="en-US" sz="3000" b="1" dirty="0" err="1" smtClean="0">
-                <a:solidFill>
-                  <a:srgbClr val="1A1718"/>
-                </a:solidFill>
-              </a:rPr>
-              <a:t>Société</a:t>
-            </a:r>
-            <a:r>
-              <a:rPr lang="en-US" sz="3000" b="1" dirty="0" smtClean="0">
-                <a:solidFill>
-                  <a:srgbClr val="1A1718"/>
-                </a:solidFill>
-              </a:rPr>
-              <a:t> </a:t>
-            </a:r>
-            <a:r>
-              <a:rPr lang="en-US" sz="3000" b="1" dirty="0" err="1" smtClean="0">
-                <a:solidFill>
-                  <a:srgbClr val="1A1718"/>
-                </a:solidFill>
-              </a:rPr>
-              <a:t>Générale</a:t>
-            </a:r>
-            <a:endParaRPr lang="en-US" sz="3000" b="1" dirty="0">
-              <a:solidFill>
-                <a:srgbClr val="1A1718"/>
-              </a:solidFill>
-            </a:endParaRPr>
-          </a:p>
-          <a:p>
-            <a:pPr algn="ctr">
-              <a:buSzPct val="100000"/>
-              <a:tabLst>
-                <a:tab pos="0" algn="l"/>
-                <a:tab pos="569913" algn="l"/>
-                <a:tab pos="1484313" algn="l"/>
-                <a:tab pos="2398713" algn="l"/>
-                <a:tab pos="3313113" algn="l"/>
-                <a:tab pos="4227513" algn="l"/>
-                <a:tab pos="5141913" algn="l"/>
-                <a:tab pos="6056313" algn="l"/>
-                <a:tab pos="6970713" algn="l"/>
-                <a:tab pos="7885113" algn="l"/>
-                <a:tab pos="8799513" algn="l"/>
-                <a:tab pos="9713913" algn="l"/>
-                <a:tab pos="10134600" algn="l"/>
-                <a:tab pos="10858500" algn="l"/>
-                <a:tab pos="11582400" algn="l"/>
-                <a:tab pos="12306300" algn="l"/>
-              </a:tabLst>
-            </a:pPr>
-            <a:r>
-              <a:rPr lang="en-US" sz="4000" b="1" dirty="0" smtClean="0">
-                <a:solidFill>
-                  <a:srgbClr val="1A1718"/>
-                </a:solidFill>
-              </a:rPr>
-              <a:t>@</a:t>
-            </a:r>
-            <a:r>
-              <a:rPr lang="en-US" sz="4000" b="1" dirty="0" err="1" smtClean="0">
-                <a:solidFill>
-                  <a:srgbClr val="1A1718"/>
-                </a:solidFill>
-              </a:rPr>
-              <a:t>romaintaz</a:t>
-            </a:r>
-            <a:endParaRPr lang="en-US" sz="4000" b="1" dirty="0">
-              <a:solidFill>
-                <a:srgbClr val="1A1718"/>
-              </a:solidFill>
-            </a:endParaRPr>
-          </a:p>
-        </p:txBody>
-      </p:sp>
-      <p:sp>
-        <p:nvSpPr>
-          <p:cNvPr id="10243" name="Rectangle 3"/>
-          <p:cNvSpPr>
-            <a:spLocks noChangeArrowheads="1"/>
-          </p:cNvSpPr>
-          <p:nvPr/>
-        </p:nvSpPr>
-        <p:spPr bwMode="auto">
-          <a:xfrm>
-            <a:off x="3759200" y="3454400"/>
-            <a:ext cx="5422900" cy="2222500"/>
-          </a:xfrm>
-          <a:prstGeom prst="rect">
-            <a:avLst/>
-          </a:prstGeom>
-          <a:solidFill>
-            <a:srgbClr val="FFFFFF">
-              <a:alpha val="50000"/>
-            </a:srgbClr>
-          </a:solidFill>
-          <a:ln w="25560">
-            <a:solidFill>
-              <a:srgbClr val="000000"/>
-            </a:solidFill>
-            <a:miter lim="800000"/>
-            <a:headEnd/>
-            <a:tailEnd/>
-          </a:ln>
-          <a:effectLst/>
-        </p:spPr>
-        <p:txBody>
-          <a:bodyPr lIns="0" tIns="0" rIns="0" bIns="0" anchor="ctr"/>
-          <a:lstStyle/>
-          <a:p>
-            <a:pPr algn="ctr">
-              <a:buSzPct val="100000"/>
-              <a:tabLst>
-                <a:tab pos="0" algn="l"/>
-                <a:tab pos="914400" algn="l"/>
-                <a:tab pos="1828800" algn="l"/>
-                <a:tab pos="2743200" algn="l"/>
-                <a:tab pos="3657600" algn="l"/>
-                <a:tab pos="4572000" algn="l"/>
-                <a:tab pos="5486400" algn="l"/>
-                <a:tab pos="6400800" algn="l"/>
-                <a:tab pos="7315200" algn="l"/>
-                <a:tab pos="8229600" algn="l"/>
-                <a:tab pos="9144000" algn="l"/>
-                <a:tab pos="10058400" algn="l"/>
-              </a:tabLst>
-              <a:defRPr/>
-            </a:pPr>
-            <a:endParaRPr lang="en-US" sz="3600" dirty="0">
-              <a:solidFill>
-                <a:srgbClr val="060306"/>
-              </a:solidFill>
-              <a:effectLst>
-                <a:outerShdw blurRad="38100" dist="38100" dir="2700000" algn="tl">
-                  <a:srgbClr val="C0C0C0"/>
-                </a:outerShdw>
-              </a:effectLst>
-              <a:latin typeface="Gill Sans" charset="0"/>
-              <a:ea typeface="Gill Sans" charset="0"/>
-              <a:cs typeface="Gill Sans" charset="0"/>
-            </a:endParaRPr>
-          </a:p>
-        </p:txBody>
-      </p:sp>
-      <p:pic>
-        <p:nvPicPr>
-          <p:cNvPr id="24578" name="Picture 2" descr="http://www.societegenerale.fr/images/eimm_logo.png"/>
-          <p:cNvPicPr>
-            <a:picLocks noChangeAspect="1" noChangeArrowheads="1"/>
-          </p:cNvPicPr>
-          <p:nvPr/>
-        </p:nvPicPr>
-        <p:blipFill>
-          <a:blip r:embed="rId3" cstate="print"/>
-          <a:srcRect/>
-          <a:stretch>
-            <a:fillRect/>
-          </a:stretch>
-        </p:blipFill>
-        <p:spPr bwMode="auto">
-          <a:xfrm>
-            <a:off x="4240362" y="3849768"/>
-            <a:ext cx="4392488" cy="1442312"/>
-          </a:xfrm>
-          <a:prstGeom prst="rect">
-            <a:avLst/>
-          </a:prstGeom>
-          <a:noFill/>
-        </p:spPr>
-      </p:pic>
-    </p:spTree>
-  </p:cSld>
-  <p:clrMapOvr>
-    <a:masterClrMapping/>
-  </p:clrMapOvr>
-  <p:transition xmlns:p14="http://schemas.microsoft.com/office/powerpoint/2010/main"/>
-  <p:timing>
-    <p:tnLst>
-      <p:par>
-        <p:cTn xmlns:p14="http://schemas.microsoft.com/office/powerpoint/2010/main" id="1" dur="indefinite" restart="never" nodeType="tmRoot">
-          <p:childTnLst>
-            <p:seq concurrent="1" nextAc="seek">
-              <p:cTn id="2" dur="0" nodeType="mainSeq"/>
-              <p:prevCondLst>
-                <p:cond evt="onPrev" delay="0">
-                  <p:tgtEl>
-                    <p:sldTgt/>
-                  </p:tgtEl>
-                </p:cond>
-              </p:prevCondLst>
-              <p:nextCondLst>
-                <p:cond evt="onNext" delay="0">
-                  <p:tgtEl>
-                    <p:sldTgt/>
-                  </p:tgtEl>
-                </p:cond>
-              </p:nextCondLst>
-            </p:seq>
-          </p:childTnLst>
-        </p:cTn>
-      </p:par>
-    </p:tnLst>
-  </p:timing>
-</p:sld>
-</file>
-
-<file path=ppt/slides/slide20.xml><?xml version="1.0" encoding="utf-8"?>
+<file path=ppt/slides/slide22.xml><?xml version="1.0" encoding="utf-8"?>
 <p:sld xmlns:a="http://schemas.openxmlformats.org/drawingml/2006/main" xmlns:r="http://schemas.openxmlformats.org/officeDocument/2006/relationships" xmlns:p="http://schemas.openxmlformats.org/presentationml/2006/main">
   <p:cSld>
     <p:spTree>
@@ -13443,7 +15695,9 @@
   <p:clrMapOvr>
     <a:masterClrMapping/>
   </p:clrMapOvr>
-  <p:transition xmlns:p14="http://schemas.microsoft.com/office/powerpoint/2010/main"/>
+  <p:transition xmlns:p14="http://schemas.microsoft.com/office/powerpoint/2010/main" spd="slow">
+    <p:push dir="u"/>
+  </p:transition>
   <p:timing>
     <p:tnLst>
       <p:par>
@@ -13454,7 +15708,7 @@
 </p:sld>
 </file>
 
-<file path=ppt/slides/slide21.xml><?xml version="1.0" encoding="utf-8"?>
+<file path=ppt/slides/slide23.xml><?xml version="1.0" encoding="utf-8"?>
 <p:sld xmlns:a="http://schemas.openxmlformats.org/drawingml/2006/main" xmlns:r="http://schemas.openxmlformats.org/officeDocument/2006/relationships" xmlns:p="http://schemas.openxmlformats.org/presentationml/2006/main">
   <p:cSld>
     <p:spTree>
@@ -13518,6 +15772,9 @@
   <p:clrMapOvr>
     <a:masterClrMapping/>
   </p:clrMapOvr>
+  <p:transition xmlns:p14="http://schemas.microsoft.com/office/powerpoint/2010/main" spd="slow">
+    <p:push dir="u"/>
+  </p:transition>
   <p:timing>
     <p:tnLst>
       <p:par>
@@ -13528,7 +15785,7 @@
 </p:sld>
 </file>
 
-<file path=ppt/slides/slide22.xml><?xml version="1.0" encoding="utf-8"?>
+<file path=ppt/slides/slide24.xml><?xml version="1.0" encoding="utf-8"?>
 <p:sld xmlns:a="http://schemas.openxmlformats.org/drawingml/2006/main" xmlns:r="http://schemas.openxmlformats.org/officeDocument/2006/relationships" xmlns:p="http://schemas.openxmlformats.org/presentationml/2006/main">
   <p:cSld>
     <p:spTree>
@@ -13615,7 +15872,7 @@
                   <a:tab pos="10058400" algn="l"/>
                 </a:tabLst>
               </a:pPr>
-              <a:t>22</a:t>
+              <a:t>24</a:t>
             </a:fld>
             <a:endParaRPr lang="en-US" sz="1200">
               <a:solidFill>
@@ -13676,7 +15933,7 @@
             </a:pPr>
             <a:r>
               <a:rPr lang="en-US" dirty="0" smtClean="0"/>
-              <a:t>1 - Register </a:t>
+              <a:t>Register </a:t>
             </a:r>
             <a:r>
               <a:rPr lang="en-US" dirty="0" err="1" smtClean="0"/>
@@ -13768,8 +16025,56 @@
                 </a:solidFill>
                 <a:latin typeface="Consolas" pitchFamily="49" charset="0"/>
               </a:rPr>
-              <a:t> (3.x) --&gt;</a:t>
-            </a:r>
+              <a:t> (3.x) --</a:t>
+            </a:r>
+            <a:r>
+              <a:rPr lang="en-US" sz="1800" i="1" dirty="0" smtClean="0">
+                <a:solidFill>
+                  <a:schemeClr val="tx1">
+                    <a:lumMod val="50000"/>
+                    <a:lumOff val="50000"/>
+                  </a:schemeClr>
+                </a:solidFill>
+                <a:latin typeface="Consolas" pitchFamily="49" charset="0"/>
+              </a:rPr>
+              <a:t>&gt;</a:t>
+            </a:r>
+          </a:p>
+          <a:p>
+            <a:pPr marL="533400" indent="-531813">
+              <a:buClrTx/>
+              <a:buNone/>
+              <a:tabLst>
+                <a:tab pos="533400" algn="l"/>
+                <a:tab pos="912813" algn="l"/>
+                <a:tab pos="1827213" algn="l"/>
+                <a:tab pos="2741613" algn="l"/>
+                <a:tab pos="3656013" algn="l"/>
+                <a:tab pos="4570413" algn="l"/>
+                <a:tab pos="5484813" algn="l"/>
+                <a:tab pos="6399213" algn="l"/>
+                <a:tab pos="7313613" algn="l"/>
+                <a:tab pos="8228013" algn="l"/>
+                <a:tab pos="9142413" algn="l"/>
+                <a:tab pos="10056813" algn="l"/>
+                <a:tab pos="10134600" algn="l"/>
+                <a:tab pos="10858500" algn="l"/>
+                <a:tab pos="11582400" algn="l"/>
+                <a:tab pos="12306300" algn="l"/>
+                <a:tab pos="13030200" algn="l"/>
+                <a:tab pos="13754100" algn="l"/>
+                <a:tab pos="14478000" algn="l"/>
+              </a:tabLst>
+            </a:pPr>
+            <a:endParaRPr lang="en-US" sz="1800" i="1" dirty="0" smtClean="0">
+              <a:solidFill>
+                <a:schemeClr val="tx1">
+                  <a:lumMod val="50000"/>
+                  <a:lumOff val="50000"/>
+                </a:schemeClr>
+              </a:solidFill>
+              <a:latin typeface="Consolas" pitchFamily="49" charset="0"/>
+            </a:endParaRPr>
           </a:p>
           <a:p>
             <a:pPr marL="533400" indent="-531813">
@@ -14707,14 +17012,9 @@
   <p:clrMapOvr>
     <a:masterClrMapping/>
   </p:clrMapOvr>
-  <mc:AlternateContent xmlns:mc="http://schemas.openxmlformats.org/markup-compatibility/2006">
-    <mc:Choice xmlns:p14="http://schemas.microsoft.com/office/powerpoint/2010/main" Requires="p14">
-      <p:transition p14:dur="0"/>
-    </mc:Choice>
-    <mc:Fallback>
-      <p:transition xmlns:p14="http://schemas.microsoft.com/office/powerpoint/2010/main"/>
-    </mc:Fallback>
-  </mc:AlternateContent>
+  <p:transition xmlns:p14="http://schemas.microsoft.com/office/powerpoint/2010/main" spd="slow">
+    <p:push dir="u"/>
+  </p:transition>
   <p:timing>
     <p:tnLst>
       <p:par>
@@ -15591,7 +17891,9 @@
   <p:clrMapOvr>
     <a:masterClrMapping/>
   </p:clrMapOvr>
-  <p:transition xmlns:p14="http://schemas.microsoft.com/office/powerpoint/2010/main"/>
+  <p:transition xmlns:p14="http://schemas.microsoft.com/office/powerpoint/2010/main" spd="slow">
+    <p:push dir="u"/>
+  </p:transition>
   <p:timing>
     <p:tnLst>
       <p:par>
@@ -15695,6 +17997,9 @@
   <p:clrMapOvr>
     <a:masterClrMapping/>
   </p:clrMapOvr>
+  <p:transition xmlns:p14="http://schemas.microsoft.com/office/powerpoint/2010/main" spd="slow">
+    <p:push dir="u"/>
+  </p:transition>
   <p:timing>
     <p:tnLst>
       <p:par>
@@ -15786,7 +18091,7 @@
             <a:pPr>
               <a:buNone/>
             </a:pPr>
-            <a:endParaRPr lang="en-US" dirty="0" smtClean="0"/>
+            <a:endParaRPr lang="en-US" i="1" dirty="0" smtClean="0"/>
           </a:p>
           <a:p>
             <a:pPr>
@@ -15794,8 +18099,9 @@
             </a:pPr>
             <a:r>
               <a:rPr lang="en-US" i="1" dirty="0" smtClean="0"/>
-              <a:t>	Available since 2009…</a:t>
-            </a:r>
+              <a:t>		Audit = keep a revision of your entity after every "event" (insert, update, delete)</a:t>
+            </a:r>
+            <a:endParaRPr lang="en-US" i="1" dirty="0" smtClean="0"/>
           </a:p>
           <a:p>
             <a:pPr>
@@ -15807,44 +18113,70 @@
             <a:pPr>
               <a:buNone/>
             </a:pPr>
+            <a:r>
+              <a:rPr lang="en-US" i="1" dirty="0" smtClean="0"/>
+              <a:t>	</a:t>
+            </a:r>
+            <a:r>
+              <a:rPr lang="en-US" i="1" dirty="0" smtClean="0"/>
+              <a:t>	Available </a:t>
+            </a:r>
+            <a:r>
+              <a:rPr lang="en-US" i="1" dirty="0" smtClean="0"/>
+              <a:t>since 2009</a:t>
+            </a:r>
+            <a:r>
+              <a:rPr lang="en-US" i="1" dirty="0" smtClean="0"/>
+              <a:t>…</a:t>
+            </a:r>
             <a:endParaRPr lang="en-US" dirty="0" smtClean="0"/>
           </a:p>
           <a:p>
             <a:pPr>
               <a:buNone/>
             </a:pPr>
-            <a:r>
-              <a:rPr lang="en-US" sz="3200" dirty="0" smtClean="0">
-                <a:solidFill>
-                  <a:srgbClr val="0070C0"/>
-                </a:solidFill>
-              </a:rPr>
-              <a:t>		</a:t>
-            </a:r>
-            <a:r>
-              <a:rPr lang="en-US" sz="3200" u="sng" dirty="0" smtClean="0">
-                <a:solidFill>
-                  <a:srgbClr val="0070C0"/>
-                </a:solidFill>
-              </a:rPr>
-              <a:t>http://www.jboss.org/envers</a:t>
-            </a:r>
-          </a:p>
-          <a:p>
-            <a:pPr>
+            <a:endParaRPr lang="en-US" dirty="0" smtClean="0"/>
+          </a:p>
+          <a:p>
+            <a:pPr lvl="4">
               <a:buNone/>
             </a:pPr>
             <a:r>
-              <a:rPr lang="en-US" sz="3200" dirty="0" smtClean="0"/>
-              <a:t>		</a:t>
-            </a:r>
-            <a:r>
               <a:rPr lang="en-US" sz="3200" u="sng" dirty="0" smtClean="0">
                 <a:solidFill>
                   <a:srgbClr val="0070C0"/>
                 </a:solidFill>
               </a:rPr>
-              <a:t>http://docs.jboss.org/envers/docs/</a:t>
+              <a:t>http</a:t>
+            </a:r>
+            <a:r>
+              <a:rPr lang="en-US" sz="3200" u="sng" dirty="0" smtClean="0">
+                <a:solidFill>
+                  <a:srgbClr val="0070C0"/>
+                </a:solidFill>
+              </a:rPr>
+              <a:t>://www.jboss.org/envers</a:t>
+            </a:r>
+          </a:p>
+          <a:p>
+            <a:pPr lvl="4">
+              <a:buNone/>
+            </a:pPr>
+            <a:r>
+              <a:rPr lang="en-US" sz="3200" u="sng" dirty="0" smtClean="0">
+                <a:solidFill>
+                  <a:srgbClr val="0070C0"/>
+                </a:solidFill>
+              </a:rPr>
+              <a:t>http</a:t>
+            </a:r>
+            <a:r>
+              <a:rPr lang="en-US" sz="3200" u="sng" dirty="0" smtClean="0">
+                <a:solidFill>
+                  <a:srgbClr val="0070C0"/>
+                </a:solidFill>
+              </a:rPr>
+              <a:t>://docs.jboss.org/envers/docs/</a:t>
             </a:r>
             <a:r>
               <a:rPr lang="en-US" sz="3200" u="sng" dirty="0" err="1" smtClean="0">
@@ -15861,16 +18193,16 @@
             </a:endParaRPr>
           </a:p>
           <a:p>
-            <a:pPr>
+            <a:pPr lvl="4">
               <a:buNone/>
             </a:pPr>
             <a:r>
-              <a:rPr lang="en-US" sz="3200" dirty="0">
+              <a:rPr lang="en-US" sz="3200" u="sng" dirty="0" smtClean="0">
                 <a:solidFill>
                   <a:srgbClr val="0070C0"/>
                 </a:solidFill>
               </a:rPr>
-              <a:t>		</a:t>
+              <a:t>http</a:t>
             </a:r>
             <a:r>
               <a:rPr lang="en-US" sz="3200" u="sng" dirty="0">
@@ -15878,7 +18210,7 @@
                   <a:srgbClr val="0070C0"/>
                 </a:solidFill>
               </a:rPr>
-              <a:t>http://</a:t>
+              <a:t>://</a:t>
             </a:r>
             <a:r>
               <a:rPr lang="en-US" sz="3200" u="sng" dirty="0" err="1">
@@ -15942,11 +18274,38 @@
           </a:p>
         </p:txBody>
       </p:sp>
+      <p:pic>
+        <p:nvPicPr>
+          <p:cNvPr id="5" name="Image 4"/>
+          <p:cNvPicPr>
+            <a:picLocks noChangeAspect="1"/>
+          </p:cNvPicPr>
+          <p:nvPr/>
+        </p:nvPicPr>
+        <p:blipFill>
+          <a:blip r:embed="rId2"/>
+          <a:stretch>
+            <a:fillRect/>
+          </a:stretch>
+        </p:blipFill>
+        <p:spPr>
+          <a:xfrm>
+            <a:off x="958578" y="6978848"/>
+            <a:ext cx="1625600" cy="1625600"/>
+          </a:xfrm>
+          <a:prstGeom prst="rect">
+            <a:avLst/>
+          </a:prstGeom>
+        </p:spPr>
+      </p:pic>
     </p:spTree>
   </p:cSld>
   <p:clrMapOvr>
     <a:masterClrMapping/>
   </p:clrMapOvr>
+  <p:transition xmlns:p14="http://schemas.microsoft.com/office/powerpoint/2010/main" spd="slow">
+    <p:push dir="u"/>
+  </p:transition>
   <p:timing>
     <p:tnLst>
       <p:par>
@@ -16022,6 +18381,9 @@
   <p:clrMapOvr>
     <a:masterClrMapping/>
   </p:clrMapOvr>
+  <p:transition xmlns:p14="http://schemas.microsoft.com/office/powerpoint/2010/main" spd="slow">
+    <p:push dir="u"/>
+  </p:transition>
   <p:timing>
     <p:tnLst>
       <p:par>
@@ -16188,8 +18550,17 @@
             </a:r>
             <a:r>
               <a:rPr lang="en-US" dirty="0" smtClean="0"/>
-              <a:t> library</a:t>
-            </a:r>
+              <a:t> </a:t>
+            </a:r>
+            <a:r>
+              <a:rPr lang="en-US" dirty="0" smtClean="0"/>
+              <a:t>library in </a:t>
+            </a:r>
+            <a:r>
+              <a:rPr lang="en-US" dirty="0" err="1" smtClean="0"/>
+              <a:t>classpath</a:t>
+            </a:r>
+            <a:endParaRPr lang="en-US" dirty="0" smtClean="0"/>
           </a:p>
         </p:txBody>
       </p:sp>
@@ -16238,13 +18609,53 @@
                 <a:tab pos="14478000" algn="l"/>
               </a:tabLst>
             </a:pPr>
+            <a:endParaRPr lang="en-US" sz="2800" i="1" dirty="0" smtClean="0">
+              <a:solidFill>
+                <a:srgbClr val="008000"/>
+              </a:solidFill>
+            </a:endParaRPr>
+          </a:p>
+          <a:p>
+            <a:pPr marL="533400" indent="-531813">
+              <a:buClrTx/>
+              <a:buNone/>
+              <a:tabLst>
+                <a:tab pos="533400" algn="l"/>
+                <a:tab pos="912813" algn="l"/>
+                <a:tab pos="1827213" algn="l"/>
+                <a:tab pos="2741613" algn="l"/>
+                <a:tab pos="3656013" algn="l"/>
+                <a:tab pos="4570413" algn="l"/>
+                <a:tab pos="5484813" algn="l"/>
+                <a:tab pos="6399213" algn="l"/>
+                <a:tab pos="7313613" algn="l"/>
+                <a:tab pos="8228013" algn="l"/>
+                <a:tab pos="9142413" algn="l"/>
+                <a:tab pos="10056813" algn="l"/>
+                <a:tab pos="10134600" algn="l"/>
+                <a:tab pos="10858500" algn="l"/>
+                <a:tab pos="11582400" algn="l"/>
+                <a:tab pos="12306300" algn="l"/>
+                <a:tab pos="13030200" algn="l"/>
+                <a:tab pos="13754100" algn="l"/>
+                <a:tab pos="14478000" algn="l"/>
+              </a:tabLst>
+            </a:pPr>
             <a:r>
               <a:rPr lang="en-US" sz="2800" i="1" dirty="0" smtClean="0">
                 <a:solidFill>
                   <a:srgbClr val="008000"/>
                 </a:solidFill>
               </a:rPr>
-              <a:t>&lt;!-- Requires:</a:t>
+              <a:t>&lt;</a:t>
+            </a:r>
+            <a:r>
+              <a:rPr lang="en-US" sz="2800" i="1" dirty="0" smtClean="0">
+                <a:solidFill>
+                  <a:srgbClr val="008000"/>
+                </a:solidFill>
+              </a:rPr>
+              <a:t>!-- Requires:</a:t>
             </a:r>
           </a:p>
           <a:p>
@@ -16648,7 +19059,9 @@
   <p:clrMapOvr>
     <a:masterClrMapping/>
   </p:clrMapOvr>
-  <p:transition xmlns:p14="http://schemas.microsoft.com/office/powerpoint/2010/main"/>
+  <p:transition xmlns:p14="http://schemas.microsoft.com/office/powerpoint/2010/main" spd="slow">
+    <p:push dir="u"/>
+  </p:transition>
   <p:timing>
     <p:tnLst>
       <p:par>
@@ -16744,6 +19157,9 @@
   <p:clrMapOvr>
     <a:masterClrMapping/>
   </p:clrMapOvr>
+  <p:transition xmlns:p14="http://schemas.microsoft.com/office/powerpoint/2010/main" spd="slow">
+    <p:push dir="u"/>
+  </p:transition>
   <p:timing>
     <p:tnLst>
       <p:par>
@@ -17636,7 +20052,9 @@
   <p:clrMapOvr>
     <a:masterClrMapping/>
   </p:clrMapOvr>
-  <p:transition xmlns:p14="http://schemas.microsoft.com/office/powerpoint/2010/main"/>
+  <p:transition xmlns:p14="http://schemas.microsoft.com/office/powerpoint/2010/main" spd="slow">
+    <p:push dir="u"/>
+  </p:transition>
   <p:timing>
     <p:tnLst>
       <p:par>
